--- a/Slides/Module 4 - Python to databases.pptx
+++ b/Slides/Module 4 - Python to databases.pptx
@@ -5,10 +5,10 @@
     <p:sldMasterId id="2147483660" r:id="rId4"/>
   </p:sldMasterIdLst>
   <p:notesMasterIdLst>
-    <p:notesMasterId r:id="rId45"/>
+    <p:notesMasterId r:id="rId39"/>
   </p:notesMasterIdLst>
   <p:handoutMasterIdLst>
-    <p:handoutMasterId r:id="rId46"/>
+    <p:handoutMasterId r:id="rId40"/>
   </p:handoutMasterIdLst>
   <p:sldIdLst>
     <p:sldId id="277" r:id="rId5"/>
@@ -17,40 +17,34 @@
     <p:sldId id="367" r:id="rId8"/>
     <p:sldId id="299" r:id="rId9"/>
     <p:sldId id="358" r:id="rId10"/>
-    <p:sldId id="334" r:id="rId11"/>
-    <p:sldId id="359" r:id="rId12"/>
-    <p:sldId id="298" r:id="rId13"/>
-    <p:sldId id="335" r:id="rId14"/>
-    <p:sldId id="336" r:id="rId15"/>
-    <p:sldId id="360" r:id="rId16"/>
-    <p:sldId id="351" r:id="rId17"/>
-    <p:sldId id="350" r:id="rId18"/>
-    <p:sldId id="361" r:id="rId19"/>
-    <p:sldId id="352" r:id="rId20"/>
-    <p:sldId id="362" r:id="rId21"/>
-    <p:sldId id="340" r:id="rId22"/>
-    <p:sldId id="338" r:id="rId23"/>
-    <p:sldId id="368" r:id="rId24"/>
-    <p:sldId id="337" r:id="rId25"/>
-    <p:sldId id="339" r:id="rId26"/>
-    <p:sldId id="369" r:id="rId27"/>
-    <p:sldId id="355" r:id="rId28"/>
-    <p:sldId id="363" r:id="rId29"/>
-    <p:sldId id="345" r:id="rId30"/>
-    <p:sldId id="342" r:id="rId31"/>
-    <p:sldId id="341" r:id="rId32"/>
-    <p:sldId id="343" r:id="rId33"/>
-    <p:sldId id="349" r:id="rId34"/>
-    <p:sldId id="356" r:id="rId35"/>
-    <p:sldId id="357" r:id="rId36"/>
-    <p:sldId id="364" r:id="rId37"/>
-    <p:sldId id="346" r:id="rId38"/>
-    <p:sldId id="365" r:id="rId39"/>
-    <p:sldId id="366" r:id="rId40"/>
-    <p:sldId id="347" r:id="rId41"/>
-    <p:sldId id="348" r:id="rId42"/>
-    <p:sldId id="322" r:id="rId43"/>
-    <p:sldId id="269" r:id="rId44"/>
+    <p:sldId id="359" r:id="rId11"/>
+    <p:sldId id="298" r:id="rId12"/>
+    <p:sldId id="335" r:id="rId13"/>
+    <p:sldId id="360" r:id="rId14"/>
+    <p:sldId id="351" r:id="rId15"/>
+    <p:sldId id="361" r:id="rId16"/>
+    <p:sldId id="362" r:id="rId17"/>
+    <p:sldId id="340" r:id="rId18"/>
+    <p:sldId id="338" r:id="rId19"/>
+    <p:sldId id="368" r:id="rId20"/>
+    <p:sldId id="337" r:id="rId21"/>
+    <p:sldId id="339" r:id="rId22"/>
+    <p:sldId id="369" r:id="rId23"/>
+    <p:sldId id="363" r:id="rId24"/>
+    <p:sldId id="345" r:id="rId25"/>
+    <p:sldId id="342" r:id="rId26"/>
+    <p:sldId id="341" r:id="rId27"/>
+    <p:sldId id="343" r:id="rId28"/>
+    <p:sldId id="349" r:id="rId29"/>
+    <p:sldId id="356" r:id="rId30"/>
+    <p:sldId id="364" r:id="rId31"/>
+    <p:sldId id="346" r:id="rId32"/>
+    <p:sldId id="365" r:id="rId33"/>
+    <p:sldId id="366" r:id="rId34"/>
+    <p:sldId id="347" r:id="rId35"/>
+    <p:sldId id="348" r:id="rId36"/>
+    <p:sldId id="322" r:id="rId37"/>
+    <p:sldId id="269" r:id="rId38"/>
   </p:sldIdLst>
   <p:sldSz cx="12192000" cy="6858000"/>
   <p:notesSz cx="6858000" cy="9144000"/>
@@ -242,7 +236,7 @@
           <a:p>
             <a:fld id="{312E7B4A-039C-48A2-9B2C-AF16AA3873D8}" type="datetimeFigureOut">
               <a:rPr lang="en-US" smtClean="0"/>
-              <a:t>2/20/2015</a:t>
+              <a:t>3/1/2015</a:t>
             </a:fld>
             <a:endParaRPr lang="en-US"/>
           </a:p>
@@ -407,7 +401,7 @@
           <a:p>
             <a:fld id="{DA005A0C-54D9-45AA-87D4-C551D08DFCE1}" type="datetimeFigureOut">
               <a:rPr lang="en-US" smtClean="0"/>
-              <a:t>2/20/2015</a:t>
+              <a:t>3/1/2015</a:t>
             </a:fld>
             <a:endParaRPr lang="en-US"/>
           </a:p>
@@ -3798,1256 +3792,6 @@
         <p:spPr/>
         <p:txBody>
           <a:bodyPr>
-            <a:normAutofit fontScale="90000"/>
-          </a:bodyPr>
-          <a:lstStyle/>
-          <a:p>
-            <a:r>
-              <a:rPr lang="en-CA" dirty="0" smtClean="0"/>
-              <a:t>When you install SQL Server you need to ensure it will allow a user name and password for logon</a:t>
-            </a:r>
-            <a:endParaRPr lang="en-US" dirty="0"/>
-          </a:p>
-        </p:txBody>
-      </p:sp>
-      <p:sp>
-        <p:nvSpPr>
-          <p:cNvPr id="3" name="Content Placeholder 2"/>
-          <p:cNvSpPr>
-            <a:spLocks noGrp="1"/>
-          </p:cNvSpPr>
-          <p:nvPr>
-            <p:ph sz="quarter" idx="10"/>
-          </p:nvPr>
-        </p:nvSpPr>
-        <p:spPr/>
-        <p:txBody>
-          <a:bodyPr/>
-          <a:lstStyle/>
-          <a:p>
-            <a:r>
-              <a:rPr lang="en-CA" dirty="0" smtClean="0"/>
-              <a:t>SQL Server operates in two modes</a:t>
-            </a:r>
-            <a:endParaRPr lang="en-US" dirty="0" smtClean="0"/>
-          </a:p>
-          <a:p>
-            <a:pPr lvl="1"/>
-            <a:r>
-              <a:rPr lang="en-CA" dirty="0" smtClean="0"/>
-              <a:t>Windows Authentication (uses your Windows account to log in)</a:t>
-            </a:r>
-          </a:p>
-          <a:p>
-            <a:pPr lvl="1"/>
-            <a:r>
-              <a:rPr lang="en-CA" dirty="0" smtClean="0"/>
-              <a:t>Mixed/SQL Authentication (provide a username and password to log in)</a:t>
-            </a:r>
-          </a:p>
-          <a:p>
-            <a:r>
-              <a:rPr lang="en-CA" dirty="0" smtClean="0"/>
-              <a:t>For a Python website, you want to use Mixed/SQL Authentication. Find out how to ensure the correct mode and set up a system administrator login account </a:t>
-            </a:r>
-            <a:r>
-              <a:rPr lang="en-CA" dirty="0" smtClean="0">
-                <a:hlinkClick r:id="rId2"/>
-              </a:rPr>
-              <a:t>here</a:t>
-            </a:r>
-            <a:endParaRPr lang="en-CA" dirty="0"/>
-          </a:p>
-        </p:txBody>
-      </p:sp>
-    </p:spTree>
-    <p:extLst>
-      <p:ext uri="{BB962C8B-B14F-4D97-AF65-F5344CB8AC3E}">
-        <p14:creationId xmlns:p14="http://schemas.microsoft.com/office/powerpoint/2010/main" val="3235370996"/>
-      </p:ext>
-    </p:extLst>
-  </p:cSld>
-  <p:clrMapOvr>
-    <a:masterClrMapping/>
-  </p:clrMapOvr>
-  <p:timing>
-    <p:tnLst>
-      <p:par>
-        <p:cTn id="1" dur="indefinite" restart="never" nodeType="tmRoot">
-          <p:childTnLst>
-            <p:seq concurrent="1" nextAc="seek">
-              <p:cTn id="2" dur="indefinite" nodeType="mainSeq">
-                <p:childTnLst>
-                  <p:par>
-                    <p:cTn id="3" fill="hold">
-                      <p:stCondLst>
-                        <p:cond delay="indefinite"/>
-                      </p:stCondLst>
-                      <p:childTnLst>
-                        <p:par>
-                          <p:cTn id="4" fill="hold">
-                            <p:stCondLst>
-                              <p:cond delay="0"/>
-                            </p:stCondLst>
-                            <p:childTnLst>
-                              <p:par>
-                                <p:cTn id="5" presetID="1" presetClass="entr" presetSubtype="0" fill="hold" grpId="0" nodeType="clickEffect">
-                                  <p:stCondLst>
-                                    <p:cond delay="0"/>
-                                  </p:stCondLst>
-                                  <p:childTnLst>
-                                    <p:set>
-                                      <p:cBhvr>
-                                        <p:cTn id="6" dur="1" fill="hold">
-                                          <p:stCondLst>
-                                            <p:cond delay="0"/>
-                                          </p:stCondLst>
-                                        </p:cTn>
-                                        <p:tgtEl>
-                                          <p:spTgt spid="3">
-                                            <p:txEl>
-                                              <p:pRg st="0" end="0"/>
-                                            </p:txEl>
-                                          </p:spTgt>
-                                        </p:tgtEl>
-                                        <p:attrNameLst>
-                                          <p:attrName>style.visibility</p:attrName>
-                                        </p:attrNameLst>
-                                      </p:cBhvr>
-                                      <p:to>
-                                        <p:strVal val="visible"/>
-                                      </p:to>
-                                    </p:set>
-                                  </p:childTnLst>
-                                </p:cTn>
-                              </p:par>
-                              <p:par>
-                                <p:cTn id="7" presetID="1" presetClass="entr" presetSubtype="0" fill="hold" grpId="0" nodeType="withEffect">
-                                  <p:stCondLst>
-                                    <p:cond delay="0"/>
-                                  </p:stCondLst>
-                                  <p:childTnLst>
-                                    <p:set>
-                                      <p:cBhvr>
-                                        <p:cTn id="8" dur="1" fill="hold">
-                                          <p:stCondLst>
-                                            <p:cond delay="0"/>
-                                          </p:stCondLst>
-                                        </p:cTn>
-                                        <p:tgtEl>
-                                          <p:spTgt spid="3">
-                                            <p:txEl>
-                                              <p:pRg st="1" end="1"/>
-                                            </p:txEl>
-                                          </p:spTgt>
-                                        </p:tgtEl>
-                                        <p:attrNameLst>
-                                          <p:attrName>style.visibility</p:attrName>
-                                        </p:attrNameLst>
-                                      </p:cBhvr>
-                                      <p:to>
-                                        <p:strVal val="visible"/>
-                                      </p:to>
-                                    </p:set>
-                                  </p:childTnLst>
-                                </p:cTn>
-                              </p:par>
-                              <p:par>
-                                <p:cTn id="9" presetID="1" presetClass="entr" presetSubtype="0" fill="hold" grpId="0" nodeType="withEffect">
-                                  <p:stCondLst>
-                                    <p:cond delay="0"/>
-                                  </p:stCondLst>
-                                  <p:childTnLst>
-                                    <p:set>
-                                      <p:cBhvr>
-                                        <p:cTn id="10" dur="1" fill="hold">
-                                          <p:stCondLst>
-                                            <p:cond delay="0"/>
-                                          </p:stCondLst>
-                                        </p:cTn>
-                                        <p:tgtEl>
-                                          <p:spTgt spid="3">
-                                            <p:txEl>
-                                              <p:pRg st="2" end="2"/>
-                                            </p:txEl>
-                                          </p:spTgt>
-                                        </p:tgtEl>
-                                        <p:attrNameLst>
-                                          <p:attrName>style.visibility</p:attrName>
-                                        </p:attrNameLst>
-                                      </p:cBhvr>
-                                      <p:to>
-                                        <p:strVal val="visible"/>
-                                      </p:to>
-                                    </p:set>
-                                  </p:childTnLst>
-                                </p:cTn>
-                              </p:par>
-                            </p:childTnLst>
-                          </p:cTn>
-                        </p:par>
-                      </p:childTnLst>
-                    </p:cTn>
-                  </p:par>
-                  <p:par>
-                    <p:cTn id="11" fill="hold">
-                      <p:stCondLst>
-                        <p:cond delay="indefinite"/>
-                      </p:stCondLst>
-                      <p:childTnLst>
-                        <p:par>
-                          <p:cTn id="12" fill="hold">
-                            <p:stCondLst>
-                              <p:cond delay="0"/>
-                            </p:stCondLst>
-                            <p:childTnLst>
-                              <p:par>
-                                <p:cTn id="13" presetID="1" presetClass="entr" presetSubtype="0" fill="hold" grpId="0" nodeType="clickEffect">
-                                  <p:stCondLst>
-                                    <p:cond delay="0"/>
-                                  </p:stCondLst>
-                                  <p:childTnLst>
-                                    <p:set>
-                                      <p:cBhvr>
-                                        <p:cTn id="14" dur="1" fill="hold">
-                                          <p:stCondLst>
-                                            <p:cond delay="0"/>
-                                          </p:stCondLst>
-                                        </p:cTn>
-                                        <p:tgtEl>
-                                          <p:spTgt spid="3">
-                                            <p:txEl>
-                                              <p:pRg st="3" end="3"/>
-                                            </p:txEl>
-                                          </p:spTgt>
-                                        </p:tgtEl>
-                                        <p:attrNameLst>
-                                          <p:attrName>style.visibility</p:attrName>
-                                        </p:attrNameLst>
-                                      </p:cBhvr>
-                                      <p:to>
-                                        <p:strVal val="visible"/>
-                                      </p:to>
-                                    </p:set>
-                                  </p:childTnLst>
-                                </p:cTn>
-                              </p:par>
-                            </p:childTnLst>
-                          </p:cTn>
-                        </p:par>
-                      </p:childTnLst>
-                    </p:cTn>
-                  </p:par>
-                </p:childTnLst>
-              </p:cTn>
-              <p:prevCondLst>
-                <p:cond evt="onPrev" delay="0">
-                  <p:tgtEl>
-                    <p:sldTgt/>
-                  </p:tgtEl>
-                </p:cond>
-              </p:prevCondLst>
-              <p:nextCondLst>
-                <p:cond evt="onNext" delay="0">
-                  <p:tgtEl>
-                    <p:sldTgt/>
-                  </p:tgtEl>
-                </p:cond>
-              </p:nextCondLst>
-            </p:seq>
-          </p:childTnLst>
-        </p:cTn>
-      </p:par>
-    </p:tnLst>
-    <p:bldLst>
-      <p:bldP spid="3" grpId="0" uiExpand="1" build="p"/>
-    </p:bldLst>
-  </p:timing>
-</p:sld>
-</file>
-
-<file path=ppt/slides/slide11.xml><?xml version="1.0" encoding="utf-8"?>
-<p:sld xmlns:a="http://schemas.openxmlformats.org/drawingml/2006/main" xmlns:r="http://schemas.openxmlformats.org/officeDocument/2006/relationships" xmlns:p="http://schemas.openxmlformats.org/presentationml/2006/main" show="0">
-  <p:cSld>
-    <p:spTree>
-      <p:nvGrpSpPr>
-        <p:cNvPr id="1" name=""/>
-        <p:cNvGrpSpPr/>
-        <p:nvPr/>
-      </p:nvGrpSpPr>
-      <p:grpSpPr>
-        <a:xfrm>
-          <a:off x="0" y="0"/>
-          <a:ext cx="0" cy="0"/>
-          <a:chOff x="0" y="0"/>
-          <a:chExt cx="0" cy="0"/>
-        </a:xfrm>
-      </p:grpSpPr>
-      <p:sp>
-        <p:nvSpPr>
-          <p:cNvPr id="2" name="Title 1"/>
-          <p:cNvSpPr>
-            <a:spLocks noGrp="1"/>
-          </p:cNvSpPr>
-          <p:nvPr>
-            <p:ph type="title"/>
-          </p:nvPr>
-        </p:nvSpPr>
-        <p:spPr/>
-        <p:txBody>
-          <a:bodyPr>
-            <a:normAutofit/>
-          </a:bodyPr>
-          <a:lstStyle/>
-          <a:p>
-            <a:r>
-              <a:rPr lang="en-CA" dirty="0" smtClean="0"/>
-              <a:t>Use the connect method to get a connection</a:t>
-            </a:r>
-            <a:endParaRPr lang="en-US" dirty="0"/>
-          </a:p>
-        </p:txBody>
-      </p:sp>
-      <p:sp>
-        <p:nvSpPr>
-          <p:cNvPr id="5" name="Rectangle 2"/>
-          <p:cNvSpPr>
-            <a:spLocks noGrp="1" noChangeArrowheads="1"/>
-          </p:cNvSpPr>
-          <p:nvPr>
-            <p:ph sz="quarter" idx="10"/>
-          </p:nvPr>
-        </p:nvSpPr>
-        <p:spPr bwMode="auto">
-          <a:xfrm>
-            <a:off x="379514" y="1676589"/>
-            <a:ext cx="11028981" cy="954107"/>
-          </a:xfrm>
-          <a:prstGeom prst="rect">
-            <a:avLst/>
-          </a:prstGeom>
-          <a:solidFill>
-            <a:srgbClr val="FFFFFF"/>
-          </a:solidFill>
-          <a:ln w="9525">
-            <a:solidFill>
-              <a:schemeClr val="tx1"/>
-            </a:solidFill>
-            <a:miter lim="800000"/>
-            <a:headEnd/>
-            <a:tailEnd/>
-          </a:ln>
-          <a:effectLst/>
-          <a:extLst>
-            <a:ext uri="{AF507438-7753-43E0-B8FC-AC1667EBCBE1}">
-              <a14:hiddenEffects xmlns:a14="http://schemas.microsoft.com/office/drawing/2010/main">
-                <a:effectLst>
-                  <a:outerShdw dist="35921" dir="2700000" algn="ctr" rotWithShape="0">
-                    <a:schemeClr val="bg2"/>
-                  </a:outerShdw>
-                </a:effectLst>
-              </a14:hiddenEffects>
-            </a:ext>
-          </a:extLst>
-        </p:spPr>
-        <p:txBody>
-          <a:bodyPr vert="horz" wrap="none" lIns="91440" tIns="45720" rIns="91440" bIns="45720" numCol="1" anchor="ctr" anchorCtr="0" compatLnSpc="1">
-            <a:prstTxWarp prst="textNoShape">
-              <a:avLst/>
-            </a:prstTxWarp>
-            <a:spAutoFit/>
-          </a:bodyPr>
-          <a:lstStyle/>
-          <a:p>
-            <a:pPr marL="0" marR="0" lvl="0" indent="0" algn="l" defTabSz="914400" rtl="0" eaLnBrk="0" fontAlgn="base" latinLnBrk="0" hangingPunct="0">
-              <a:lnSpc>
-                <a:spcPct val="100000"/>
-              </a:lnSpc>
-              <a:spcBef>
-                <a:spcPct val="0"/>
-              </a:spcBef>
-              <a:spcAft>
-                <a:spcPct val="0"/>
-              </a:spcAft>
-              <a:buClrTx/>
-              <a:buSzTx/>
-              <a:buFontTx/>
-              <a:buNone/>
-              <a:tabLst/>
-            </a:pPr>
-            <a:r>
-              <a:rPr kumimoji="0" lang="en-US" altLang="en-US" sz="2800" i="0" u="none" strike="noStrike" cap="none" normalizeH="0" baseline="0" dirty="0" err="1" smtClean="0">
-                <a:ln>
-                  <a:noFill/>
-                </a:ln>
-                <a:solidFill>
-                  <a:srgbClr val="000000"/>
-                </a:solidFill>
-                <a:effectLst/>
-                <a:latin typeface="Consolas" panose="020B0609020204030204" pitchFamily="49" charset="0"/>
-                <a:cs typeface="Consolas" panose="020B0609020204030204" pitchFamily="49" charset="0"/>
-              </a:rPr>
-              <a:t>pymssql.connect</a:t>
-            </a:r>
-            <a:r>
-              <a:rPr kumimoji="0" lang="en-US" altLang="en-US" sz="2800" i="0" u="none" strike="noStrike" cap="none" normalizeH="0" baseline="0" dirty="0" smtClean="0">
-                <a:ln>
-                  <a:noFill/>
-                </a:ln>
-                <a:solidFill>
-                  <a:srgbClr val="000000"/>
-                </a:solidFill>
-                <a:effectLst/>
-                <a:latin typeface="Consolas" panose="020B0609020204030204" pitchFamily="49" charset="0"/>
-                <a:cs typeface="Consolas" panose="020B0609020204030204" pitchFamily="49" charset="0"/>
-              </a:rPr>
-              <a:t>(server= </a:t>
-            </a:r>
-            <a:r>
-              <a:rPr kumimoji="0" lang="en-US" altLang="en-US" sz="2800" i="1" u="none" strike="noStrike" cap="none" normalizeH="0" baseline="0" dirty="0" smtClean="0">
-                <a:ln>
-                  <a:noFill/>
-                </a:ln>
-                <a:solidFill>
-                  <a:srgbClr val="A31515"/>
-                </a:solidFill>
-                <a:effectLst/>
-                <a:latin typeface="Consolas" panose="020B0609020204030204" pitchFamily="49" charset="0"/>
-                <a:cs typeface="Consolas" panose="020B0609020204030204" pitchFamily="49" charset="0"/>
-              </a:rPr>
-              <a:t>'</a:t>
-            </a:r>
-            <a:r>
-              <a:rPr kumimoji="0" lang="en-US" altLang="en-US" sz="2800" i="1" u="none" strike="noStrike" cap="none" normalizeH="0" baseline="0" dirty="0" err="1" smtClean="0">
-                <a:ln>
-                  <a:noFill/>
-                </a:ln>
-                <a:solidFill>
-                  <a:srgbClr val="A31515"/>
-                </a:solidFill>
-                <a:effectLst/>
-                <a:latin typeface="Consolas" panose="020B0609020204030204" pitchFamily="49" charset="0"/>
-                <a:cs typeface="Consolas" panose="020B0609020204030204" pitchFamily="49" charset="0"/>
-              </a:rPr>
-              <a:t>serverName</a:t>
-            </a:r>
-            <a:r>
-              <a:rPr kumimoji="0" lang="en-US" altLang="en-US" sz="2800" i="0" u="none" strike="noStrike" cap="none" normalizeH="0" baseline="0" dirty="0" smtClean="0">
-                <a:ln>
-                  <a:noFill/>
-                </a:ln>
-                <a:solidFill>
-                  <a:srgbClr val="A31515"/>
-                </a:solidFill>
-                <a:effectLst/>
-                <a:latin typeface="Consolas" panose="020B0609020204030204" pitchFamily="49" charset="0"/>
-                <a:cs typeface="Consolas" panose="020B0609020204030204" pitchFamily="49" charset="0"/>
-              </a:rPr>
-              <a:t>'</a:t>
-            </a:r>
-            <a:r>
-              <a:rPr kumimoji="0" lang="en-US" altLang="en-US" sz="2800" i="0" u="none" strike="noStrike" cap="none" normalizeH="0" baseline="0" dirty="0" smtClean="0">
-                <a:ln>
-                  <a:noFill/>
-                </a:ln>
-                <a:solidFill>
-                  <a:srgbClr val="000000"/>
-                </a:solidFill>
-                <a:effectLst/>
-                <a:latin typeface="Consolas" panose="020B0609020204030204" pitchFamily="49" charset="0"/>
-                <a:cs typeface="Consolas" panose="020B0609020204030204" pitchFamily="49" charset="0"/>
-              </a:rPr>
-              <a:t>, user=</a:t>
-            </a:r>
-            <a:r>
-              <a:rPr kumimoji="0" lang="en-US" altLang="en-US" sz="2800" i="1" u="none" strike="noStrike" cap="none" normalizeH="0" baseline="0" dirty="0" smtClean="0">
-                <a:ln>
-                  <a:noFill/>
-                </a:ln>
-                <a:solidFill>
-                  <a:srgbClr val="A31515"/>
-                </a:solidFill>
-                <a:effectLst/>
-                <a:latin typeface="Consolas" panose="020B0609020204030204" pitchFamily="49" charset="0"/>
-                <a:cs typeface="Consolas" panose="020B0609020204030204" pitchFamily="49" charset="0"/>
-              </a:rPr>
-              <a:t>'</a:t>
-            </a:r>
-            <a:r>
-              <a:rPr kumimoji="0" lang="en-US" altLang="en-US" sz="2800" i="1" u="none" strike="noStrike" cap="none" normalizeH="0" baseline="0" dirty="0" err="1" smtClean="0">
-                <a:ln>
-                  <a:noFill/>
-                </a:ln>
-                <a:solidFill>
-                  <a:srgbClr val="A31515"/>
-                </a:solidFill>
-                <a:effectLst/>
-                <a:latin typeface="Consolas" panose="020B0609020204030204" pitchFamily="49" charset="0"/>
-                <a:cs typeface="Consolas" panose="020B0609020204030204" pitchFamily="49" charset="0"/>
-              </a:rPr>
-              <a:t>userName</a:t>
-            </a:r>
-            <a:r>
-              <a:rPr kumimoji="0" lang="en-US" altLang="en-US" sz="2800" i="0" u="none" strike="noStrike" cap="none" normalizeH="0" baseline="0" dirty="0" smtClean="0">
-                <a:ln>
-                  <a:noFill/>
-                </a:ln>
-                <a:solidFill>
-                  <a:srgbClr val="A31515"/>
-                </a:solidFill>
-                <a:effectLst/>
-                <a:latin typeface="Consolas" panose="020B0609020204030204" pitchFamily="49" charset="0"/>
-                <a:cs typeface="Consolas" panose="020B0609020204030204" pitchFamily="49" charset="0"/>
-              </a:rPr>
-              <a:t>'</a:t>
-            </a:r>
-            <a:r>
-              <a:rPr kumimoji="0" lang="en-US" altLang="en-US" sz="2800" i="0" u="none" strike="noStrike" cap="none" normalizeH="0" baseline="0" dirty="0" smtClean="0">
-                <a:ln>
-                  <a:noFill/>
-                </a:ln>
-                <a:solidFill>
-                  <a:srgbClr val="000000"/>
-                </a:solidFill>
-                <a:effectLst/>
-                <a:latin typeface="Consolas" panose="020B0609020204030204" pitchFamily="49" charset="0"/>
-                <a:cs typeface="Consolas" panose="020B0609020204030204" pitchFamily="49" charset="0"/>
-              </a:rPr>
-              <a:t>, </a:t>
-            </a:r>
-          </a:p>
-          <a:p>
-            <a:pPr marL="0" marR="0" lvl="0" indent="0" algn="l" defTabSz="914400" rtl="0" eaLnBrk="0" fontAlgn="base" latinLnBrk="0" hangingPunct="0">
-              <a:lnSpc>
-                <a:spcPct val="100000"/>
-              </a:lnSpc>
-              <a:spcBef>
-                <a:spcPct val="0"/>
-              </a:spcBef>
-              <a:spcAft>
-                <a:spcPct val="0"/>
-              </a:spcAft>
-              <a:buClrTx/>
-              <a:buSzTx/>
-              <a:buFontTx/>
-              <a:buNone/>
-              <a:tabLst/>
-            </a:pPr>
-            <a:r>
-              <a:rPr lang="en-US" altLang="en-US" sz="2800" dirty="0">
-                <a:solidFill>
-                  <a:srgbClr val="000000"/>
-                </a:solidFill>
-                <a:latin typeface="Consolas" panose="020B0609020204030204" pitchFamily="49" charset="0"/>
-                <a:cs typeface="Consolas" panose="020B0609020204030204" pitchFamily="49" charset="0"/>
-              </a:rPr>
-              <a:t>	</a:t>
-            </a:r>
-            <a:r>
-              <a:rPr lang="en-US" altLang="en-US" sz="2800" dirty="0" smtClean="0">
-                <a:solidFill>
-                  <a:srgbClr val="000000"/>
-                </a:solidFill>
-                <a:latin typeface="Consolas" panose="020B0609020204030204" pitchFamily="49" charset="0"/>
-                <a:cs typeface="Consolas" panose="020B0609020204030204" pitchFamily="49" charset="0"/>
-              </a:rPr>
-              <a:t>	</a:t>
-            </a:r>
-            <a:r>
-              <a:rPr kumimoji="0" lang="en-US" altLang="en-US" sz="2800" i="0" u="none" strike="noStrike" cap="none" normalizeH="0" baseline="0" dirty="0" smtClean="0">
-                <a:ln>
-                  <a:noFill/>
-                </a:ln>
-                <a:solidFill>
-                  <a:srgbClr val="000000"/>
-                </a:solidFill>
-                <a:effectLst/>
-                <a:latin typeface="Consolas" panose="020B0609020204030204" pitchFamily="49" charset="0"/>
-                <a:cs typeface="Consolas" panose="020B0609020204030204" pitchFamily="49" charset="0"/>
-              </a:rPr>
-              <a:t>password=</a:t>
-            </a:r>
-            <a:r>
-              <a:rPr kumimoji="0" lang="en-US" altLang="en-US" sz="2800" i="1" u="none" strike="noStrike" cap="none" normalizeH="0" baseline="0" dirty="0" smtClean="0">
-                <a:ln>
-                  <a:noFill/>
-                </a:ln>
-                <a:solidFill>
-                  <a:srgbClr val="A31515"/>
-                </a:solidFill>
-                <a:effectLst/>
-                <a:latin typeface="Consolas" panose="020B0609020204030204" pitchFamily="49" charset="0"/>
-                <a:cs typeface="Consolas" panose="020B0609020204030204" pitchFamily="49" charset="0"/>
-              </a:rPr>
-              <a:t>'password</a:t>
-            </a:r>
-            <a:r>
-              <a:rPr kumimoji="0" lang="en-US" altLang="en-US" sz="2800" i="0" u="none" strike="noStrike" cap="none" normalizeH="0" baseline="0" dirty="0" smtClean="0">
-                <a:ln>
-                  <a:noFill/>
-                </a:ln>
-                <a:solidFill>
-                  <a:srgbClr val="A31515"/>
-                </a:solidFill>
-                <a:effectLst/>
-                <a:latin typeface="Consolas" panose="020B0609020204030204" pitchFamily="49" charset="0"/>
-                <a:cs typeface="Consolas" panose="020B0609020204030204" pitchFamily="49" charset="0"/>
-              </a:rPr>
-              <a:t>'</a:t>
-            </a:r>
-            <a:r>
-              <a:rPr kumimoji="0" lang="en-US" altLang="en-US" sz="2800" i="0" u="none" strike="noStrike" cap="none" normalizeH="0" baseline="0" dirty="0" smtClean="0">
-                <a:ln>
-                  <a:noFill/>
-                </a:ln>
-                <a:solidFill>
-                  <a:srgbClr val="000000"/>
-                </a:solidFill>
-                <a:effectLst/>
-                <a:latin typeface="Consolas" panose="020B0609020204030204" pitchFamily="49" charset="0"/>
-                <a:cs typeface="Consolas" panose="020B0609020204030204" pitchFamily="49" charset="0"/>
-              </a:rPr>
-              <a:t>, database=</a:t>
-            </a:r>
-            <a:r>
-              <a:rPr kumimoji="0" lang="en-US" altLang="en-US" sz="2800" i="1" u="none" strike="noStrike" cap="none" normalizeH="0" baseline="0" dirty="0" smtClean="0">
-                <a:ln>
-                  <a:noFill/>
-                </a:ln>
-                <a:solidFill>
-                  <a:srgbClr val="A31515"/>
-                </a:solidFill>
-                <a:effectLst/>
-                <a:latin typeface="Consolas" panose="020B0609020204030204" pitchFamily="49" charset="0"/>
-                <a:cs typeface="Consolas" panose="020B0609020204030204" pitchFamily="49" charset="0"/>
-              </a:rPr>
-              <a:t>'</a:t>
-            </a:r>
-            <a:r>
-              <a:rPr kumimoji="0" lang="en-US" altLang="en-US" sz="2800" i="1" u="none" strike="noStrike" cap="none" normalizeH="0" baseline="0" dirty="0" err="1" smtClean="0">
-                <a:ln>
-                  <a:noFill/>
-                </a:ln>
-                <a:solidFill>
-                  <a:srgbClr val="A31515"/>
-                </a:solidFill>
-                <a:effectLst/>
-                <a:latin typeface="Consolas" panose="020B0609020204030204" pitchFamily="49" charset="0"/>
-                <a:cs typeface="Consolas" panose="020B0609020204030204" pitchFamily="49" charset="0"/>
-              </a:rPr>
-              <a:t>databaseName</a:t>
-            </a:r>
-            <a:r>
-              <a:rPr kumimoji="0" lang="en-US" altLang="en-US" sz="2800" i="0" u="none" strike="noStrike" cap="none" normalizeH="0" baseline="0" dirty="0" smtClean="0">
-                <a:ln>
-                  <a:noFill/>
-                </a:ln>
-                <a:solidFill>
-                  <a:srgbClr val="A31515"/>
-                </a:solidFill>
-                <a:effectLst/>
-                <a:latin typeface="Consolas" panose="020B0609020204030204" pitchFamily="49" charset="0"/>
-                <a:cs typeface="Consolas" panose="020B0609020204030204" pitchFamily="49" charset="0"/>
-              </a:rPr>
-              <a:t>'</a:t>
-            </a:r>
-            <a:r>
-              <a:rPr kumimoji="0" lang="en-US" altLang="en-US" sz="2800" i="0" u="none" strike="noStrike" cap="none" normalizeH="0" baseline="0" dirty="0" smtClean="0">
-                <a:ln>
-                  <a:noFill/>
-                </a:ln>
-                <a:solidFill>
-                  <a:srgbClr val="000000"/>
-                </a:solidFill>
-                <a:effectLst/>
-                <a:latin typeface="Consolas" panose="020B0609020204030204" pitchFamily="49" charset="0"/>
-                <a:cs typeface="Consolas" panose="020B0609020204030204" pitchFamily="49" charset="0"/>
-              </a:rPr>
-              <a:t>)</a:t>
-            </a:r>
-            <a:endParaRPr kumimoji="0" lang="en-US" altLang="en-US" sz="3600" i="0" u="none" strike="noStrike" cap="none" normalizeH="0" baseline="0" dirty="0" smtClean="0">
-              <a:ln>
-                <a:noFill/>
-              </a:ln>
-              <a:solidFill>
-                <a:schemeClr val="tx1"/>
-              </a:solidFill>
-              <a:effectLst/>
-              <a:latin typeface="Arial" panose="020B0604020202020204" pitchFamily="34" charset="0"/>
-            </a:endParaRPr>
-          </a:p>
-        </p:txBody>
-      </p:sp>
-      <p:sp>
-        <p:nvSpPr>
-          <p:cNvPr id="6" name="Rectangle 3"/>
-          <p:cNvSpPr>
-            <a:spLocks noChangeArrowheads="1"/>
-          </p:cNvSpPr>
-          <p:nvPr/>
-        </p:nvSpPr>
-        <p:spPr bwMode="auto">
-          <a:xfrm>
-            <a:off x="379514" y="3592987"/>
-            <a:ext cx="11028981" cy="2246769"/>
-          </a:xfrm>
-          <a:prstGeom prst="rect">
-            <a:avLst/>
-          </a:prstGeom>
-          <a:solidFill>
-            <a:srgbClr val="FFFFFF"/>
-          </a:solidFill>
-          <a:ln w="9525">
-            <a:solidFill>
-              <a:schemeClr val="tx1"/>
-            </a:solidFill>
-            <a:miter lim="800000"/>
-            <a:headEnd/>
-            <a:tailEnd/>
-          </a:ln>
-          <a:effectLst/>
-          <a:extLst>
-            <a:ext uri="{AF507438-7753-43E0-B8FC-AC1667EBCBE1}">
-              <a14:hiddenEffects xmlns:a14="http://schemas.microsoft.com/office/drawing/2010/main">
-                <a:effectLst>
-                  <a:outerShdw dist="35921" dir="2700000" algn="ctr" rotWithShape="0">
-                    <a:schemeClr val="bg2"/>
-                  </a:outerShdw>
-                </a:effectLst>
-              </a14:hiddenEffects>
-            </a:ext>
-          </a:extLst>
-        </p:spPr>
-        <p:txBody>
-          <a:bodyPr vert="horz" wrap="square" lIns="91440" tIns="45720" rIns="91440" bIns="45720" numCol="1" anchor="ctr" anchorCtr="0" compatLnSpc="1">
-            <a:prstTxWarp prst="textNoShape">
-              <a:avLst/>
-            </a:prstTxWarp>
-            <a:spAutoFit/>
-          </a:bodyPr>
-          <a:lstStyle/>
-          <a:p>
-            <a:pPr marL="0" marR="0" lvl="0" indent="0" algn="l" defTabSz="914400" rtl="0" eaLnBrk="0" fontAlgn="base" latinLnBrk="0" hangingPunct="0">
-              <a:lnSpc>
-                <a:spcPct val="100000"/>
-              </a:lnSpc>
-              <a:spcBef>
-                <a:spcPct val="0"/>
-              </a:spcBef>
-              <a:spcAft>
-                <a:spcPct val="0"/>
-              </a:spcAft>
-              <a:buClrTx/>
-              <a:buSzTx/>
-              <a:buFontTx/>
-              <a:buNone/>
-              <a:tabLst/>
-            </a:pPr>
-            <a:r>
-              <a:rPr lang="en-US" altLang="en-US" sz="2800" dirty="0" smtClean="0">
-                <a:solidFill>
-                  <a:srgbClr val="000000"/>
-                </a:solidFill>
-                <a:latin typeface="Segoe UI" panose="020B0502040204020203" pitchFamily="34" charset="0"/>
-                <a:cs typeface="Segoe UI" panose="020B0502040204020203" pitchFamily="34" charset="0"/>
-              </a:rPr>
-              <a:t>Example</a:t>
-            </a:r>
-          </a:p>
-          <a:p>
-            <a:pPr marL="0" marR="0" lvl="0" indent="0" algn="l" defTabSz="914400" rtl="0" eaLnBrk="0" fontAlgn="base" latinLnBrk="0" hangingPunct="0">
-              <a:lnSpc>
-                <a:spcPct val="100000"/>
-              </a:lnSpc>
-              <a:spcBef>
-                <a:spcPct val="0"/>
-              </a:spcBef>
-              <a:spcAft>
-                <a:spcPct val="0"/>
-              </a:spcAft>
-              <a:buClrTx/>
-              <a:buSzTx/>
-              <a:buFontTx/>
-              <a:buNone/>
-              <a:tabLst/>
-            </a:pPr>
-            <a:endParaRPr lang="en-US" altLang="en-US" sz="2800" dirty="0" smtClean="0">
-              <a:solidFill>
-                <a:srgbClr val="000000"/>
-              </a:solidFill>
-              <a:latin typeface="Segoe UI" panose="020B0502040204020203" pitchFamily="34" charset="0"/>
-              <a:cs typeface="Segoe UI" panose="020B0502040204020203" pitchFamily="34" charset="0"/>
-            </a:endParaRPr>
-          </a:p>
-          <a:p>
-            <a:pPr marL="0" marR="0" lvl="0" indent="0" algn="l" defTabSz="914400" rtl="0" eaLnBrk="0" fontAlgn="base" latinLnBrk="0" hangingPunct="0">
-              <a:lnSpc>
-                <a:spcPct val="100000"/>
-              </a:lnSpc>
-              <a:spcBef>
-                <a:spcPct val="0"/>
-              </a:spcBef>
-              <a:spcAft>
-                <a:spcPct val="0"/>
-              </a:spcAft>
-              <a:buClrTx/>
-              <a:buSzTx/>
-              <a:buFontTx/>
-              <a:buNone/>
-              <a:tabLst/>
-            </a:pPr>
-            <a:r>
-              <a:rPr lang="en-US" altLang="en-US" sz="2800" dirty="0" err="1" smtClean="0">
-                <a:solidFill>
-                  <a:srgbClr val="000000"/>
-                </a:solidFill>
-                <a:latin typeface="Consolas" panose="020B0609020204030204" pitchFamily="49" charset="0"/>
-                <a:cs typeface="Consolas" panose="020B0609020204030204" pitchFamily="49" charset="0"/>
-              </a:rPr>
-              <a:t>myConnection</a:t>
-            </a:r>
-            <a:r>
-              <a:rPr lang="en-US" altLang="en-US" sz="2800" dirty="0" smtClean="0">
-                <a:solidFill>
-                  <a:srgbClr val="000000"/>
-                </a:solidFill>
-                <a:latin typeface="Consolas" panose="020B0609020204030204" pitchFamily="49" charset="0"/>
-                <a:cs typeface="Consolas" panose="020B0609020204030204" pitchFamily="49" charset="0"/>
-              </a:rPr>
-              <a:t> = </a:t>
-            </a:r>
-            <a:r>
-              <a:rPr kumimoji="0" lang="en-US" altLang="en-US" sz="2800" b="0" i="0" u="none" strike="noStrike" cap="none" normalizeH="0" baseline="0" dirty="0" err="1" smtClean="0">
-                <a:ln>
-                  <a:noFill/>
-                </a:ln>
-                <a:solidFill>
-                  <a:srgbClr val="000000"/>
-                </a:solidFill>
-                <a:effectLst/>
-                <a:latin typeface="Consolas" panose="020B0609020204030204" pitchFamily="49" charset="0"/>
-                <a:cs typeface="Consolas" panose="020B0609020204030204" pitchFamily="49" charset="0"/>
-              </a:rPr>
-              <a:t>pymssql.connect</a:t>
-            </a:r>
-            <a:r>
-              <a:rPr kumimoji="0" lang="en-US" altLang="en-US" sz="2800" b="0" i="0" u="none" strike="noStrike" cap="none" normalizeH="0" baseline="0" dirty="0" smtClean="0">
-                <a:ln>
-                  <a:noFill/>
-                </a:ln>
-                <a:solidFill>
-                  <a:srgbClr val="000000"/>
-                </a:solidFill>
-                <a:effectLst/>
-                <a:latin typeface="Consolas" panose="020B0609020204030204" pitchFamily="49" charset="0"/>
-                <a:cs typeface="Consolas" panose="020B0609020204030204" pitchFamily="49" charset="0"/>
-              </a:rPr>
-              <a:t>(server= </a:t>
-            </a:r>
-            <a:r>
-              <a:rPr kumimoji="0" lang="en-US" altLang="en-US" sz="2800" b="0" i="0" u="none" strike="noStrike" cap="none" normalizeH="0" baseline="0" dirty="0" smtClean="0">
-                <a:ln>
-                  <a:noFill/>
-                </a:ln>
-                <a:solidFill>
-                  <a:srgbClr val="A31515"/>
-                </a:solidFill>
-                <a:effectLst/>
-                <a:latin typeface="Consolas" panose="020B0609020204030204" pitchFamily="49" charset="0"/>
-                <a:cs typeface="Consolas" panose="020B0609020204030204" pitchFamily="49" charset="0"/>
-              </a:rPr>
-              <a:t>'localhost'</a:t>
-            </a:r>
-            <a:r>
-              <a:rPr kumimoji="0" lang="en-US" altLang="en-US" sz="2800" b="0" i="0" u="none" strike="noStrike" cap="none" normalizeH="0" baseline="0" dirty="0" smtClean="0">
-                <a:ln>
-                  <a:noFill/>
-                </a:ln>
-                <a:solidFill>
-                  <a:srgbClr val="000000"/>
-                </a:solidFill>
-                <a:effectLst/>
-                <a:latin typeface="Consolas" panose="020B0609020204030204" pitchFamily="49" charset="0"/>
-                <a:cs typeface="Consolas" panose="020B0609020204030204" pitchFamily="49" charset="0"/>
-              </a:rPr>
-              <a:t>, </a:t>
-            </a:r>
-          </a:p>
-          <a:p>
-            <a:pPr marL="0" marR="0" lvl="0" indent="0" algn="l" defTabSz="914400" rtl="0" eaLnBrk="0" fontAlgn="base" latinLnBrk="0" hangingPunct="0">
-              <a:lnSpc>
-                <a:spcPct val="100000"/>
-              </a:lnSpc>
-              <a:spcBef>
-                <a:spcPct val="0"/>
-              </a:spcBef>
-              <a:spcAft>
-                <a:spcPct val="0"/>
-              </a:spcAft>
-              <a:buClrTx/>
-              <a:buSzTx/>
-              <a:buFontTx/>
-              <a:buNone/>
-              <a:tabLst/>
-            </a:pPr>
-            <a:r>
-              <a:rPr lang="en-US" altLang="en-US" sz="2800" dirty="0">
-                <a:solidFill>
-                  <a:srgbClr val="000000"/>
-                </a:solidFill>
-                <a:latin typeface="Consolas" panose="020B0609020204030204" pitchFamily="49" charset="0"/>
-                <a:cs typeface="Consolas" panose="020B0609020204030204" pitchFamily="49" charset="0"/>
-              </a:rPr>
-              <a:t>	</a:t>
-            </a:r>
-            <a:r>
-              <a:rPr lang="en-US" altLang="en-US" sz="2800" dirty="0" smtClean="0">
-                <a:solidFill>
-                  <a:srgbClr val="000000"/>
-                </a:solidFill>
-                <a:latin typeface="Consolas" panose="020B0609020204030204" pitchFamily="49" charset="0"/>
-                <a:cs typeface="Consolas" panose="020B0609020204030204" pitchFamily="49" charset="0"/>
-              </a:rPr>
-              <a:t>		</a:t>
-            </a:r>
-            <a:r>
-              <a:rPr kumimoji="0" lang="en-US" altLang="en-US" sz="2800" b="0" i="0" u="none" strike="noStrike" cap="none" normalizeH="0" baseline="0" dirty="0" smtClean="0">
-                <a:ln>
-                  <a:noFill/>
-                </a:ln>
-                <a:solidFill>
-                  <a:srgbClr val="000000"/>
-                </a:solidFill>
-                <a:effectLst/>
-                <a:latin typeface="Consolas" panose="020B0609020204030204" pitchFamily="49" charset="0"/>
-                <a:cs typeface="Consolas" panose="020B0609020204030204" pitchFamily="49" charset="0"/>
-              </a:rPr>
-              <a:t>user=</a:t>
-            </a:r>
-            <a:r>
-              <a:rPr kumimoji="0" lang="en-US" altLang="en-US" sz="2800" b="0" i="0" u="none" strike="noStrike" cap="none" normalizeH="0" baseline="0" dirty="0" smtClean="0">
-                <a:ln>
-                  <a:noFill/>
-                </a:ln>
-                <a:solidFill>
-                  <a:srgbClr val="A31515"/>
-                </a:solidFill>
-                <a:effectLst/>
-                <a:latin typeface="Consolas" panose="020B0609020204030204" pitchFamily="49" charset="0"/>
-                <a:cs typeface="Consolas" panose="020B0609020204030204" pitchFamily="49" charset="0"/>
-              </a:rPr>
-              <a:t>'</a:t>
-            </a:r>
-            <a:r>
-              <a:rPr kumimoji="0" lang="en-US" altLang="en-US" sz="2800" b="0" i="0" u="none" strike="noStrike" cap="none" normalizeH="0" baseline="0" dirty="0" err="1" smtClean="0">
-                <a:ln>
-                  <a:noFill/>
-                </a:ln>
-                <a:solidFill>
-                  <a:srgbClr val="A31515"/>
-                </a:solidFill>
-                <a:effectLst/>
-                <a:latin typeface="Consolas" panose="020B0609020204030204" pitchFamily="49" charset="0"/>
-                <a:cs typeface="Consolas" panose="020B0609020204030204" pitchFamily="49" charset="0"/>
-              </a:rPr>
-              <a:t>sa</a:t>
-            </a:r>
-            <a:r>
-              <a:rPr kumimoji="0" lang="en-US" altLang="en-US" sz="2800" b="0" i="0" u="none" strike="noStrike" cap="none" normalizeH="0" baseline="0" dirty="0" smtClean="0">
-                <a:ln>
-                  <a:noFill/>
-                </a:ln>
-                <a:solidFill>
-                  <a:srgbClr val="A31515"/>
-                </a:solidFill>
-                <a:effectLst/>
-                <a:latin typeface="Consolas" panose="020B0609020204030204" pitchFamily="49" charset="0"/>
-                <a:cs typeface="Consolas" panose="020B0609020204030204" pitchFamily="49" charset="0"/>
-              </a:rPr>
-              <a:t>'</a:t>
-            </a:r>
-            <a:r>
-              <a:rPr kumimoji="0" lang="en-US" altLang="en-US" sz="2800" b="0" i="0" u="none" strike="noStrike" cap="none" normalizeH="0" baseline="0" dirty="0" smtClean="0">
-                <a:ln>
-                  <a:noFill/>
-                </a:ln>
-                <a:solidFill>
-                  <a:srgbClr val="000000"/>
-                </a:solidFill>
-                <a:effectLst/>
-                <a:latin typeface="Consolas" panose="020B0609020204030204" pitchFamily="49" charset="0"/>
-                <a:cs typeface="Consolas" panose="020B0609020204030204" pitchFamily="49" charset="0"/>
-              </a:rPr>
-              <a:t>, password=</a:t>
-            </a:r>
-            <a:r>
-              <a:rPr kumimoji="0" lang="en-US" altLang="en-US" sz="2800" b="0" i="0" u="none" strike="noStrike" cap="none" normalizeH="0" baseline="0" dirty="0" smtClean="0">
-                <a:ln>
-                  <a:noFill/>
-                </a:ln>
-                <a:solidFill>
-                  <a:srgbClr val="A31515"/>
-                </a:solidFill>
-                <a:effectLst/>
-                <a:latin typeface="Consolas" panose="020B0609020204030204" pitchFamily="49" charset="0"/>
-                <a:cs typeface="Consolas" panose="020B0609020204030204" pitchFamily="49" charset="0"/>
-              </a:rPr>
-              <a:t>'P@ssw0rd'</a:t>
-            </a:r>
-            <a:r>
-              <a:rPr kumimoji="0" lang="en-US" altLang="en-US" sz="2800" b="0" i="0" u="none" strike="noStrike" cap="none" normalizeH="0" baseline="0" dirty="0" smtClean="0">
-                <a:ln>
-                  <a:noFill/>
-                </a:ln>
-                <a:solidFill>
-                  <a:srgbClr val="000000"/>
-                </a:solidFill>
-                <a:effectLst/>
-                <a:latin typeface="Consolas" panose="020B0609020204030204" pitchFamily="49" charset="0"/>
-                <a:cs typeface="Consolas" panose="020B0609020204030204" pitchFamily="49" charset="0"/>
-              </a:rPr>
-              <a:t>,</a:t>
-            </a:r>
-          </a:p>
-          <a:p>
-            <a:pPr marL="0" marR="0" lvl="0" indent="0" algn="l" defTabSz="914400" rtl="0" eaLnBrk="0" fontAlgn="base" latinLnBrk="0" hangingPunct="0">
-              <a:lnSpc>
-                <a:spcPct val="100000"/>
-              </a:lnSpc>
-              <a:spcBef>
-                <a:spcPct val="0"/>
-              </a:spcBef>
-              <a:spcAft>
-                <a:spcPct val="0"/>
-              </a:spcAft>
-              <a:buClrTx/>
-              <a:buSzTx/>
-              <a:buFontTx/>
-              <a:buNone/>
-              <a:tabLst/>
-            </a:pPr>
-            <a:r>
-              <a:rPr lang="en-US" altLang="en-US" sz="2800" dirty="0">
-                <a:solidFill>
-                  <a:srgbClr val="000000"/>
-                </a:solidFill>
-                <a:latin typeface="Consolas" panose="020B0609020204030204" pitchFamily="49" charset="0"/>
-                <a:cs typeface="Consolas" panose="020B0609020204030204" pitchFamily="49" charset="0"/>
-              </a:rPr>
-              <a:t>	</a:t>
-            </a:r>
-            <a:r>
-              <a:rPr lang="en-US" altLang="en-US" sz="2800" dirty="0" smtClean="0">
-                <a:solidFill>
-                  <a:srgbClr val="000000"/>
-                </a:solidFill>
-                <a:latin typeface="Consolas" panose="020B0609020204030204" pitchFamily="49" charset="0"/>
-                <a:cs typeface="Consolas" panose="020B0609020204030204" pitchFamily="49" charset="0"/>
-              </a:rPr>
-              <a:t>		</a:t>
-            </a:r>
-            <a:r>
-              <a:rPr kumimoji="0" lang="en-US" altLang="en-US" sz="2800" b="0" i="0" u="none" strike="noStrike" cap="none" normalizeH="0" baseline="0" dirty="0" smtClean="0">
-                <a:ln>
-                  <a:noFill/>
-                </a:ln>
-                <a:solidFill>
-                  <a:srgbClr val="000000"/>
-                </a:solidFill>
-                <a:effectLst/>
-                <a:latin typeface="Consolas" panose="020B0609020204030204" pitchFamily="49" charset="0"/>
-                <a:cs typeface="Consolas" panose="020B0609020204030204" pitchFamily="49" charset="0"/>
-              </a:rPr>
-              <a:t>database=</a:t>
-            </a:r>
-            <a:r>
-              <a:rPr kumimoji="0" lang="en-US" altLang="en-US" sz="2800" b="0" i="0" u="none" strike="noStrike" cap="none" normalizeH="0" baseline="0" dirty="0" smtClean="0">
-                <a:ln>
-                  <a:noFill/>
-                </a:ln>
-                <a:solidFill>
-                  <a:srgbClr val="A31515"/>
-                </a:solidFill>
-                <a:effectLst/>
-                <a:latin typeface="Consolas" panose="020B0609020204030204" pitchFamily="49" charset="0"/>
-                <a:cs typeface="Consolas" panose="020B0609020204030204" pitchFamily="49" charset="0"/>
-              </a:rPr>
-              <a:t>'</a:t>
-            </a:r>
-            <a:r>
-              <a:rPr kumimoji="0" lang="en-US" altLang="en-US" sz="2800" b="0" i="0" u="none" strike="noStrike" cap="none" normalizeH="0" baseline="0" dirty="0" err="1" smtClean="0">
-                <a:ln>
-                  <a:noFill/>
-                </a:ln>
-                <a:solidFill>
-                  <a:srgbClr val="A31515"/>
-                </a:solidFill>
-                <a:effectLst/>
-                <a:latin typeface="Consolas" panose="020B0609020204030204" pitchFamily="49" charset="0"/>
-                <a:cs typeface="Consolas" panose="020B0609020204030204" pitchFamily="49" charset="0"/>
-              </a:rPr>
-              <a:t>QuizDB</a:t>
-            </a:r>
-            <a:r>
-              <a:rPr kumimoji="0" lang="en-US" altLang="en-US" sz="2800" b="0" i="0" u="none" strike="noStrike" cap="none" normalizeH="0" baseline="0" dirty="0" smtClean="0">
-                <a:ln>
-                  <a:noFill/>
-                </a:ln>
-                <a:solidFill>
-                  <a:srgbClr val="A31515"/>
-                </a:solidFill>
-                <a:effectLst/>
-                <a:latin typeface="Consolas" panose="020B0609020204030204" pitchFamily="49" charset="0"/>
-                <a:cs typeface="Consolas" panose="020B0609020204030204" pitchFamily="49" charset="0"/>
-              </a:rPr>
-              <a:t>'</a:t>
-            </a:r>
-            <a:r>
-              <a:rPr kumimoji="0" lang="en-US" altLang="en-US" sz="2800" b="0" i="0" u="none" strike="noStrike" cap="none" normalizeH="0" baseline="0" dirty="0" smtClean="0">
-                <a:ln>
-                  <a:noFill/>
-                </a:ln>
-                <a:solidFill>
-                  <a:srgbClr val="000000"/>
-                </a:solidFill>
-                <a:effectLst/>
-                <a:latin typeface="Consolas" panose="020B0609020204030204" pitchFamily="49" charset="0"/>
-                <a:cs typeface="Consolas" panose="020B0609020204030204" pitchFamily="49" charset="0"/>
-              </a:rPr>
-              <a:t>)</a:t>
-            </a:r>
-          </a:p>
-        </p:txBody>
-      </p:sp>
-    </p:spTree>
-    <p:extLst>
-      <p:ext uri="{BB962C8B-B14F-4D97-AF65-F5344CB8AC3E}">
-        <p14:creationId xmlns:p14="http://schemas.microsoft.com/office/powerpoint/2010/main" val="1285167554"/>
-      </p:ext>
-    </p:extLst>
-  </p:cSld>
-  <p:clrMapOvr>
-    <a:masterClrMapping/>
-  </p:clrMapOvr>
-  <mc:AlternateContent xmlns:mc="http://schemas.openxmlformats.org/markup-compatibility/2006" xmlns:p14="http://schemas.microsoft.com/office/powerpoint/2010/main">
-    <mc:Choice Requires="p14">
-      <p:transition spd="slow" p14:dur="2000"/>
-    </mc:Choice>
-    <mc:Fallback xmlns="">
-      <p:transition spd="slow"/>
-    </mc:Fallback>
-  </mc:AlternateContent>
-  <p:timing>
-    <p:tnLst>
-      <p:par>
-        <p:cTn id="1" dur="indefinite" restart="never" nodeType="tmRoot">
-          <p:childTnLst>
-            <p:seq concurrent="1" nextAc="seek">
-              <p:cTn id="2" dur="indefinite" nodeType="mainSeq">
-                <p:childTnLst>
-                  <p:par>
-                    <p:cTn id="3" fill="hold">
-                      <p:stCondLst>
-                        <p:cond delay="indefinite"/>
-                      </p:stCondLst>
-                      <p:childTnLst>
-                        <p:par>
-                          <p:cTn id="4" fill="hold">
-                            <p:stCondLst>
-                              <p:cond delay="0"/>
-                            </p:stCondLst>
-                            <p:childTnLst>
-                              <p:par>
-                                <p:cTn id="5" presetID="1" presetClass="entr" presetSubtype="0" fill="hold" grpId="0" nodeType="clickEffect">
-                                  <p:stCondLst>
-                                    <p:cond delay="0"/>
-                                  </p:stCondLst>
-                                  <p:childTnLst>
-                                    <p:set>
-                                      <p:cBhvr>
-                                        <p:cTn id="6" dur="1" fill="hold">
-                                          <p:stCondLst>
-                                            <p:cond delay="0"/>
-                                          </p:stCondLst>
-                                        </p:cTn>
-                                        <p:tgtEl>
-                                          <p:spTgt spid="6"/>
-                                        </p:tgtEl>
-                                        <p:attrNameLst>
-                                          <p:attrName>style.visibility</p:attrName>
-                                        </p:attrNameLst>
-                                      </p:cBhvr>
-                                      <p:to>
-                                        <p:strVal val="visible"/>
-                                      </p:to>
-                                    </p:set>
-                                  </p:childTnLst>
-                                </p:cTn>
-                              </p:par>
-                            </p:childTnLst>
-                          </p:cTn>
-                        </p:par>
-                      </p:childTnLst>
-                    </p:cTn>
-                  </p:par>
-                </p:childTnLst>
-              </p:cTn>
-              <p:prevCondLst>
-                <p:cond evt="onPrev" delay="0">
-                  <p:tgtEl>
-                    <p:sldTgt/>
-                  </p:tgtEl>
-                </p:cond>
-              </p:prevCondLst>
-              <p:nextCondLst>
-                <p:cond evt="onNext" delay="0">
-                  <p:tgtEl>
-                    <p:sldTgt/>
-                  </p:tgtEl>
-                </p:cond>
-              </p:nextCondLst>
-            </p:seq>
-          </p:childTnLst>
-        </p:cTn>
-      </p:par>
-    </p:tnLst>
-    <p:bldLst>
-      <p:bldP spid="6" grpId="0" animBg="1"/>
-    </p:bldLst>
-  </p:timing>
-</p:sld>
-</file>
-
-<file path=ppt/slides/slide12.xml><?xml version="1.0" encoding="utf-8"?>
-<p:sld xmlns:a="http://schemas.openxmlformats.org/drawingml/2006/main" xmlns:r="http://schemas.openxmlformats.org/officeDocument/2006/relationships" xmlns:p="http://schemas.openxmlformats.org/presentationml/2006/main">
-  <p:cSld>
-    <p:spTree>
-      <p:nvGrpSpPr>
-        <p:cNvPr id="1" name=""/>
-        <p:cNvGrpSpPr/>
-        <p:nvPr/>
-      </p:nvGrpSpPr>
-      <p:grpSpPr>
-        <a:xfrm>
-          <a:off x="0" y="0"/>
-          <a:ext cx="0" cy="0"/>
-          <a:chOff x="0" y="0"/>
-          <a:chExt cx="0" cy="0"/>
-        </a:xfrm>
-      </p:grpSpPr>
-      <p:sp>
-        <p:nvSpPr>
-          <p:cNvPr id="2" name="Title 1"/>
-          <p:cNvSpPr>
-            <a:spLocks noGrp="1"/>
-          </p:cNvSpPr>
-          <p:nvPr>
-            <p:ph type="title"/>
-          </p:nvPr>
-        </p:nvSpPr>
-        <p:spPr/>
-        <p:txBody>
-          <a:bodyPr>
             <a:normAutofit/>
           </a:bodyPr>
           <a:lstStyle/>
@@ -5128,7 +3872,7 @@
                 <a:latin typeface="Consolas" panose="020B0609020204030204" pitchFamily="49" charset="0"/>
                 <a:cs typeface="Consolas" panose="020B0609020204030204" pitchFamily="49" charset="0"/>
               </a:rPr>
-              <a:t>pyodbc.connect</a:t>
+              <a:t>pypyodbc.connect</a:t>
             </a:r>
             <a:r>
               <a:rPr lang="en-US" altLang="en-US" sz="2800" dirty="0">
@@ -5490,14 +4234,14 @@
               <a:t> = </a:t>
             </a:r>
             <a:r>
-              <a:rPr lang="en-US" altLang="en-US" sz="2800" dirty="0" err="1">
+              <a:rPr lang="en-US" altLang="en-US" sz="2800" dirty="0" err="1" smtClean="0">
                 <a:solidFill>
                   <a:srgbClr val="000000"/>
                 </a:solidFill>
                 <a:latin typeface="Consolas" panose="020B0609020204030204" pitchFamily="49" charset="0"/>
                 <a:cs typeface="Consolas" panose="020B0609020204030204" pitchFamily="49" charset="0"/>
               </a:rPr>
-              <a:t>pyodbc.connect</a:t>
+              <a:t>pypyodbc.connect</a:t>
             </a:r>
             <a:r>
               <a:rPr lang="en-US" altLang="en-US" sz="2800" dirty="0">
@@ -5950,7 +4694,7 @@
 </p:sld>
 </file>
 
-<file path=ppt/slides/slide13.xml><?xml version="1.0" encoding="utf-8"?>
+<file path=ppt/slides/slide11.xml><?xml version="1.0" encoding="utf-8"?>
 <p:sld xmlns:a="http://schemas.openxmlformats.org/drawingml/2006/main" xmlns:r="http://schemas.openxmlformats.org/officeDocument/2006/relationships" xmlns:p="http://schemas.openxmlformats.org/presentationml/2006/main">
   <p:cSld>
     <p:bg>
@@ -5999,10 +4743,6 @@
               <a:rPr lang="en-CA" sz="3200" b="1" dirty="0" smtClean="0"/>
               <a:t>WARNING! </a:t>
             </a:r>
-            <a:r>
-              <a:rPr lang="en-CA" sz="3200" b="1" dirty="0" smtClean="0"/>
-              <a:t/>
-            </a:r>
             <a:br>
               <a:rPr lang="en-CA" sz="3200" b="1" dirty="0" smtClean="0"/>
             </a:br>
@@ -6041,956 +4781,7 @@
 </p:sld>
 </file>
 
-<file path=ppt/slides/slide14.xml><?xml version="1.0" encoding="utf-8"?>
-<p:sld xmlns:a="http://schemas.openxmlformats.org/drawingml/2006/main" xmlns:r="http://schemas.openxmlformats.org/officeDocument/2006/relationships" xmlns:p="http://schemas.openxmlformats.org/presentationml/2006/main" show="0">
-  <p:cSld>
-    <p:spTree>
-      <p:nvGrpSpPr>
-        <p:cNvPr id="1" name=""/>
-        <p:cNvGrpSpPr/>
-        <p:nvPr/>
-      </p:nvGrpSpPr>
-      <p:grpSpPr>
-        <a:xfrm>
-          <a:off x="0" y="0"/>
-          <a:ext cx="0" cy="0"/>
-          <a:chOff x="0" y="0"/>
-          <a:chExt cx="0" cy="0"/>
-        </a:xfrm>
-      </p:grpSpPr>
-      <p:sp>
-        <p:nvSpPr>
-          <p:cNvPr id="2" name="Title 1"/>
-          <p:cNvSpPr>
-            <a:spLocks noGrp="1"/>
-          </p:cNvSpPr>
-          <p:nvPr>
-            <p:ph type="title"/>
-          </p:nvPr>
-        </p:nvSpPr>
-        <p:spPr/>
-        <p:txBody>
-          <a:bodyPr>
-            <a:normAutofit/>
-          </a:bodyPr>
-          <a:lstStyle/>
-          <a:p>
-            <a:r>
-              <a:rPr lang="en-CA" dirty="0" smtClean="0"/>
-              <a:t>Add error handling to your code</a:t>
-            </a:r>
-            <a:endParaRPr lang="en-US" dirty="0"/>
-          </a:p>
-        </p:txBody>
-      </p:sp>
-      <p:sp>
-        <p:nvSpPr>
-          <p:cNvPr id="6" name="Rectangle 3"/>
-          <p:cNvSpPr>
-            <a:spLocks noChangeArrowheads="1"/>
-          </p:cNvSpPr>
-          <p:nvPr/>
-        </p:nvSpPr>
-        <p:spPr bwMode="auto">
-          <a:xfrm>
-            <a:off x="379514" y="1417825"/>
-            <a:ext cx="11360802" cy="3539430"/>
-          </a:xfrm>
-          <a:prstGeom prst="rect">
-            <a:avLst/>
-          </a:prstGeom>
-          <a:solidFill>
-            <a:srgbClr val="FFFFFF"/>
-          </a:solidFill>
-          <a:ln>
-            <a:noFill/>
-          </a:ln>
-          <a:effectLst/>
-          <a:extLst>
-            <a:ext uri="{91240B29-F687-4F45-9708-019B960494DF}">
-              <a14:hiddenLine xmlns:a14="http://schemas.microsoft.com/office/drawing/2010/main" w="9525">
-                <a:solidFill>
-                  <a:schemeClr val="tx1"/>
-                </a:solidFill>
-                <a:miter lim="800000"/>
-                <a:headEnd/>
-                <a:tailEnd/>
-              </a14:hiddenLine>
-            </a:ext>
-            <a:ext uri="{AF507438-7753-43E0-B8FC-AC1667EBCBE1}">
-              <a14:hiddenEffects xmlns:a14="http://schemas.microsoft.com/office/drawing/2010/main">
-                <a:effectLst>
-                  <a:outerShdw dist="35921" dir="2700000" algn="ctr" rotWithShape="0">
-                    <a:schemeClr val="bg2"/>
-                  </a:outerShdw>
-                </a:effectLst>
-              </a14:hiddenEffects>
-            </a:ext>
-          </a:extLst>
-        </p:spPr>
-        <p:txBody>
-          <a:bodyPr vert="horz" wrap="none" lIns="91440" tIns="45720" rIns="91440" bIns="45720" numCol="1" anchor="ctr" anchorCtr="0" compatLnSpc="1">
-            <a:prstTxWarp prst="textNoShape">
-              <a:avLst/>
-            </a:prstTxWarp>
-            <a:spAutoFit/>
-          </a:bodyPr>
-          <a:lstStyle/>
-          <a:p>
-            <a:pPr marL="0" marR="0" lvl="0" indent="0" algn="l" defTabSz="914400" rtl="0" eaLnBrk="0" fontAlgn="base" latinLnBrk="0" hangingPunct="0">
-              <a:lnSpc>
-                <a:spcPct val="100000"/>
-              </a:lnSpc>
-              <a:spcBef>
-                <a:spcPct val="0"/>
-              </a:spcBef>
-              <a:spcAft>
-                <a:spcPct val="0"/>
-              </a:spcAft>
-              <a:buClrTx/>
-              <a:buSzTx/>
-              <a:buFontTx/>
-              <a:buNone/>
-              <a:tabLst/>
-            </a:pPr>
-            <a:r>
-              <a:rPr kumimoji="0" lang="en-US" altLang="en-US" sz="2800" b="0" i="0" u="none" strike="noStrike" cap="none" normalizeH="0" baseline="0" dirty="0" smtClean="0">
-                <a:ln>
-                  <a:noFill/>
-                </a:ln>
-                <a:solidFill>
-                  <a:srgbClr val="000000"/>
-                </a:solidFill>
-                <a:effectLst/>
-                <a:latin typeface="Consolas" panose="020B0609020204030204" pitchFamily="49" charset="0"/>
-                <a:cs typeface="Consolas" panose="020B0609020204030204" pitchFamily="49" charset="0"/>
-              </a:rPr>
-              <a:t>print(</a:t>
-            </a:r>
-            <a:r>
-              <a:rPr kumimoji="0" lang="en-US" altLang="en-US" sz="2800" b="0" i="0" u="none" strike="noStrike" cap="none" normalizeH="0" baseline="0" dirty="0" smtClean="0">
-                <a:ln>
-                  <a:noFill/>
-                </a:ln>
-                <a:solidFill>
-                  <a:srgbClr val="A31515"/>
-                </a:solidFill>
-                <a:effectLst/>
-                <a:latin typeface="Consolas" panose="020B0609020204030204" pitchFamily="49" charset="0"/>
-                <a:cs typeface="Consolas" panose="020B0609020204030204" pitchFamily="49" charset="0"/>
-              </a:rPr>
-              <a:t>'Trying to connect'</a:t>
-            </a:r>
-            <a:r>
-              <a:rPr kumimoji="0" lang="en-US" altLang="en-US" sz="2800" b="0" i="0" u="none" strike="noStrike" cap="none" normalizeH="0" baseline="0" dirty="0" smtClean="0">
-                <a:ln>
-                  <a:noFill/>
-                </a:ln>
-                <a:solidFill>
-                  <a:srgbClr val="000000"/>
-                </a:solidFill>
-                <a:effectLst/>
-                <a:latin typeface="Consolas" panose="020B0609020204030204" pitchFamily="49" charset="0"/>
-                <a:cs typeface="Consolas" panose="020B0609020204030204" pitchFamily="49" charset="0"/>
-              </a:rPr>
-              <a:t>) </a:t>
-            </a:r>
-          </a:p>
-          <a:p>
-            <a:pPr marL="0" marR="0" lvl="0" indent="0" algn="l" defTabSz="914400" rtl="0" eaLnBrk="0" fontAlgn="base" latinLnBrk="0" hangingPunct="0">
-              <a:lnSpc>
-                <a:spcPct val="100000"/>
-              </a:lnSpc>
-              <a:spcBef>
-                <a:spcPct val="0"/>
-              </a:spcBef>
-              <a:spcAft>
-                <a:spcPct val="0"/>
-              </a:spcAft>
-              <a:buClrTx/>
-              <a:buSzTx/>
-              <a:buFontTx/>
-              <a:buNone/>
-              <a:tabLst/>
-            </a:pPr>
-            <a:r>
-              <a:rPr kumimoji="0" lang="en-US" altLang="en-US" sz="2800" b="0" i="0" u="none" strike="noStrike" cap="none" normalizeH="0" baseline="0" dirty="0" smtClean="0">
-                <a:ln>
-                  <a:noFill/>
-                </a:ln>
-                <a:solidFill>
-                  <a:srgbClr val="0000FF"/>
-                </a:solidFill>
-                <a:effectLst/>
-                <a:latin typeface="Consolas" panose="020B0609020204030204" pitchFamily="49" charset="0"/>
-                <a:cs typeface="Consolas" panose="020B0609020204030204" pitchFamily="49" charset="0"/>
-              </a:rPr>
-              <a:t>try</a:t>
-            </a:r>
-            <a:r>
-              <a:rPr kumimoji="0" lang="en-US" altLang="en-US" sz="2800" b="0" i="0" u="none" strike="noStrike" cap="none" normalizeH="0" baseline="0" dirty="0" smtClean="0">
-                <a:ln>
-                  <a:noFill/>
-                </a:ln>
-                <a:solidFill>
-                  <a:srgbClr val="000000"/>
-                </a:solidFill>
-                <a:effectLst/>
-                <a:latin typeface="Consolas" panose="020B0609020204030204" pitchFamily="49" charset="0"/>
-                <a:cs typeface="Consolas" panose="020B0609020204030204" pitchFamily="49" charset="0"/>
-              </a:rPr>
-              <a:t> :     </a:t>
-            </a:r>
-          </a:p>
-          <a:p>
-            <a:pPr marL="0" marR="0" lvl="0" indent="0" algn="l" defTabSz="914400" rtl="0" eaLnBrk="0" fontAlgn="base" latinLnBrk="0" hangingPunct="0">
-              <a:lnSpc>
-                <a:spcPct val="100000"/>
-              </a:lnSpc>
-              <a:spcBef>
-                <a:spcPct val="0"/>
-              </a:spcBef>
-              <a:spcAft>
-                <a:spcPct val="0"/>
-              </a:spcAft>
-              <a:buClrTx/>
-              <a:buSzTx/>
-              <a:buFontTx/>
-              <a:buNone/>
-              <a:tabLst/>
-            </a:pPr>
-            <a:r>
-              <a:rPr lang="en-US" altLang="en-US" sz="2800" dirty="0">
-                <a:solidFill>
-                  <a:srgbClr val="000000"/>
-                </a:solidFill>
-                <a:latin typeface="Consolas" panose="020B0609020204030204" pitchFamily="49" charset="0"/>
-                <a:cs typeface="Consolas" panose="020B0609020204030204" pitchFamily="49" charset="0"/>
-              </a:rPr>
-              <a:t>	</a:t>
-            </a:r>
-            <a:r>
-              <a:rPr lang="en-US" altLang="en-US" sz="2800" dirty="0" err="1" smtClean="0">
-                <a:solidFill>
-                  <a:srgbClr val="000000"/>
-                </a:solidFill>
-                <a:latin typeface="Consolas" panose="020B0609020204030204" pitchFamily="49" charset="0"/>
-                <a:cs typeface="Consolas" panose="020B0609020204030204" pitchFamily="49" charset="0"/>
-              </a:rPr>
-              <a:t>myConnection</a:t>
-            </a:r>
-            <a:r>
-              <a:rPr lang="en-US" altLang="en-US" sz="2800" dirty="0" smtClean="0">
-                <a:solidFill>
-                  <a:srgbClr val="000000"/>
-                </a:solidFill>
-                <a:latin typeface="Consolas" panose="020B0609020204030204" pitchFamily="49" charset="0"/>
-                <a:cs typeface="Consolas" panose="020B0609020204030204" pitchFamily="49" charset="0"/>
-              </a:rPr>
-              <a:t> = </a:t>
-            </a:r>
-            <a:r>
-              <a:rPr kumimoji="0" lang="en-US" altLang="en-US" sz="2800" b="0" i="0" u="none" strike="noStrike" cap="none" normalizeH="0" baseline="0" dirty="0" err="1" smtClean="0">
-                <a:ln>
-                  <a:noFill/>
-                </a:ln>
-                <a:solidFill>
-                  <a:srgbClr val="000000"/>
-                </a:solidFill>
-                <a:effectLst/>
-                <a:latin typeface="Consolas" panose="020B0609020204030204" pitchFamily="49" charset="0"/>
-                <a:cs typeface="Consolas" panose="020B0609020204030204" pitchFamily="49" charset="0"/>
-              </a:rPr>
-              <a:t>pymssql.connect</a:t>
-            </a:r>
-            <a:r>
-              <a:rPr kumimoji="0" lang="en-US" altLang="en-US" sz="2800" b="0" i="0" u="none" strike="noStrike" cap="none" normalizeH="0" baseline="0" dirty="0" smtClean="0">
-                <a:ln>
-                  <a:noFill/>
-                </a:ln>
-                <a:solidFill>
-                  <a:srgbClr val="000000"/>
-                </a:solidFill>
-                <a:effectLst/>
-                <a:latin typeface="Consolas" panose="020B0609020204030204" pitchFamily="49" charset="0"/>
-                <a:cs typeface="Consolas" panose="020B0609020204030204" pitchFamily="49" charset="0"/>
-              </a:rPr>
-              <a:t>(server= </a:t>
-            </a:r>
-            <a:r>
-              <a:rPr kumimoji="0" lang="en-US" altLang="en-US" sz="2800" b="0" i="0" u="none" strike="noStrike" cap="none" normalizeH="0" baseline="0" dirty="0" smtClean="0">
-                <a:ln>
-                  <a:noFill/>
-                </a:ln>
-                <a:solidFill>
-                  <a:srgbClr val="A31515"/>
-                </a:solidFill>
-                <a:effectLst/>
-                <a:latin typeface="Consolas" panose="020B0609020204030204" pitchFamily="49" charset="0"/>
-                <a:cs typeface="Consolas" panose="020B0609020204030204" pitchFamily="49" charset="0"/>
-              </a:rPr>
-              <a:t>'localhost'</a:t>
-            </a:r>
-            <a:r>
-              <a:rPr kumimoji="0" lang="en-US" altLang="en-US" sz="2800" b="0" i="0" u="none" strike="noStrike" cap="none" normalizeH="0" baseline="0" dirty="0" smtClean="0">
-                <a:ln>
-                  <a:noFill/>
-                </a:ln>
-                <a:solidFill>
-                  <a:srgbClr val="000000"/>
-                </a:solidFill>
-                <a:effectLst/>
-                <a:latin typeface="Consolas" panose="020B0609020204030204" pitchFamily="49" charset="0"/>
-                <a:cs typeface="Consolas" panose="020B0609020204030204" pitchFamily="49" charset="0"/>
-              </a:rPr>
-              <a:t>, </a:t>
-            </a:r>
-          </a:p>
-          <a:p>
-            <a:pPr marL="0" marR="0" lvl="0" indent="0" algn="l" defTabSz="914400" rtl="0" eaLnBrk="0" fontAlgn="base" latinLnBrk="0" hangingPunct="0">
-              <a:lnSpc>
-                <a:spcPct val="100000"/>
-              </a:lnSpc>
-              <a:spcBef>
-                <a:spcPct val="0"/>
-              </a:spcBef>
-              <a:spcAft>
-                <a:spcPct val="0"/>
-              </a:spcAft>
-              <a:buClrTx/>
-              <a:buSzTx/>
-              <a:buFontTx/>
-              <a:buNone/>
-              <a:tabLst/>
-            </a:pPr>
-            <a:r>
-              <a:rPr lang="en-US" altLang="en-US" sz="2800" dirty="0" smtClean="0">
-                <a:solidFill>
-                  <a:srgbClr val="000000"/>
-                </a:solidFill>
-                <a:latin typeface="Consolas" panose="020B0609020204030204" pitchFamily="49" charset="0"/>
-                <a:cs typeface="Consolas" panose="020B0609020204030204" pitchFamily="49" charset="0"/>
-              </a:rPr>
-              <a:t>			</a:t>
-            </a:r>
-            <a:r>
-              <a:rPr kumimoji="0" lang="en-US" altLang="en-US" sz="2800" b="0" i="0" u="none" strike="noStrike" cap="none" normalizeH="0" baseline="0" dirty="0" smtClean="0">
-                <a:ln>
-                  <a:noFill/>
-                </a:ln>
-                <a:solidFill>
-                  <a:srgbClr val="000000"/>
-                </a:solidFill>
-                <a:effectLst/>
-                <a:latin typeface="Consolas" panose="020B0609020204030204" pitchFamily="49" charset="0"/>
-                <a:cs typeface="Consolas" panose="020B0609020204030204" pitchFamily="49" charset="0"/>
-              </a:rPr>
-              <a:t>user=</a:t>
-            </a:r>
-            <a:r>
-              <a:rPr kumimoji="0" lang="en-US" altLang="en-US" sz="2800" b="0" i="0" u="none" strike="noStrike" cap="none" normalizeH="0" baseline="0" dirty="0" smtClean="0">
-                <a:ln>
-                  <a:noFill/>
-                </a:ln>
-                <a:solidFill>
-                  <a:srgbClr val="A31515"/>
-                </a:solidFill>
-                <a:effectLst/>
-                <a:latin typeface="Consolas" panose="020B0609020204030204" pitchFamily="49" charset="0"/>
-                <a:cs typeface="Consolas" panose="020B0609020204030204" pitchFamily="49" charset="0"/>
-              </a:rPr>
-              <a:t>'</a:t>
-            </a:r>
-            <a:r>
-              <a:rPr kumimoji="0" lang="en-US" altLang="en-US" sz="2800" b="0" i="0" u="none" strike="noStrike" cap="none" normalizeH="0" baseline="0" dirty="0" err="1" smtClean="0">
-                <a:ln>
-                  <a:noFill/>
-                </a:ln>
-                <a:solidFill>
-                  <a:srgbClr val="A31515"/>
-                </a:solidFill>
-                <a:effectLst/>
-                <a:latin typeface="Consolas" panose="020B0609020204030204" pitchFamily="49" charset="0"/>
-                <a:cs typeface="Consolas" panose="020B0609020204030204" pitchFamily="49" charset="0"/>
-              </a:rPr>
-              <a:t>sa</a:t>
-            </a:r>
-            <a:r>
-              <a:rPr kumimoji="0" lang="en-US" altLang="en-US" sz="2800" b="0" i="0" u="none" strike="noStrike" cap="none" normalizeH="0" baseline="0" dirty="0" smtClean="0">
-                <a:ln>
-                  <a:noFill/>
-                </a:ln>
-                <a:solidFill>
-                  <a:srgbClr val="A31515"/>
-                </a:solidFill>
-                <a:effectLst/>
-                <a:latin typeface="Consolas" panose="020B0609020204030204" pitchFamily="49" charset="0"/>
-                <a:cs typeface="Consolas" panose="020B0609020204030204" pitchFamily="49" charset="0"/>
-              </a:rPr>
-              <a:t>'</a:t>
-            </a:r>
-            <a:r>
-              <a:rPr kumimoji="0" lang="en-US" altLang="en-US" sz="2800" b="0" i="0" u="none" strike="noStrike" cap="none" normalizeH="0" baseline="0" dirty="0" smtClean="0">
-                <a:ln>
-                  <a:noFill/>
-                </a:ln>
-                <a:solidFill>
-                  <a:srgbClr val="000000"/>
-                </a:solidFill>
-                <a:effectLst/>
-                <a:latin typeface="Consolas" panose="020B0609020204030204" pitchFamily="49" charset="0"/>
-                <a:cs typeface="Consolas" panose="020B0609020204030204" pitchFamily="49" charset="0"/>
-              </a:rPr>
-              <a:t>, password=</a:t>
-            </a:r>
-            <a:r>
-              <a:rPr kumimoji="0" lang="en-US" altLang="en-US" sz="2800" b="0" i="0" u="none" strike="noStrike" cap="none" normalizeH="0" baseline="0" dirty="0" smtClean="0">
-                <a:ln>
-                  <a:noFill/>
-                </a:ln>
-                <a:solidFill>
-                  <a:srgbClr val="A31515"/>
-                </a:solidFill>
-                <a:effectLst/>
-                <a:latin typeface="Consolas" panose="020B0609020204030204" pitchFamily="49" charset="0"/>
-                <a:cs typeface="Consolas" panose="020B0609020204030204" pitchFamily="49" charset="0"/>
-              </a:rPr>
-              <a:t>'P@ssw0rd'</a:t>
-            </a:r>
-            <a:r>
-              <a:rPr kumimoji="0" lang="en-US" altLang="en-US" sz="2800" b="0" i="0" u="none" strike="noStrike" cap="none" normalizeH="0" baseline="0" dirty="0" smtClean="0">
-                <a:ln>
-                  <a:noFill/>
-                </a:ln>
-                <a:solidFill>
-                  <a:srgbClr val="000000"/>
-                </a:solidFill>
-                <a:effectLst/>
-                <a:latin typeface="Consolas" panose="020B0609020204030204" pitchFamily="49" charset="0"/>
-                <a:cs typeface="Consolas" panose="020B0609020204030204" pitchFamily="49" charset="0"/>
-              </a:rPr>
-              <a:t>,</a:t>
-            </a:r>
-          </a:p>
-          <a:p>
-            <a:pPr marL="0" marR="0" lvl="0" indent="0" algn="l" defTabSz="914400" rtl="0" eaLnBrk="0" fontAlgn="base" latinLnBrk="0" hangingPunct="0">
-              <a:lnSpc>
-                <a:spcPct val="100000"/>
-              </a:lnSpc>
-              <a:spcBef>
-                <a:spcPct val="0"/>
-              </a:spcBef>
-              <a:spcAft>
-                <a:spcPct val="0"/>
-              </a:spcAft>
-              <a:buClrTx/>
-              <a:buSzTx/>
-              <a:buFontTx/>
-              <a:buNone/>
-              <a:tabLst/>
-            </a:pPr>
-            <a:r>
-              <a:rPr lang="en-US" altLang="en-US" sz="2800" dirty="0" smtClean="0">
-                <a:solidFill>
-                  <a:srgbClr val="000000"/>
-                </a:solidFill>
-                <a:latin typeface="Consolas" panose="020B0609020204030204" pitchFamily="49" charset="0"/>
-                <a:cs typeface="Consolas" panose="020B0609020204030204" pitchFamily="49" charset="0"/>
-              </a:rPr>
-              <a:t>			</a:t>
-            </a:r>
-            <a:r>
-              <a:rPr kumimoji="0" lang="en-US" altLang="en-US" sz="2800" b="0" i="0" u="none" strike="noStrike" cap="none" normalizeH="0" baseline="0" dirty="0" smtClean="0">
-                <a:ln>
-                  <a:noFill/>
-                </a:ln>
-                <a:solidFill>
-                  <a:srgbClr val="000000"/>
-                </a:solidFill>
-                <a:effectLst/>
-                <a:latin typeface="Consolas" panose="020B0609020204030204" pitchFamily="49" charset="0"/>
-                <a:cs typeface="Consolas" panose="020B0609020204030204" pitchFamily="49" charset="0"/>
-              </a:rPr>
-              <a:t>database=</a:t>
-            </a:r>
-            <a:r>
-              <a:rPr kumimoji="0" lang="en-US" altLang="en-US" sz="2800" b="0" i="0" u="none" strike="noStrike" cap="none" normalizeH="0" baseline="0" dirty="0" smtClean="0">
-                <a:ln>
-                  <a:noFill/>
-                </a:ln>
-                <a:solidFill>
-                  <a:srgbClr val="A31515"/>
-                </a:solidFill>
-                <a:effectLst/>
-                <a:latin typeface="Consolas" panose="020B0609020204030204" pitchFamily="49" charset="0"/>
-                <a:cs typeface="Consolas" panose="020B0609020204030204" pitchFamily="49" charset="0"/>
-              </a:rPr>
-              <a:t>'</a:t>
-            </a:r>
-            <a:r>
-              <a:rPr kumimoji="0" lang="en-US" altLang="en-US" sz="2800" b="0" i="0" u="none" strike="noStrike" cap="none" normalizeH="0" baseline="0" dirty="0" err="1" smtClean="0">
-                <a:ln>
-                  <a:noFill/>
-                </a:ln>
-                <a:solidFill>
-                  <a:srgbClr val="A31515"/>
-                </a:solidFill>
-                <a:effectLst/>
-                <a:latin typeface="Consolas" panose="020B0609020204030204" pitchFamily="49" charset="0"/>
-                <a:cs typeface="Consolas" panose="020B0609020204030204" pitchFamily="49" charset="0"/>
-              </a:rPr>
-              <a:t>QuizDB</a:t>
-            </a:r>
-            <a:r>
-              <a:rPr kumimoji="0" lang="en-US" altLang="en-US" sz="2800" b="0" i="0" u="none" strike="noStrike" cap="none" normalizeH="0" baseline="0" dirty="0" smtClean="0">
-                <a:ln>
-                  <a:noFill/>
-                </a:ln>
-                <a:solidFill>
-                  <a:srgbClr val="A31515"/>
-                </a:solidFill>
-                <a:effectLst/>
-                <a:latin typeface="Consolas" panose="020B0609020204030204" pitchFamily="49" charset="0"/>
-                <a:cs typeface="Consolas" panose="020B0609020204030204" pitchFamily="49" charset="0"/>
-              </a:rPr>
-              <a:t>'</a:t>
-            </a:r>
-            <a:r>
-              <a:rPr kumimoji="0" lang="en-US" altLang="en-US" sz="2800" b="0" i="0" u="none" strike="noStrike" cap="none" normalizeH="0" baseline="0" dirty="0" smtClean="0">
-                <a:ln>
-                  <a:noFill/>
-                </a:ln>
-                <a:solidFill>
-                  <a:srgbClr val="000000"/>
-                </a:solidFill>
-                <a:effectLst/>
-                <a:latin typeface="Consolas" panose="020B0609020204030204" pitchFamily="49" charset="0"/>
-                <a:cs typeface="Consolas" panose="020B0609020204030204" pitchFamily="49" charset="0"/>
-              </a:rPr>
-              <a:t>)</a:t>
-            </a:r>
-          </a:p>
-          <a:p>
-            <a:pPr marL="0" marR="0" lvl="0" indent="0" algn="l" defTabSz="914400" rtl="0" eaLnBrk="0" fontAlgn="base" latinLnBrk="0" hangingPunct="0">
-              <a:lnSpc>
-                <a:spcPct val="100000"/>
-              </a:lnSpc>
-              <a:spcBef>
-                <a:spcPct val="0"/>
-              </a:spcBef>
-              <a:spcAft>
-                <a:spcPct val="0"/>
-              </a:spcAft>
-              <a:buClrTx/>
-              <a:buSzTx/>
-              <a:buFontTx/>
-              <a:buNone/>
-              <a:tabLst/>
-            </a:pPr>
-            <a:r>
-              <a:rPr kumimoji="0" lang="en-US" altLang="en-US" sz="2800" b="0" i="0" u="none" strike="noStrike" cap="none" normalizeH="0" baseline="0" dirty="0" smtClean="0">
-                <a:ln>
-                  <a:noFill/>
-                </a:ln>
-                <a:solidFill>
-                  <a:srgbClr val="000000"/>
-                </a:solidFill>
-                <a:effectLst/>
-                <a:latin typeface="Consolas" panose="020B0609020204030204" pitchFamily="49" charset="0"/>
-                <a:cs typeface="Consolas" panose="020B0609020204030204" pitchFamily="49" charset="0"/>
-              </a:rPr>
-              <a:t>     	print (</a:t>
-            </a:r>
-            <a:r>
-              <a:rPr kumimoji="0" lang="en-US" altLang="en-US" sz="2800" b="0" i="0" u="none" strike="noStrike" cap="none" normalizeH="0" baseline="0" dirty="0" smtClean="0">
-                <a:ln>
-                  <a:noFill/>
-                </a:ln>
-                <a:solidFill>
-                  <a:srgbClr val="A31515"/>
-                </a:solidFill>
-                <a:effectLst/>
-                <a:latin typeface="Consolas" panose="020B0609020204030204" pitchFamily="49" charset="0"/>
-                <a:cs typeface="Consolas" panose="020B0609020204030204" pitchFamily="49" charset="0"/>
-              </a:rPr>
-              <a:t>'Connected'</a:t>
-            </a:r>
-            <a:r>
-              <a:rPr kumimoji="0" lang="en-US" altLang="en-US" sz="2800" b="0" i="0" u="none" strike="noStrike" cap="none" normalizeH="0" baseline="0" dirty="0" smtClean="0">
-                <a:ln>
-                  <a:noFill/>
-                </a:ln>
-                <a:solidFill>
-                  <a:srgbClr val="000000"/>
-                </a:solidFill>
-                <a:effectLst/>
-                <a:latin typeface="Consolas" panose="020B0609020204030204" pitchFamily="49" charset="0"/>
-                <a:cs typeface="Consolas" panose="020B0609020204030204" pitchFamily="49" charset="0"/>
-              </a:rPr>
-              <a:t>) </a:t>
-            </a:r>
-          </a:p>
-          <a:p>
-            <a:pPr marL="0" marR="0" lvl="0" indent="0" algn="l" defTabSz="914400" rtl="0" eaLnBrk="0" fontAlgn="base" latinLnBrk="0" hangingPunct="0">
-              <a:lnSpc>
-                <a:spcPct val="100000"/>
-              </a:lnSpc>
-              <a:spcBef>
-                <a:spcPct val="0"/>
-              </a:spcBef>
-              <a:spcAft>
-                <a:spcPct val="0"/>
-              </a:spcAft>
-              <a:buClrTx/>
-              <a:buSzTx/>
-              <a:buFontTx/>
-              <a:buNone/>
-              <a:tabLst/>
-            </a:pPr>
-            <a:r>
-              <a:rPr kumimoji="0" lang="en-US" altLang="en-US" sz="2800" b="0" i="0" u="none" strike="noStrike" cap="none" normalizeH="0" baseline="0" dirty="0" smtClean="0">
-                <a:ln>
-                  <a:noFill/>
-                </a:ln>
-                <a:solidFill>
-                  <a:srgbClr val="0000FF"/>
-                </a:solidFill>
-                <a:effectLst/>
-                <a:latin typeface="Consolas" panose="020B0609020204030204" pitchFamily="49" charset="0"/>
-                <a:cs typeface="Consolas" panose="020B0609020204030204" pitchFamily="49" charset="0"/>
-              </a:rPr>
-              <a:t>except</a:t>
-            </a:r>
-            <a:r>
-              <a:rPr kumimoji="0" lang="en-US" altLang="en-US" sz="2800" b="0" i="0" u="none" strike="noStrike" cap="none" normalizeH="0" baseline="0" dirty="0" smtClean="0">
-                <a:ln>
-                  <a:noFill/>
-                </a:ln>
-                <a:solidFill>
-                  <a:srgbClr val="000000"/>
-                </a:solidFill>
-                <a:effectLst/>
-                <a:latin typeface="Consolas" panose="020B0609020204030204" pitchFamily="49" charset="0"/>
-                <a:cs typeface="Consolas" panose="020B0609020204030204" pitchFamily="49" charset="0"/>
-              </a:rPr>
-              <a:t> :</a:t>
-            </a:r>
-          </a:p>
-          <a:p>
-            <a:pPr marL="0" marR="0" lvl="0" indent="0" algn="l" defTabSz="914400" rtl="0" eaLnBrk="0" fontAlgn="base" latinLnBrk="0" hangingPunct="0">
-              <a:lnSpc>
-                <a:spcPct val="100000"/>
-              </a:lnSpc>
-              <a:spcBef>
-                <a:spcPct val="0"/>
-              </a:spcBef>
-              <a:spcAft>
-                <a:spcPct val="0"/>
-              </a:spcAft>
-              <a:buClrTx/>
-              <a:buSzTx/>
-              <a:buFontTx/>
-              <a:buNone/>
-              <a:tabLst/>
-            </a:pPr>
-            <a:r>
-              <a:rPr kumimoji="0" lang="en-US" altLang="en-US" sz="2800" b="0" i="0" u="none" strike="noStrike" cap="none" normalizeH="0" baseline="0" dirty="0" smtClean="0">
-                <a:ln>
-                  <a:noFill/>
-                </a:ln>
-                <a:solidFill>
-                  <a:srgbClr val="000000"/>
-                </a:solidFill>
-                <a:effectLst/>
-                <a:latin typeface="Consolas" panose="020B0609020204030204" pitchFamily="49" charset="0"/>
-                <a:cs typeface="Consolas" panose="020B0609020204030204" pitchFamily="49" charset="0"/>
-              </a:rPr>
-              <a:t>     	print (</a:t>
-            </a:r>
-            <a:r>
-              <a:rPr kumimoji="0" lang="en-US" altLang="en-US" sz="2800" b="0" i="0" u="none" strike="noStrike" cap="none" normalizeH="0" baseline="0" dirty="0" smtClean="0">
-                <a:ln>
-                  <a:noFill/>
-                </a:ln>
-                <a:solidFill>
-                  <a:srgbClr val="A31515"/>
-                </a:solidFill>
-                <a:effectLst/>
-                <a:latin typeface="Consolas" panose="020B0609020204030204" pitchFamily="49" charset="0"/>
-                <a:cs typeface="Consolas" panose="020B0609020204030204" pitchFamily="49" charset="0"/>
-              </a:rPr>
-              <a:t>'Could not connect'</a:t>
-            </a:r>
-            <a:r>
-              <a:rPr kumimoji="0" lang="en-US" altLang="en-US" sz="2800" b="0" i="0" u="none" strike="noStrike" cap="none" normalizeH="0" baseline="0" dirty="0" smtClean="0">
-                <a:ln>
-                  <a:noFill/>
-                </a:ln>
-                <a:solidFill>
-                  <a:srgbClr val="000000"/>
-                </a:solidFill>
-                <a:effectLst/>
-                <a:latin typeface="Consolas" panose="020B0609020204030204" pitchFamily="49" charset="0"/>
-                <a:cs typeface="Consolas" panose="020B0609020204030204" pitchFamily="49" charset="0"/>
-              </a:rPr>
-              <a:t>)</a:t>
-            </a:r>
-            <a:endParaRPr kumimoji="0" lang="en-US" altLang="en-US" sz="3600" b="0" i="0" u="none" strike="noStrike" cap="none" normalizeH="0" baseline="0" dirty="0" smtClean="0">
-              <a:ln>
-                <a:noFill/>
-              </a:ln>
-              <a:solidFill>
-                <a:schemeClr val="tx1"/>
-              </a:solidFill>
-              <a:effectLst/>
-              <a:latin typeface="Arial" panose="020B0604020202020204" pitchFamily="34" charset="0"/>
-            </a:endParaRPr>
-          </a:p>
-        </p:txBody>
-      </p:sp>
-      <p:sp>
-        <p:nvSpPr>
-          <p:cNvPr id="3" name="TextBox 2"/>
-          <p:cNvSpPr txBox="1"/>
-          <p:nvPr/>
-        </p:nvSpPr>
-        <p:spPr>
-          <a:xfrm>
-            <a:off x="301215" y="5335793"/>
-            <a:ext cx="10929769" cy="1077218"/>
-          </a:xfrm>
-          <a:prstGeom prst="rect">
-            <a:avLst/>
-          </a:prstGeom>
-          <a:solidFill>
-            <a:srgbClr val="FFFF00"/>
-          </a:solidFill>
-        </p:spPr>
-        <p:txBody>
-          <a:bodyPr wrap="square" rtlCol="0">
-            <a:spAutoFit/>
-          </a:bodyPr>
-          <a:lstStyle/>
-          <a:p>
-            <a:r>
-              <a:rPr lang="en-CA" sz="3200" dirty="0" smtClean="0"/>
-              <a:t>TIP: When you are testing your code for the first time, it can be helpful to add print statements to see if your code is working</a:t>
-            </a:r>
-            <a:endParaRPr lang="en-US" sz="3200" dirty="0"/>
-          </a:p>
-        </p:txBody>
-      </p:sp>
-    </p:spTree>
-    <p:extLst>
-      <p:ext uri="{BB962C8B-B14F-4D97-AF65-F5344CB8AC3E}">
-        <p14:creationId xmlns:p14="http://schemas.microsoft.com/office/powerpoint/2010/main" val="2432429352"/>
-      </p:ext>
-    </p:extLst>
-  </p:cSld>
-  <p:clrMapOvr>
-    <a:masterClrMapping/>
-  </p:clrMapOvr>
-  <mc:AlternateContent xmlns:mc="http://schemas.openxmlformats.org/markup-compatibility/2006" xmlns:p14="http://schemas.microsoft.com/office/powerpoint/2010/main">
-    <mc:Choice Requires="p14">
-      <p:transition spd="slow" p14:dur="2000"/>
-    </mc:Choice>
-    <mc:Fallback xmlns="">
-      <p:transition spd="slow"/>
-    </mc:Fallback>
-  </mc:AlternateContent>
-  <p:timing>
-    <p:tnLst>
-      <p:par>
-        <p:cTn id="1" dur="indefinite" restart="never" nodeType="tmRoot">
-          <p:childTnLst>
-            <p:seq concurrent="1" nextAc="seek">
-              <p:cTn id="2" dur="indefinite" nodeType="mainSeq">
-                <p:childTnLst>
-                  <p:par>
-                    <p:cTn id="3" fill="hold">
-                      <p:stCondLst>
-                        <p:cond delay="indefinite"/>
-                      </p:stCondLst>
-                      <p:childTnLst>
-                        <p:par>
-                          <p:cTn id="4" fill="hold">
-                            <p:stCondLst>
-                              <p:cond delay="0"/>
-                            </p:stCondLst>
-                            <p:childTnLst>
-                              <p:par>
-                                <p:cTn id="5" presetID="1" presetClass="entr" presetSubtype="0" fill="hold" grpId="0" nodeType="clickEffect">
-                                  <p:stCondLst>
-                                    <p:cond delay="0"/>
-                                  </p:stCondLst>
-                                  <p:childTnLst>
-                                    <p:set>
-                                      <p:cBhvr>
-                                        <p:cTn id="6" dur="1" fill="hold">
-                                          <p:stCondLst>
-                                            <p:cond delay="0"/>
-                                          </p:stCondLst>
-                                        </p:cTn>
-                                        <p:tgtEl>
-                                          <p:spTgt spid="3"/>
-                                        </p:tgtEl>
-                                        <p:attrNameLst>
-                                          <p:attrName>style.visibility</p:attrName>
-                                        </p:attrNameLst>
-                                      </p:cBhvr>
-                                      <p:to>
-                                        <p:strVal val="visible"/>
-                                      </p:to>
-                                    </p:set>
-                                  </p:childTnLst>
-                                </p:cTn>
-                              </p:par>
-                            </p:childTnLst>
-                          </p:cTn>
-                        </p:par>
-                      </p:childTnLst>
-                    </p:cTn>
-                  </p:par>
-                  <p:par>
-                    <p:cTn id="7" fill="hold">
-                      <p:stCondLst>
-                        <p:cond delay="indefinite"/>
-                      </p:stCondLst>
-                      <p:childTnLst>
-                        <p:par>
-                          <p:cTn id="8" fill="hold">
-                            <p:stCondLst>
-                              <p:cond delay="0"/>
-                            </p:stCondLst>
-                            <p:childTnLst>
-                              <p:par>
-                                <p:cTn id="9" presetID="1" presetClass="entr" presetSubtype="0" fill="hold" nodeType="clickEffect">
-                                  <p:stCondLst>
-                                    <p:cond delay="0"/>
-                                  </p:stCondLst>
-                                  <p:childTnLst>
-                                    <p:set>
-                                      <p:cBhvr>
-                                        <p:cTn id="10" dur="1" fill="hold">
-                                          <p:stCondLst>
-                                            <p:cond delay="0"/>
-                                          </p:stCondLst>
-                                        </p:cTn>
-                                        <p:tgtEl>
-                                          <p:spTgt spid="6">
-                                            <p:txEl>
-                                              <p:pRg st="0" end="0"/>
-                                            </p:txEl>
-                                          </p:spTgt>
-                                        </p:tgtEl>
-                                        <p:attrNameLst>
-                                          <p:attrName>style.visibility</p:attrName>
-                                        </p:attrNameLst>
-                                      </p:cBhvr>
-                                      <p:to>
-                                        <p:strVal val="visible"/>
-                                      </p:to>
-                                    </p:set>
-                                  </p:childTnLst>
-                                </p:cTn>
-                              </p:par>
-                              <p:par>
-                                <p:cTn id="11" presetID="1" presetClass="entr" presetSubtype="0" fill="hold" nodeType="withEffect">
-                                  <p:stCondLst>
-                                    <p:cond delay="0"/>
-                                  </p:stCondLst>
-                                  <p:childTnLst>
-                                    <p:set>
-                                      <p:cBhvr>
-                                        <p:cTn id="12" dur="1" fill="hold">
-                                          <p:stCondLst>
-                                            <p:cond delay="0"/>
-                                          </p:stCondLst>
-                                        </p:cTn>
-                                        <p:tgtEl>
-                                          <p:spTgt spid="6">
-                                            <p:txEl>
-                                              <p:pRg st="5" end="5"/>
-                                            </p:txEl>
-                                          </p:spTgt>
-                                        </p:tgtEl>
-                                        <p:attrNameLst>
-                                          <p:attrName>style.visibility</p:attrName>
-                                        </p:attrNameLst>
-                                      </p:cBhvr>
-                                      <p:to>
-                                        <p:strVal val="visible"/>
-                                      </p:to>
-                                    </p:set>
-                                  </p:childTnLst>
-                                </p:cTn>
-                              </p:par>
-                              <p:par>
-                                <p:cTn id="13" presetID="1" presetClass="entr" presetSubtype="0" fill="hold" nodeType="withEffect">
-                                  <p:stCondLst>
-                                    <p:cond delay="0"/>
-                                  </p:stCondLst>
-                                  <p:childTnLst>
-                                    <p:set>
-                                      <p:cBhvr>
-                                        <p:cTn id="14" dur="1" fill="hold">
-                                          <p:stCondLst>
-                                            <p:cond delay="0"/>
-                                          </p:stCondLst>
-                                        </p:cTn>
-                                        <p:tgtEl>
-                                          <p:spTgt spid="6">
-                                            <p:txEl>
-                                              <p:pRg st="7" end="7"/>
-                                            </p:txEl>
-                                          </p:spTgt>
-                                        </p:tgtEl>
-                                        <p:attrNameLst>
-                                          <p:attrName>style.visibility</p:attrName>
-                                        </p:attrNameLst>
-                                      </p:cBhvr>
-                                      <p:to>
-                                        <p:strVal val="visible"/>
-                                      </p:to>
-                                    </p:set>
-                                  </p:childTnLst>
-                                </p:cTn>
-                              </p:par>
-                            </p:childTnLst>
-                          </p:cTn>
-                        </p:par>
-                      </p:childTnLst>
-                    </p:cTn>
-                  </p:par>
-                </p:childTnLst>
-              </p:cTn>
-              <p:prevCondLst>
-                <p:cond evt="onPrev" delay="0">
-                  <p:tgtEl>
-                    <p:sldTgt/>
-                  </p:tgtEl>
-                </p:cond>
-              </p:prevCondLst>
-              <p:nextCondLst>
-                <p:cond evt="onNext" delay="0">
-                  <p:tgtEl>
-                    <p:sldTgt/>
-                  </p:tgtEl>
-                </p:cond>
-              </p:nextCondLst>
-            </p:seq>
-          </p:childTnLst>
-        </p:cTn>
-      </p:par>
-    </p:tnLst>
-    <p:bldLst>
-      <p:bldP spid="3" grpId="0" animBg="1"/>
-    </p:bldLst>
-  </p:timing>
-</p:sld>
-</file>
-
-<file path=ppt/slides/slide15.xml><?xml version="1.0" encoding="utf-8"?>
+<file path=ppt/slides/slide12.xml><?xml version="1.0" encoding="utf-8"?>
 <p:sld xmlns:a="http://schemas.openxmlformats.org/drawingml/2006/main" xmlns:r="http://schemas.openxmlformats.org/officeDocument/2006/relationships" xmlns:p="http://schemas.openxmlformats.org/presentationml/2006/main">
   <p:cSld>
     <p:spTree>
@@ -7043,7 +4834,7 @@
         <p:spPr bwMode="auto">
           <a:xfrm>
             <a:off x="379514" y="1202382"/>
-            <a:ext cx="11620489" cy="3970318"/>
+            <a:ext cx="11755141" cy="3970318"/>
           </a:xfrm>
           <a:prstGeom prst="rect">
             <a:avLst/>
@@ -7231,14 +5022,14 @@
               <a:t> = </a:t>
             </a:r>
             <a:r>
-              <a:rPr lang="en-US" altLang="en-US" sz="2800" dirty="0" err="1">
+              <a:rPr lang="en-US" altLang="en-US" sz="2800" dirty="0" err="1" smtClean="0">
                 <a:solidFill>
                   <a:srgbClr val="000000"/>
                 </a:solidFill>
                 <a:latin typeface="Consolas" panose="020B0609020204030204" pitchFamily="49" charset="0"/>
                 <a:cs typeface="Consolas" panose="020B0609020204030204" pitchFamily="49" charset="0"/>
               </a:rPr>
-              <a:t>pyodbc.connect</a:t>
+              <a:t>pypyodbc.connect</a:t>
             </a:r>
             <a:r>
               <a:rPr lang="en-US" altLang="en-US" sz="2800" dirty="0">
@@ -7884,426 +5675,7 @@
 </p:sld>
 </file>
 
-<file path=ppt/slides/slide16.xml><?xml version="1.0" encoding="utf-8"?>
-<p:sld xmlns:a="http://schemas.openxmlformats.org/drawingml/2006/main" xmlns:r="http://schemas.openxmlformats.org/officeDocument/2006/relationships" xmlns:p="http://schemas.openxmlformats.org/presentationml/2006/main" show="0">
-  <p:cSld>
-    <p:spTree>
-      <p:nvGrpSpPr>
-        <p:cNvPr id="1" name=""/>
-        <p:cNvGrpSpPr/>
-        <p:nvPr/>
-      </p:nvGrpSpPr>
-      <p:grpSpPr>
-        <a:xfrm>
-          <a:off x="0" y="0"/>
-          <a:ext cx="0" cy="0"/>
-          <a:chOff x="0" y="0"/>
-          <a:chExt cx="0" cy="0"/>
-        </a:xfrm>
-      </p:grpSpPr>
-      <p:sp>
-        <p:nvSpPr>
-          <p:cNvPr id="3" name="Content Placeholder 2"/>
-          <p:cNvSpPr>
-            <a:spLocks noGrp="1"/>
-          </p:cNvSpPr>
-          <p:nvPr>
-            <p:ph sz="half" idx="2"/>
-          </p:nvPr>
-        </p:nvSpPr>
-        <p:spPr/>
-        <p:txBody>
-          <a:bodyPr>
-            <a:normAutofit lnSpcReduction="10000"/>
-          </a:bodyPr>
-          <a:lstStyle/>
-          <a:p>
-            <a:r>
-              <a:rPr lang="en-CA" dirty="0" smtClean="0"/>
-              <a:t>If you are getting errors when your database code executes use the interactive window to get detailed error messages</a:t>
-            </a:r>
-          </a:p>
-          <a:p>
-            <a:r>
-              <a:rPr lang="en-CA" dirty="0" smtClean="0"/>
-              <a:t>Right click on your environment and choose Open Interactive Window</a:t>
-            </a:r>
-          </a:p>
-          <a:p>
-            <a:r>
-              <a:rPr lang="en-CA" dirty="0" smtClean="0"/>
-              <a:t>Type your code into the interactive window and check error messages</a:t>
-            </a:r>
-            <a:endParaRPr lang="en-US" dirty="0"/>
-          </a:p>
-        </p:txBody>
-      </p:sp>
-      <p:sp>
-        <p:nvSpPr>
-          <p:cNvPr id="5" name="Content Placeholder 4"/>
-          <p:cNvSpPr>
-            <a:spLocks noGrp="1"/>
-          </p:cNvSpPr>
-          <p:nvPr>
-            <p:ph sz="quarter" idx="4"/>
-          </p:nvPr>
-        </p:nvSpPr>
-        <p:spPr/>
-        <p:txBody>
-          <a:bodyPr/>
-          <a:lstStyle/>
-          <a:p>
-            <a:endParaRPr lang="en-US" dirty="0"/>
-          </a:p>
-        </p:txBody>
-      </p:sp>
-      <p:sp>
-        <p:nvSpPr>
-          <p:cNvPr id="2" name="Title 1"/>
-          <p:cNvSpPr>
-            <a:spLocks noGrp="1"/>
-          </p:cNvSpPr>
-          <p:nvPr>
-            <p:ph type="title"/>
-          </p:nvPr>
-        </p:nvSpPr>
-        <p:spPr/>
-        <p:txBody>
-          <a:bodyPr>
-            <a:normAutofit/>
-          </a:bodyPr>
-          <a:lstStyle/>
-          <a:p>
-            <a:r>
-              <a:rPr lang="en-CA" dirty="0" smtClean="0"/>
-              <a:t>Visual Studio tip!</a:t>
-            </a:r>
-            <a:endParaRPr lang="en-US" dirty="0"/>
-          </a:p>
-        </p:txBody>
-      </p:sp>
-      <p:pic>
-        <p:nvPicPr>
-          <p:cNvPr id="4" name="Picture 3"/>
-          <p:cNvPicPr>
-            <a:picLocks noChangeAspect="1"/>
-          </p:cNvPicPr>
-          <p:nvPr/>
-        </p:nvPicPr>
-        <p:blipFill>
-          <a:blip r:embed="rId2"/>
-          <a:stretch>
-            <a:fillRect/>
-          </a:stretch>
-        </p:blipFill>
-        <p:spPr>
-          <a:xfrm>
-            <a:off x="6275742" y="1371600"/>
-            <a:ext cx="4212964" cy="4834549"/>
-          </a:xfrm>
-          <a:prstGeom prst="rect">
-            <a:avLst/>
-          </a:prstGeom>
-        </p:spPr>
-      </p:pic>
-      <p:pic>
-        <p:nvPicPr>
-          <p:cNvPr id="6" name="Picture 5"/>
-          <p:cNvPicPr>
-            <a:picLocks noChangeAspect="1"/>
-          </p:cNvPicPr>
-          <p:nvPr/>
-        </p:nvPicPr>
-        <p:blipFill>
-          <a:blip r:embed="rId3"/>
-          <a:stretch>
-            <a:fillRect/>
-          </a:stretch>
-        </p:blipFill>
-        <p:spPr>
-          <a:xfrm>
-            <a:off x="2787903" y="911182"/>
-            <a:ext cx="8800000" cy="6019048"/>
-          </a:xfrm>
-          <a:prstGeom prst="rect">
-            <a:avLst/>
-          </a:prstGeom>
-        </p:spPr>
-      </p:pic>
-    </p:spTree>
-    <p:extLst>
-      <p:ext uri="{BB962C8B-B14F-4D97-AF65-F5344CB8AC3E}">
-        <p14:creationId xmlns:p14="http://schemas.microsoft.com/office/powerpoint/2010/main" val="1204508553"/>
-      </p:ext>
-    </p:extLst>
-  </p:cSld>
-  <p:clrMapOvr>
-    <a:masterClrMapping/>
-  </p:clrMapOvr>
-  <mc:AlternateContent xmlns:mc="http://schemas.openxmlformats.org/markup-compatibility/2006" xmlns:p14="http://schemas.microsoft.com/office/powerpoint/2010/main">
-    <mc:Choice Requires="p14">
-      <p:transition spd="slow" p14:dur="2000"/>
-    </mc:Choice>
-    <mc:Fallback xmlns="">
-      <p:transition spd="slow"/>
-    </mc:Fallback>
-  </mc:AlternateContent>
-  <p:timing>
-    <p:tnLst>
-      <p:par>
-        <p:cTn id="1" dur="indefinite" restart="never" nodeType="tmRoot">
-          <p:childTnLst>
-            <p:seq concurrent="1" nextAc="seek">
-              <p:cTn id="2" dur="indefinite" nodeType="mainSeq">
-                <p:childTnLst>
-                  <p:par>
-                    <p:cTn id="3" fill="hold">
-                      <p:stCondLst>
-                        <p:cond delay="indefinite"/>
-                      </p:stCondLst>
-                      <p:childTnLst>
-                        <p:par>
-                          <p:cTn id="4" fill="hold">
-                            <p:stCondLst>
-                              <p:cond delay="0"/>
-                            </p:stCondLst>
-                            <p:childTnLst>
-                              <p:par>
-                                <p:cTn id="5" presetID="1" presetClass="entr" presetSubtype="0" fill="hold" grpId="0" nodeType="clickEffect">
-                                  <p:stCondLst>
-                                    <p:cond delay="0"/>
-                                  </p:stCondLst>
-                                  <p:childTnLst>
-                                    <p:set>
-                                      <p:cBhvr>
-                                        <p:cTn id="6" dur="1" fill="hold">
-                                          <p:stCondLst>
-                                            <p:cond delay="0"/>
-                                          </p:stCondLst>
-                                        </p:cTn>
-                                        <p:tgtEl>
-                                          <p:spTgt spid="3">
-                                            <p:txEl>
-                                              <p:pRg st="0" end="0"/>
-                                            </p:txEl>
-                                          </p:spTgt>
-                                        </p:tgtEl>
-                                        <p:attrNameLst>
-                                          <p:attrName>style.visibility</p:attrName>
-                                        </p:attrNameLst>
-                                      </p:cBhvr>
-                                      <p:to>
-                                        <p:strVal val="visible"/>
-                                      </p:to>
-                                    </p:set>
-                                  </p:childTnLst>
-                                </p:cTn>
-                              </p:par>
-                            </p:childTnLst>
-                          </p:cTn>
-                        </p:par>
-                      </p:childTnLst>
-                    </p:cTn>
-                  </p:par>
-                  <p:par>
-                    <p:cTn id="7" fill="hold">
-                      <p:stCondLst>
-                        <p:cond delay="indefinite"/>
-                      </p:stCondLst>
-                      <p:childTnLst>
-                        <p:par>
-                          <p:cTn id="8" fill="hold">
-                            <p:stCondLst>
-                              <p:cond delay="0"/>
-                            </p:stCondLst>
-                            <p:childTnLst>
-                              <p:par>
-                                <p:cTn id="9" presetID="1" presetClass="entr" presetSubtype="0" fill="hold" grpId="0" nodeType="clickEffect">
-                                  <p:stCondLst>
-                                    <p:cond delay="0"/>
-                                  </p:stCondLst>
-                                  <p:childTnLst>
-                                    <p:set>
-                                      <p:cBhvr>
-                                        <p:cTn id="10" dur="1" fill="hold">
-                                          <p:stCondLst>
-                                            <p:cond delay="0"/>
-                                          </p:stCondLst>
-                                        </p:cTn>
-                                        <p:tgtEl>
-                                          <p:spTgt spid="3">
-                                            <p:txEl>
-                                              <p:pRg st="1" end="1"/>
-                                            </p:txEl>
-                                          </p:spTgt>
-                                        </p:tgtEl>
-                                        <p:attrNameLst>
-                                          <p:attrName>style.visibility</p:attrName>
-                                        </p:attrNameLst>
-                                      </p:cBhvr>
-                                      <p:to>
-                                        <p:strVal val="visible"/>
-                                      </p:to>
-                                    </p:set>
-                                  </p:childTnLst>
-                                </p:cTn>
-                              </p:par>
-                              <p:par>
-                                <p:cTn id="11" presetID="1" presetClass="entr" presetSubtype="0" fill="hold" nodeType="withEffect">
-                                  <p:stCondLst>
-                                    <p:cond delay="0"/>
-                                  </p:stCondLst>
-                                  <p:childTnLst>
-                                    <p:set>
-                                      <p:cBhvr>
-                                        <p:cTn id="12" dur="1" fill="hold">
-                                          <p:stCondLst>
-                                            <p:cond delay="0"/>
-                                          </p:stCondLst>
-                                        </p:cTn>
-                                        <p:tgtEl>
-                                          <p:spTgt spid="4"/>
-                                        </p:tgtEl>
-                                        <p:attrNameLst>
-                                          <p:attrName>style.visibility</p:attrName>
-                                        </p:attrNameLst>
-                                      </p:cBhvr>
-                                      <p:to>
-                                        <p:strVal val="visible"/>
-                                      </p:to>
-                                    </p:set>
-                                  </p:childTnLst>
-                                </p:cTn>
-                              </p:par>
-                            </p:childTnLst>
-                          </p:cTn>
-                        </p:par>
-                      </p:childTnLst>
-                    </p:cTn>
-                  </p:par>
-                  <p:par>
-                    <p:cTn id="13" fill="hold">
-                      <p:stCondLst>
-                        <p:cond delay="indefinite"/>
-                      </p:stCondLst>
-                      <p:childTnLst>
-                        <p:par>
-                          <p:cTn id="14" fill="hold">
-                            <p:stCondLst>
-                              <p:cond delay="0"/>
-                            </p:stCondLst>
-                            <p:childTnLst>
-                              <p:par>
-                                <p:cTn id="15" presetID="1" presetClass="entr" presetSubtype="0" fill="hold" grpId="0" nodeType="clickEffect">
-                                  <p:stCondLst>
-                                    <p:cond delay="0"/>
-                                  </p:stCondLst>
-                                  <p:childTnLst>
-                                    <p:set>
-                                      <p:cBhvr>
-                                        <p:cTn id="16" dur="1" fill="hold">
-                                          <p:stCondLst>
-                                            <p:cond delay="0"/>
-                                          </p:stCondLst>
-                                        </p:cTn>
-                                        <p:tgtEl>
-                                          <p:spTgt spid="3">
-                                            <p:txEl>
-                                              <p:pRg st="2" end="2"/>
-                                            </p:txEl>
-                                          </p:spTgt>
-                                        </p:tgtEl>
-                                        <p:attrNameLst>
-                                          <p:attrName>style.visibility</p:attrName>
-                                        </p:attrNameLst>
-                                      </p:cBhvr>
-                                      <p:to>
-                                        <p:strVal val="visible"/>
-                                      </p:to>
-                                    </p:set>
-                                  </p:childTnLst>
-                                </p:cTn>
-                              </p:par>
-                            </p:childTnLst>
-                          </p:cTn>
-                        </p:par>
-                      </p:childTnLst>
-                    </p:cTn>
-                  </p:par>
-                  <p:par>
-                    <p:cTn id="17" fill="hold">
-                      <p:stCondLst>
-                        <p:cond delay="indefinite"/>
-                      </p:stCondLst>
-                      <p:childTnLst>
-                        <p:par>
-                          <p:cTn id="18" fill="hold">
-                            <p:stCondLst>
-                              <p:cond delay="0"/>
-                            </p:stCondLst>
-                            <p:childTnLst>
-                              <p:par>
-                                <p:cTn id="19" presetID="1" presetClass="entr" presetSubtype="0" fill="hold" nodeType="clickEffect">
-                                  <p:stCondLst>
-                                    <p:cond delay="0"/>
-                                  </p:stCondLst>
-                                  <p:childTnLst>
-                                    <p:set>
-                                      <p:cBhvr>
-                                        <p:cTn id="20" dur="1" fill="hold">
-                                          <p:stCondLst>
-                                            <p:cond delay="0"/>
-                                          </p:stCondLst>
-                                        </p:cTn>
-                                        <p:tgtEl>
-                                          <p:spTgt spid="6"/>
-                                        </p:tgtEl>
-                                        <p:attrNameLst>
-                                          <p:attrName>style.visibility</p:attrName>
-                                        </p:attrNameLst>
-                                      </p:cBhvr>
-                                      <p:to>
-                                        <p:strVal val="visible"/>
-                                      </p:to>
-                                    </p:set>
-                                  </p:childTnLst>
-                                </p:cTn>
-                              </p:par>
-                            </p:childTnLst>
-                          </p:cTn>
-                        </p:par>
-                      </p:childTnLst>
-                    </p:cTn>
-                  </p:par>
-                </p:childTnLst>
-              </p:cTn>
-              <p:prevCondLst>
-                <p:cond evt="onPrev" delay="0">
-                  <p:tgtEl>
-                    <p:sldTgt/>
-                  </p:tgtEl>
-                </p:cond>
-              </p:prevCondLst>
-              <p:nextCondLst>
-                <p:cond evt="onNext" delay="0">
-                  <p:tgtEl>
-                    <p:sldTgt/>
-                  </p:tgtEl>
-                </p:cond>
-              </p:nextCondLst>
-            </p:seq>
-          </p:childTnLst>
-        </p:cTn>
-      </p:par>
-    </p:tnLst>
-    <p:bldLst>
-      <p:bldP spid="3" grpId="0" uiExpand="1" build="p"/>
-    </p:bldLst>
-  </p:timing>
-</p:sld>
-</file>
-
-<file path=ppt/slides/slide17.xml><?xml version="1.0" encoding="utf-8"?>
+<file path=ppt/slides/slide13.xml><?xml version="1.0" encoding="utf-8"?>
 <p:sld xmlns:a="http://schemas.openxmlformats.org/drawingml/2006/main" xmlns:r="http://schemas.openxmlformats.org/officeDocument/2006/relationships" xmlns:p="http://schemas.openxmlformats.org/presentationml/2006/main">
   <p:cSld>
     <p:spTree>
@@ -8714,7 +6086,7 @@
 </p:sld>
 </file>
 
-<file path=ppt/slides/slide18.xml><?xml version="1.0" encoding="utf-8"?>
+<file path=ppt/slides/slide14.xml><?xml version="1.0" encoding="utf-8"?>
 <p:sld xmlns:a="http://schemas.openxmlformats.org/drawingml/2006/main" xmlns:r="http://schemas.openxmlformats.org/officeDocument/2006/relationships" xmlns:p="http://schemas.openxmlformats.org/presentationml/2006/main">
   <p:cSld>
     <p:spTree>
@@ -8774,7 +6146,7 @@
 </p:sld>
 </file>
 
-<file path=ppt/slides/slide19.xml><?xml version="1.0" encoding="utf-8"?>
+<file path=ppt/slides/slide15.xml><?xml version="1.0" encoding="utf-8"?>
 <p:sld xmlns:a="http://schemas.openxmlformats.org/drawingml/2006/main" xmlns:r="http://schemas.openxmlformats.org/officeDocument/2006/relationships" xmlns:p="http://schemas.openxmlformats.org/presentationml/2006/main">
   <p:cSld>
     <p:spTree>
@@ -8853,103 +6225,7 @@
 </p:sld>
 </file>
 
-<file path=ppt/slides/slide2.xml><?xml version="1.0" encoding="utf-8"?>
-<p:sld xmlns:a="http://schemas.openxmlformats.org/drawingml/2006/main" xmlns:r="http://schemas.openxmlformats.org/officeDocument/2006/relationships" xmlns:p="http://schemas.openxmlformats.org/presentationml/2006/main">
-  <p:cSld>
-    <p:spTree>
-      <p:nvGrpSpPr>
-        <p:cNvPr id="1" name=""/>
-        <p:cNvGrpSpPr/>
-        <p:nvPr/>
-      </p:nvGrpSpPr>
-      <p:grpSpPr>
-        <a:xfrm>
-          <a:off x="0" y="0"/>
-          <a:ext cx="0" cy="0"/>
-          <a:chOff x="0" y="0"/>
-          <a:chExt cx="0" cy="0"/>
-        </a:xfrm>
-      </p:grpSpPr>
-      <p:sp>
-        <p:nvSpPr>
-          <p:cNvPr id="7" name="Content Placeholder 6"/>
-          <p:cNvSpPr>
-            <a:spLocks noGrp="1"/>
-          </p:cNvSpPr>
-          <p:nvPr>
-            <p:ph sz="quarter" idx="10"/>
-          </p:nvPr>
-        </p:nvSpPr>
-        <p:spPr/>
-        <p:txBody>
-          <a:bodyPr>
-            <a:normAutofit/>
-          </a:bodyPr>
-          <a:lstStyle/>
-          <a:p>
-            <a:r>
-              <a:rPr lang="en-GB" dirty="0" smtClean="0"/>
-              <a:t>How do I connect to a database from Python?</a:t>
-            </a:r>
-          </a:p>
-          <a:p>
-            <a:r>
-              <a:rPr lang="en-GB" dirty="0" smtClean="0"/>
-              <a:t>Inserting a record</a:t>
-            </a:r>
-          </a:p>
-          <a:p>
-            <a:r>
-              <a:rPr lang="en-GB" dirty="0" smtClean="0"/>
-              <a:t>Retrieving a record</a:t>
-            </a:r>
-          </a:p>
-        </p:txBody>
-      </p:sp>
-      <p:sp>
-        <p:nvSpPr>
-          <p:cNvPr id="2" name="Title 1"/>
-          <p:cNvSpPr>
-            <a:spLocks noGrp="1"/>
-          </p:cNvSpPr>
-          <p:nvPr>
-            <p:ph type="title"/>
-          </p:nvPr>
-        </p:nvSpPr>
-        <p:spPr/>
-        <p:txBody>
-          <a:bodyPr/>
-          <a:lstStyle/>
-          <a:p>
-            <a:r>
-              <a:rPr lang="en-US" smtClean="0"/>
-              <a:t>Module Overview</a:t>
-            </a:r>
-            <a:endParaRPr lang="en-US" dirty="0"/>
-          </a:p>
-        </p:txBody>
-      </p:sp>
-    </p:spTree>
-    <p:extLst>
-      <p:ext uri="{BB962C8B-B14F-4D97-AF65-F5344CB8AC3E}">
-        <p14:creationId xmlns:p14="http://schemas.microsoft.com/office/powerpoint/2010/main" val="318349970"/>
-      </p:ext>
-    </p:extLst>
-  </p:cSld>
-  <p:clrMapOvr>
-    <a:masterClrMapping/>
-  </p:clrMapOvr>
-  <p:timing>
-    <p:tnLst>
-      <p:par>
-        <p:cTn id="1" dur="indefinite" restart="never" nodeType="tmRoot"/>
-      </p:par>
-    </p:tnLst>
-  </p:timing>
-</p:sld>
-</file>
-
-<file path=ppt/slides/slide20.xml><?xml version="1.0" encoding="utf-8"?>
+<file path=ppt/slides/slide16.xml><?xml version="1.0" encoding="utf-8"?>
 <p:sld xmlns:a="http://schemas.openxmlformats.org/drawingml/2006/main" xmlns:r="http://schemas.openxmlformats.org/officeDocument/2006/relationships" xmlns:p="http://schemas.openxmlformats.org/presentationml/2006/main">
   <p:cSld>
     <p:spTree>
@@ -9178,7 +6454,7 @@
 </p:sld>
 </file>
 
-<file path=ppt/slides/slide21.xml><?xml version="1.0" encoding="utf-8"?>
+<file path=ppt/slides/slide17.xml><?xml version="1.0" encoding="utf-8"?>
 <p:sld xmlns:a="http://schemas.openxmlformats.org/drawingml/2006/main" xmlns:r="http://schemas.openxmlformats.org/officeDocument/2006/relationships" xmlns:p="http://schemas.openxmlformats.org/presentationml/2006/main">
   <p:cSld>
     <p:spTree>
@@ -9932,7 +7208,7 @@
 </p:sld>
 </file>
 
-<file path=ppt/slides/slide22.xml><?xml version="1.0" encoding="utf-8"?>
+<file path=ppt/slides/slide18.xml><?xml version="1.0" encoding="utf-8"?>
 <p:sld xmlns:a="http://schemas.openxmlformats.org/drawingml/2006/main" xmlns:r="http://schemas.openxmlformats.org/officeDocument/2006/relationships" xmlns:p="http://schemas.openxmlformats.org/presentationml/2006/main">
   <p:cSld>
     <p:spTree>
@@ -10524,7 +7800,7 @@
 </p:sld>
 </file>
 
-<file path=ppt/slides/slide23.xml><?xml version="1.0" encoding="utf-8"?>
+<file path=ppt/slides/slide19.xml><?xml version="1.0" encoding="utf-8"?>
 <p:sld xmlns:a="http://schemas.openxmlformats.org/drawingml/2006/main" xmlns:r="http://schemas.openxmlformats.org/officeDocument/2006/relationships" xmlns:p="http://schemas.openxmlformats.org/presentationml/2006/main">
   <p:cSld>
     <p:spTree>
@@ -10681,11 +7957,18 @@
   <p:clrMapOvr>
     <a:masterClrMapping/>
   </p:clrMapOvr>
+  <p:timing>
+    <p:tnLst>
+      <p:par>
+        <p:cTn id="1" dur="indefinite" restart="never" nodeType="tmRoot"/>
+      </p:par>
+    </p:tnLst>
+  </p:timing>
 </p:sld>
 </file>
 
-<file path=ppt/slides/slide24.xml><?xml version="1.0" encoding="utf-8"?>
-<p:sld xmlns:a="http://schemas.openxmlformats.org/drawingml/2006/main" xmlns:r="http://schemas.openxmlformats.org/officeDocument/2006/relationships" xmlns:p="http://schemas.openxmlformats.org/presentationml/2006/main" show="0">
+<file path=ppt/slides/slide2.xml><?xml version="1.0" encoding="utf-8"?>
+<p:sld xmlns:a="http://schemas.openxmlformats.org/drawingml/2006/main" xmlns:r="http://schemas.openxmlformats.org/officeDocument/2006/relationships" xmlns:p="http://schemas.openxmlformats.org/presentationml/2006/main">
   <p:cSld>
     <p:spTree>
       <p:nvGrpSpPr>
@@ -10703,6 +7986,42 @@
       </p:grpSpPr>
       <p:sp>
         <p:nvSpPr>
+          <p:cNvPr id="7" name="Content Placeholder 6"/>
+          <p:cNvSpPr>
+            <a:spLocks noGrp="1"/>
+          </p:cNvSpPr>
+          <p:nvPr>
+            <p:ph sz="quarter" idx="10"/>
+          </p:nvPr>
+        </p:nvSpPr>
+        <p:spPr/>
+        <p:txBody>
+          <a:bodyPr>
+            <a:normAutofit/>
+          </a:bodyPr>
+          <a:lstStyle/>
+          <a:p>
+            <a:r>
+              <a:rPr lang="en-GB" dirty="0" smtClean="0"/>
+              <a:t>How do I connect to a database from Python?</a:t>
+            </a:r>
+          </a:p>
+          <a:p>
+            <a:r>
+              <a:rPr lang="en-GB" dirty="0" smtClean="0"/>
+              <a:t>Inserting a record</a:t>
+            </a:r>
+          </a:p>
+          <a:p>
+            <a:r>
+              <a:rPr lang="en-GB" dirty="0" smtClean="0"/>
+              <a:t>Retrieving a record</a:t>
+            </a:r>
+          </a:p>
+        </p:txBody>
+      </p:sp>
+      <p:sp>
+        <p:nvSpPr>
           <p:cNvPr id="2" name="Title 1"/>
           <p:cNvSpPr>
             <a:spLocks noGrp="1"/>
@@ -10713,1428 +8032,27 @@
         </p:nvSpPr>
         <p:spPr/>
         <p:txBody>
-          <a:bodyPr>
-            <a:normAutofit fontScale="90000"/>
-          </a:bodyPr>
+          <a:bodyPr/>
           <a:lstStyle/>
           <a:p>
             <a:r>
-              <a:rPr lang="en-CA" dirty="0" smtClean="0"/>
-              <a:t>Put it all together with error handling and you have something like this</a:t>
+              <a:rPr lang="en-US" smtClean="0"/>
+              <a:t>Module Overview</a:t>
             </a:r>
             <a:endParaRPr lang="en-US" dirty="0"/>
-          </a:p>
-        </p:txBody>
-      </p:sp>
-      <p:sp>
-        <p:nvSpPr>
-          <p:cNvPr id="4" name="Rectangle 1"/>
-          <p:cNvSpPr>
-            <a:spLocks noGrp="1" noChangeArrowheads="1"/>
-          </p:cNvSpPr>
-          <p:nvPr>
-            <p:ph sz="quarter" idx="10"/>
-          </p:nvPr>
-        </p:nvSpPr>
-        <p:spPr bwMode="auto">
-          <a:xfrm>
-            <a:off x="0" y="1609902"/>
-            <a:ext cx="12468478" cy="4524315"/>
-          </a:xfrm>
-          <a:prstGeom prst="rect">
-            <a:avLst/>
-          </a:prstGeom>
-          <a:solidFill>
-            <a:srgbClr val="FFFFFF"/>
-          </a:solidFill>
-          <a:ln>
-            <a:noFill/>
-          </a:ln>
-          <a:effectLst/>
-          <a:extLst>
-            <a:ext uri="{91240B29-F687-4F45-9708-019B960494DF}">
-              <a14:hiddenLine xmlns:a14="http://schemas.microsoft.com/office/drawing/2010/main" w="9525">
-                <a:solidFill>
-                  <a:schemeClr val="tx1"/>
-                </a:solidFill>
-                <a:miter lim="800000"/>
-                <a:headEnd/>
-                <a:tailEnd/>
-              </a14:hiddenLine>
-            </a:ext>
-            <a:ext uri="{AF507438-7753-43E0-B8FC-AC1667EBCBE1}">
-              <a14:hiddenEffects xmlns:a14="http://schemas.microsoft.com/office/drawing/2010/main">
-                <a:effectLst>
-                  <a:outerShdw dist="35921" dir="2700000" algn="ctr" rotWithShape="0">
-                    <a:schemeClr val="bg2"/>
-                  </a:outerShdw>
-                </a:effectLst>
-              </a14:hiddenEffects>
-            </a:ext>
-          </a:extLst>
-        </p:spPr>
-        <p:txBody>
-          <a:bodyPr vert="horz" wrap="none" lIns="91440" tIns="45720" rIns="91440" bIns="45720" numCol="1" anchor="ctr" anchorCtr="0" compatLnSpc="1">
-            <a:prstTxWarp prst="textNoShape">
-              <a:avLst/>
-            </a:prstTxWarp>
-            <a:spAutoFit/>
-          </a:bodyPr>
-          <a:lstStyle/>
-          <a:p>
-            <a:pPr marL="0" marR="0" lvl="0" indent="0" algn="l" defTabSz="914400" rtl="0" eaLnBrk="0" fontAlgn="base" latinLnBrk="0" hangingPunct="0">
-              <a:lnSpc>
-                <a:spcPct val="100000"/>
-              </a:lnSpc>
-              <a:spcBef>
-                <a:spcPct val="0"/>
-              </a:spcBef>
-              <a:spcAft>
-                <a:spcPct val="0"/>
-              </a:spcAft>
-              <a:buClrTx/>
-              <a:buSzTx/>
-              <a:buFontTx/>
-              <a:buNone/>
-              <a:tabLst/>
-            </a:pPr>
-            <a:r>
-              <a:rPr kumimoji="0" lang="en-US" altLang="en-US" sz="1800" b="0" i="0" u="none" strike="noStrike" cap="none" normalizeH="0" baseline="0" dirty="0" smtClean="0">
-                <a:ln>
-                  <a:noFill/>
-                </a:ln>
-                <a:solidFill>
-                  <a:srgbClr val="0000FF"/>
-                </a:solidFill>
-                <a:effectLst/>
-                <a:latin typeface="Consolas" panose="020B0609020204030204" pitchFamily="49" charset="0"/>
-                <a:cs typeface="Consolas" panose="020B0609020204030204" pitchFamily="49" charset="0"/>
-              </a:rPr>
-              <a:t>import</a:t>
-            </a:r>
-            <a:r>
-              <a:rPr kumimoji="0" lang="en-US" altLang="en-US" sz="1800" b="0" i="0" u="none" strike="noStrike" cap="none" normalizeH="0" baseline="0" dirty="0" smtClean="0">
-                <a:ln>
-                  <a:noFill/>
-                </a:ln>
-                <a:solidFill>
-                  <a:srgbClr val="000000"/>
-                </a:solidFill>
-                <a:effectLst/>
-                <a:latin typeface="Consolas" panose="020B0609020204030204" pitchFamily="49" charset="0"/>
-                <a:cs typeface="Consolas" panose="020B0609020204030204" pitchFamily="49" charset="0"/>
-              </a:rPr>
-              <a:t> </a:t>
-            </a:r>
-            <a:r>
-              <a:rPr kumimoji="0" lang="en-US" altLang="en-US" sz="1800" b="0" i="0" u="none" strike="noStrike" cap="none" normalizeH="0" baseline="0" dirty="0" err="1" smtClean="0">
-                <a:ln>
-                  <a:noFill/>
-                </a:ln>
-                <a:solidFill>
-                  <a:srgbClr val="6F008A"/>
-                </a:solidFill>
-                <a:effectLst/>
-                <a:latin typeface="Consolas" panose="020B0609020204030204" pitchFamily="49" charset="0"/>
-                <a:cs typeface="Consolas" panose="020B0609020204030204" pitchFamily="49" charset="0"/>
-              </a:rPr>
-              <a:t>pymssql</a:t>
-            </a:r>
-            <a:r>
-              <a:rPr kumimoji="0" lang="en-US" altLang="en-US" sz="1800" b="0" i="0" u="none" strike="noStrike" cap="none" normalizeH="0" baseline="0" dirty="0" smtClean="0">
-                <a:ln>
-                  <a:noFill/>
-                </a:ln>
-                <a:solidFill>
-                  <a:srgbClr val="000000"/>
-                </a:solidFill>
-                <a:effectLst/>
-                <a:latin typeface="Consolas" panose="020B0609020204030204" pitchFamily="49" charset="0"/>
-                <a:cs typeface="Consolas" panose="020B0609020204030204" pitchFamily="49" charset="0"/>
-              </a:rPr>
-              <a:t> </a:t>
-            </a:r>
-          </a:p>
-          <a:p>
-            <a:pPr marL="0" marR="0" lvl="0" indent="0" algn="l" defTabSz="914400" rtl="0" eaLnBrk="0" fontAlgn="base" latinLnBrk="0" hangingPunct="0">
-              <a:lnSpc>
-                <a:spcPct val="100000"/>
-              </a:lnSpc>
-              <a:spcBef>
-                <a:spcPct val="0"/>
-              </a:spcBef>
-              <a:spcAft>
-                <a:spcPct val="0"/>
-              </a:spcAft>
-              <a:buClrTx/>
-              <a:buSzTx/>
-              <a:buFontTx/>
-              <a:buNone/>
-              <a:tabLst/>
-            </a:pPr>
-            <a:r>
-              <a:rPr kumimoji="0" lang="en-US" altLang="en-US" sz="1800" b="0" i="0" u="none" strike="noStrike" cap="none" normalizeH="0" baseline="0" dirty="0" smtClean="0">
-                <a:ln>
-                  <a:noFill/>
-                </a:ln>
-                <a:solidFill>
-                  <a:srgbClr val="0000FF"/>
-                </a:solidFill>
-                <a:effectLst/>
-                <a:latin typeface="Consolas" panose="020B0609020204030204" pitchFamily="49" charset="0"/>
-                <a:cs typeface="Consolas" panose="020B0609020204030204" pitchFamily="49" charset="0"/>
-              </a:rPr>
-              <a:t>try</a:t>
-            </a:r>
-            <a:r>
-              <a:rPr kumimoji="0" lang="en-US" altLang="en-US" sz="1800" b="0" i="0" u="none" strike="noStrike" cap="none" normalizeH="0" baseline="0" dirty="0" smtClean="0">
-                <a:ln>
-                  <a:noFill/>
-                </a:ln>
-                <a:solidFill>
-                  <a:srgbClr val="000000"/>
-                </a:solidFill>
-                <a:effectLst/>
-                <a:latin typeface="Consolas" panose="020B0609020204030204" pitchFamily="49" charset="0"/>
-                <a:cs typeface="Consolas" panose="020B0609020204030204" pitchFamily="49" charset="0"/>
-              </a:rPr>
-              <a:t> :</a:t>
-            </a:r>
-          </a:p>
-          <a:p>
-            <a:pPr marL="0" marR="0" lvl="0" indent="0" algn="l" defTabSz="914400" rtl="0" eaLnBrk="0" fontAlgn="base" latinLnBrk="0" hangingPunct="0">
-              <a:lnSpc>
-                <a:spcPct val="100000"/>
-              </a:lnSpc>
-              <a:spcBef>
-                <a:spcPct val="0"/>
-              </a:spcBef>
-              <a:spcAft>
-                <a:spcPct val="0"/>
-              </a:spcAft>
-              <a:buClrTx/>
-              <a:buSzTx/>
-              <a:buFontTx/>
-              <a:buNone/>
-              <a:tabLst/>
-            </a:pPr>
-            <a:r>
-              <a:rPr kumimoji="0" lang="en-US" altLang="en-US" sz="1800" b="0" i="0" u="none" strike="noStrike" cap="none" normalizeH="0" baseline="0" dirty="0" smtClean="0">
-                <a:ln>
-                  <a:noFill/>
-                </a:ln>
-                <a:solidFill>
-                  <a:srgbClr val="000000"/>
-                </a:solidFill>
-                <a:effectLst/>
-                <a:latin typeface="Consolas" panose="020B0609020204030204" pitchFamily="49" charset="0"/>
-                <a:cs typeface="Consolas" panose="020B0609020204030204" pitchFamily="49" charset="0"/>
-              </a:rPr>
-              <a:t>     </a:t>
-            </a:r>
-            <a:r>
-              <a:rPr kumimoji="0" lang="en-US" altLang="en-US" sz="1800" b="0" i="0" u="none" strike="noStrike" cap="none" normalizeH="0" baseline="0" dirty="0" err="1" smtClean="0">
-                <a:ln>
-                  <a:noFill/>
-                </a:ln>
-                <a:solidFill>
-                  <a:srgbClr val="000000"/>
-                </a:solidFill>
-                <a:effectLst/>
-                <a:latin typeface="Consolas" panose="020B0609020204030204" pitchFamily="49" charset="0"/>
-                <a:cs typeface="Consolas" panose="020B0609020204030204" pitchFamily="49" charset="0"/>
-              </a:rPr>
-              <a:t>myConnection</a:t>
-            </a:r>
-            <a:r>
-              <a:rPr kumimoji="0" lang="en-US" altLang="en-US" sz="1800" b="0" i="0" u="none" strike="noStrike" cap="none" normalizeH="0" baseline="0" dirty="0" smtClean="0">
-                <a:ln>
-                  <a:noFill/>
-                </a:ln>
-                <a:solidFill>
-                  <a:srgbClr val="000000"/>
-                </a:solidFill>
-                <a:effectLst/>
-                <a:latin typeface="Consolas" panose="020B0609020204030204" pitchFamily="49" charset="0"/>
-                <a:cs typeface="Consolas" panose="020B0609020204030204" pitchFamily="49" charset="0"/>
-              </a:rPr>
-              <a:t> = </a:t>
-            </a:r>
-            <a:r>
-              <a:rPr kumimoji="0" lang="en-US" altLang="en-US" sz="1800" b="0" i="0" u="none" strike="noStrike" cap="none" normalizeH="0" baseline="0" dirty="0" err="1" smtClean="0">
-                <a:ln>
-                  <a:noFill/>
-                </a:ln>
-                <a:solidFill>
-                  <a:srgbClr val="6F008A"/>
-                </a:solidFill>
-                <a:effectLst/>
-                <a:latin typeface="Consolas" panose="020B0609020204030204" pitchFamily="49" charset="0"/>
-                <a:cs typeface="Consolas" panose="020B0609020204030204" pitchFamily="49" charset="0"/>
-              </a:rPr>
-              <a:t>pymssql</a:t>
-            </a:r>
-            <a:r>
-              <a:rPr kumimoji="0" lang="en-US" altLang="en-US" sz="1800" b="0" i="0" u="none" strike="noStrike" cap="none" normalizeH="0" baseline="0" dirty="0" err="1" smtClean="0">
-                <a:ln>
-                  <a:noFill/>
-                </a:ln>
-                <a:solidFill>
-                  <a:srgbClr val="000000"/>
-                </a:solidFill>
-                <a:effectLst/>
-                <a:latin typeface="Consolas" panose="020B0609020204030204" pitchFamily="49" charset="0"/>
-                <a:cs typeface="Consolas" panose="020B0609020204030204" pitchFamily="49" charset="0"/>
-              </a:rPr>
-              <a:t>.connect</a:t>
-            </a:r>
-            <a:r>
-              <a:rPr kumimoji="0" lang="en-US" altLang="en-US" sz="1800" b="0" i="0" u="none" strike="noStrike" cap="none" normalizeH="0" baseline="0" dirty="0" smtClean="0">
-                <a:ln>
-                  <a:noFill/>
-                </a:ln>
-                <a:solidFill>
-                  <a:srgbClr val="000000"/>
-                </a:solidFill>
-                <a:effectLst/>
-                <a:latin typeface="Consolas" panose="020B0609020204030204" pitchFamily="49" charset="0"/>
-                <a:cs typeface="Consolas" panose="020B0609020204030204" pitchFamily="49" charset="0"/>
-              </a:rPr>
-              <a:t>(server= </a:t>
-            </a:r>
-            <a:r>
-              <a:rPr kumimoji="0" lang="en-US" altLang="en-US" sz="1800" b="0" i="0" u="none" strike="noStrike" cap="none" normalizeH="0" baseline="0" dirty="0" smtClean="0">
-                <a:ln>
-                  <a:noFill/>
-                </a:ln>
-                <a:solidFill>
-                  <a:srgbClr val="A31515"/>
-                </a:solidFill>
-                <a:effectLst/>
-                <a:latin typeface="Consolas" panose="020B0609020204030204" pitchFamily="49" charset="0"/>
-                <a:cs typeface="Consolas" panose="020B0609020204030204" pitchFamily="49" charset="0"/>
-              </a:rPr>
-              <a:t>'localhost'</a:t>
-            </a:r>
-            <a:r>
-              <a:rPr kumimoji="0" lang="en-US" altLang="en-US" sz="1800" b="0" i="0" u="none" strike="noStrike" cap="none" normalizeH="0" baseline="0" dirty="0" smtClean="0">
-                <a:ln>
-                  <a:noFill/>
-                </a:ln>
-                <a:solidFill>
-                  <a:srgbClr val="000000"/>
-                </a:solidFill>
-                <a:effectLst/>
-                <a:latin typeface="Consolas" panose="020B0609020204030204" pitchFamily="49" charset="0"/>
-                <a:cs typeface="Consolas" panose="020B0609020204030204" pitchFamily="49" charset="0"/>
-              </a:rPr>
-              <a:t>, user=</a:t>
-            </a:r>
-            <a:r>
-              <a:rPr kumimoji="0" lang="en-US" altLang="en-US" sz="1800" b="0" i="0" u="none" strike="noStrike" cap="none" normalizeH="0" baseline="0" dirty="0" smtClean="0">
-                <a:ln>
-                  <a:noFill/>
-                </a:ln>
-                <a:solidFill>
-                  <a:srgbClr val="A31515"/>
-                </a:solidFill>
-                <a:effectLst/>
-                <a:latin typeface="Consolas" panose="020B0609020204030204" pitchFamily="49" charset="0"/>
-                <a:cs typeface="Consolas" panose="020B0609020204030204" pitchFamily="49" charset="0"/>
-              </a:rPr>
-              <a:t>'</a:t>
-            </a:r>
-            <a:r>
-              <a:rPr kumimoji="0" lang="en-US" altLang="en-US" sz="1800" b="0" i="0" u="none" strike="noStrike" cap="none" normalizeH="0" baseline="0" dirty="0" err="1" smtClean="0">
-                <a:ln>
-                  <a:noFill/>
-                </a:ln>
-                <a:solidFill>
-                  <a:srgbClr val="A31515"/>
-                </a:solidFill>
-                <a:effectLst/>
-                <a:latin typeface="Consolas" panose="020B0609020204030204" pitchFamily="49" charset="0"/>
-                <a:cs typeface="Consolas" panose="020B0609020204030204" pitchFamily="49" charset="0"/>
-              </a:rPr>
-              <a:t>sa</a:t>
-            </a:r>
-            <a:r>
-              <a:rPr kumimoji="0" lang="en-US" altLang="en-US" sz="1800" b="0" i="0" u="none" strike="noStrike" cap="none" normalizeH="0" baseline="0" dirty="0" smtClean="0">
-                <a:ln>
-                  <a:noFill/>
-                </a:ln>
-                <a:solidFill>
-                  <a:srgbClr val="A31515"/>
-                </a:solidFill>
-                <a:effectLst/>
-                <a:latin typeface="Consolas" panose="020B0609020204030204" pitchFamily="49" charset="0"/>
-                <a:cs typeface="Consolas" panose="020B0609020204030204" pitchFamily="49" charset="0"/>
-              </a:rPr>
-              <a:t>'</a:t>
-            </a:r>
-            <a:r>
-              <a:rPr kumimoji="0" lang="en-US" altLang="en-US" sz="1800" b="0" i="0" u="none" strike="noStrike" cap="none" normalizeH="0" baseline="0" dirty="0" smtClean="0">
-                <a:ln>
-                  <a:noFill/>
-                </a:ln>
-                <a:solidFill>
-                  <a:srgbClr val="000000"/>
-                </a:solidFill>
-                <a:effectLst/>
-                <a:latin typeface="Consolas" panose="020B0609020204030204" pitchFamily="49" charset="0"/>
-                <a:cs typeface="Consolas" panose="020B0609020204030204" pitchFamily="49" charset="0"/>
-              </a:rPr>
-              <a:t>, password=</a:t>
-            </a:r>
-            <a:r>
-              <a:rPr kumimoji="0" lang="en-US" altLang="en-US" sz="1800" b="0" i="0" u="none" strike="noStrike" cap="none" normalizeH="0" baseline="0" dirty="0" smtClean="0">
-                <a:ln>
-                  <a:noFill/>
-                </a:ln>
-                <a:solidFill>
-                  <a:srgbClr val="A31515"/>
-                </a:solidFill>
-                <a:effectLst/>
-                <a:latin typeface="Consolas" panose="020B0609020204030204" pitchFamily="49" charset="0"/>
-                <a:cs typeface="Consolas" panose="020B0609020204030204" pitchFamily="49" charset="0"/>
-              </a:rPr>
-              <a:t>'P@ssw0rd'</a:t>
-            </a:r>
-            <a:r>
-              <a:rPr kumimoji="0" lang="en-US" altLang="en-US" sz="1800" b="0" i="0" u="none" strike="noStrike" cap="none" normalizeH="0" baseline="0" dirty="0" smtClean="0">
-                <a:ln>
-                  <a:noFill/>
-                </a:ln>
-                <a:solidFill>
-                  <a:srgbClr val="000000"/>
-                </a:solidFill>
-                <a:effectLst/>
-                <a:latin typeface="Consolas" panose="020B0609020204030204" pitchFamily="49" charset="0"/>
-                <a:cs typeface="Consolas" panose="020B0609020204030204" pitchFamily="49" charset="0"/>
-              </a:rPr>
-              <a:t>,</a:t>
-            </a:r>
-          </a:p>
-          <a:p>
-            <a:pPr marL="0" marR="0" lvl="0" indent="0" algn="l" defTabSz="914400" rtl="0" eaLnBrk="0" fontAlgn="base" latinLnBrk="0" hangingPunct="0">
-              <a:lnSpc>
-                <a:spcPct val="100000"/>
-              </a:lnSpc>
-              <a:spcBef>
-                <a:spcPct val="0"/>
-              </a:spcBef>
-              <a:spcAft>
-                <a:spcPct val="0"/>
-              </a:spcAft>
-              <a:buClrTx/>
-              <a:buSzTx/>
-              <a:buFontTx/>
-              <a:buNone/>
-              <a:tabLst/>
-            </a:pPr>
-            <a:r>
-              <a:rPr kumimoji="0" lang="en-US" altLang="en-US" sz="1800" b="0" i="0" u="none" strike="noStrike" cap="none" normalizeH="0" baseline="0" dirty="0" smtClean="0">
-                <a:ln>
-                  <a:noFill/>
-                </a:ln>
-                <a:solidFill>
-                  <a:srgbClr val="000000"/>
-                </a:solidFill>
-                <a:effectLst/>
-                <a:latin typeface="Consolas" panose="020B0609020204030204" pitchFamily="49" charset="0"/>
-                <a:cs typeface="Consolas" panose="020B0609020204030204" pitchFamily="49" charset="0"/>
-              </a:rPr>
-              <a:t>                  database=</a:t>
-            </a:r>
-            <a:r>
-              <a:rPr kumimoji="0" lang="en-US" altLang="en-US" sz="1800" b="0" i="0" u="none" strike="noStrike" cap="none" normalizeH="0" baseline="0" dirty="0" smtClean="0">
-                <a:ln>
-                  <a:noFill/>
-                </a:ln>
-                <a:solidFill>
-                  <a:srgbClr val="A31515"/>
-                </a:solidFill>
-                <a:effectLst/>
-                <a:latin typeface="Consolas" panose="020B0609020204030204" pitchFamily="49" charset="0"/>
-                <a:cs typeface="Consolas" panose="020B0609020204030204" pitchFamily="49" charset="0"/>
-              </a:rPr>
-              <a:t>'</a:t>
-            </a:r>
-            <a:r>
-              <a:rPr kumimoji="0" lang="en-US" altLang="en-US" sz="1800" b="0" i="0" u="none" strike="noStrike" cap="none" normalizeH="0" baseline="0" dirty="0" err="1" smtClean="0">
-                <a:ln>
-                  <a:noFill/>
-                </a:ln>
-                <a:solidFill>
-                  <a:srgbClr val="A31515"/>
-                </a:solidFill>
-                <a:effectLst/>
-                <a:latin typeface="Consolas" panose="020B0609020204030204" pitchFamily="49" charset="0"/>
-                <a:cs typeface="Consolas" panose="020B0609020204030204" pitchFamily="49" charset="0"/>
-              </a:rPr>
-              <a:t>QuizDB</a:t>
-            </a:r>
-            <a:r>
-              <a:rPr kumimoji="0" lang="en-US" altLang="en-US" sz="1800" b="0" i="0" u="none" strike="noStrike" cap="none" normalizeH="0" baseline="0" dirty="0" smtClean="0">
-                <a:ln>
-                  <a:noFill/>
-                </a:ln>
-                <a:solidFill>
-                  <a:srgbClr val="A31515"/>
-                </a:solidFill>
-                <a:effectLst/>
-                <a:latin typeface="Consolas" panose="020B0609020204030204" pitchFamily="49" charset="0"/>
-                <a:cs typeface="Consolas" panose="020B0609020204030204" pitchFamily="49" charset="0"/>
-              </a:rPr>
-              <a:t>'</a:t>
-            </a:r>
-            <a:r>
-              <a:rPr kumimoji="0" lang="en-US" altLang="en-US" sz="1800" b="0" i="0" u="none" strike="noStrike" cap="none" normalizeH="0" baseline="0" dirty="0" smtClean="0">
-                <a:ln>
-                  <a:noFill/>
-                </a:ln>
-                <a:solidFill>
-                  <a:srgbClr val="000000"/>
-                </a:solidFill>
-                <a:effectLst/>
-                <a:latin typeface="Consolas" panose="020B0609020204030204" pitchFamily="49" charset="0"/>
-                <a:cs typeface="Consolas" panose="020B0609020204030204" pitchFamily="49" charset="0"/>
-              </a:rPr>
-              <a:t>)</a:t>
-            </a:r>
-          </a:p>
-          <a:p>
-            <a:pPr marL="0" marR="0" lvl="0" indent="0" algn="l" defTabSz="914400" rtl="0" eaLnBrk="0" fontAlgn="base" latinLnBrk="0" hangingPunct="0">
-              <a:lnSpc>
-                <a:spcPct val="100000"/>
-              </a:lnSpc>
-              <a:spcBef>
-                <a:spcPct val="0"/>
-              </a:spcBef>
-              <a:spcAft>
-                <a:spcPct val="0"/>
-              </a:spcAft>
-              <a:buClrTx/>
-              <a:buSzTx/>
-              <a:buFontTx/>
-              <a:buNone/>
-              <a:tabLst/>
-            </a:pPr>
-            <a:r>
-              <a:rPr kumimoji="0" lang="en-US" altLang="en-US" sz="1800" b="0" i="0" u="none" strike="noStrike" cap="none" normalizeH="0" baseline="0" dirty="0" smtClean="0">
-                <a:ln>
-                  <a:noFill/>
-                </a:ln>
-                <a:solidFill>
-                  <a:srgbClr val="000000"/>
-                </a:solidFill>
-                <a:effectLst/>
-                <a:latin typeface="Consolas" panose="020B0609020204030204" pitchFamily="49" charset="0"/>
-                <a:cs typeface="Consolas" panose="020B0609020204030204" pitchFamily="49" charset="0"/>
-              </a:rPr>
-              <a:t>     </a:t>
-            </a:r>
-            <a:r>
-              <a:rPr kumimoji="0" lang="en-US" altLang="en-US" sz="1800" b="0" i="0" u="none" strike="noStrike" cap="none" normalizeH="0" baseline="0" dirty="0" smtClean="0">
-                <a:ln>
-                  <a:noFill/>
-                </a:ln>
-                <a:solidFill>
-                  <a:srgbClr val="0000FF"/>
-                </a:solidFill>
-                <a:effectLst/>
-                <a:latin typeface="Consolas" panose="020B0609020204030204" pitchFamily="49" charset="0"/>
-                <a:cs typeface="Consolas" panose="020B0609020204030204" pitchFamily="49" charset="0"/>
-              </a:rPr>
-              <a:t>try</a:t>
-            </a:r>
-            <a:r>
-              <a:rPr kumimoji="0" lang="en-US" altLang="en-US" sz="1800" b="0" i="0" u="none" strike="noStrike" cap="none" normalizeH="0" baseline="0" dirty="0" smtClean="0">
-                <a:ln>
-                  <a:noFill/>
-                </a:ln>
-                <a:solidFill>
-                  <a:srgbClr val="000000"/>
-                </a:solidFill>
-                <a:effectLst/>
-                <a:latin typeface="Consolas" panose="020B0609020204030204" pitchFamily="49" charset="0"/>
-                <a:cs typeface="Consolas" panose="020B0609020204030204" pitchFamily="49" charset="0"/>
-              </a:rPr>
-              <a:t> :</a:t>
-            </a:r>
-          </a:p>
-          <a:p>
-            <a:pPr marL="0" marR="0" lvl="0" indent="0" algn="l" defTabSz="914400" rtl="0" eaLnBrk="0" fontAlgn="base" latinLnBrk="0" hangingPunct="0">
-              <a:lnSpc>
-                <a:spcPct val="100000"/>
-              </a:lnSpc>
-              <a:spcBef>
-                <a:spcPct val="0"/>
-              </a:spcBef>
-              <a:spcAft>
-                <a:spcPct val="0"/>
-              </a:spcAft>
-              <a:buClrTx/>
-              <a:buSzTx/>
-              <a:buFontTx/>
-              <a:buNone/>
-              <a:tabLst/>
-            </a:pPr>
-            <a:r>
-              <a:rPr kumimoji="0" lang="en-US" altLang="en-US" sz="1800" b="0" i="0" u="none" strike="noStrike" cap="none" normalizeH="0" baseline="0" dirty="0" smtClean="0">
-                <a:ln>
-                  <a:noFill/>
-                </a:ln>
-                <a:solidFill>
-                  <a:srgbClr val="000000"/>
-                </a:solidFill>
-                <a:effectLst/>
-                <a:latin typeface="Consolas" panose="020B0609020204030204" pitchFamily="49" charset="0"/>
-                <a:cs typeface="Consolas" panose="020B0609020204030204" pitchFamily="49" charset="0"/>
-              </a:rPr>
-              <a:t>         </a:t>
-            </a:r>
-            <a:r>
-              <a:rPr kumimoji="0" lang="en-US" altLang="en-US" sz="1800" b="0" i="0" u="none" strike="noStrike" cap="none" normalizeH="0" baseline="0" dirty="0" err="1" smtClean="0">
-                <a:ln>
-                  <a:noFill/>
-                </a:ln>
-                <a:solidFill>
-                  <a:srgbClr val="000000"/>
-                </a:solidFill>
-                <a:effectLst/>
-                <a:latin typeface="Consolas" panose="020B0609020204030204" pitchFamily="49" charset="0"/>
-                <a:cs typeface="Consolas" panose="020B0609020204030204" pitchFamily="49" charset="0"/>
-              </a:rPr>
-              <a:t>myCursor</a:t>
-            </a:r>
-            <a:r>
-              <a:rPr kumimoji="0" lang="en-US" altLang="en-US" sz="1800" b="0" i="0" u="none" strike="noStrike" cap="none" normalizeH="0" baseline="0" dirty="0" smtClean="0">
-                <a:ln>
-                  <a:noFill/>
-                </a:ln>
-                <a:solidFill>
-                  <a:srgbClr val="000000"/>
-                </a:solidFill>
-                <a:effectLst/>
-                <a:latin typeface="Consolas" panose="020B0609020204030204" pitchFamily="49" charset="0"/>
-                <a:cs typeface="Consolas" panose="020B0609020204030204" pitchFamily="49" charset="0"/>
-              </a:rPr>
-              <a:t> = </a:t>
-            </a:r>
-            <a:r>
-              <a:rPr kumimoji="0" lang="en-US" altLang="en-US" sz="1800" b="0" i="0" u="none" strike="noStrike" cap="none" normalizeH="0" baseline="0" dirty="0" err="1" smtClean="0">
-                <a:ln>
-                  <a:noFill/>
-                </a:ln>
-                <a:solidFill>
-                  <a:srgbClr val="000000"/>
-                </a:solidFill>
-                <a:effectLst/>
-                <a:latin typeface="Consolas" panose="020B0609020204030204" pitchFamily="49" charset="0"/>
-                <a:cs typeface="Consolas" panose="020B0609020204030204" pitchFamily="49" charset="0"/>
-              </a:rPr>
-              <a:t>myConnection.cursor</a:t>
-            </a:r>
-            <a:r>
-              <a:rPr kumimoji="0" lang="en-US" altLang="en-US" sz="1800" b="0" i="0" u="none" strike="noStrike" cap="none" normalizeH="0" baseline="0" dirty="0" smtClean="0">
-                <a:ln>
-                  <a:noFill/>
-                </a:ln>
-                <a:solidFill>
-                  <a:srgbClr val="000000"/>
-                </a:solidFill>
-                <a:effectLst/>
-                <a:latin typeface="Consolas" panose="020B0609020204030204" pitchFamily="49" charset="0"/>
-                <a:cs typeface="Consolas" panose="020B0609020204030204" pitchFamily="49" charset="0"/>
-              </a:rPr>
-              <a:t>()</a:t>
-            </a:r>
-          </a:p>
-          <a:p>
-            <a:pPr marL="0" marR="0" lvl="0" indent="0" algn="l" defTabSz="914400" rtl="0" eaLnBrk="0" fontAlgn="base" latinLnBrk="0" hangingPunct="0">
-              <a:lnSpc>
-                <a:spcPct val="100000"/>
-              </a:lnSpc>
-              <a:spcBef>
-                <a:spcPct val="0"/>
-              </a:spcBef>
-              <a:spcAft>
-                <a:spcPct val="0"/>
-              </a:spcAft>
-              <a:buClrTx/>
-              <a:buSzTx/>
-              <a:buFontTx/>
-              <a:buNone/>
-              <a:tabLst/>
-            </a:pPr>
-            <a:r>
-              <a:rPr kumimoji="0" lang="en-US" altLang="en-US" sz="1800" b="0" i="0" u="none" strike="noStrike" cap="none" normalizeH="0" baseline="0" dirty="0" smtClean="0">
-                <a:ln>
-                  <a:noFill/>
-                </a:ln>
-                <a:solidFill>
-                  <a:srgbClr val="000000"/>
-                </a:solidFill>
-                <a:effectLst/>
-                <a:latin typeface="Consolas" panose="020B0609020204030204" pitchFamily="49" charset="0"/>
-                <a:cs typeface="Consolas" panose="020B0609020204030204" pitchFamily="49" charset="0"/>
-              </a:rPr>
-              <a:t>         </a:t>
-            </a:r>
-            <a:r>
-              <a:rPr kumimoji="0" lang="en-US" altLang="en-US" sz="1800" b="0" i="0" u="none" strike="noStrike" cap="none" normalizeH="0" baseline="0" dirty="0" err="1" smtClean="0">
-                <a:ln>
-                  <a:noFill/>
-                </a:ln>
-                <a:solidFill>
-                  <a:srgbClr val="000000"/>
-                </a:solidFill>
-                <a:effectLst/>
-                <a:latin typeface="Consolas" panose="020B0609020204030204" pitchFamily="49" charset="0"/>
-                <a:cs typeface="Consolas" panose="020B0609020204030204" pitchFamily="49" charset="0"/>
-              </a:rPr>
-              <a:t>mySQLCommand</a:t>
-            </a:r>
-            <a:r>
-              <a:rPr kumimoji="0" lang="en-US" altLang="en-US" sz="1800" b="0" i="0" u="none" strike="noStrike" cap="none" normalizeH="0" baseline="0" dirty="0" smtClean="0">
-                <a:ln>
-                  <a:noFill/>
-                </a:ln>
-                <a:solidFill>
-                  <a:srgbClr val="000000"/>
-                </a:solidFill>
-                <a:effectLst/>
-                <a:latin typeface="Consolas" panose="020B0609020204030204" pitchFamily="49" charset="0"/>
-                <a:cs typeface="Consolas" panose="020B0609020204030204" pitchFamily="49" charset="0"/>
-              </a:rPr>
-              <a:t> = (</a:t>
-            </a:r>
-            <a:r>
-              <a:rPr kumimoji="0" lang="en-US" altLang="en-US" sz="1800" b="0" i="0" u="none" strike="noStrike" cap="none" normalizeH="0" baseline="0" dirty="0" smtClean="0">
-                <a:ln>
-                  <a:noFill/>
-                </a:ln>
-                <a:solidFill>
-                  <a:srgbClr val="A31515"/>
-                </a:solidFill>
-                <a:effectLst/>
-                <a:latin typeface="Consolas" panose="020B0609020204030204" pitchFamily="49" charset="0"/>
-                <a:cs typeface="Consolas" panose="020B0609020204030204" pitchFamily="49" charset="0"/>
-              </a:rPr>
-              <a:t>"INSERT INTO Questions "</a:t>
-            </a:r>
-          </a:p>
-          <a:p>
-            <a:pPr marL="0" marR="0" lvl="0" indent="0" algn="l" defTabSz="914400" rtl="0" eaLnBrk="0" fontAlgn="base" latinLnBrk="0" hangingPunct="0">
-              <a:lnSpc>
-                <a:spcPct val="100000"/>
-              </a:lnSpc>
-              <a:spcBef>
-                <a:spcPct val="0"/>
-              </a:spcBef>
-              <a:spcAft>
-                <a:spcPct val="0"/>
-              </a:spcAft>
-              <a:buClrTx/>
-              <a:buSzTx/>
-              <a:buFontTx/>
-              <a:buNone/>
-              <a:tabLst/>
-            </a:pPr>
-            <a:r>
-              <a:rPr kumimoji="0" lang="en-US" altLang="en-US" sz="1800" b="0" i="0" u="none" strike="noStrike" cap="none" normalizeH="0" baseline="0" dirty="0" smtClean="0">
-                <a:ln>
-                  <a:noFill/>
-                </a:ln>
-                <a:solidFill>
-                  <a:srgbClr val="000000"/>
-                </a:solidFill>
-                <a:effectLst/>
-                <a:latin typeface="Consolas" panose="020B0609020204030204" pitchFamily="49" charset="0"/>
-                <a:cs typeface="Consolas" panose="020B0609020204030204" pitchFamily="49" charset="0"/>
-              </a:rPr>
-              <a:t>                      </a:t>
-            </a:r>
-            <a:r>
-              <a:rPr kumimoji="0" lang="en-US" altLang="en-US" sz="1800" b="0" i="0" u="none" strike="noStrike" cap="none" normalizeH="0" baseline="0" dirty="0" smtClean="0">
-                <a:ln>
-                  <a:noFill/>
-                </a:ln>
-                <a:solidFill>
-                  <a:srgbClr val="A31515"/>
-                </a:solidFill>
-                <a:effectLst/>
-                <a:latin typeface="Consolas" panose="020B0609020204030204" pitchFamily="49" charset="0"/>
-                <a:cs typeface="Consolas" panose="020B0609020204030204" pitchFamily="49" charset="0"/>
-              </a:rPr>
-              <a:t>"(</a:t>
-            </a:r>
-            <a:r>
-              <a:rPr kumimoji="0" lang="en-US" altLang="en-US" sz="1800" b="0" i="0" u="none" strike="noStrike" cap="none" normalizeH="0" baseline="0" dirty="0" err="1" smtClean="0">
-                <a:ln>
-                  <a:noFill/>
-                </a:ln>
-                <a:solidFill>
-                  <a:srgbClr val="A31515"/>
-                </a:solidFill>
-                <a:effectLst/>
-                <a:latin typeface="Consolas" panose="020B0609020204030204" pitchFamily="49" charset="0"/>
-                <a:cs typeface="Consolas" panose="020B0609020204030204" pitchFamily="49" charset="0"/>
-              </a:rPr>
-              <a:t>QuestionName</a:t>
-            </a:r>
-            <a:r>
-              <a:rPr kumimoji="0" lang="en-US" altLang="en-US" sz="1800" b="0" i="0" u="none" strike="noStrike" cap="none" normalizeH="0" baseline="0" dirty="0" smtClean="0">
-                <a:ln>
-                  <a:noFill/>
-                </a:ln>
-                <a:solidFill>
-                  <a:srgbClr val="A31515"/>
-                </a:solidFill>
-                <a:effectLst/>
-                <a:latin typeface="Consolas" panose="020B0609020204030204" pitchFamily="49" charset="0"/>
-                <a:cs typeface="Consolas" panose="020B0609020204030204" pitchFamily="49" charset="0"/>
-              </a:rPr>
-              <a:t>, Description, </a:t>
-            </a:r>
-            <a:r>
-              <a:rPr kumimoji="0" lang="en-US" altLang="en-US" sz="1800" b="0" i="0" u="none" strike="noStrike" cap="none" normalizeH="0" baseline="0" dirty="0" err="1" smtClean="0">
-                <a:ln>
-                  <a:noFill/>
-                </a:ln>
-                <a:solidFill>
-                  <a:srgbClr val="A31515"/>
-                </a:solidFill>
-                <a:effectLst/>
-                <a:latin typeface="Consolas" panose="020B0609020204030204" pitchFamily="49" charset="0"/>
-                <a:cs typeface="Consolas" panose="020B0609020204030204" pitchFamily="49" charset="0"/>
-              </a:rPr>
-              <a:t>CorrectAnswer</a:t>
-            </a:r>
-            <a:r>
-              <a:rPr kumimoji="0" lang="en-US" altLang="en-US" sz="1800" b="0" i="0" u="none" strike="noStrike" cap="none" normalizeH="0" baseline="0" dirty="0" smtClean="0">
-                <a:ln>
-                  <a:noFill/>
-                </a:ln>
-                <a:solidFill>
-                  <a:srgbClr val="A31515"/>
-                </a:solidFill>
-                <a:effectLst/>
-                <a:latin typeface="Consolas" panose="020B0609020204030204" pitchFamily="49" charset="0"/>
-                <a:cs typeface="Consolas" panose="020B0609020204030204" pitchFamily="49" charset="0"/>
-              </a:rPr>
-              <a:t>, </a:t>
-            </a:r>
-            <a:r>
-              <a:rPr kumimoji="0" lang="en-US" altLang="en-US" sz="1800" b="0" i="0" u="none" strike="noStrike" cap="none" normalizeH="0" baseline="0" dirty="0" err="1" smtClean="0">
-                <a:ln>
-                  <a:noFill/>
-                </a:ln>
-                <a:solidFill>
-                  <a:srgbClr val="A31515"/>
-                </a:solidFill>
-                <a:effectLst/>
-                <a:latin typeface="Consolas" panose="020B0609020204030204" pitchFamily="49" charset="0"/>
-                <a:cs typeface="Consolas" panose="020B0609020204030204" pitchFamily="49" charset="0"/>
-              </a:rPr>
-              <a:t>CategoryId</a:t>
-            </a:r>
-            <a:r>
-              <a:rPr kumimoji="0" lang="en-US" altLang="en-US" sz="1800" b="0" i="0" u="none" strike="noStrike" cap="none" normalizeH="0" baseline="0" dirty="0" smtClean="0">
-                <a:ln>
-                  <a:noFill/>
-                </a:ln>
-                <a:solidFill>
-                  <a:srgbClr val="A31515"/>
-                </a:solidFill>
-                <a:effectLst/>
-                <a:latin typeface="Consolas" panose="020B0609020204030204" pitchFamily="49" charset="0"/>
-                <a:cs typeface="Consolas" panose="020B0609020204030204" pitchFamily="49" charset="0"/>
-              </a:rPr>
-              <a:t>) "</a:t>
-            </a:r>
-          </a:p>
-          <a:p>
-            <a:pPr marL="0" marR="0" lvl="0" indent="0" algn="l" defTabSz="914400" rtl="0" eaLnBrk="0" fontAlgn="base" latinLnBrk="0" hangingPunct="0">
-              <a:lnSpc>
-                <a:spcPct val="100000"/>
-              </a:lnSpc>
-              <a:spcBef>
-                <a:spcPct val="0"/>
-              </a:spcBef>
-              <a:spcAft>
-                <a:spcPct val="0"/>
-              </a:spcAft>
-              <a:buClrTx/>
-              <a:buSzTx/>
-              <a:buFontTx/>
-              <a:buNone/>
-              <a:tabLst/>
-            </a:pPr>
-            <a:r>
-              <a:rPr kumimoji="0" lang="en-US" altLang="en-US" sz="1800" b="0" i="0" u="none" strike="noStrike" cap="none" normalizeH="0" baseline="0" dirty="0" smtClean="0">
-                <a:ln>
-                  <a:noFill/>
-                </a:ln>
-                <a:solidFill>
-                  <a:srgbClr val="000000"/>
-                </a:solidFill>
-                <a:effectLst/>
-                <a:latin typeface="Consolas" panose="020B0609020204030204" pitchFamily="49" charset="0"/>
-                <a:cs typeface="Consolas" panose="020B0609020204030204" pitchFamily="49" charset="0"/>
-              </a:rPr>
-              <a:t>                      </a:t>
-            </a:r>
-            <a:r>
-              <a:rPr kumimoji="0" lang="en-US" altLang="en-US" sz="1800" b="0" i="0" u="none" strike="noStrike" cap="none" normalizeH="0" baseline="0" dirty="0" smtClean="0">
-                <a:ln>
-                  <a:noFill/>
-                </a:ln>
-                <a:solidFill>
-                  <a:srgbClr val="A31515"/>
-                </a:solidFill>
-                <a:effectLst/>
-                <a:latin typeface="Consolas" panose="020B0609020204030204" pitchFamily="49" charset="0"/>
-                <a:cs typeface="Consolas" panose="020B0609020204030204" pitchFamily="49" charset="0"/>
-              </a:rPr>
-              <a:t>"VALUES ('</a:t>
-            </a:r>
-            <a:r>
-              <a:rPr kumimoji="0" lang="en-US" altLang="en-US" sz="1800" b="0" i="0" u="none" strike="noStrike" cap="none" normalizeH="0" baseline="0" dirty="0" err="1" smtClean="0">
-                <a:ln>
-                  <a:noFill/>
-                </a:ln>
-                <a:solidFill>
-                  <a:srgbClr val="A31515"/>
-                </a:solidFill>
-                <a:effectLst/>
-                <a:latin typeface="Consolas" panose="020B0609020204030204" pitchFamily="49" charset="0"/>
-                <a:cs typeface="Consolas" panose="020B0609020204030204" pitchFamily="49" charset="0"/>
-              </a:rPr>
-              <a:t>HockeyFact</a:t>
-            </a:r>
-            <a:r>
-              <a:rPr kumimoji="0" lang="en-US" altLang="en-US" sz="1800" b="0" i="0" u="none" strike="noStrike" cap="none" normalizeH="0" baseline="0" dirty="0" smtClean="0">
-                <a:ln>
-                  <a:noFill/>
-                </a:ln>
-                <a:solidFill>
-                  <a:srgbClr val="A31515"/>
-                </a:solidFill>
-                <a:effectLst/>
-                <a:latin typeface="Consolas" panose="020B0609020204030204" pitchFamily="49" charset="0"/>
-                <a:cs typeface="Consolas" panose="020B0609020204030204" pitchFamily="49" charset="0"/>
-              </a:rPr>
-              <a:t>', 'How long is one period of hockey','20 minutes',1)"</a:t>
-            </a:r>
-            <a:r>
-              <a:rPr kumimoji="0" lang="en-US" altLang="en-US" sz="1800" b="0" i="0" u="none" strike="noStrike" cap="none" normalizeH="0" baseline="0" dirty="0" smtClean="0">
-                <a:ln>
-                  <a:noFill/>
-                </a:ln>
-                <a:solidFill>
-                  <a:srgbClr val="000000"/>
-                </a:solidFill>
-                <a:effectLst/>
-                <a:latin typeface="Consolas" panose="020B0609020204030204" pitchFamily="49" charset="0"/>
-                <a:cs typeface="Consolas" panose="020B0609020204030204" pitchFamily="49" charset="0"/>
-              </a:rPr>
-              <a:t>)</a:t>
-            </a:r>
-          </a:p>
-          <a:p>
-            <a:pPr marL="0" marR="0" lvl="0" indent="0" algn="l" defTabSz="914400" rtl="0" eaLnBrk="0" fontAlgn="base" latinLnBrk="0" hangingPunct="0">
-              <a:lnSpc>
-                <a:spcPct val="100000"/>
-              </a:lnSpc>
-              <a:spcBef>
-                <a:spcPct val="0"/>
-              </a:spcBef>
-              <a:spcAft>
-                <a:spcPct val="0"/>
-              </a:spcAft>
-              <a:buClrTx/>
-              <a:buSzTx/>
-              <a:buFontTx/>
-              <a:buNone/>
-              <a:tabLst/>
-            </a:pPr>
-            <a:r>
-              <a:rPr kumimoji="0" lang="en-US" altLang="en-US" sz="1800" b="0" i="0" u="none" strike="noStrike" cap="none" normalizeH="0" baseline="0" dirty="0" smtClean="0">
-                <a:ln>
-                  <a:noFill/>
-                </a:ln>
-                <a:solidFill>
-                  <a:srgbClr val="000000"/>
-                </a:solidFill>
-                <a:effectLst/>
-                <a:latin typeface="Consolas" panose="020B0609020204030204" pitchFamily="49" charset="0"/>
-                <a:cs typeface="Consolas" panose="020B0609020204030204" pitchFamily="49" charset="0"/>
-              </a:rPr>
-              <a:t>         </a:t>
-            </a:r>
-            <a:r>
-              <a:rPr kumimoji="0" lang="en-US" altLang="en-US" sz="1800" b="0" i="0" u="none" strike="noStrike" cap="none" normalizeH="0" baseline="0" dirty="0" err="1" smtClean="0">
-                <a:ln>
-                  <a:noFill/>
-                </a:ln>
-                <a:solidFill>
-                  <a:srgbClr val="000000"/>
-                </a:solidFill>
-                <a:effectLst/>
-                <a:latin typeface="Consolas" panose="020B0609020204030204" pitchFamily="49" charset="0"/>
-                <a:cs typeface="Consolas" panose="020B0609020204030204" pitchFamily="49" charset="0"/>
-              </a:rPr>
-              <a:t>myCursor.execute</a:t>
-            </a:r>
-            <a:r>
-              <a:rPr kumimoji="0" lang="en-US" altLang="en-US" sz="1800" b="0" i="0" u="none" strike="noStrike" cap="none" normalizeH="0" baseline="0" dirty="0" smtClean="0">
-                <a:ln>
-                  <a:noFill/>
-                </a:ln>
-                <a:solidFill>
-                  <a:srgbClr val="000000"/>
-                </a:solidFill>
-                <a:effectLst/>
-                <a:latin typeface="Consolas" panose="020B0609020204030204" pitchFamily="49" charset="0"/>
-                <a:cs typeface="Consolas" panose="020B0609020204030204" pitchFamily="49" charset="0"/>
-              </a:rPr>
-              <a:t>(</a:t>
-            </a:r>
-            <a:r>
-              <a:rPr kumimoji="0" lang="en-US" altLang="en-US" sz="1800" b="0" i="0" u="none" strike="noStrike" cap="none" normalizeH="0" baseline="0" dirty="0" err="1" smtClean="0">
-                <a:ln>
-                  <a:noFill/>
-                </a:ln>
-                <a:solidFill>
-                  <a:srgbClr val="000000"/>
-                </a:solidFill>
-                <a:effectLst/>
-                <a:latin typeface="Consolas" panose="020B0609020204030204" pitchFamily="49" charset="0"/>
-                <a:cs typeface="Consolas" panose="020B0609020204030204" pitchFamily="49" charset="0"/>
-              </a:rPr>
-              <a:t>mySQLCommand</a:t>
-            </a:r>
-            <a:r>
-              <a:rPr kumimoji="0" lang="en-US" altLang="en-US" sz="1800" b="0" i="0" u="none" strike="noStrike" cap="none" normalizeH="0" baseline="0" dirty="0" smtClean="0">
-                <a:ln>
-                  <a:noFill/>
-                </a:ln>
-                <a:solidFill>
-                  <a:srgbClr val="000000"/>
-                </a:solidFill>
-                <a:effectLst/>
-                <a:latin typeface="Consolas" panose="020B0609020204030204" pitchFamily="49" charset="0"/>
-                <a:cs typeface="Consolas" panose="020B0609020204030204" pitchFamily="49" charset="0"/>
-              </a:rPr>
-              <a:t>)</a:t>
-            </a:r>
-          </a:p>
-          <a:p>
-            <a:pPr marL="0" marR="0" lvl="0" indent="0" algn="l" defTabSz="914400" rtl="0" eaLnBrk="0" fontAlgn="base" latinLnBrk="0" hangingPunct="0">
-              <a:lnSpc>
-                <a:spcPct val="100000"/>
-              </a:lnSpc>
-              <a:spcBef>
-                <a:spcPct val="0"/>
-              </a:spcBef>
-              <a:spcAft>
-                <a:spcPct val="0"/>
-              </a:spcAft>
-              <a:buClrTx/>
-              <a:buSzTx/>
-              <a:buFontTx/>
-              <a:buNone/>
-              <a:tabLst/>
-            </a:pPr>
-            <a:r>
-              <a:rPr kumimoji="0" lang="en-US" altLang="en-US" sz="1800" b="0" i="0" u="none" strike="noStrike" cap="none" normalizeH="0" baseline="0" dirty="0" smtClean="0">
-                <a:ln>
-                  <a:noFill/>
-                </a:ln>
-                <a:solidFill>
-                  <a:srgbClr val="000000"/>
-                </a:solidFill>
-                <a:effectLst/>
-                <a:latin typeface="Consolas" panose="020B0609020204030204" pitchFamily="49" charset="0"/>
-                <a:cs typeface="Consolas" panose="020B0609020204030204" pitchFamily="49" charset="0"/>
-              </a:rPr>
-              <a:t>         </a:t>
-            </a:r>
-            <a:r>
-              <a:rPr kumimoji="0" lang="en-US" altLang="en-US" sz="1800" b="0" i="0" u="none" strike="noStrike" cap="none" normalizeH="0" baseline="0" dirty="0" err="1" smtClean="0">
-                <a:ln>
-                  <a:noFill/>
-                </a:ln>
-                <a:solidFill>
-                  <a:srgbClr val="000000"/>
-                </a:solidFill>
-                <a:effectLst/>
-                <a:latin typeface="Consolas" panose="020B0609020204030204" pitchFamily="49" charset="0"/>
-                <a:cs typeface="Consolas" panose="020B0609020204030204" pitchFamily="49" charset="0"/>
-              </a:rPr>
-              <a:t>myConnection.commit</a:t>
-            </a:r>
-            <a:r>
-              <a:rPr kumimoji="0" lang="en-US" altLang="en-US" sz="1800" b="0" i="0" u="none" strike="noStrike" cap="none" normalizeH="0" baseline="0" dirty="0" smtClean="0">
-                <a:ln>
-                  <a:noFill/>
-                </a:ln>
-                <a:solidFill>
-                  <a:srgbClr val="000000"/>
-                </a:solidFill>
-                <a:effectLst/>
-                <a:latin typeface="Consolas" panose="020B0609020204030204" pitchFamily="49" charset="0"/>
-                <a:cs typeface="Consolas" panose="020B0609020204030204" pitchFamily="49" charset="0"/>
-              </a:rPr>
-              <a:t>()</a:t>
-            </a:r>
-          </a:p>
-          <a:p>
-            <a:pPr marL="0" marR="0" lvl="0" indent="0" algn="l" defTabSz="914400" rtl="0" eaLnBrk="0" fontAlgn="base" latinLnBrk="0" hangingPunct="0">
-              <a:lnSpc>
-                <a:spcPct val="100000"/>
-              </a:lnSpc>
-              <a:spcBef>
-                <a:spcPct val="0"/>
-              </a:spcBef>
-              <a:spcAft>
-                <a:spcPct val="0"/>
-              </a:spcAft>
-              <a:buClrTx/>
-              <a:buSzTx/>
-              <a:buFontTx/>
-              <a:buNone/>
-              <a:tabLst/>
-            </a:pPr>
-            <a:r>
-              <a:rPr kumimoji="0" lang="en-US" altLang="en-US" sz="1800" b="0" i="0" u="none" strike="noStrike" cap="none" normalizeH="0" baseline="0" dirty="0" smtClean="0">
-                <a:ln>
-                  <a:noFill/>
-                </a:ln>
-                <a:solidFill>
-                  <a:srgbClr val="000000"/>
-                </a:solidFill>
-                <a:effectLst/>
-                <a:latin typeface="Consolas" panose="020B0609020204030204" pitchFamily="49" charset="0"/>
-                <a:cs typeface="Consolas" panose="020B0609020204030204" pitchFamily="49" charset="0"/>
-              </a:rPr>
-              <a:t>     </a:t>
-            </a:r>
-            <a:r>
-              <a:rPr kumimoji="0" lang="en-US" altLang="en-US" sz="1800" b="0" i="0" u="none" strike="noStrike" cap="none" normalizeH="0" baseline="0" dirty="0" smtClean="0">
-                <a:ln>
-                  <a:noFill/>
-                </a:ln>
-                <a:solidFill>
-                  <a:srgbClr val="0000FF"/>
-                </a:solidFill>
-                <a:effectLst/>
-                <a:latin typeface="Consolas" panose="020B0609020204030204" pitchFamily="49" charset="0"/>
-                <a:cs typeface="Consolas" panose="020B0609020204030204" pitchFamily="49" charset="0"/>
-              </a:rPr>
-              <a:t>except</a:t>
-            </a:r>
-            <a:r>
-              <a:rPr kumimoji="0" lang="en-US" altLang="en-US" sz="1800" b="0" i="0" u="none" strike="noStrike" cap="none" normalizeH="0" baseline="0" dirty="0" smtClean="0">
-                <a:ln>
-                  <a:noFill/>
-                </a:ln>
-                <a:solidFill>
-                  <a:srgbClr val="000000"/>
-                </a:solidFill>
-                <a:effectLst/>
-                <a:latin typeface="Consolas" panose="020B0609020204030204" pitchFamily="49" charset="0"/>
-                <a:cs typeface="Consolas" panose="020B0609020204030204" pitchFamily="49" charset="0"/>
-              </a:rPr>
-              <a:t>:</a:t>
-            </a:r>
-          </a:p>
-          <a:p>
-            <a:pPr marL="0" marR="0" lvl="0" indent="0" algn="l" defTabSz="914400" rtl="0" eaLnBrk="0" fontAlgn="base" latinLnBrk="0" hangingPunct="0">
-              <a:lnSpc>
-                <a:spcPct val="100000"/>
-              </a:lnSpc>
-              <a:spcBef>
-                <a:spcPct val="0"/>
-              </a:spcBef>
-              <a:spcAft>
-                <a:spcPct val="0"/>
-              </a:spcAft>
-              <a:buClrTx/>
-              <a:buSzTx/>
-              <a:buFontTx/>
-              <a:buNone/>
-              <a:tabLst/>
-            </a:pPr>
-            <a:r>
-              <a:rPr kumimoji="0" lang="en-US" altLang="en-US" sz="1800" b="0" i="0" u="none" strike="noStrike" cap="none" normalizeH="0" baseline="0" dirty="0" smtClean="0">
-                <a:ln>
-                  <a:noFill/>
-                </a:ln>
-                <a:solidFill>
-                  <a:srgbClr val="000000"/>
-                </a:solidFill>
-                <a:effectLst/>
-                <a:latin typeface="Consolas" panose="020B0609020204030204" pitchFamily="49" charset="0"/>
-                <a:cs typeface="Consolas" panose="020B0609020204030204" pitchFamily="49" charset="0"/>
-              </a:rPr>
-              <a:t>         print (</a:t>
-            </a:r>
-            <a:r>
-              <a:rPr kumimoji="0" lang="en-US" altLang="en-US" sz="1800" b="0" i="0" u="none" strike="noStrike" cap="none" normalizeH="0" baseline="0" dirty="0" smtClean="0">
-                <a:ln>
-                  <a:noFill/>
-                </a:ln>
-                <a:solidFill>
-                  <a:srgbClr val="A31515"/>
-                </a:solidFill>
-                <a:effectLst/>
-                <a:latin typeface="Consolas" panose="020B0609020204030204" pitchFamily="49" charset="0"/>
-                <a:cs typeface="Consolas" panose="020B0609020204030204" pitchFamily="49" charset="0"/>
-              </a:rPr>
-              <a:t>'Could not insert record'</a:t>
-            </a:r>
-            <a:r>
-              <a:rPr kumimoji="0" lang="en-US" altLang="en-US" sz="1800" b="0" i="0" u="none" strike="noStrike" cap="none" normalizeH="0" baseline="0" dirty="0" smtClean="0">
-                <a:ln>
-                  <a:noFill/>
-                </a:ln>
-                <a:solidFill>
-                  <a:srgbClr val="000000"/>
-                </a:solidFill>
-                <a:effectLst/>
-                <a:latin typeface="Consolas" panose="020B0609020204030204" pitchFamily="49" charset="0"/>
-                <a:cs typeface="Consolas" panose="020B0609020204030204" pitchFamily="49" charset="0"/>
-              </a:rPr>
-              <a:t>)</a:t>
-            </a:r>
-          </a:p>
-          <a:p>
-            <a:pPr marL="0" marR="0" lvl="0" indent="0" algn="l" defTabSz="914400" rtl="0" eaLnBrk="0" fontAlgn="base" latinLnBrk="0" hangingPunct="0">
-              <a:lnSpc>
-                <a:spcPct val="100000"/>
-              </a:lnSpc>
-              <a:spcBef>
-                <a:spcPct val="0"/>
-              </a:spcBef>
-              <a:spcAft>
-                <a:spcPct val="0"/>
-              </a:spcAft>
-              <a:buClrTx/>
-              <a:buSzTx/>
-              <a:buFontTx/>
-              <a:buNone/>
-              <a:tabLst/>
-            </a:pPr>
-            <a:r>
-              <a:rPr kumimoji="0" lang="en-US" altLang="en-US" sz="1800" b="0" i="0" u="none" strike="noStrike" cap="none" normalizeH="0" baseline="0" dirty="0" smtClean="0">
-                <a:ln>
-                  <a:noFill/>
-                </a:ln>
-                <a:solidFill>
-                  <a:srgbClr val="000000"/>
-                </a:solidFill>
-                <a:effectLst/>
-                <a:latin typeface="Consolas" panose="020B0609020204030204" pitchFamily="49" charset="0"/>
-                <a:cs typeface="Consolas" panose="020B0609020204030204" pitchFamily="49" charset="0"/>
-              </a:rPr>
-              <a:t>     </a:t>
-            </a:r>
-            <a:r>
-              <a:rPr kumimoji="0" lang="en-US" altLang="en-US" sz="1800" b="0" i="0" u="none" strike="noStrike" cap="none" normalizeH="0" baseline="0" dirty="0" err="1" smtClean="0">
-                <a:ln>
-                  <a:noFill/>
-                </a:ln>
-                <a:solidFill>
-                  <a:srgbClr val="000000"/>
-                </a:solidFill>
-                <a:effectLst/>
-                <a:latin typeface="Consolas" panose="020B0609020204030204" pitchFamily="49" charset="0"/>
-                <a:cs typeface="Consolas" panose="020B0609020204030204" pitchFamily="49" charset="0"/>
-              </a:rPr>
-              <a:t>myConnection.close</a:t>
-            </a:r>
-            <a:r>
-              <a:rPr kumimoji="0" lang="en-US" altLang="en-US" sz="1800" b="0" i="0" u="none" strike="noStrike" cap="none" normalizeH="0" baseline="0" dirty="0" smtClean="0">
-                <a:ln>
-                  <a:noFill/>
-                </a:ln>
-                <a:solidFill>
-                  <a:srgbClr val="000000"/>
-                </a:solidFill>
-                <a:effectLst/>
-                <a:latin typeface="Consolas" panose="020B0609020204030204" pitchFamily="49" charset="0"/>
-                <a:cs typeface="Consolas" panose="020B0609020204030204" pitchFamily="49" charset="0"/>
-              </a:rPr>
-              <a:t>()</a:t>
-            </a:r>
-          </a:p>
-          <a:p>
-            <a:pPr marL="0" marR="0" lvl="0" indent="0" algn="l" defTabSz="914400" rtl="0" eaLnBrk="0" fontAlgn="base" latinLnBrk="0" hangingPunct="0">
-              <a:lnSpc>
-                <a:spcPct val="100000"/>
-              </a:lnSpc>
-              <a:spcBef>
-                <a:spcPct val="0"/>
-              </a:spcBef>
-              <a:spcAft>
-                <a:spcPct val="0"/>
-              </a:spcAft>
-              <a:buClrTx/>
-              <a:buSzTx/>
-              <a:buFontTx/>
-              <a:buNone/>
-              <a:tabLst/>
-            </a:pPr>
-            <a:r>
-              <a:rPr kumimoji="0" lang="en-US" altLang="en-US" sz="1800" b="0" i="0" u="none" strike="noStrike" cap="none" normalizeH="0" baseline="0" dirty="0" smtClean="0">
-                <a:ln>
-                  <a:noFill/>
-                </a:ln>
-                <a:solidFill>
-                  <a:srgbClr val="000000"/>
-                </a:solidFill>
-                <a:effectLst/>
-                <a:latin typeface="Consolas" panose="020B0609020204030204" pitchFamily="49" charset="0"/>
-                <a:cs typeface="Consolas" panose="020B0609020204030204" pitchFamily="49" charset="0"/>
-              </a:rPr>
-              <a:t> </a:t>
-            </a:r>
-            <a:r>
-              <a:rPr kumimoji="0" lang="en-US" altLang="en-US" sz="1800" b="0" i="0" u="none" strike="noStrike" cap="none" normalizeH="0" baseline="0" dirty="0" smtClean="0">
-                <a:ln>
-                  <a:noFill/>
-                </a:ln>
-                <a:solidFill>
-                  <a:srgbClr val="0000FF"/>
-                </a:solidFill>
-                <a:effectLst/>
-                <a:latin typeface="Consolas" panose="020B0609020204030204" pitchFamily="49" charset="0"/>
-                <a:cs typeface="Consolas" panose="020B0609020204030204" pitchFamily="49" charset="0"/>
-              </a:rPr>
-              <a:t>except</a:t>
-            </a:r>
-            <a:r>
-              <a:rPr kumimoji="0" lang="en-US" altLang="en-US" sz="1800" b="0" i="0" u="none" strike="noStrike" cap="none" normalizeH="0" baseline="0" dirty="0" smtClean="0">
-                <a:ln>
-                  <a:noFill/>
-                </a:ln>
-                <a:solidFill>
-                  <a:srgbClr val="000000"/>
-                </a:solidFill>
-                <a:effectLst/>
-                <a:latin typeface="Consolas" panose="020B0609020204030204" pitchFamily="49" charset="0"/>
-                <a:cs typeface="Consolas" panose="020B0609020204030204" pitchFamily="49" charset="0"/>
-              </a:rPr>
-              <a:t> :</a:t>
-            </a:r>
-          </a:p>
-          <a:p>
-            <a:pPr marL="0" marR="0" lvl="0" indent="0" algn="l" defTabSz="914400" rtl="0" eaLnBrk="0" fontAlgn="base" latinLnBrk="0" hangingPunct="0">
-              <a:lnSpc>
-                <a:spcPct val="100000"/>
-              </a:lnSpc>
-              <a:spcBef>
-                <a:spcPct val="0"/>
-              </a:spcBef>
-              <a:spcAft>
-                <a:spcPct val="0"/>
-              </a:spcAft>
-              <a:buClrTx/>
-              <a:buSzTx/>
-              <a:buFontTx/>
-              <a:buNone/>
-              <a:tabLst/>
-            </a:pPr>
-            <a:r>
-              <a:rPr kumimoji="0" lang="en-US" altLang="en-US" sz="1800" b="0" i="0" u="none" strike="noStrike" cap="none" normalizeH="0" baseline="0" dirty="0" smtClean="0">
-                <a:ln>
-                  <a:noFill/>
-                </a:ln>
-                <a:solidFill>
-                  <a:srgbClr val="000000"/>
-                </a:solidFill>
-                <a:effectLst/>
-                <a:latin typeface="Consolas" panose="020B0609020204030204" pitchFamily="49" charset="0"/>
-                <a:cs typeface="Consolas" panose="020B0609020204030204" pitchFamily="49" charset="0"/>
-              </a:rPr>
-              <a:t>     print (</a:t>
-            </a:r>
-            <a:r>
-              <a:rPr kumimoji="0" lang="en-US" altLang="en-US" sz="1800" b="0" i="0" u="none" strike="noStrike" cap="none" normalizeH="0" baseline="0" dirty="0" smtClean="0">
-                <a:ln>
-                  <a:noFill/>
-                </a:ln>
-                <a:solidFill>
-                  <a:srgbClr val="A31515"/>
-                </a:solidFill>
-                <a:effectLst/>
-                <a:latin typeface="Consolas" panose="020B0609020204030204" pitchFamily="49" charset="0"/>
-                <a:cs typeface="Consolas" panose="020B0609020204030204" pitchFamily="49" charset="0"/>
-              </a:rPr>
-              <a:t>'Could not connect'</a:t>
-            </a:r>
-            <a:r>
-              <a:rPr kumimoji="0" lang="en-US" altLang="en-US" sz="1800" b="0" i="0" u="none" strike="noStrike" cap="none" normalizeH="0" baseline="0" dirty="0" smtClean="0">
-                <a:ln>
-                  <a:noFill/>
-                </a:ln>
-                <a:solidFill>
-                  <a:srgbClr val="000000"/>
-                </a:solidFill>
-                <a:effectLst/>
-                <a:latin typeface="Consolas" panose="020B0609020204030204" pitchFamily="49" charset="0"/>
-                <a:cs typeface="Consolas" panose="020B0609020204030204" pitchFamily="49" charset="0"/>
-              </a:rPr>
-              <a:t>)  </a:t>
-            </a:r>
-            <a:r>
-              <a:rPr kumimoji="0" lang="en-US" altLang="en-US" sz="1500" b="0" i="0" u="none" strike="noStrike" cap="none" normalizeH="0" baseline="0" dirty="0" smtClean="0">
-                <a:ln>
-                  <a:noFill/>
-                </a:ln>
-                <a:solidFill>
-                  <a:srgbClr val="000000"/>
-                </a:solidFill>
-                <a:effectLst/>
-                <a:latin typeface="Consolas" panose="020B0609020204030204" pitchFamily="49" charset="0"/>
-                <a:cs typeface="Consolas" panose="020B0609020204030204" pitchFamily="49" charset="0"/>
-              </a:rPr>
-              <a:t>         </a:t>
-            </a:r>
-            <a:endParaRPr kumimoji="0" lang="en-US" altLang="en-US" sz="1800" b="0" i="0" u="none" strike="noStrike" cap="none" normalizeH="0" baseline="0" dirty="0" smtClean="0">
-              <a:ln>
-                <a:noFill/>
-              </a:ln>
-              <a:solidFill>
-                <a:schemeClr val="tx1"/>
-              </a:solidFill>
-              <a:effectLst/>
-              <a:latin typeface="Arial" panose="020B0604020202020204" pitchFamily="34" charset="0"/>
-            </a:endParaRPr>
           </a:p>
         </p:txBody>
       </p:sp>
     </p:spTree>
     <p:extLst>
       <p:ext uri="{BB962C8B-B14F-4D97-AF65-F5344CB8AC3E}">
-        <p14:creationId xmlns:p14="http://schemas.microsoft.com/office/powerpoint/2010/main" val="652117841"/>
+        <p14:creationId xmlns:p14="http://schemas.microsoft.com/office/powerpoint/2010/main" val="318349970"/>
       </p:ext>
     </p:extLst>
   </p:cSld>
   <p:clrMapOvr>
     <a:masterClrMapping/>
   </p:clrMapOvr>
-  <mc:AlternateContent xmlns:mc="http://schemas.openxmlformats.org/markup-compatibility/2006" xmlns:p14="http://schemas.microsoft.com/office/powerpoint/2010/main">
-    <mc:Choice Requires="p14">
-      <p:transition spd="slow" p14:dur="2000"/>
-    </mc:Choice>
-    <mc:Fallback xmlns="">
-      <p:transition spd="slow"/>
-    </mc:Fallback>
-  </mc:AlternateContent>
   <p:timing>
     <p:tnLst>
       <p:par>
@@ -12145,7 +8063,7 @@
 </p:sld>
 </file>
 
-<file path=ppt/slides/slide25.xml><?xml version="1.0" encoding="utf-8"?>
+<file path=ppt/slides/slide20.xml><?xml version="1.0" encoding="utf-8"?>
 <p:sld xmlns:a="http://schemas.openxmlformats.org/drawingml/2006/main" xmlns:r="http://schemas.openxmlformats.org/officeDocument/2006/relationships" xmlns:p="http://schemas.openxmlformats.org/presentationml/2006/main">
   <p:cSld>
     <p:spTree>
@@ -12299,7 +8217,7 @@
                 <a:latin typeface="Consolas" panose="020B0609020204030204" pitchFamily="49" charset="0"/>
                 <a:cs typeface="Consolas" panose="020B0609020204030204" pitchFamily="49" charset="0"/>
               </a:rPr>
-              <a:t>pymssql</a:t>
+              <a:t>pypyodbc</a:t>
             </a:r>
             <a:r>
               <a:rPr kumimoji="0" lang="en-US" altLang="en-US" sz="1800" b="0" i="0" u="none" strike="noStrike" cap="none" normalizeH="0" baseline="0" dirty="0" smtClean="0">
@@ -12315,6 +8233,17 @@
               </a:rPr>
               <a:t> </a:t>
             </a:r>
+            <a:endParaRPr kumimoji="0" lang="en-US" altLang="en-US" sz="1800" b="0" i="0" u="none" strike="noStrike" cap="none" normalizeH="0" baseline="0" dirty="0" smtClean="0">
+              <a:ln>
+                <a:noFill/>
+              </a:ln>
+              <a:solidFill>
+                <a:srgbClr val="000000"/>
+              </a:solidFill>
+              <a:effectLst/>
+              <a:latin typeface="Consolas" panose="020B0609020204030204" pitchFamily="49" charset="0"/>
+              <a:cs typeface="Consolas" panose="020B0609020204030204" pitchFamily="49" charset="0"/>
+            </a:endParaRPr>
           </a:p>
           <a:p>
             <a:pPr marL="0" marR="0" lvl="0" indent="0" algn="l" defTabSz="914400" rtl="0" eaLnBrk="0" fontAlgn="base" latinLnBrk="0" hangingPunct="0">
@@ -12407,14 +8336,14 @@
               <a:t> = </a:t>
             </a:r>
             <a:r>
-              <a:rPr lang="en-US" altLang="en-US" sz="1800" dirty="0" err="1">
+              <a:rPr lang="en-US" altLang="en-US" sz="1800" dirty="0" err="1" smtClean="0">
                 <a:solidFill>
                   <a:srgbClr val="000000"/>
                 </a:solidFill>
                 <a:latin typeface="Consolas" panose="020B0609020204030204" pitchFamily="49" charset="0"/>
                 <a:cs typeface="Consolas" panose="020B0609020204030204" pitchFamily="49" charset="0"/>
               </a:rPr>
-              <a:t>pyodbc.connect</a:t>
+              <a:t>pypyodbc.connect</a:t>
             </a:r>
             <a:r>
               <a:rPr lang="en-US" altLang="en-US" sz="1800" dirty="0">
@@ -13537,7 +9466,7 @@
 </p:sld>
 </file>
 
-<file path=ppt/slides/slide26.xml><?xml version="1.0" encoding="utf-8"?>
+<file path=ppt/slides/slide21.xml><?xml version="1.0" encoding="utf-8"?>
 <p:sld xmlns:a="http://schemas.openxmlformats.org/drawingml/2006/main" xmlns:r="http://schemas.openxmlformats.org/officeDocument/2006/relationships" xmlns:p="http://schemas.openxmlformats.org/presentationml/2006/main">
   <p:cSld>
     <p:spTree>
@@ -13597,7 +9526,7 @@
 </p:sld>
 </file>
 
-<file path=ppt/slides/slide27.xml><?xml version="1.0" encoding="utf-8"?>
+<file path=ppt/slides/slide22.xml><?xml version="1.0" encoding="utf-8"?>
 <p:sld xmlns:a="http://schemas.openxmlformats.org/drawingml/2006/main" xmlns:r="http://schemas.openxmlformats.org/officeDocument/2006/relationships" xmlns:p="http://schemas.openxmlformats.org/presentationml/2006/main">
   <p:cSld>
     <p:spTree>
@@ -13676,7 +9605,7 @@
 </p:sld>
 </file>
 
-<file path=ppt/slides/slide28.xml><?xml version="1.0" encoding="utf-8"?>
+<file path=ppt/slides/slide23.xml><?xml version="1.0" encoding="utf-8"?>
 <p:sld xmlns:a="http://schemas.openxmlformats.org/drawingml/2006/main" xmlns:r="http://schemas.openxmlformats.org/officeDocument/2006/relationships" xmlns:p="http://schemas.openxmlformats.org/presentationml/2006/main">
   <p:cSld>
     <p:spTree>
@@ -15285,7 +11214,7 @@
 </p:sld>
 </file>
 
-<file path=ppt/slides/slide29.xml><?xml version="1.0" encoding="utf-8"?>
+<file path=ppt/slides/slide24.xml><?xml version="1.0" encoding="utf-8"?>
 <p:sld xmlns:a="http://schemas.openxmlformats.org/drawingml/2006/main" xmlns:r="http://schemas.openxmlformats.org/officeDocument/2006/relationships" xmlns:p="http://schemas.openxmlformats.org/presentationml/2006/main">
   <p:cSld>
     <p:spTree>
@@ -15905,86 +11834,7 @@
 </p:sld>
 </file>
 
-<file path=ppt/slides/slide3.xml><?xml version="1.0" encoding="utf-8"?>
-<p:sld xmlns:a="http://schemas.openxmlformats.org/drawingml/2006/main" xmlns:r="http://schemas.openxmlformats.org/officeDocument/2006/relationships" xmlns:p="http://schemas.openxmlformats.org/presentationml/2006/main">
-  <p:cSld>
-    <p:spTree>
-      <p:nvGrpSpPr>
-        <p:cNvPr id="1" name=""/>
-        <p:cNvGrpSpPr/>
-        <p:nvPr/>
-      </p:nvGrpSpPr>
-      <p:grpSpPr>
-        <a:xfrm>
-          <a:off x="0" y="0"/>
-          <a:ext cx="0" cy="0"/>
-          <a:chOff x="0" y="0"/>
-          <a:chExt cx="0" cy="0"/>
-        </a:xfrm>
-      </p:grpSpPr>
-      <p:sp>
-        <p:nvSpPr>
-          <p:cNvPr id="6" name="Text Placeholder 5"/>
-          <p:cNvSpPr>
-            <a:spLocks noGrp="1"/>
-          </p:cNvSpPr>
-          <p:nvPr>
-            <p:ph type="body" sz="quarter" idx="10"/>
-          </p:nvPr>
-        </p:nvSpPr>
-        <p:spPr/>
-        <p:txBody>
-          <a:bodyPr/>
-          <a:lstStyle/>
-          <a:p>
-            <a:r>
-              <a:rPr lang="en-US" dirty="0" smtClean="0"/>
-              <a:t>How do I connect to a database from Python?</a:t>
-            </a:r>
-            <a:endParaRPr lang="en-US" dirty="0"/>
-          </a:p>
-        </p:txBody>
-      </p:sp>
-      <p:sp>
-        <p:nvSpPr>
-          <p:cNvPr id="5" name="Subtitle 4"/>
-          <p:cNvSpPr>
-            <a:spLocks noGrp="1"/>
-          </p:cNvSpPr>
-          <p:nvPr>
-            <p:ph type="subTitle" idx="1"/>
-          </p:nvPr>
-        </p:nvSpPr>
-        <p:spPr/>
-        <p:txBody>
-          <a:bodyPr/>
-          <a:lstStyle/>
-          <a:p>
-            <a:endParaRPr lang="en-US" dirty="0"/>
-          </a:p>
-        </p:txBody>
-      </p:sp>
-    </p:spTree>
-    <p:extLst>
-      <p:ext uri="{BB962C8B-B14F-4D97-AF65-F5344CB8AC3E}">
-        <p14:creationId xmlns:p14="http://schemas.microsoft.com/office/powerpoint/2010/main" val="255798916"/>
-      </p:ext>
-    </p:extLst>
-  </p:cSld>
-  <p:clrMapOvr>
-    <a:masterClrMapping/>
-  </p:clrMapOvr>
-  <p:timing>
-    <p:tnLst>
-      <p:par>
-        <p:cTn id="1" dur="indefinite" restart="never" nodeType="tmRoot"/>
-      </p:par>
-    </p:tnLst>
-  </p:timing>
-</p:sld>
-</file>
-
-<file path=ppt/slides/slide30.xml><?xml version="1.0" encoding="utf-8"?>
+<file path=ppt/slides/slide25.xml><?xml version="1.0" encoding="utf-8"?>
 <p:sld xmlns:a="http://schemas.openxmlformats.org/drawingml/2006/main" xmlns:r="http://schemas.openxmlformats.org/officeDocument/2006/relationships" xmlns:p="http://schemas.openxmlformats.org/presentationml/2006/main">
   <p:cSld>
     <p:spTree>
@@ -17319,7 +13169,7 @@
 </p:sld>
 </file>
 
-<file path=ppt/slides/slide31.xml><?xml version="1.0" encoding="utf-8"?>
+<file path=ppt/slides/slide26.xml><?xml version="1.0" encoding="utf-8"?>
 <p:sld xmlns:a="http://schemas.openxmlformats.org/drawingml/2006/main" xmlns:r="http://schemas.openxmlformats.org/officeDocument/2006/relationships" xmlns:p="http://schemas.openxmlformats.org/presentationml/2006/main">
   <p:cSld>
     <p:spTree>
@@ -18053,1512 +13903,7 @@
 </p:sld>
 </file>
 
-<file path=ppt/slides/slide32.xml><?xml version="1.0" encoding="utf-8"?>
-<p:sld xmlns:a="http://schemas.openxmlformats.org/drawingml/2006/main" xmlns:r="http://schemas.openxmlformats.org/officeDocument/2006/relationships" xmlns:p="http://schemas.openxmlformats.org/presentationml/2006/main" show="0">
-  <p:cSld>
-    <p:spTree>
-      <p:nvGrpSpPr>
-        <p:cNvPr id="1" name=""/>
-        <p:cNvGrpSpPr/>
-        <p:nvPr/>
-      </p:nvGrpSpPr>
-      <p:grpSpPr>
-        <a:xfrm>
-          <a:off x="0" y="0"/>
-          <a:ext cx="0" cy="0"/>
-          <a:chOff x="0" y="0"/>
-          <a:chExt cx="0" cy="0"/>
-        </a:xfrm>
-      </p:grpSpPr>
-      <p:sp>
-        <p:nvSpPr>
-          <p:cNvPr id="4" name="Title 3"/>
-          <p:cNvSpPr>
-            <a:spLocks noGrp="1"/>
-          </p:cNvSpPr>
-          <p:nvPr>
-            <p:ph type="title"/>
-          </p:nvPr>
-        </p:nvSpPr>
-        <p:spPr/>
-        <p:txBody>
-          <a:bodyPr/>
-          <a:lstStyle/>
-          <a:p>
-            <a:r>
-              <a:rPr lang="en-CA" dirty="0" smtClean="0"/>
-              <a:t>Put it all together with error handling</a:t>
-            </a:r>
-            <a:endParaRPr lang="en-US" dirty="0"/>
-          </a:p>
-        </p:txBody>
-      </p:sp>
-      <p:sp>
-        <p:nvSpPr>
-          <p:cNvPr id="5" name="Rectangle 1"/>
-          <p:cNvSpPr>
-            <a:spLocks noGrp="1" noChangeArrowheads="1"/>
-          </p:cNvSpPr>
-          <p:nvPr>
-            <p:ph sz="half" idx="2"/>
-          </p:nvPr>
-        </p:nvSpPr>
-        <p:spPr bwMode="auto">
-          <a:xfrm>
-            <a:off x="46151" y="1709057"/>
-            <a:ext cx="12191158" cy="4278094"/>
-          </a:xfrm>
-          <a:prstGeom prst="rect">
-            <a:avLst/>
-          </a:prstGeom>
-          <a:solidFill>
-            <a:srgbClr val="FFFFFF"/>
-          </a:solidFill>
-          <a:ln>
-            <a:noFill/>
-          </a:ln>
-          <a:effectLst/>
-          <a:extLst>
-            <a:ext uri="{91240B29-F687-4F45-9708-019B960494DF}">
-              <a14:hiddenLine xmlns:a14="http://schemas.microsoft.com/office/drawing/2010/main" w="9525">
-                <a:solidFill>
-                  <a:schemeClr val="tx1"/>
-                </a:solidFill>
-                <a:miter lim="800000"/>
-                <a:headEnd/>
-                <a:tailEnd/>
-              </a14:hiddenLine>
-            </a:ext>
-            <a:ext uri="{AF507438-7753-43E0-B8FC-AC1667EBCBE1}">
-              <a14:hiddenEffects xmlns:a14="http://schemas.microsoft.com/office/drawing/2010/main">
-                <a:effectLst>
-                  <a:outerShdw dist="35921" dir="2700000" algn="ctr" rotWithShape="0">
-                    <a:schemeClr val="bg2"/>
-                  </a:outerShdw>
-                </a:effectLst>
-              </a14:hiddenEffects>
-            </a:ext>
-          </a:extLst>
-        </p:spPr>
-        <p:txBody>
-          <a:bodyPr vert="horz" wrap="none" lIns="91440" tIns="45720" rIns="91440" bIns="45720" numCol="1" anchor="ctr" anchorCtr="0" compatLnSpc="1">
-            <a:prstTxWarp prst="textNoShape">
-              <a:avLst/>
-            </a:prstTxWarp>
-            <a:spAutoFit/>
-          </a:bodyPr>
-          <a:lstStyle/>
-          <a:p>
-            <a:pPr marL="0" marR="0" lvl="0" indent="0" algn="l" defTabSz="914400" rtl="0" eaLnBrk="0" fontAlgn="base" latinLnBrk="0" hangingPunct="0">
-              <a:lnSpc>
-                <a:spcPct val="100000"/>
-              </a:lnSpc>
-              <a:spcBef>
-                <a:spcPct val="0"/>
-              </a:spcBef>
-              <a:spcAft>
-                <a:spcPct val="0"/>
-              </a:spcAft>
-              <a:buClrTx/>
-              <a:buSzTx/>
-              <a:buFontTx/>
-              <a:buNone/>
-              <a:tabLst/>
-            </a:pPr>
-            <a:r>
-              <a:rPr kumimoji="0" lang="en-US" altLang="en-US" sz="1600" b="0" i="0" u="none" strike="noStrike" cap="none" normalizeH="0" baseline="0" dirty="0" smtClean="0">
-                <a:ln>
-                  <a:noFill/>
-                </a:ln>
-                <a:solidFill>
-                  <a:srgbClr val="0000FF"/>
-                </a:solidFill>
-                <a:effectLst/>
-                <a:latin typeface="Consolas" panose="020B0609020204030204" pitchFamily="49" charset="0"/>
-                <a:cs typeface="Consolas" panose="020B0609020204030204" pitchFamily="49" charset="0"/>
-              </a:rPr>
-              <a:t>import</a:t>
-            </a:r>
-            <a:r>
-              <a:rPr kumimoji="0" lang="en-US" altLang="en-US" sz="1600" b="0" i="0" u="none" strike="noStrike" cap="none" normalizeH="0" baseline="0" dirty="0" smtClean="0">
-                <a:ln>
-                  <a:noFill/>
-                </a:ln>
-                <a:solidFill>
-                  <a:srgbClr val="000000"/>
-                </a:solidFill>
-                <a:effectLst/>
-                <a:latin typeface="Consolas" panose="020B0609020204030204" pitchFamily="49" charset="0"/>
-                <a:cs typeface="Consolas" panose="020B0609020204030204" pitchFamily="49" charset="0"/>
-              </a:rPr>
-              <a:t> </a:t>
-            </a:r>
-            <a:r>
-              <a:rPr kumimoji="0" lang="en-US" altLang="en-US" sz="1600" b="0" i="0" u="none" strike="noStrike" cap="none" normalizeH="0" baseline="0" dirty="0" err="1" smtClean="0">
-                <a:ln>
-                  <a:noFill/>
-                </a:ln>
-                <a:solidFill>
-                  <a:srgbClr val="6F008A"/>
-                </a:solidFill>
-                <a:effectLst/>
-                <a:latin typeface="Consolas" panose="020B0609020204030204" pitchFamily="49" charset="0"/>
-                <a:cs typeface="Consolas" panose="020B0609020204030204" pitchFamily="49" charset="0"/>
-              </a:rPr>
-              <a:t>pymssql</a:t>
-            </a:r>
-            <a:r>
-              <a:rPr kumimoji="0" lang="en-US" altLang="en-US" sz="1600" b="0" i="0" u="none" strike="noStrike" cap="none" normalizeH="0" baseline="0" dirty="0" smtClean="0">
-                <a:ln>
-                  <a:noFill/>
-                </a:ln>
-                <a:solidFill>
-                  <a:srgbClr val="000000"/>
-                </a:solidFill>
-                <a:effectLst/>
-                <a:latin typeface="Consolas" panose="020B0609020204030204" pitchFamily="49" charset="0"/>
-                <a:cs typeface="Consolas" panose="020B0609020204030204" pitchFamily="49" charset="0"/>
-              </a:rPr>
-              <a:t> </a:t>
-            </a:r>
-          </a:p>
-          <a:p>
-            <a:pPr marL="0" marR="0" lvl="0" indent="0" algn="l" defTabSz="914400" rtl="0" eaLnBrk="0" fontAlgn="base" latinLnBrk="0" hangingPunct="0">
-              <a:lnSpc>
-                <a:spcPct val="100000"/>
-              </a:lnSpc>
-              <a:spcBef>
-                <a:spcPct val="0"/>
-              </a:spcBef>
-              <a:spcAft>
-                <a:spcPct val="0"/>
-              </a:spcAft>
-              <a:buClrTx/>
-              <a:buSzTx/>
-              <a:buFontTx/>
-              <a:buNone/>
-              <a:tabLst/>
-            </a:pPr>
-            <a:r>
-              <a:rPr kumimoji="0" lang="en-US" altLang="en-US" sz="1600" b="0" i="0" u="none" strike="noStrike" cap="none" normalizeH="0" baseline="0" dirty="0" smtClean="0">
-                <a:ln>
-                  <a:noFill/>
-                </a:ln>
-                <a:solidFill>
-                  <a:srgbClr val="0000FF"/>
-                </a:solidFill>
-                <a:effectLst/>
-                <a:latin typeface="Consolas" panose="020B0609020204030204" pitchFamily="49" charset="0"/>
-                <a:cs typeface="Consolas" panose="020B0609020204030204" pitchFamily="49" charset="0"/>
-              </a:rPr>
-              <a:t>try</a:t>
-            </a:r>
-            <a:r>
-              <a:rPr kumimoji="0" lang="en-US" altLang="en-US" sz="1600" b="0" i="0" u="none" strike="noStrike" cap="none" normalizeH="0" baseline="0" dirty="0" smtClean="0">
-                <a:ln>
-                  <a:noFill/>
-                </a:ln>
-                <a:solidFill>
-                  <a:srgbClr val="000000"/>
-                </a:solidFill>
-                <a:effectLst/>
-                <a:latin typeface="Consolas" panose="020B0609020204030204" pitchFamily="49" charset="0"/>
-                <a:cs typeface="Consolas" panose="020B0609020204030204" pitchFamily="49" charset="0"/>
-              </a:rPr>
-              <a:t> :</a:t>
-            </a:r>
-          </a:p>
-          <a:p>
-            <a:pPr marL="0" marR="0" lvl="0" indent="0" algn="l" defTabSz="914400" rtl="0" eaLnBrk="0" fontAlgn="base" latinLnBrk="0" hangingPunct="0">
-              <a:lnSpc>
-                <a:spcPct val="100000"/>
-              </a:lnSpc>
-              <a:spcBef>
-                <a:spcPct val="0"/>
-              </a:spcBef>
-              <a:spcAft>
-                <a:spcPct val="0"/>
-              </a:spcAft>
-              <a:buClrTx/>
-              <a:buSzTx/>
-              <a:buFontTx/>
-              <a:buNone/>
-              <a:tabLst/>
-            </a:pPr>
-            <a:r>
-              <a:rPr kumimoji="0" lang="en-US" altLang="en-US" sz="1600" b="0" i="0" u="none" strike="noStrike" cap="none" normalizeH="0" baseline="0" dirty="0" smtClean="0">
-                <a:ln>
-                  <a:noFill/>
-                </a:ln>
-                <a:solidFill>
-                  <a:srgbClr val="000000"/>
-                </a:solidFill>
-                <a:effectLst/>
-                <a:latin typeface="Consolas" panose="020B0609020204030204" pitchFamily="49" charset="0"/>
-                <a:cs typeface="Consolas" panose="020B0609020204030204" pitchFamily="49" charset="0"/>
-              </a:rPr>
-              <a:t>     </a:t>
-            </a:r>
-            <a:r>
-              <a:rPr kumimoji="0" lang="en-US" altLang="en-US" sz="1600" b="0" i="0" u="none" strike="noStrike" cap="none" normalizeH="0" baseline="0" dirty="0" err="1" smtClean="0">
-                <a:ln>
-                  <a:noFill/>
-                </a:ln>
-                <a:solidFill>
-                  <a:srgbClr val="000000"/>
-                </a:solidFill>
-                <a:effectLst/>
-                <a:latin typeface="Consolas" panose="020B0609020204030204" pitchFamily="49" charset="0"/>
-                <a:cs typeface="Consolas" panose="020B0609020204030204" pitchFamily="49" charset="0"/>
-              </a:rPr>
-              <a:t>myConnection</a:t>
-            </a:r>
-            <a:r>
-              <a:rPr kumimoji="0" lang="en-US" altLang="en-US" sz="1600" b="0" i="0" u="none" strike="noStrike" cap="none" normalizeH="0" baseline="0" dirty="0" smtClean="0">
-                <a:ln>
-                  <a:noFill/>
-                </a:ln>
-                <a:solidFill>
-                  <a:srgbClr val="000000"/>
-                </a:solidFill>
-                <a:effectLst/>
-                <a:latin typeface="Consolas" panose="020B0609020204030204" pitchFamily="49" charset="0"/>
-                <a:cs typeface="Consolas" panose="020B0609020204030204" pitchFamily="49" charset="0"/>
-              </a:rPr>
-              <a:t> = </a:t>
-            </a:r>
-            <a:r>
-              <a:rPr kumimoji="0" lang="en-US" altLang="en-US" sz="1600" b="0" i="0" u="none" strike="noStrike" cap="none" normalizeH="0" baseline="0" dirty="0" err="1" smtClean="0">
-                <a:ln>
-                  <a:noFill/>
-                </a:ln>
-                <a:solidFill>
-                  <a:srgbClr val="6F008A"/>
-                </a:solidFill>
-                <a:effectLst/>
-                <a:latin typeface="Consolas" panose="020B0609020204030204" pitchFamily="49" charset="0"/>
-                <a:cs typeface="Consolas" panose="020B0609020204030204" pitchFamily="49" charset="0"/>
-              </a:rPr>
-              <a:t>pymssql</a:t>
-            </a:r>
-            <a:r>
-              <a:rPr kumimoji="0" lang="en-US" altLang="en-US" sz="1600" b="0" i="0" u="none" strike="noStrike" cap="none" normalizeH="0" baseline="0" dirty="0" err="1" smtClean="0">
-                <a:ln>
-                  <a:noFill/>
-                </a:ln>
-                <a:solidFill>
-                  <a:srgbClr val="000000"/>
-                </a:solidFill>
-                <a:effectLst/>
-                <a:latin typeface="Consolas" panose="020B0609020204030204" pitchFamily="49" charset="0"/>
-                <a:cs typeface="Consolas" panose="020B0609020204030204" pitchFamily="49" charset="0"/>
-              </a:rPr>
-              <a:t>.connect</a:t>
-            </a:r>
-            <a:r>
-              <a:rPr kumimoji="0" lang="en-US" altLang="en-US" sz="1600" b="0" i="0" u="none" strike="noStrike" cap="none" normalizeH="0" baseline="0" dirty="0" smtClean="0">
-                <a:ln>
-                  <a:noFill/>
-                </a:ln>
-                <a:solidFill>
-                  <a:srgbClr val="000000"/>
-                </a:solidFill>
-                <a:effectLst/>
-                <a:latin typeface="Consolas" panose="020B0609020204030204" pitchFamily="49" charset="0"/>
-                <a:cs typeface="Consolas" panose="020B0609020204030204" pitchFamily="49" charset="0"/>
-              </a:rPr>
-              <a:t>(server= </a:t>
-            </a:r>
-            <a:r>
-              <a:rPr kumimoji="0" lang="en-US" altLang="en-US" sz="1600" b="0" i="0" u="none" strike="noStrike" cap="none" normalizeH="0" baseline="0" dirty="0" smtClean="0">
-                <a:ln>
-                  <a:noFill/>
-                </a:ln>
-                <a:solidFill>
-                  <a:srgbClr val="A31515"/>
-                </a:solidFill>
-                <a:effectLst/>
-                <a:latin typeface="Consolas" panose="020B0609020204030204" pitchFamily="49" charset="0"/>
-                <a:cs typeface="Consolas" panose="020B0609020204030204" pitchFamily="49" charset="0"/>
-              </a:rPr>
-              <a:t>'localhost'</a:t>
-            </a:r>
-            <a:r>
-              <a:rPr kumimoji="0" lang="en-US" altLang="en-US" sz="1600" b="0" i="0" u="none" strike="noStrike" cap="none" normalizeH="0" baseline="0" dirty="0" smtClean="0">
-                <a:ln>
-                  <a:noFill/>
-                </a:ln>
-                <a:solidFill>
-                  <a:srgbClr val="000000"/>
-                </a:solidFill>
-                <a:effectLst/>
-                <a:latin typeface="Consolas" panose="020B0609020204030204" pitchFamily="49" charset="0"/>
-                <a:cs typeface="Consolas" panose="020B0609020204030204" pitchFamily="49" charset="0"/>
-              </a:rPr>
-              <a:t>, user=</a:t>
-            </a:r>
-            <a:r>
-              <a:rPr kumimoji="0" lang="en-US" altLang="en-US" sz="1600" b="0" i="0" u="none" strike="noStrike" cap="none" normalizeH="0" baseline="0" dirty="0" smtClean="0">
-                <a:ln>
-                  <a:noFill/>
-                </a:ln>
-                <a:solidFill>
-                  <a:srgbClr val="A31515"/>
-                </a:solidFill>
-                <a:effectLst/>
-                <a:latin typeface="Consolas" panose="020B0609020204030204" pitchFamily="49" charset="0"/>
-                <a:cs typeface="Consolas" panose="020B0609020204030204" pitchFamily="49" charset="0"/>
-              </a:rPr>
-              <a:t>'</a:t>
-            </a:r>
-            <a:r>
-              <a:rPr kumimoji="0" lang="en-US" altLang="en-US" sz="1600" b="0" i="0" u="none" strike="noStrike" cap="none" normalizeH="0" baseline="0" dirty="0" err="1" smtClean="0">
-                <a:ln>
-                  <a:noFill/>
-                </a:ln>
-                <a:solidFill>
-                  <a:srgbClr val="A31515"/>
-                </a:solidFill>
-                <a:effectLst/>
-                <a:latin typeface="Consolas" panose="020B0609020204030204" pitchFamily="49" charset="0"/>
-                <a:cs typeface="Consolas" panose="020B0609020204030204" pitchFamily="49" charset="0"/>
-              </a:rPr>
-              <a:t>sa</a:t>
-            </a:r>
-            <a:r>
-              <a:rPr kumimoji="0" lang="en-US" altLang="en-US" sz="1600" b="0" i="0" u="none" strike="noStrike" cap="none" normalizeH="0" baseline="0" dirty="0" smtClean="0">
-                <a:ln>
-                  <a:noFill/>
-                </a:ln>
-                <a:solidFill>
-                  <a:srgbClr val="A31515"/>
-                </a:solidFill>
-                <a:effectLst/>
-                <a:latin typeface="Consolas" panose="020B0609020204030204" pitchFamily="49" charset="0"/>
-                <a:cs typeface="Consolas" panose="020B0609020204030204" pitchFamily="49" charset="0"/>
-              </a:rPr>
-              <a:t>'</a:t>
-            </a:r>
-            <a:r>
-              <a:rPr kumimoji="0" lang="en-US" altLang="en-US" sz="1600" b="0" i="0" u="none" strike="noStrike" cap="none" normalizeH="0" baseline="0" dirty="0" smtClean="0">
-                <a:ln>
-                  <a:noFill/>
-                </a:ln>
-                <a:solidFill>
-                  <a:srgbClr val="000000"/>
-                </a:solidFill>
-                <a:effectLst/>
-                <a:latin typeface="Consolas" panose="020B0609020204030204" pitchFamily="49" charset="0"/>
-                <a:cs typeface="Consolas" panose="020B0609020204030204" pitchFamily="49" charset="0"/>
-              </a:rPr>
-              <a:t>, password=</a:t>
-            </a:r>
-            <a:r>
-              <a:rPr kumimoji="0" lang="en-US" altLang="en-US" sz="1600" b="0" i="0" u="none" strike="noStrike" cap="none" normalizeH="0" baseline="0" dirty="0" smtClean="0">
-                <a:ln>
-                  <a:noFill/>
-                </a:ln>
-                <a:solidFill>
-                  <a:srgbClr val="A31515"/>
-                </a:solidFill>
-                <a:effectLst/>
-                <a:latin typeface="Consolas" panose="020B0609020204030204" pitchFamily="49" charset="0"/>
-                <a:cs typeface="Consolas" panose="020B0609020204030204" pitchFamily="49" charset="0"/>
-              </a:rPr>
-              <a:t>'P@ssw0rd'</a:t>
-            </a:r>
-            <a:r>
-              <a:rPr kumimoji="0" lang="en-US" altLang="en-US" sz="1600" b="0" i="0" u="none" strike="noStrike" cap="none" normalizeH="0" baseline="0" dirty="0" smtClean="0">
-                <a:ln>
-                  <a:noFill/>
-                </a:ln>
-                <a:solidFill>
-                  <a:srgbClr val="000000"/>
-                </a:solidFill>
-                <a:effectLst/>
-                <a:latin typeface="Consolas" panose="020B0609020204030204" pitchFamily="49" charset="0"/>
-                <a:cs typeface="Consolas" panose="020B0609020204030204" pitchFamily="49" charset="0"/>
-              </a:rPr>
-              <a:t>, database=</a:t>
-            </a:r>
-            <a:r>
-              <a:rPr kumimoji="0" lang="en-US" altLang="en-US" sz="1600" b="0" i="0" u="none" strike="noStrike" cap="none" normalizeH="0" baseline="0" dirty="0" smtClean="0">
-                <a:ln>
-                  <a:noFill/>
-                </a:ln>
-                <a:solidFill>
-                  <a:srgbClr val="A31515"/>
-                </a:solidFill>
-                <a:effectLst/>
-                <a:latin typeface="Consolas" panose="020B0609020204030204" pitchFamily="49" charset="0"/>
-                <a:cs typeface="Consolas" panose="020B0609020204030204" pitchFamily="49" charset="0"/>
-              </a:rPr>
-              <a:t>'</a:t>
-            </a:r>
-            <a:r>
-              <a:rPr kumimoji="0" lang="en-US" altLang="en-US" sz="1600" b="0" i="0" u="none" strike="noStrike" cap="none" normalizeH="0" baseline="0" dirty="0" err="1" smtClean="0">
-                <a:ln>
-                  <a:noFill/>
-                </a:ln>
-                <a:solidFill>
-                  <a:srgbClr val="A31515"/>
-                </a:solidFill>
-                <a:effectLst/>
-                <a:latin typeface="Consolas" panose="020B0609020204030204" pitchFamily="49" charset="0"/>
-                <a:cs typeface="Consolas" panose="020B0609020204030204" pitchFamily="49" charset="0"/>
-              </a:rPr>
-              <a:t>QuizDB</a:t>
-            </a:r>
-            <a:r>
-              <a:rPr kumimoji="0" lang="en-US" altLang="en-US" sz="1600" b="0" i="0" u="none" strike="noStrike" cap="none" normalizeH="0" baseline="0" dirty="0" smtClean="0">
-                <a:ln>
-                  <a:noFill/>
-                </a:ln>
-                <a:solidFill>
-                  <a:srgbClr val="A31515"/>
-                </a:solidFill>
-                <a:effectLst/>
-                <a:latin typeface="Consolas" panose="020B0609020204030204" pitchFamily="49" charset="0"/>
-                <a:cs typeface="Consolas" panose="020B0609020204030204" pitchFamily="49" charset="0"/>
-              </a:rPr>
-              <a:t>'</a:t>
-            </a:r>
-            <a:r>
-              <a:rPr kumimoji="0" lang="en-US" altLang="en-US" sz="1600" b="0" i="0" u="none" strike="noStrike" cap="none" normalizeH="0" baseline="0" dirty="0" smtClean="0">
-                <a:ln>
-                  <a:noFill/>
-                </a:ln>
-                <a:solidFill>
-                  <a:srgbClr val="000000"/>
-                </a:solidFill>
-                <a:effectLst/>
-                <a:latin typeface="Consolas" panose="020B0609020204030204" pitchFamily="49" charset="0"/>
-                <a:cs typeface="Consolas" panose="020B0609020204030204" pitchFamily="49" charset="0"/>
-              </a:rPr>
-              <a:t>)</a:t>
-            </a:r>
-          </a:p>
-          <a:p>
-            <a:pPr marL="0" marR="0" lvl="0" indent="0" algn="l" defTabSz="914400" rtl="0" eaLnBrk="0" fontAlgn="base" latinLnBrk="0" hangingPunct="0">
-              <a:lnSpc>
-                <a:spcPct val="100000"/>
-              </a:lnSpc>
-              <a:spcBef>
-                <a:spcPct val="0"/>
-              </a:spcBef>
-              <a:spcAft>
-                <a:spcPct val="0"/>
-              </a:spcAft>
-              <a:buClrTx/>
-              <a:buSzTx/>
-              <a:buFontTx/>
-              <a:buNone/>
-              <a:tabLst/>
-            </a:pPr>
-            <a:r>
-              <a:rPr kumimoji="0" lang="en-US" altLang="en-US" sz="1600" b="0" i="0" u="none" strike="noStrike" cap="none" normalizeH="0" baseline="0" dirty="0" smtClean="0">
-                <a:ln>
-                  <a:noFill/>
-                </a:ln>
-                <a:solidFill>
-                  <a:srgbClr val="000000"/>
-                </a:solidFill>
-                <a:effectLst/>
-                <a:latin typeface="Consolas" panose="020B0609020204030204" pitchFamily="49" charset="0"/>
-                <a:cs typeface="Consolas" panose="020B0609020204030204" pitchFamily="49" charset="0"/>
-              </a:rPr>
-              <a:t>     </a:t>
-            </a:r>
-            <a:r>
-              <a:rPr kumimoji="0" lang="en-US" altLang="en-US" sz="1600" b="0" i="0" u="none" strike="noStrike" cap="none" normalizeH="0" baseline="0" dirty="0" smtClean="0">
-                <a:ln>
-                  <a:noFill/>
-                </a:ln>
-                <a:solidFill>
-                  <a:srgbClr val="0000FF"/>
-                </a:solidFill>
-                <a:effectLst/>
-                <a:latin typeface="Consolas" panose="020B0609020204030204" pitchFamily="49" charset="0"/>
-                <a:cs typeface="Consolas" panose="020B0609020204030204" pitchFamily="49" charset="0"/>
-              </a:rPr>
-              <a:t>try</a:t>
-            </a:r>
-            <a:r>
-              <a:rPr kumimoji="0" lang="en-US" altLang="en-US" sz="1600" b="0" i="0" u="none" strike="noStrike" cap="none" normalizeH="0" baseline="0" dirty="0" smtClean="0">
-                <a:ln>
-                  <a:noFill/>
-                </a:ln>
-                <a:solidFill>
-                  <a:srgbClr val="000000"/>
-                </a:solidFill>
-                <a:effectLst/>
-                <a:latin typeface="Consolas" panose="020B0609020204030204" pitchFamily="49" charset="0"/>
-                <a:cs typeface="Consolas" panose="020B0609020204030204" pitchFamily="49" charset="0"/>
-              </a:rPr>
-              <a:t> :</a:t>
-            </a:r>
-          </a:p>
-          <a:p>
-            <a:pPr marL="0" marR="0" lvl="0" indent="0" algn="l" defTabSz="914400" rtl="0" eaLnBrk="0" fontAlgn="base" latinLnBrk="0" hangingPunct="0">
-              <a:lnSpc>
-                <a:spcPct val="100000"/>
-              </a:lnSpc>
-              <a:spcBef>
-                <a:spcPct val="0"/>
-              </a:spcBef>
-              <a:spcAft>
-                <a:spcPct val="0"/>
-              </a:spcAft>
-              <a:buClrTx/>
-              <a:buSzTx/>
-              <a:buFontTx/>
-              <a:buNone/>
-              <a:tabLst/>
-            </a:pPr>
-            <a:r>
-              <a:rPr kumimoji="0" lang="en-US" altLang="en-US" sz="1600" b="0" i="0" u="none" strike="noStrike" cap="none" normalizeH="0" baseline="0" dirty="0" smtClean="0">
-                <a:ln>
-                  <a:noFill/>
-                </a:ln>
-                <a:solidFill>
-                  <a:srgbClr val="000000"/>
-                </a:solidFill>
-                <a:effectLst/>
-                <a:latin typeface="Consolas" panose="020B0609020204030204" pitchFamily="49" charset="0"/>
-                <a:cs typeface="Consolas" panose="020B0609020204030204" pitchFamily="49" charset="0"/>
-              </a:rPr>
-              <a:t>         </a:t>
-            </a:r>
-            <a:r>
-              <a:rPr kumimoji="0" lang="en-US" altLang="en-US" sz="1600" b="0" i="0" u="none" strike="noStrike" cap="none" normalizeH="0" baseline="0" dirty="0" err="1" smtClean="0">
-                <a:ln>
-                  <a:noFill/>
-                </a:ln>
-                <a:solidFill>
-                  <a:srgbClr val="000000"/>
-                </a:solidFill>
-                <a:effectLst/>
-                <a:latin typeface="Consolas" panose="020B0609020204030204" pitchFamily="49" charset="0"/>
-                <a:cs typeface="Consolas" panose="020B0609020204030204" pitchFamily="49" charset="0"/>
-              </a:rPr>
-              <a:t>myCursor</a:t>
-            </a:r>
-            <a:r>
-              <a:rPr kumimoji="0" lang="en-US" altLang="en-US" sz="1600" b="0" i="0" u="none" strike="noStrike" cap="none" normalizeH="0" baseline="0" dirty="0" smtClean="0">
-                <a:ln>
-                  <a:noFill/>
-                </a:ln>
-                <a:solidFill>
-                  <a:srgbClr val="000000"/>
-                </a:solidFill>
-                <a:effectLst/>
-                <a:latin typeface="Consolas" panose="020B0609020204030204" pitchFamily="49" charset="0"/>
-                <a:cs typeface="Consolas" panose="020B0609020204030204" pitchFamily="49" charset="0"/>
-              </a:rPr>
-              <a:t> = </a:t>
-            </a:r>
-            <a:r>
-              <a:rPr kumimoji="0" lang="en-US" altLang="en-US" sz="1600" b="0" i="0" u="none" strike="noStrike" cap="none" normalizeH="0" baseline="0" dirty="0" err="1" smtClean="0">
-                <a:ln>
-                  <a:noFill/>
-                </a:ln>
-                <a:solidFill>
-                  <a:srgbClr val="000000"/>
-                </a:solidFill>
-                <a:effectLst/>
-                <a:latin typeface="Consolas" panose="020B0609020204030204" pitchFamily="49" charset="0"/>
-                <a:cs typeface="Consolas" panose="020B0609020204030204" pitchFamily="49" charset="0"/>
-              </a:rPr>
-              <a:t>myConnection.cursor</a:t>
-            </a:r>
-            <a:r>
-              <a:rPr kumimoji="0" lang="en-US" altLang="en-US" sz="1600" b="0" i="0" u="none" strike="noStrike" cap="none" normalizeH="0" baseline="0" dirty="0" smtClean="0">
-                <a:ln>
-                  <a:noFill/>
-                </a:ln>
-                <a:solidFill>
-                  <a:srgbClr val="000000"/>
-                </a:solidFill>
-                <a:effectLst/>
-                <a:latin typeface="Consolas" panose="020B0609020204030204" pitchFamily="49" charset="0"/>
-                <a:cs typeface="Consolas" panose="020B0609020204030204" pitchFamily="49" charset="0"/>
-              </a:rPr>
-              <a:t>()</a:t>
-            </a:r>
-          </a:p>
-          <a:p>
-            <a:pPr marL="0" marR="0" lvl="0" indent="0" algn="l" defTabSz="914400" rtl="0" eaLnBrk="0" fontAlgn="base" latinLnBrk="0" hangingPunct="0">
-              <a:lnSpc>
-                <a:spcPct val="100000"/>
-              </a:lnSpc>
-              <a:spcBef>
-                <a:spcPct val="0"/>
-              </a:spcBef>
-              <a:spcAft>
-                <a:spcPct val="0"/>
-              </a:spcAft>
-              <a:buClrTx/>
-              <a:buSzTx/>
-              <a:buFontTx/>
-              <a:buNone/>
-              <a:tabLst/>
-            </a:pPr>
-            <a:r>
-              <a:rPr kumimoji="0" lang="en-US" altLang="en-US" sz="1600" b="0" i="0" u="none" strike="noStrike" cap="none" normalizeH="0" baseline="0" dirty="0" smtClean="0">
-                <a:ln>
-                  <a:noFill/>
-                </a:ln>
-                <a:solidFill>
-                  <a:srgbClr val="000000"/>
-                </a:solidFill>
-                <a:effectLst/>
-                <a:latin typeface="Consolas" panose="020B0609020204030204" pitchFamily="49" charset="0"/>
-                <a:cs typeface="Consolas" panose="020B0609020204030204" pitchFamily="49" charset="0"/>
-              </a:rPr>
-              <a:t>           </a:t>
-            </a:r>
-            <a:r>
-              <a:rPr kumimoji="0" lang="en-US" altLang="en-US" sz="1600" b="0" i="0" u="none" strike="noStrike" cap="none" normalizeH="0" baseline="0" dirty="0" err="1" smtClean="0">
-                <a:ln>
-                  <a:noFill/>
-                </a:ln>
-                <a:solidFill>
-                  <a:srgbClr val="000000"/>
-                </a:solidFill>
-                <a:effectLst/>
-                <a:latin typeface="Consolas" panose="020B0609020204030204" pitchFamily="49" charset="0"/>
-                <a:cs typeface="Consolas" panose="020B0609020204030204" pitchFamily="49" charset="0"/>
-              </a:rPr>
-              <a:t>mySQLCommand</a:t>
-            </a:r>
-            <a:r>
-              <a:rPr kumimoji="0" lang="en-US" altLang="en-US" sz="1600" b="0" i="0" u="none" strike="noStrike" cap="none" normalizeH="0" baseline="0" dirty="0" smtClean="0">
-                <a:ln>
-                  <a:noFill/>
-                </a:ln>
-                <a:solidFill>
-                  <a:srgbClr val="000000"/>
-                </a:solidFill>
-                <a:effectLst/>
-                <a:latin typeface="Consolas" panose="020B0609020204030204" pitchFamily="49" charset="0"/>
-                <a:cs typeface="Consolas" panose="020B0609020204030204" pitchFamily="49" charset="0"/>
-              </a:rPr>
-              <a:t> = (</a:t>
-            </a:r>
-            <a:r>
-              <a:rPr kumimoji="0" lang="en-US" altLang="en-US" sz="1600" b="0" i="0" u="none" strike="noStrike" cap="none" normalizeH="0" baseline="0" dirty="0" smtClean="0">
-                <a:ln>
-                  <a:noFill/>
-                </a:ln>
-                <a:solidFill>
-                  <a:srgbClr val="A31515"/>
-                </a:solidFill>
-                <a:effectLst/>
-                <a:latin typeface="Consolas" panose="020B0609020204030204" pitchFamily="49" charset="0"/>
-                <a:cs typeface="Consolas" panose="020B0609020204030204" pitchFamily="49" charset="0"/>
-              </a:rPr>
-              <a:t>"SELECT Description, </a:t>
-            </a:r>
-            <a:r>
-              <a:rPr kumimoji="0" lang="en-US" altLang="en-US" sz="1600" b="0" i="0" u="none" strike="noStrike" cap="none" normalizeH="0" baseline="0" dirty="0" err="1" smtClean="0">
-                <a:ln>
-                  <a:noFill/>
-                </a:ln>
-                <a:solidFill>
-                  <a:srgbClr val="A31515"/>
-                </a:solidFill>
-                <a:effectLst/>
-                <a:latin typeface="Consolas" panose="020B0609020204030204" pitchFamily="49" charset="0"/>
-                <a:cs typeface="Consolas" panose="020B0609020204030204" pitchFamily="49" charset="0"/>
-              </a:rPr>
-              <a:t>CorrectAnswer</a:t>
-            </a:r>
-            <a:r>
-              <a:rPr kumimoji="0" lang="en-US" altLang="en-US" sz="1600" b="0" i="0" u="none" strike="noStrike" cap="none" normalizeH="0" baseline="0" dirty="0" smtClean="0">
-                <a:ln>
-                  <a:noFill/>
-                </a:ln>
-                <a:solidFill>
-                  <a:srgbClr val="A31515"/>
-                </a:solidFill>
-                <a:effectLst/>
-                <a:latin typeface="Consolas" panose="020B0609020204030204" pitchFamily="49" charset="0"/>
-                <a:cs typeface="Consolas" panose="020B0609020204030204" pitchFamily="49" charset="0"/>
-              </a:rPr>
-              <a:t> "</a:t>
-            </a:r>
-          </a:p>
-          <a:p>
-            <a:pPr marL="0" marR="0" lvl="0" indent="0" algn="l" defTabSz="914400" rtl="0" eaLnBrk="0" fontAlgn="base" latinLnBrk="0" hangingPunct="0">
-              <a:lnSpc>
-                <a:spcPct val="100000"/>
-              </a:lnSpc>
-              <a:spcBef>
-                <a:spcPct val="0"/>
-              </a:spcBef>
-              <a:spcAft>
-                <a:spcPct val="0"/>
-              </a:spcAft>
-              <a:buClrTx/>
-              <a:buSzTx/>
-              <a:buFontTx/>
-              <a:buNone/>
-              <a:tabLst/>
-            </a:pPr>
-            <a:r>
-              <a:rPr kumimoji="0" lang="en-US" altLang="en-US" sz="1600" b="0" i="0" u="none" strike="noStrike" cap="none" normalizeH="0" baseline="0" dirty="0" smtClean="0">
-                <a:ln>
-                  <a:noFill/>
-                </a:ln>
-                <a:solidFill>
-                  <a:srgbClr val="000000"/>
-                </a:solidFill>
-                <a:effectLst/>
-                <a:latin typeface="Consolas" panose="020B0609020204030204" pitchFamily="49" charset="0"/>
-                <a:cs typeface="Consolas" panose="020B0609020204030204" pitchFamily="49" charset="0"/>
-              </a:rPr>
-              <a:t>                      </a:t>
-            </a:r>
-            <a:r>
-              <a:rPr kumimoji="0" lang="en-US" altLang="en-US" sz="1600" b="0" i="0" u="none" strike="noStrike" cap="none" normalizeH="0" baseline="0" dirty="0" smtClean="0">
-                <a:ln>
-                  <a:noFill/>
-                </a:ln>
-                <a:solidFill>
-                  <a:srgbClr val="A31515"/>
-                </a:solidFill>
-                <a:effectLst/>
-                <a:latin typeface="Consolas" panose="020B0609020204030204" pitchFamily="49" charset="0"/>
-                <a:cs typeface="Consolas" panose="020B0609020204030204" pitchFamily="49" charset="0"/>
-              </a:rPr>
-              <a:t>"FROM Questions "</a:t>
-            </a:r>
-          </a:p>
-          <a:p>
-            <a:pPr marL="0" marR="0" lvl="0" indent="0" algn="l" defTabSz="914400" rtl="0" eaLnBrk="0" fontAlgn="base" latinLnBrk="0" hangingPunct="0">
-              <a:lnSpc>
-                <a:spcPct val="100000"/>
-              </a:lnSpc>
-              <a:spcBef>
-                <a:spcPct val="0"/>
-              </a:spcBef>
-              <a:spcAft>
-                <a:spcPct val="0"/>
-              </a:spcAft>
-              <a:buClrTx/>
-              <a:buSzTx/>
-              <a:buFontTx/>
-              <a:buNone/>
-              <a:tabLst/>
-            </a:pPr>
-            <a:r>
-              <a:rPr kumimoji="0" lang="en-US" altLang="en-US" sz="1600" b="0" i="0" u="none" strike="noStrike" cap="none" normalizeH="0" baseline="0" dirty="0" smtClean="0">
-                <a:ln>
-                  <a:noFill/>
-                </a:ln>
-                <a:solidFill>
-                  <a:srgbClr val="000000"/>
-                </a:solidFill>
-                <a:effectLst/>
-                <a:latin typeface="Consolas" panose="020B0609020204030204" pitchFamily="49" charset="0"/>
-                <a:cs typeface="Consolas" panose="020B0609020204030204" pitchFamily="49" charset="0"/>
-              </a:rPr>
-              <a:t>                      </a:t>
-            </a:r>
-            <a:r>
-              <a:rPr kumimoji="0" lang="en-US" altLang="en-US" sz="1600" b="0" i="0" u="none" strike="noStrike" cap="none" normalizeH="0" baseline="0" dirty="0" smtClean="0">
-                <a:ln>
-                  <a:noFill/>
-                </a:ln>
-                <a:solidFill>
-                  <a:srgbClr val="A31515"/>
-                </a:solidFill>
-                <a:effectLst/>
-                <a:latin typeface="Consolas" panose="020B0609020204030204" pitchFamily="49" charset="0"/>
-                <a:cs typeface="Consolas" panose="020B0609020204030204" pitchFamily="49" charset="0"/>
-              </a:rPr>
-              <a:t>"WHERE </a:t>
-            </a:r>
-            <a:r>
-              <a:rPr kumimoji="0" lang="en-US" altLang="en-US" sz="1600" b="0" i="0" u="none" strike="noStrike" cap="none" normalizeH="0" baseline="0" dirty="0" err="1" smtClean="0">
-                <a:ln>
-                  <a:noFill/>
-                </a:ln>
-                <a:solidFill>
-                  <a:srgbClr val="A31515"/>
-                </a:solidFill>
-                <a:effectLst/>
-                <a:latin typeface="Consolas" panose="020B0609020204030204" pitchFamily="49" charset="0"/>
-                <a:cs typeface="Consolas" panose="020B0609020204030204" pitchFamily="49" charset="0"/>
-              </a:rPr>
-              <a:t>QuestionName</a:t>
-            </a:r>
-            <a:r>
-              <a:rPr kumimoji="0" lang="en-US" altLang="en-US" sz="1600" b="0" i="0" u="none" strike="noStrike" cap="none" normalizeH="0" baseline="0" dirty="0" smtClean="0">
-                <a:ln>
-                  <a:noFill/>
-                </a:ln>
-                <a:solidFill>
-                  <a:srgbClr val="A31515"/>
-                </a:solidFill>
-                <a:effectLst/>
-                <a:latin typeface="Consolas" panose="020B0609020204030204" pitchFamily="49" charset="0"/>
-                <a:cs typeface="Consolas" panose="020B0609020204030204" pitchFamily="49" charset="0"/>
-              </a:rPr>
-              <a:t> = '</a:t>
-            </a:r>
-            <a:r>
-              <a:rPr kumimoji="0" lang="en-US" altLang="en-US" sz="1600" b="0" i="0" u="none" strike="noStrike" cap="none" normalizeH="0" baseline="0" dirty="0" err="1" smtClean="0">
-                <a:ln>
-                  <a:noFill/>
-                </a:ln>
-                <a:solidFill>
-                  <a:srgbClr val="A31515"/>
-                </a:solidFill>
-                <a:effectLst/>
-                <a:latin typeface="Consolas" panose="020B0609020204030204" pitchFamily="49" charset="0"/>
-                <a:cs typeface="Consolas" panose="020B0609020204030204" pitchFamily="49" charset="0"/>
-              </a:rPr>
-              <a:t>HockeyFact</a:t>
-            </a:r>
-            <a:r>
-              <a:rPr kumimoji="0" lang="en-US" altLang="en-US" sz="1600" b="0" i="0" u="none" strike="noStrike" cap="none" normalizeH="0" baseline="0" dirty="0" smtClean="0">
-                <a:ln>
-                  <a:noFill/>
-                </a:ln>
-                <a:solidFill>
-                  <a:srgbClr val="A31515"/>
-                </a:solidFill>
-                <a:effectLst/>
-                <a:latin typeface="Consolas" panose="020B0609020204030204" pitchFamily="49" charset="0"/>
-                <a:cs typeface="Consolas" panose="020B0609020204030204" pitchFamily="49" charset="0"/>
-              </a:rPr>
-              <a:t>'"</a:t>
-            </a:r>
-            <a:r>
-              <a:rPr kumimoji="0" lang="en-US" altLang="en-US" sz="1600" b="0" i="0" u="none" strike="noStrike" cap="none" normalizeH="0" baseline="0" dirty="0" smtClean="0">
-                <a:ln>
-                  <a:noFill/>
-                </a:ln>
-                <a:solidFill>
-                  <a:srgbClr val="000000"/>
-                </a:solidFill>
-                <a:effectLst/>
-                <a:latin typeface="Consolas" panose="020B0609020204030204" pitchFamily="49" charset="0"/>
-                <a:cs typeface="Consolas" panose="020B0609020204030204" pitchFamily="49" charset="0"/>
-              </a:rPr>
-              <a:t>)</a:t>
-            </a:r>
-          </a:p>
-          <a:p>
-            <a:pPr marL="0" marR="0" lvl="0" indent="0" algn="l" defTabSz="914400" rtl="0" eaLnBrk="0" fontAlgn="base" latinLnBrk="0" hangingPunct="0">
-              <a:lnSpc>
-                <a:spcPct val="100000"/>
-              </a:lnSpc>
-              <a:spcBef>
-                <a:spcPct val="0"/>
-              </a:spcBef>
-              <a:spcAft>
-                <a:spcPct val="0"/>
-              </a:spcAft>
-              <a:buClrTx/>
-              <a:buSzTx/>
-              <a:buFontTx/>
-              <a:buNone/>
-              <a:tabLst/>
-            </a:pPr>
-            <a:r>
-              <a:rPr kumimoji="0" lang="en-US" altLang="en-US" sz="1600" b="0" i="0" u="none" strike="noStrike" cap="none" normalizeH="0" baseline="0" dirty="0" smtClean="0">
-                <a:ln>
-                  <a:noFill/>
-                </a:ln>
-                <a:solidFill>
-                  <a:srgbClr val="000000"/>
-                </a:solidFill>
-                <a:effectLst/>
-                <a:latin typeface="Consolas" panose="020B0609020204030204" pitchFamily="49" charset="0"/>
-                <a:cs typeface="Consolas" panose="020B0609020204030204" pitchFamily="49" charset="0"/>
-              </a:rPr>
-              <a:t>         </a:t>
-            </a:r>
-            <a:r>
-              <a:rPr kumimoji="0" lang="en-US" altLang="en-US" sz="1600" b="0" i="0" u="none" strike="noStrike" cap="none" normalizeH="0" baseline="0" dirty="0" err="1" smtClean="0">
-                <a:ln>
-                  <a:noFill/>
-                </a:ln>
-                <a:solidFill>
-                  <a:srgbClr val="000000"/>
-                </a:solidFill>
-                <a:effectLst/>
-                <a:latin typeface="Consolas" panose="020B0609020204030204" pitchFamily="49" charset="0"/>
-                <a:cs typeface="Consolas" panose="020B0609020204030204" pitchFamily="49" charset="0"/>
-              </a:rPr>
-              <a:t>myCursor.execute</a:t>
-            </a:r>
-            <a:r>
-              <a:rPr kumimoji="0" lang="en-US" altLang="en-US" sz="1600" b="0" i="0" u="none" strike="noStrike" cap="none" normalizeH="0" baseline="0" dirty="0" smtClean="0">
-                <a:ln>
-                  <a:noFill/>
-                </a:ln>
-                <a:solidFill>
-                  <a:srgbClr val="000000"/>
-                </a:solidFill>
-                <a:effectLst/>
-                <a:latin typeface="Consolas" panose="020B0609020204030204" pitchFamily="49" charset="0"/>
-                <a:cs typeface="Consolas" panose="020B0609020204030204" pitchFamily="49" charset="0"/>
-              </a:rPr>
-              <a:t>(</a:t>
-            </a:r>
-            <a:r>
-              <a:rPr kumimoji="0" lang="en-US" altLang="en-US" sz="1600" b="0" i="0" u="none" strike="noStrike" cap="none" normalizeH="0" baseline="0" dirty="0" err="1" smtClean="0">
-                <a:ln>
-                  <a:noFill/>
-                </a:ln>
-                <a:solidFill>
-                  <a:srgbClr val="000000"/>
-                </a:solidFill>
-                <a:effectLst/>
-                <a:latin typeface="Consolas" panose="020B0609020204030204" pitchFamily="49" charset="0"/>
-                <a:cs typeface="Consolas" panose="020B0609020204030204" pitchFamily="49" charset="0"/>
-              </a:rPr>
-              <a:t>mySQLCommand</a:t>
-            </a:r>
-            <a:r>
-              <a:rPr kumimoji="0" lang="en-US" altLang="en-US" sz="1600" b="0" i="0" u="none" strike="noStrike" cap="none" normalizeH="0" baseline="0" dirty="0" smtClean="0">
-                <a:ln>
-                  <a:noFill/>
-                </a:ln>
-                <a:solidFill>
-                  <a:srgbClr val="000000"/>
-                </a:solidFill>
-                <a:effectLst/>
-                <a:latin typeface="Consolas" panose="020B0609020204030204" pitchFamily="49" charset="0"/>
-                <a:cs typeface="Consolas" panose="020B0609020204030204" pitchFamily="49" charset="0"/>
-              </a:rPr>
-              <a:t>)</a:t>
-            </a:r>
-          </a:p>
-          <a:p>
-            <a:pPr marL="0" marR="0" lvl="0" indent="0" algn="l" defTabSz="914400" rtl="0" eaLnBrk="0" fontAlgn="base" latinLnBrk="0" hangingPunct="0">
-              <a:lnSpc>
-                <a:spcPct val="100000"/>
-              </a:lnSpc>
-              <a:spcBef>
-                <a:spcPct val="0"/>
-              </a:spcBef>
-              <a:spcAft>
-                <a:spcPct val="0"/>
-              </a:spcAft>
-              <a:buClrTx/>
-              <a:buSzTx/>
-              <a:buFontTx/>
-              <a:buNone/>
-              <a:tabLst/>
-            </a:pPr>
-            <a:r>
-              <a:rPr kumimoji="0" lang="en-US" altLang="en-US" sz="1600" b="0" i="0" u="none" strike="noStrike" cap="none" normalizeH="0" baseline="0" dirty="0" smtClean="0">
-                <a:ln>
-                  <a:noFill/>
-                </a:ln>
-                <a:solidFill>
-                  <a:srgbClr val="000000"/>
-                </a:solidFill>
-                <a:effectLst/>
-                <a:latin typeface="Consolas" panose="020B0609020204030204" pitchFamily="49" charset="0"/>
-                <a:cs typeface="Consolas" panose="020B0609020204030204" pitchFamily="49" charset="0"/>
-              </a:rPr>
-              <a:t>         results = </a:t>
-            </a:r>
-            <a:r>
-              <a:rPr kumimoji="0" lang="en-US" altLang="en-US" sz="1600" b="0" i="0" u="none" strike="noStrike" cap="none" normalizeH="0" baseline="0" dirty="0" err="1" smtClean="0">
-                <a:ln>
-                  <a:noFill/>
-                </a:ln>
-                <a:solidFill>
-                  <a:srgbClr val="000000"/>
-                </a:solidFill>
-                <a:effectLst/>
-                <a:latin typeface="Consolas" panose="020B0609020204030204" pitchFamily="49" charset="0"/>
-                <a:cs typeface="Consolas" panose="020B0609020204030204" pitchFamily="49" charset="0"/>
-              </a:rPr>
-              <a:t>myCursor.fetchone</a:t>
-            </a:r>
-            <a:r>
-              <a:rPr kumimoji="0" lang="en-US" altLang="en-US" sz="1600" b="0" i="0" u="none" strike="noStrike" cap="none" normalizeH="0" baseline="0" dirty="0" smtClean="0">
-                <a:ln>
-                  <a:noFill/>
-                </a:ln>
-                <a:solidFill>
-                  <a:srgbClr val="000000"/>
-                </a:solidFill>
-                <a:effectLst/>
-                <a:latin typeface="Consolas" panose="020B0609020204030204" pitchFamily="49" charset="0"/>
-                <a:cs typeface="Consolas" panose="020B0609020204030204" pitchFamily="49" charset="0"/>
-              </a:rPr>
-              <a:t>()</a:t>
-            </a:r>
-          </a:p>
-          <a:p>
-            <a:pPr marL="0" marR="0" lvl="0" indent="0" algn="l" defTabSz="914400" rtl="0" eaLnBrk="0" fontAlgn="base" latinLnBrk="0" hangingPunct="0">
-              <a:lnSpc>
-                <a:spcPct val="100000"/>
-              </a:lnSpc>
-              <a:spcBef>
-                <a:spcPct val="0"/>
-              </a:spcBef>
-              <a:spcAft>
-                <a:spcPct val="0"/>
-              </a:spcAft>
-              <a:buClrTx/>
-              <a:buSzTx/>
-              <a:buFontTx/>
-              <a:buNone/>
-              <a:tabLst/>
-            </a:pPr>
-            <a:r>
-              <a:rPr kumimoji="0" lang="en-US" altLang="en-US" sz="1600" b="0" i="0" u="none" strike="noStrike" cap="none" normalizeH="0" baseline="0" dirty="0" smtClean="0">
-                <a:ln>
-                  <a:noFill/>
-                </a:ln>
-                <a:solidFill>
-                  <a:srgbClr val="000000"/>
-                </a:solidFill>
-                <a:effectLst/>
-                <a:latin typeface="Consolas" panose="020B0609020204030204" pitchFamily="49" charset="0"/>
-                <a:cs typeface="Consolas" panose="020B0609020204030204" pitchFamily="49" charset="0"/>
-              </a:rPr>
-              <a:t>         print (</a:t>
-            </a:r>
-            <a:r>
-              <a:rPr kumimoji="0" lang="en-US" altLang="en-US" sz="1600" b="0" i="0" u="none" strike="noStrike" cap="none" normalizeH="0" baseline="0" dirty="0" smtClean="0">
-                <a:ln>
-                  <a:noFill/>
-                </a:ln>
-                <a:solidFill>
-                  <a:srgbClr val="A31515"/>
-                </a:solidFill>
-                <a:effectLst/>
-                <a:latin typeface="Consolas" panose="020B0609020204030204" pitchFamily="49" charset="0"/>
-                <a:cs typeface="Consolas" panose="020B0609020204030204" pitchFamily="49" charset="0"/>
-              </a:rPr>
-              <a:t>"Question: "</a:t>
-            </a:r>
-            <a:r>
-              <a:rPr kumimoji="0" lang="en-US" altLang="en-US" sz="1600" b="0" i="0" u="none" strike="noStrike" cap="none" normalizeH="0" baseline="0" dirty="0" smtClean="0">
-                <a:ln>
-                  <a:noFill/>
-                </a:ln>
-                <a:solidFill>
-                  <a:srgbClr val="000000"/>
-                </a:solidFill>
-                <a:effectLst/>
-                <a:latin typeface="Consolas" panose="020B0609020204030204" pitchFamily="49" charset="0"/>
-                <a:cs typeface="Consolas" panose="020B0609020204030204" pitchFamily="49" charset="0"/>
-              </a:rPr>
-              <a:t> + results[0])</a:t>
-            </a:r>
-          </a:p>
-          <a:p>
-            <a:pPr marL="0" marR="0" lvl="0" indent="0" algn="l" defTabSz="914400" rtl="0" eaLnBrk="0" fontAlgn="base" latinLnBrk="0" hangingPunct="0">
-              <a:lnSpc>
-                <a:spcPct val="100000"/>
-              </a:lnSpc>
-              <a:spcBef>
-                <a:spcPct val="0"/>
-              </a:spcBef>
-              <a:spcAft>
-                <a:spcPct val="0"/>
-              </a:spcAft>
-              <a:buClrTx/>
-              <a:buSzTx/>
-              <a:buFontTx/>
-              <a:buNone/>
-              <a:tabLst/>
-            </a:pPr>
-            <a:r>
-              <a:rPr kumimoji="0" lang="en-US" altLang="en-US" sz="1600" b="0" i="0" u="none" strike="noStrike" cap="none" normalizeH="0" baseline="0" dirty="0" smtClean="0">
-                <a:ln>
-                  <a:noFill/>
-                </a:ln>
-                <a:solidFill>
-                  <a:srgbClr val="000000"/>
-                </a:solidFill>
-                <a:effectLst/>
-                <a:latin typeface="Consolas" panose="020B0609020204030204" pitchFamily="49" charset="0"/>
-                <a:cs typeface="Consolas" panose="020B0609020204030204" pitchFamily="49" charset="0"/>
-              </a:rPr>
-              <a:t>         print (</a:t>
-            </a:r>
-            <a:r>
-              <a:rPr kumimoji="0" lang="en-US" altLang="en-US" sz="1600" b="0" i="0" u="none" strike="noStrike" cap="none" normalizeH="0" baseline="0" dirty="0" smtClean="0">
-                <a:ln>
-                  <a:noFill/>
-                </a:ln>
-                <a:solidFill>
-                  <a:srgbClr val="A31515"/>
-                </a:solidFill>
-                <a:effectLst/>
-                <a:latin typeface="Consolas" panose="020B0609020204030204" pitchFamily="49" charset="0"/>
-                <a:cs typeface="Consolas" panose="020B0609020204030204" pitchFamily="49" charset="0"/>
-              </a:rPr>
-              <a:t>"Answer: "</a:t>
-            </a:r>
-            <a:r>
-              <a:rPr kumimoji="0" lang="en-US" altLang="en-US" sz="1600" b="0" i="0" u="none" strike="noStrike" cap="none" normalizeH="0" baseline="0" dirty="0" smtClean="0">
-                <a:ln>
-                  <a:noFill/>
-                </a:ln>
-                <a:solidFill>
-                  <a:srgbClr val="000000"/>
-                </a:solidFill>
-                <a:effectLst/>
-                <a:latin typeface="Consolas" panose="020B0609020204030204" pitchFamily="49" charset="0"/>
-                <a:cs typeface="Consolas" panose="020B0609020204030204" pitchFamily="49" charset="0"/>
-              </a:rPr>
-              <a:t> + results[1])</a:t>
-            </a:r>
-          </a:p>
-          <a:p>
-            <a:pPr marL="0" marR="0" lvl="0" indent="0" algn="l" defTabSz="914400" rtl="0" eaLnBrk="0" fontAlgn="base" latinLnBrk="0" hangingPunct="0">
-              <a:lnSpc>
-                <a:spcPct val="100000"/>
-              </a:lnSpc>
-              <a:spcBef>
-                <a:spcPct val="0"/>
-              </a:spcBef>
-              <a:spcAft>
-                <a:spcPct val="0"/>
-              </a:spcAft>
-              <a:buClrTx/>
-              <a:buSzTx/>
-              <a:buFontTx/>
-              <a:buNone/>
-              <a:tabLst/>
-            </a:pPr>
-            <a:r>
-              <a:rPr kumimoji="0" lang="en-US" altLang="en-US" sz="1600" b="0" i="0" u="none" strike="noStrike" cap="none" normalizeH="0" baseline="0" dirty="0" smtClean="0">
-                <a:ln>
-                  <a:noFill/>
-                </a:ln>
-                <a:solidFill>
-                  <a:srgbClr val="000000"/>
-                </a:solidFill>
-                <a:effectLst/>
-                <a:latin typeface="Consolas" panose="020B0609020204030204" pitchFamily="49" charset="0"/>
-                <a:cs typeface="Consolas" panose="020B0609020204030204" pitchFamily="49" charset="0"/>
-              </a:rPr>
-              <a:t>     </a:t>
-            </a:r>
-            <a:r>
-              <a:rPr kumimoji="0" lang="en-US" altLang="en-US" sz="1600" b="0" i="0" u="none" strike="noStrike" cap="none" normalizeH="0" baseline="0" dirty="0" smtClean="0">
-                <a:ln>
-                  <a:noFill/>
-                </a:ln>
-                <a:solidFill>
-                  <a:srgbClr val="0000FF"/>
-                </a:solidFill>
-                <a:effectLst/>
-                <a:latin typeface="Consolas" panose="020B0609020204030204" pitchFamily="49" charset="0"/>
-                <a:cs typeface="Consolas" panose="020B0609020204030204" pitchFamily="49" charset="0"/>
-              </a:rPr>
-              <a:t>except</a:t>
-            </a:r>
-            <a:r>
-              <a:rPr kumimoji="0" lang="en-US" altLang="en-US" sz="1600" b="0" i="0" u="none" strike="noStrike" cap="none" normalizeH="0" baseline="0" dirty="0" smtClean="0">
-                <a:ln>
-                  <a:noFill/>
-                </a:ln>
-                <a:solidFill>
-                  <a:srgbClr val="000000"/>
-                </a:solidFill>
-                <a:effectLst/>
-                <a:latin typeface="Consolas" panose="020B0609020204030204" pitchFamily="49" charset="0"/>
-                <a:cs typeface="Consolas" panose="020B0609020204030204" pitchFamily="49" charset="0"/>
-              </a:rPr>
-              <a:t> :</a:t>
-            </a:r>
-          </a:p>
-          <a:p>
-            <a:pPr marL="0" marR="0" lvl="0" indent="0" algn="l" defTabSz="914400" rtl="0" eaLnBrk="0" fontAlgn="base" latinLnBrk="0" hangingPunct="0">
-              <a:lnSpc>
-                <a:spcPct val="100000"/>
-              </a:lnSpc>
-              <a:spcBef>
-                <a:spcPct val="0"/>
-              </a:spcBef>
-              <a:spcAft>
-                <a:spcPct val="0"/>
-              </a:spcAft>
-              <a:buClrTx/>
-              <a:buSzTx/>
-              <a:buFontTx/>
-              <a:buNone/>
-              <a:tabLst/>
-            </a:pPr>
-            <a:r>
-              <a:rPr kumimoji="0" lang="en-US" altLang="en-US" sz="1600" b="0" i="0" u="none" strike="noStrike" cap="none" normalizeH="0" baseline="0" dirty="0" smtClean="0">
-                <a:ln>
-                  <a:noFill/>
-                </a:ln>
-                <a:solidFill>
-                  <a:srgbClr val="000000"/>
-                </a:solidFill>
-                <a:effectLst/>
-                <a:latin typeface="Consolas" panose="020B0609020204030204" pitchFamily="49" charset="0"/>
-                <a:cs typeface="Consolas" panose="020B0609020204030204" pitchFamily="49" charset="0"/>
-              </a:rPr>
-              <a:t>         print (</a:t>
-            </a:r>
-            <a:r>
-              <a:rPr kumimoji="0" lang="en-US" altLang="en-US" sz="1600" b="0" i="0" u="none" strike="noStrike" cap="none" normalizeH="0" baseline="0" dirty="0" smtClean="0">
-                <a:ln>
-                  <a:noFill/>
-                </a:ln>
-                <a:solidFill>
-                  <a:srgbClr val="A31515"/>
-                </a:solidFill>
-                <a:effectLst/>
-                <a:latin typeface="Consolas" panose="020B0609020204030204" pitchFamily="49" charset="0"/>
-                <a:cs typeface="Consolas" panose="020B0609020204030204" pitchFamily="49" charset="0"/>
-              </a:rPr>
-              <a:t>'Could not select row'</a:t>
-            </a:r>
-            <a:r>
-              <a:rPr kumimoji="0" lang="en-US" altLang="en-US" sz="1600" b="0" i="0" u="none" strike="noStrike" cap="none" normalizeH="0" baseline="0" dirty="0" smtClean="0">
-                <a:ln>
-                  <a:noFill/>
-                </a:ln>
-                <a:solidFill>
-                  <a:srgbClr val="000000"/>
-                </a:solidFill>
-                <a:effectLst/>
-                <a:latin typeface="Consolas" panose="020B0609020204030204" pitchFamily="49" charset="0"/>
-                <a:cs typeface="Consolas" panose="020B0609020204030204" pitchFamily="49" charset="0"/>
-              </a:rPr>
-              <a:t>)</a:t>
-            </a:r>
-          </a:p>
-          <a:p>
-            <a:pPr marL="0" marR="0" lvl="0" indent="0" algn="l" defTabSz="914400" rtl="0" eaLnBrk="0" fontAlgn="base" latinLnBrk="0" hangingPunct="0">
-              <a:lnSpc>
-                <a:spcPct val="100000"/>
-              </a:lnSpc>
-              <a:spcBef>
-                <a:spcPct val="0"/>
-              </a:spcBef>
-              <a:spcAft>
-                <a:spcPct val="0"/>
-              </a:spcAft>
-              <a:buClrTx/>
-              <a:buSzTx/>
-              <a:buFontTx/>
-              <a:buNone/>
-              <a:tabLst/>
-            </a:pPr>
-            <a:r>
-              <a:rPr kumimoji="0" lang="en-US" altLang="en-US" sz="1600" b="0" i="0" u="none" strike="noStrike" cap="none" normalizeH="0" baseline="0" dirty="0" smtClean="0">
-                <a:ln>
-                  <a:noFill/>
-                </a:ln>
-                <a:solidFill>
-                  <a:srgbClr val="000000"/>
-                </a:solidFill>
-                <a:effectLst/>
-                <a:latin typeface="Consolas" panose="020B0609020204030204" pitchFamily="49" charset="0"/>
-                <a:cs typeface="Consolas" panose="020B0609020204030204" pitchFamily="49" charset="0"/>
-              </a:rPr>
-              <a:t>     </a:t>
-            </a:r>
-            <a:r>
-              <a:rPr kumimoji="0" lang="en-US" altLang="en-US" sz="1600" b="0" i="0" u="none" strike="noStrike" cap="none" normalizeH="0" baseline="0" dirty="0" err="1" smtClean="0">
-                <a:ln>
-                  <a:noFill/>
-                </a:ln>
-                <a:solidFill>
-                  <a:srgbClr val="000000"/>
-                </a:solidFill>
-                <a:effectLst/>
-                <a:latin typeface="Consolas" panose="020B0609020204030204" pitchFamily="49" charset="0"/>
-                <a:cs typeface="Consolas" panose="020B0609020204030204" pitchFamily="49" charset="0"/>
-              </a:rPr>
-              <a:t>myConnection.close</a:t>
-            </a:r>
-            <a:r>
-              <a:rPr kumimoji="0" lang="en-US" altLang="en-US" sz="1600" b="0" i="0" u="none" strike="noStrike" cap="none" normalizeH="0" baseline="0" dirty="0" smtClean="0">
-                <a:ln>
-                  <a:noFill/>
-                </a:ln>
-                <a:solidFill>
-                  <a:srgbClr val="000000"/>
-                </a:solidFill>
-                <a:effectLst/>
-                <a:latin typeface="Consolas" panose="020B0609020204030204" pitchFamily="49" charset="0"/>
-                <a:cs typeface="Consolas" panose="020B0609020204030204" pitchFamily="49" charset="0"/>
-              </a:rPr>
-              <a:t>()</a:t>
-            </a:r>
-          </a:p>
-          <a:p>
-            <a:pPr marL="0" marR="0" lvl="0" indent="0" algn="l" defTabSz="914400" rtl="0" eaLnBrk="0" fontAlgn="base" latinLnBrk="0" hangingPunct="0">
-              <a:lnSpc>
-                <a:spcPct val="100000"/>
-              </a:lnSpc>
-              <a:spcBef>
-                <a:spcPct val="0"/>
-              </a:spcBef>
-              <a:spcAft>
-                <a:spcPct val="0"/>
-              </a:spcAft>
-              <a:buClrTx/>
-              <a:buSzTx/>
-              <a:buFontTx/>
-              <a:buNone/>
-              <a:tabLst/>
-            </a:pPr>
-            <a:r>
-              <a:rPr kumimoji="0" lang="en-US" altLang="en-US" sz="1600" b="0" i="0" u="none" strike="noStrike" cap="none" normalizeH="0" baseline="0" dirty="0" smtClean="0">
-                <a:ln>
-                  <a:noFill/>
-                </a:ln>
-                <a:solidFill>
-                  <a:srgbClr val="000000"/>
-                </a:solidFill>
-                <a:effectLst/>
-                <a:latin typeface="Consolas" panose="020B0609020204030204" pitchFamily="49" charset="0"/>
-                <a:cs typeface="Consolas" panose="020B0609020204030204" pitchFamily="49" charset="0"/>
-              </a:rPr>
-              <a:t> </a:t>
-            </a:r>
-            <a:r>
-              <a:rPr kumimoji="0" lang="en-US" altLang="en-US" sz="1600" b="0" i="0" u="none" strike="noStrike" cap="none" normalizeH="0" baseline="0" dirty="0" smtClean="0">
-                <a:ln>
-                  <a:noFill/>
-                </a:ln>
-                <a:solidFill>
-                  <a:srgbClr val="0000FF"/>
-                </a:solidFill>
-                <a:effectLst/>
-                <a:latin typeface="Consolas" panose="020B0609020204030204" pitchFamily="49" charset="0"/>
-                <a:cs typeface="Consolas" panose="020B0609020204030204" pitchFamily="49" charset="0"/>
-              </a:rPr>
-              <a:t>except</a:t>
-            </a:r>
-            <a:r>
-              <a:rPr kumimoji="0" lang="en-US" altLang="en-US" sz="1600" b="0" i="0" u="none" strike="noStrike" cap="none" normalizeH="0" baseline="0" dirty="0" smtClean="0">
-                <a:ln>
-                  <a:noFill/>
-                </a:ln>
-                <a:solidFill>
-                  <a:srgbClr val="000000"/>
-                </a:solidFill>
-                <a:effectLst/>
-                <a:latin typeface="Consolas" panose="020B0609020204030204" pitchFamily="49" charset="0"/>
-                <a:cs typeface="Consolas" panose="020B0609020204030204" pitchFamily="49" charset="0"/>
-              </a:rPr>
-              <a:t> :</a:t>
-            </a:r>
-          </a:p>
-          <a:p>
-            <a:pPr marL="0" marR="0" lvl="0" indent="0" algn="l" defTabSz="914400" rtl="0" eaLnBrk="0" fontAlgn="base" latinLnBrk="0" hangingPunct="0">
-              <a:lnSpc>
-                <a:spcPct val="100000"/>
-              </a:lnSpc>
-              <a:spcBef>
-                <a:spcPct val="0"/>
-              </a:spcBef>
-              <a:spcAft>
-                <a:spcPct val="0"/>
-              </a:spcAft>
-              <a:buClrTx/>
-              <a:buSzTx/>
-              <a:buFontTx/>
-              <a:buNone/>
-              <a:tabLst/>
-            </a:pPr>
-            <a:r>
-              <a:rPr kumimoji="0" lang="en-US" altLang="en-US" sz="1600" b="0" i="0" u="none" strike="noStrike" cap="none" normalizeH="0" baseline="0" dirty="0" smtClean="0">
-                <a:ln>
-                  <a:noFill/>
-                </a:ln>
-                <a:solidFill>
-                  <a:srgbClr val="000000"/>
-                </a:solidFill>
-                <a:effectLst/>
-                <a:latin typeface="Consolas" panose="020B0609020204030204" pitchFamily="49" charset="0"/>
-                <a:cs typeface="Consolas" panose="020B0609020204030204" pitchFamily="49" charset="0"/>
-              </a:rPr>
-              <a:t>     print (</a:t>
-            </a:r>
-            <a:r>
-              <a:rPr kumimoji="0" lang="en-US" altLang="en-US" sz="1600" b="0" i="0" u="none" strike="noStrike" cap="none" normalizeH="0" baseline="0" dirty="0" smtClean="0">
-                <a:ln>
-                  <a:noFill/>
-                </a:ln>
-                <a:solidFill>
-                  <a:srgbClr val="A31515"/>
-                </a:solidFill>
-                <a:effectLst/>
-                <a:latin typeface="Consolas" panose="020B0609020204030204" pitchFamily="49" charset="0"/>
-                <a:cs typeface="Consolas" panose="020B0609020204030204" pitchFamily="49" charset="0"/>
-              </a:rPr>
-              <a:t>'Could not connect'</a:t>
-            </a:r>
-            <a:r>
-              <a:rPr kumimoji="0" lang="en-US" altLang="en-US" sz="1600" b="0" i="0" u="none" strike="noStrike" cap="none" normalizeH="0" baseline="0" dirty="0" smtClean="0">
-                <a:ln>
-                  <a:noFill/>
-                </a:ln>
-                <a:solidFill>
-                  <a:srgbClr val="000000"/>
-                </a:solidFill>
-                <a:effectLst/>
-                <a:latin typeface="Consolas" panose="020B0609020204030204" pitchFamily="49" charset="0"/>
-                <a:cs typeface="Consolas" panose="020B0609020204030204" pitchFamily="49" charset="0"/>
-              </a:rPr>
-              <a:t>)</a:t>
-            </a:r>
-            <a:endParaRPr kumimoji="0" lang="en-US" altLang="en-US" sz="2000" b="0" i="0" u="none" strike="noStrike" cap="none" normalizeH="0" baseline="0" dirty="0" smtClean="0">
-              <a:ln>
-                <a:noFill/>
-              </a:ln>
-              <a:solidFill>
-                <a:schemeClr val="tx1"/>
-              </a:solidFill>
-              <a:effectLst/>
-              <a:latin typeface="Arial" panose="020B0604020202020204" pitchFamily="34" charset="0"/>
-            </a:endParaRPr>
-          </a:p>
-        </p:txBody>
-      </p:sp>
-    </p:spTree>
-    <p:extLst>
-      <p:ext uri="{BB962C8B-B14F-4D97-AF65-F5344CB8AC3E}">
-        <p14:creationId xmlns:p14="http://schemas.microsoft.com/office/powerpoint/2010/main" val="4015274761"/>
-      </p:ext>
-    </p:extLst>
-  </p:cSld>
-  <p:clrMapOvr>
-    <a:masterClrMapping/>
-  </p:clrMapOvr>
-  <mc:AlternateContent xmlns:mc="http://schemas.openxmlformats.org/markup-compatibility/2006" xmlns:p14="http://schemas.microsoft.com/office/powerpoint/2010/main">
-    <mc:Choice Requires="p14">
-      <p:transition spd="slow" p14:dur="2000"/>
-    </mc:Choice>
-    <mc:Fallback xmlns="">
-      <p:transition spd="slow"/>
-    </mc:Fallback>
-  </mc:AlternateContent>
-  <p:timing>
-    <p:tnLst>
-      <p:par>
-        <p:cTn id="1" dur="indefinite" restart="never" nodeType="tmRoot"/>
-      </p:par>
-    </p:tnLst>
-  </p:timing>
-</p:sld>
-</file>
-
-<file path=ppt/slides/slide33.xml><?xml version="1.0" encoding="utf-8"?>
+<file path=ppt/slides/slide27.xml><?xml version="1.0" encoding="utf-8"?>
 <p:sld xmlns:a="http://schemas.openxmlformats.org/drawingml/2006/main" xmlns:r="http://schemas.openxmlformats.org/officeDocument/2006/relationships" xmlns:p="http://schemas.openxmlformats.org/presentationml/2006/main">
   <p:cSld>
     <p:spTree>
@@ -19710,22 +14055,19 @@
                 <a:latin typeface="Consolas" panose="020B0609020204030204" pitchFamily="49" charset="0"/>
                 <a:cs typeface="Consolas" panose="020B0609020204030204" pitchFamily="49" charset="0"/>
               </a:rPr>
-              <a:t>pyodbc</a:t>
-            </a:r>
-            <a:r>
-              <a:rPr kumimoji="0" lang="en-US" altLang="en-US" sz="1800" b="0" i="0" u="none" strike="noStrike" cap="none" normalizeH="0" baseline="0" dirty="0" smtClean="0">
-                <a:ln>
-                  <a:noFill/>
-                </a:ln>
-                <a:solidFill>
-                  <a:srgbClr val="000000"/>
-                </a:solidFill>
-                <a:effectLst/>
-                <a:latin typeface="Consolas" panose="020B0609020204030204" pitchFamily="49" charset="0"/>
-                <a:cs typeface="Consolas" panose="020B0609020204030204" pitchFamily="49" charset="0"/>
-              </a:rPr>
-              <a:t> </a:t>
-            </a:r>
+              <a:t>pypyodbc</a:t>
+            </a:r>
+            <a:endParaRPr kumimoji="0" lang="en-US" altLang="en-US" sz="1800" b="0" i="0" u="none" strike="noStrike" cap="none" normalizeH="0" baseline="0" dirty="0" smtClean="0">
+              <a:ln>
+                <a:noFill/>
+              </a:ln>
+              <a:solidFill>
+                <a:srgbClr val="000000"/>
+              </a:solidFill>
+              <a:effectLst/>
+              <a:latin typeface="Consolas" panose="020B0609020204030204" pitchFamily="49" charset="0"/>
+              <a:cs typeface="Consolas" panose="020B0609020204030204" pitchFamily="49" charset="0"/>
+            </a:endParaRPr>
           </a:p>
           <a:p>
             <a:pPr marL="0" marR="0" lvl="0" indent="0" algn="l" defTabSz="914400" rtl="0" eaLnBrk="0" fontAlgn="base" latinLnBrk="0" hangingPunct="0">
@@ -19846,14 +14188,14 @@
               <a:t> = </a:t>
             </a:r>
             <a:r>
-              <a:rPr lang="en-US" altLang="en-US" sz="1800" b="0" dirty="0" err="1">
+              <a:rPr lang="en-US" altLang="en-US" sz="1800" b="0" dirty="0" err="1" smtClean="0">
                 <a:solidFill>
                   <a:srgbClr val="000000"/>
                 </a:solidFill>
                 <a:latin typeface="Consolas" panose="020B0609020204030204" pitchFamily="49" charset="0"/>
                 <a:cs typeface="Consolas" panose="020B0609020204030204" pitchFamily="49" charset="0"/>
               </a:rPr>
-              <a:t>pyodbc.connect</a:t>
+              <a:t>pypyodbc.connect</a:t>
             </a:r>
             <a:r>
               <a:rPr lang="en-US" altLang="en-US" sz="1800" b="0" dirty="0">
@@ -21034,7 +15376,7 @@
 </p:sld>
 </file>
 
-<file path=ppt/slides/slide34.xml><?xml version="1.0" encoding="utf-8"?>
+<file path=ppt/slides/slide28.xml><?xml version="1.0" encoding="utf-8"?>
 <p:sld xmlns:a="http://schemas.openxmlformats.org/drawingml/2006/main" xmlns:r="http://schemas.openxmlformats.org/officeDocument/2006/relationships" xmlns:p="http://schemas.openxmlformats.org/presentationml/2006/main">
   <p:cSld>
     <p:spTree>
@@ -21094,7 +15436,7 @@
 </p:sld>
 </file>
 
-<file path=ppt/slides/slide35.xml><?xml version="1.0" encoding="utf-8"?>
+<file path=ppt/slides/slide29.xml><?xml version="1.0" encoding="utf-8"?>
 <p:sld xmlns:a="http://schemas.openxmlformats.org/drawingml/2006/main" xmlns:r="http://schemas.openxmlformats.org/officeDocument/2006/relationships" xmlns:p="http://schemas.openxmlformats.org/presentationml/2006/main">
   <p:cSld>
     <p:spTree>
@@ -21154,7 +15496,86 @@
 </p:sld>
 </file>
 
-<file path=ppt/slides/slide36.xml><?xml version="1.0" encoding="utf-8"?>
+<file path=ppt/slides/slide3.xml><?xml version="1.0" encoding="utf-8"?>
+<p:sld xmlns:a="http://schemas.openxmlformats.org/drawingml/2006/main" xmlns:r="http://schemas.openxmlformats.org/officeDocument/2006/relationships" xmlns:p="http://schemas.openxmlformats.org/presentationml/2006/main">
+  <p:cSld>
+    <p:spTree>
+      <p:nvGrpSpPr>
+        <p:cNvPr id="1" name=""/>
+        <p:cNvGrpSpPr/>
+        <p:nvPr/>
+      </p:nvGrpSpPr>
+      <p:grpSpPr>
+        <a:xfrm>
+          <a:off x="0" y="0"/>
+          <a:ext cx="0" cy="0"/>
+          <a:chOff x="0" y="0"/>
+          <a:chExt cx="0" cy="0"/>
+        </a:xfrm>
+      </p:grpSpPr>
+      <p:sp>
+        <p:nvSpPr>
+          <p:cNvPr id="6" name="Text Placeholder 5"/>
+          <p:cNvSpPr>
+            <a:spLocks noGrp="1"/>
+          </p:cNvSpPr>
+          <p:nvPr>
+            <p:ph type="body" sz="quarter" idx="10"/>
+          </p:nvPr>
+        </p:nvSpPr>
+        <p:spPr/>
+        <p:txBody>
+          <a:bodyPr/>
+          <a:lstStyle/>
+          <a:p>
+            <a:r>
+              <a:rPr lang="en-US" dirty="0" smtClean="0"/>
+              <a:t>How do I connect to a database from Python?</a:t>
+            </a:r>
+            <a:endParaRPr lang="en-US" dirty="0"/>
+          </a:p>
+        </p:txBody>
+      </p:sp>
+      <p:sp>
+        <p:nvSpPr>
+          <p:cNvPr id="5" name="Subtitle 4"/>
+          <p:cNvSpPr>
+            <a:spLocks noGrp="1"/>
+          </p:cNvSpPr>
+          <p:nvPr>
+            <p:ph type="subTitle" idx="1"/>
+          </p:nvPr>
+        </p:nvSpPr>
+        <p:spPr/>
+        <p:txBody>
+          <a:bodyPr/>
+          <a:lstStyle/>
+          <a:p>
+            <a:endParaRPr lang="en-US" dirty="0"/>
+          </a:p>
+        </p:txBody>
+      </p:sp>
+    </p:spTree>
+    <p:extLst>
+      <p:ext uri="{BB962C8B-B14F-4D97-AF65-F5344CB8AC3E}">
+        <p14:creationId xmlns:p14="http://schemas.microsoft.com/office/powerpoint/2010/main" val="255798916"/>
+      </p:ext>
+    </p:extLst>
+  </p:cSld>
+  <p:clrMapOvr>
+    <a:masterClrMapping/>
+  </p:clrMapOvr>
+  <p:timing>
+    <p:tnLst>
+      <p:par>
+        <p:cTn id="1" dur="indefinite" restart="never" nodeType="tmRoot"/>
+      </p:par>
+    </p:tnLst>
+  </p:timing>
+</p:sld>
+</file>
+
+<file path=ppt/slides/slide30.xml><?xml version="1.0" encoding="utf-8"?>
 <p:sld xmlns:a="http://schemas.openxmlformats.org/drawingml/2006/main" xmlns:r="http://schemas.openxmlformats.org/officeDocument/2006/relationships" xmlns:p="http://schemas.openxmlformats.org/presentationml/2006/main">
   <p:cSld>
     <p:spTree>
@@ -21358,7 +15779,7 @@
                 <a:latin typeface="Consolas" panose="020B0609020204030204" pitchFamily="49" charset="0"/>
                 <a:cs typeface="Consolas" panose="020B0609020204030204" pitchFamily="49" charset="0"/>
               </a:rPr>
-              <a:t>pyodbc.connect</a:t>
+              <a:t>pypyodbc.connect</a:t>
             </a:r>
             <a:r>
               <a:rPr kumimoji="0" lang="en-US" altLang="en-US" sz="1800" b="0" i="0" u="none" strike="noStrike" cap="none" normalizeH="0" baseline="0" dirty="0" smtClean="0">
@@ -21432,8 +15853,19 @@
                 <a:latin typeface="Consolas" panose="020B0609020204030204" pitchFamily="49" charset="0"/>
                 <a:cs typeface="Consolas" panose="020B0609020204030204" pitchFamily="49" charset="0"/>
               </a:rPr>
-              <a:t>'Server=tcp:123fgt7.database.windows.net,1433;'</a:t>
-            </a:r>
+              <a:t>'Server=tcp:1234fgt7.database.windows.net,1433;'</a:t>
+            </a:r>
+            <a:endParaRPr kumimoji="0" lang="en-US" altLang="en-US" sz="1800" b="0" i="0" u="none" strike="noStrike" cap="none" normalizeH="0" baseline="0" dirty="0" smtClean="0">
+              <a:ln>
+                <a:noFill/>
+              </a:ln>
+              <a:solidFill>
+                <a:srgbClr val="A31515"/>
+              </a:solidFill>
+              <a:effectLst/>
+              <a:latin typeface="Consolas" panose="020B0609020204030204" pitchFamily="49" charset="0"/>
+              <a:cs typeface="Consolas" panose="020B0609020204030204" pitchFamily="49" charset="0"/>
+            </a:endParaRPr>
           </a:p>
           <a:p>
             <a:pPr marL="0" marR="0" lvl="0" indent="0" algn="l" defTabSz="914400" rtl="0" eaLnBrk="0" fontAlgn="base" latinLnBrk="0" hangingPunct="0">
@@ -21573,31 +16005,21 @@
                 <a:latin typeface="Consolas" panose="020B0609020204030204" pitchFamily="49" charset="0"/>
                 <a:cs typeface="Consolas" panose="020B0609020204030204" pitchFamily="49" charset="0"/>
               </a:rPr>
-              <a:t>=susanibach@</a:t>
-            </a:r>
-            <a:r>
-              <a:rPr lang="en-US" altLang="en-US" sz="1800" dirty="0">
+              <a:t>=susan@ox93zvw;Pwd=P@ssw0rd</a:t>
+            </a:r>
+            <a:r>
+              <a:rPr kumimoji="0" lang="en-US" altLang="en-US" sz="1800" b="0" i="0" u="none" strike="noStrike" cap="none" normalizeH="0" baseline="0" dirty="0" smtClean="0">
+                <a:ln>
+                  <a:noFill/>
+                </a:ln>
                 <a:solidFill>
                   <a:srgbClr val="A31515"/>
                 </a:solidFill>
-                <a:latin typeface="Consolas" panose="020B0609020204030204" pitchFamily="49" charset="0"/>
-                <a:cs typeface="Consolas" panose="020B0609020204030204" pitchFamily="49" charset="0"/>
-              </a:rPr>
-              <a:t>123fgt7</a:t>
-            </a:r>
-            <a:r>
-              <a:rPr kumimoji="0" lang="en-US" altLang="en-US" sz="1800" b="0" i="0" u="none" strike="noStrike" cap="none" normalizeH="0" baseline="0" dirty="0" smtClean="0">
-                <a:ln>
-                  <a:noFill/>
-                </a:ln>
-                <a:solidFill>
-                  <a:srgbClr val="A31515"/>
-                </a:solidFill>
-                <a:effectLst/>
-                <a:latin typeface="Consolas" panose="020B0609020204030204" pitchFamily="49" charset="0"/>
-                <a:cs typeface="Consolas" panose="020B0609020204030204" pitchFamily="49" charset="0"/>
-              </a:rPr>
-              <a:t>;Pwd=P@ssw0rd;'</a:t>
+                <a:effectLst/>
+                <a:latin typeface="Consolas" panose="020B0609020204030204" pitchFamily="49" charset="0"/>
+                <a:cs typeface="Consolas" panose="020B0609020204030204" pitchFamily="49" charset="0"/>
+              </a:rPr>
+              <a:t>;'</a:t>
             </a:r>
           </a:p>
           <a:p>
@@ -21901,7 +16323,7 @@
                 <a:latin typeface="Consolas" panose="020B0609020204030204" pitchFamily="49" charset="0"/>
                 <a:cs typeface="Consolas" panose="020B0609020204030204" pitchFamily="49" charset="0"/>
               </a:rPr>
-              <a:t>pyodbc.connect</a:t>
+              <a:t>pypyodbc.connect</a:t>
             </a:r>
             <a:r>
               <a:rPr lang="en-US" altLang="en-US" sz="1800" dirty="0" smtClean="0">
@@ -22205,7 +16627,7 @@
 </p:sld>
 </file>
 
-<file path=ppt/slides/slide37.xml><?xml version="1.0" encoding="utf-8"?>
+<file path=ppt/slides/slide31.xml><?xml version="1.0" encoding="utf-8"?>
 <p:sld xmlns:a="http://schemas.openxmlformats.org/drawingml/2006/main" xmlns:r="http://schemas.openxmlformats.org/officeDocument/2006/relationships" xmlns:p="http://schemas.openxmlformats.org/presentationml/2006/main">
   <p:cSld>
     <p:spTree>
@@ -22284,7 +16706,7 @@
 </p:sld>
 </file>
 
-<file path=ppt/slides/slide38.xml><?xml version="1.0" encoding="utf-8"?>
+<file path=ppt/slides/slide32.xml><?xml version="1.0" encoding="utf-8"?>
 <p:sld xmlns:a="http://schemas.openxmlformats.org/drawingml/2006/main" xmlns:r="http://schemas.openxmlformats.org/officeDocument/2006/relationships" xmlns:p="http://schemas.openxmlformats.org/presentationml/2006/main">
   <p:cSld>
     <p:spTree>
@@ -22344,7 +16766,7 @@
 </p:sld>
 </file>
 
-<file path=ppt/slides/slide39.xml><?xml version="1.0" encoding="utf-8"?>
+<file path=ppt/slides/slide33.xml><?xml version="1.0" encoding="utf-8"?>
 <p:sld xmlns:a="http://schemas.openxmlformats.org/drawingml/2006/main" xmlns:r="http://schemas.openxmlformats.org/officeDocument/2006/relationships" xmlns:p="http://schemas.openxmlformats.org/presentationml/2006/main">
   <p:cSld>
     <p:spTree>
@@ -22423,6 +16845,43 @@
     <p:extLst>
       <p:ext uri="{BB962C8B-B14F-4D97-AF65-F5344CB8AC3E}">
         <p14:creationId xmlns:p14="http://schemas.microsoft.com/office/powerpoint/2010/main" val="2896353927"/>
+      </p:ext>
+    </p:extLst>
+  </p:cSld>
+  <p:clrMapOvr>
+    <a:masterClrMapping/>
+  </p:clrMapOvr>
+  <p:timing>
+    <p:tnLst>
+      <p:par>
+        <p:cTn id="1" dur="indefinite" restart="never" nodeType="tmRoot"/>
+      </p:par>
+    </p:tnLst>
+  </p:timing>
+</p:sld>
+</file>
+
+<file path=ppt/slides/slide34.xml><?xml version="1.0" encoding="utf-8"?>
+<p:sld xmlns:a="http://schemas.openxmlformats.org/drawingml/2006/main" xmlns:r="http://schemas.openxmlformats.org/officeDocument/2006/relationships" xmlns:p="http://schemas.openxmlformats.org/presentationml/2006/main">
+  <p:cSld>
+    <p:spTree>
+      <p:nvGrpSpPr>
+        <p:cNvPr id="1" name=""/>
+        <p:cNvGrpSpPr/>
+        <p:nvPr/>
+      </p:nvGrpSpPr>
+      <p:grpSpPr>
+        <a:xfrm>
+          <a:off x="0" y="0"/>
+          <a:ext cx="0" cy="0"/>
+          <a:chOff x="0" y="0"/>
+          <a:chExt cx="0" cy="0"/>
+        </a:xfrm>
+      </p:grpSpPr>
+    </p:spTree>
+    <p:extLst>
+      <p:ext uri="{BB962C8B-B14F-4D97-AF65-F5344CB8AC3E}">
+        <p14:creationId xmlns:p14="http://schemas.microsoft.com/office/powerpoint/2010/main" val="898363405"/>
       </p:ext>
     </p:extLst>
   </p:cSld>
@@ -22898,43 +17357,6 @@
 </p:sld>
 </file>
 
-<file path=ppt/slides/slide40.xml><?xml version="1.0" encoding="utf-8"?>
-<p:sld xmlns:a="http://schemas.openxmlformats.org/drawingml/2006/main" xmlns:r="http://schemas.openxmlformats.org/officeDocument/2006/relationships" xmlns:p="http://schemas.openxmlformats.org/presentationml/2006/main">
-  <p:cSld>
-    <p:spTree>
-      <p:nvGrpSpPr>
-        <p:cNvPr id="1" name=""/>
-        <p:cNvGrpSpPr/>
-        <p:nvPr/>
-      </p:nvGrpSpPr>
-      <p:grpSpPr>
-        <a:xfrm>
-          <a:off x="0" y="0"/>
-          <a:ext cx="0" cy="0"/>
-          <a:chOff x="0" y="0"/>
-          <a:chExt cx="0" cy="0"/>
-        </a:xfrm>
-      </p:grpSpPr>
-    </p:spTree>
-    <p:extLst>
-      <p:ext uri="{BB962C8B-B14F-4D97-AF65-F5344CB8AC3E}">
-        <p14:creationId xmlns:p14="http://schemas.microsoft.com/office/powerpoint/2010/main" val="898363405"/>
-      </p:ext>
-    </p:extLst>
-  </p:cSld>
-  <p:clrMapOvr>
-    <a:masterClrMapping/>
-  </p:clrMapOvr>
-  <p:timing>
-    <p:tnLst>
-      <p:par>
-        <p:cTn id="1" dur="indefinite" restart="never" nodeType="tmRoot"/>
-      </p:par>
-    </p:tnLst>
-  </p:timing>
-</p:sld>
-</file>
-
 <file path=ppt/slides/slide5.xml><?xml version="1.0" encoding="utf-8"?>
 <p:sld xmlns:a="http://schemas.openxmlformats.org/drawingml/2006/main" xmlns:r="http://schemas.openxmlformats.org/officeDocument/2006/relationships" xmlns:p="http://schemas.openxmlformats.org/presentationml/2006/main">
   <p:cSld>
@@ -22993,16 +17415,10 @@
           <a:lstStyle/>
           <a:p>
             <a:r>
-              <a:rPr lang="en-CA" dirty="0" err="1">
-                <a:hlinkClick r:id="rId2"/>
-              </a:rPr>
-              <a:t>p</a:t>
-            </a:r>
-            <a:r>
               <a:rPr lang="en-CA" dirty="0" err="1" smtClean="0">
                 <a:hlinkClick r:id="rId2"/>
               </a:rPr>
-              <a:t>yodbc</a:t>
+              <a:t>pypyodbc</a:t>
             </a:r>
             <a:r>
               <a:rPr lang="en-CA" dirty="0" smtClean="0">
@@ -23018,23 +17434,13 @@
           <a:p>
             <a:r>
               <a:rPr lang="en-CA" dirty="0" smtClean="0"/>
-              <a:t>ODBC is a connection type supported by most databases including SQL Server and SQL Azure</a:t>
-            </a:r>
-          </a:p>
-          <a:p>
+              <a:t>ODBC is a connection type supported by most databases including SQL Server and SQL </a:t>
+            </a:r>
             <a:r>
               <a:rPr lang="en-CA" dirty="0" smtClean="0"/>
-              <a:t>NOTE: The current version of </a:t>
-            </a:r>
-            <a:r>
-              <a:rPr lang="en-CA" dirty="0" err="1" smtClean="0"/>
-              <a:t>pyodbc</a:t>
-            </a:r>
-            <a:r>
-              <a:rPr lang="en-CA" dirty="0" smtClean="0"/>
-              <a:t> runs on Python 3.3</a:t>
-            </a:r>
-            <a:endParaRPr lang="en-US" dirty="0"/>
+              <a:t>Azure</a:t>
+            </a:r>
+            <a:endParaRPr lang="en-CA" dirty="0" smtClean="0"/>
           </a:p>
         </p:txBody>
       </p:sp>
@@ -23134,55 +17540,6 @@
                                           <p:spTgt spid="3">
                                             <p:txEl>
                                               <p:pRg st="1" end="1"/>
-                                            </p:txEl>
-                                          </p:spTgt>
-                                        </p:tgtEl>
-                                        <p:attrNameLst>
-                                          <p:attrName>style.visibility</p:attrName>
-                                        </p:attrNameLst>
-                                      </p:cBhvr>
-                                      <p:to>
-                                        <p:strVal val="visible"/>
-                                      </p:to>
-                                    </p:set>
-                                  </p:childTnLst>
-                                </p:cTn>
-                              </p:par>
-                            </p:childTnLst>
-                          </p:cTn>
-                        </p:par>
-                      </p:childTnLst>
-                    </p:cTn>
-                  </p:par>
-                  <p:par>
-                    <p:cTn id="11" fill="hold">
-                      <p:stCondLst>
-                        <p:cond delay="indefinite"/>
-                      </p:stCondLst>
-                      <p:childTnLst>
-                        <p:par>
-                          <p:cTn id="12" fill="hold">
-                            <p:stCondLst>
-                              <p:cond delay="0"/>
-                            </p:stCondLst>
-                            <p:childTnLst>
-                              <p:par>
-                                <p:cTn id="13" presetID="1" presetClass="entr" presetSubtype="0" fill="hold" grpId="0" nodeType="clickEffect">
-                                  <p:stCondLst>
-                                    <p:cond delay="0"/>
-                                  </p:stCondLst>
-                                  <p:childTnLst>
-                                    <p:set>
-                                      <p:cBhvr>
-                                        <p:cTn id="14" dur="1" fill="hold">
-                                          <p:stCondLst>
-                                            <p:cond delay="0"/>
-                                          </p:stCondLst>
-                                        </p:cTn>
-                                        <p:tgtEl>
-                                          <p:spTgt spid="3">
-                                            <p:txEl>
-                                              <p:pRg st="2" end="2"/>
                                             </p:txEl>
                                           </p:spTgt>
                                         </p:tgtEl>
@@ -23463,417 +17820,6 @@
 </file>
 
 <file path=ppt/slides/slide7.xml><?xml version="1.0" encoding="utf-8"?>
-<p:sld xmlns:a="http://schemas.openxmlformats.org/drawingml/2006/main" xmlns:r="http://schemas.openxmlformats.org/officeDocument/2006/relationships" xmlns:p="http://schemas.openxmlformats.org/presentationml/2006/main" show="0">
-  <p:cSld>
-    <p:spTree>
-      <p:nvGrpSpPr>
-        <p:cNvPr id="1" name=""/>
-        <p:cNvGrpSpPr/>
-        <p:nvPr/>
-      </p:nvGrpSpPr>
-      <p:grpSpPr>
-        <a:xfrm>
-          <a:off x="0" y="0"/>
-          <a:ext cx="0" cy="0"/>
-          <a:chOff x="0" y="0"/>
-          <a:chExt cx="0" cy="0"/>
-        </a:xfrm>
-      </p:grpSpPr>
-      <p:sp>
-        <p:nvSpPr>
-          <p:cNvPr id="3" name="Content Placeholder 2"/>
-          <p:cNvSpPr>
-            <a:spLocks noGrp="1"/>
-          </p:cNvSpPr>
-          <p:nvPr>
-            <p:ph sz="half" idx="2"/>
-          </p:nvPr>
-        </p:nvSpPr>
-        <p:spPr/>
-        <p:txBody>
-          <a:bodyPr/>
-          <a:lstStyle/>
-          <a:p>
-            <a:pPr marL="514350" indent="-514350">
-              <a:buFont typeface="+mj-lt"/>
-              <a:buAutoNum type="arabicPeriod"/>
-            </a:pPr>
-            <a:r>
-              <a:rPr lang="en-CA" dirty="0" smtClean="0"/>
-              <a:t>If you don't already have one, create a virtual environment in your Python project </a:t>
-            </a:r>
-          </a:p>
-          <a:p>
-            <a:pPr marL="514350" indent="-514350">
-              <a:buFont typeface="+mj-lt"/>
-              <a:buAutoNum type="arabicPeriod"/>
-            </a:pPr>
-            <a:r>
-              <a:rPr lang="en-CA" dirty="0" smtClean="0"/>
-              <a:t>Install the python package </a:t>
-            </a:r>
-            <a:r>
-              <a:rPr lang="en-CA" b="1" dirty="0" err="1" smtClean="0"/>
-              <a:t>pymssql</a:t>
-            </a:r>
-            <a:r>
-              <a:rPr lang="en-CA" dirty="0" smtClean="0"/>
-              <a:t> in your virtual environment</a:t>
-            </a:r>
-          </a:p>
-          <a:p>
-            <a:pPr marL="514350" indent="-514350">
-              <a:buFont typeface="+mj-lt"/>
-              <a:buAutoNum type="arabicPeriod"/>
-            </a:pPr>
-            <a:r>
-              <a:rPr lang="en-CA" dirty="0" smtClean="0"/>
-              <a:t>Import the </a:t>
-            </a:r>
-            <a:r>
-              <a:rPr lang="en-CA" b="1" dirty="0" err="1" smtClean="0"/>
-              <a:t>pymssql</a:t>
-            </a:r>
-            <a:r>
-              <a:rPr lang="en-CA" dirty="0" smtClean="0"/>
-              <a:t> library in your code</a:t>
-            </a:r>
-          </a:p>
-          <a:p>
-            <a:pPr marL="0" indent="0">
-              <a:buNone/>
-            </a:pPr>
-            <a:endParaRPr lang="en-CA" dirty="0" smtClean="0"/>
-          </a:p>
-          <a:p>
-            <a:endParaRPr lang="en-US" dirty="0"/>
-          </a:p>
-          <a:p>
-            <a:endParaRPr lang="en-US" dirty="0"/>
-          </a:p>
-        </p:txBody>
-      </p:sp>
-      <p:pic>
-        <p:nvPicPr>
-          <p:cNvPr id="5" name="Content Placeholder 4"/>
-          <p:cNvPicPr>
-            <a:picLocks noGrp="1" noChangeAspect="1"/>
-          </p:cNvPicPr>
-          <p:nvPr>
-            <p:ph sz="quarter" idx="4"/>
-          </p:nvPr>
-        </p:nvPicPr>
-        <p:blipFill>
-          <a:blip r:embed="rId2"/>
-          <a:stretch>
-            <a:fillRect/>
-          </a:stretch>
-        </p:blipFill>
-        <p:spPr>
-          <a:xfrm>
-            <a:off x="6813754" y="1495313"/>
-            <a:ext cx="4572858" cy="1519012"/>
-          </a:xfrm>
-          <a:prstGeom prst="rect">
-            <a:avLst/>
-          </a:prstGeom>
-        </p:spPr>
-      </p:pic>
-      <p:sp>
-        <p:nvSpPr>
-          <p:cNvPr id="2" name="Title 1"/>
-          <p:cNvSpPr>
-            <a:spLocks noGrp="1"/>
-          </p:cNvSpPr>
-          <p:nvPr>
-            <p:ph type="title"/>
-          </p:nvPr>
-        </p:nvSpPr>
-        <p:spPr/>
-        <p:txBody>
-          <a:bodyPr>
-            <a:normAutofit/>
-          </a:bodyPr>
-          <a:lstStyle/>
-          <a:p>
-            <a:r>
-              <a:rPr lang="en-CA" dirty="0" smtClean="0"/>
-              <a:t>1. Install the </a:t>
-            </a:r>
-            <a:r>
-              <a:rPr lang="en-CA" dirty="0" err="1" smtClean="0"/>
-              <a:t>pymssql</a:t>
-            </a:r>
-            <a:r>
-              <a:rPr lang="en-CA" dirty="0" smtClean="0"/>
-              <a:t> library</a:t>
-            </a:r>
-            <a:endParaRPr lang="en-US" dirty="0"/>
-          </a:p>
-        </p:txBody>
-      </p:sp>
-      <p:pic>
-        <p:nvPicPr>
-          <p:cNvPr id="6" name="Picture 5"/>
-          <p:cNvPicPr>
-            <a:picLocks noChangeAspect="1"/>
-          </p:cNvPicPr>
-          <p:nvPr/>
-        </p:nvPicPr>
-        <p:blipFill>
-          <a:blip r:embed="rId3"/>
-          <a:stretch>
-            <a:fillRect/>
-          </a:stretch>
-        </p:blipFill>
-        <p:spPr>
-          <a:xfrm>
-            <a:off x="6693182" y="4061714"/>
-            <a:ext cx="3904762" cy="1380952"/>
-          </a:xfrm>
-          <a:prstGeom prst="rect">
-            <a:avLst/>
-          </a:prstGeom>
-        </p:spPr>
-      </p:pic>
-    </p:spTree>
-    <p:extLst>
-      <p:ext uri="{BB962C8B-B14F-4D97-AF65-F5344CB8AC3E}">
-        <p14:creationId xmlns:p14="http://schemas.microsoft.com/office/powerpoint/2010/main" val="3368524250"/>
-      </p:ext>
-    </p:extLst>
-  </p:cSld>
-  <p:clrMapOvr>
-    <a:masterClrMapping/>
-  </p:clrMapOvr>
-  <mc:AlternateContent xmlns:mc="http://schemas.openxmlformats.org/markup-compatibility/2006" xmlns:p14="http://schemas.microsoft.com/office/powerpoint/2010/main">
-    <mc:Choice Requires="p14">
-      <p:transition spd="slow" p14:dur="2000"/>
-    </mc:Choice>
-    <mc:Fallback xmlns="">
-      <p:transition spd="slow"/>
-    </mc:Fallback>
-  </mc:AlternateContent>
-  <p:timing>
-    <p:tnLst>
-      <p:par>
-        <p:cTn id="1" dur="indefinite" restart="never" nodeType="tmRoot">
-          <p:childTnLst>
-            <p:seq concurrent="1" nextAc="seek">
-              <p:cTn id="2" dur="indefinite" nodeType="mainSeq">
-                <p:childTnLst>
-                  <p:par>
-                    <p:cTn id="3" fill="hold">
-                      <p:stCondLst>
-                        <p:cond delay="indefinite"/>
-                        <p:cond evt="onBegin" delay="0">
-                          <p:tn val="2"/>
-                        </p:cond>
-                      </p:stCondLst>
-                      <p:childTnLst>
-                        <p:par>
-                          <p:cTn id="4" fill="hold">
-                            <p:stCondLst>
-                              <p:cond delay="0"/>
-                            </p:stCondLst>
-                            <p:childTnLst>
-                              <p:par>
-                                <p:cTn id="5" presetID="1" presetClass="entr" presetSubtype="0" fill="hold" nodeType="withEffect">
-                                  <p:stCondLst>
-                                    <p:cond delay="0"/>
-                                  </p:stCondLst>
-                                  <p:childTnLst>
-                                    <p:set>
-                                      <p:cBhvr>
-                                        <p:cTn id="6" dur="1" fill="hold">
-                                          <p:stCondLst>
-                                            <p:cond delay="0"/>
-                                          </p:stCondLst>
-                                        </p:cTn>
-                                        <p:tgtEl>
-                                          <p:spTgt spid="3">
-                                            <p:txEl>
-                                              <p:pRg st="0" end="0"/>
-                                            </p:txEl>
-                                          </p:spTgt>
-                                        </p:tgtEl>
-                                        <p:attrNameLst>
-                                          <p:attrName>style.visibility</p:attrName>
-                                        </p:attrNameLst>
-                                      </p:cBhvr>
-                                      <p:to>
-                                        <p:strVal val="visible"/>
-                                      </p:to>
-                                    </p:set>
-                                  </p:childTnLst>
-                                </p:cTn>
-                              </p:par>
-                              <p:par>
-                                <p:cTn id="7" presetID="1" presetClass="entr" presetSubtype="0" fill="hold" nodeType="withEffect">
-                                  <p:stCondLst>
-                                    <p:cond delay="0"/>
-                                  </p:stCondLst>
-                                  <p:childTnLst>
-                                    <p:set>
-                                      <p:cBhvr>
-                                        <p:cTn id="8" dur="1" fill="hold">
-                                          <p:stCondLst>
-                                            <p:cond delay="0"/>
-                                          </p:stCondLst>
-                                        </p:cTn>
-                                        <p:tgtEl>
-                                          <p:spTgt spid="3">
-                                            <p:txEl>
-                                              <p:pRg st="1" end="1"/>
-                                            </p:txEl>
-                                          </p:spTgt>
-                                        </p:tgtEl>
-                                        <p:attrNameLst>
-                                          <p:attrName>style.visibility</p:attrName>
-                                        </p:attrNameLst>
-                                      </p:cBhvr>
-                                      <p:to>
-                                        <p:strVal val="visible"/>
-                                      </p:to>
-                                    </p:set>
-                                  </p:childTnLst>
-                                </p:cTn>
-                              </p:par>
-                              <p:par>
-                                <p:cTn id="9" presetID="1" presetClass="entr" presetSubtype="0" fill="hold" nodeType="withEffect">
-                                  <p:stCondLst>
-                                    <p:cond delay="0"/>
-                                  </p:stCondLst>
-                                  <p:childTnLst>
-                                    <p:set>
-                                      <p:cBhvr>
-                                        <p:cTn id="10" dur="1" fill="hold">
-                                          <p:stCondLst>
-                                            <p:cond delay="0"/>
-                                          </p:stCondLst>
-                                        </p:cTn>
-                                        <p:tgtEl>
-                                          <p:spTgt spid="5"/>
-                                        </p:tgtEl>
-                                        <p:attrNameLst>
-                                          <p:attrName>style.visibility</p:attrName>
-                                        </p:attrNameLst>
-                                      </p:cBhvr>
-                                      <p:to>
-                                        <p:strVal val="visible"/>
-                                      </p:to>
-                                    </p:set>
-                                  </p:childTnLst>
-                                </p:cTn>
-                              </p:par>
-                            </p:childTnLst>
-                          </p:cTn>
-                        </p:par>
-                      </p:childTnLst>
-                    </p:cTn>
-                  </p:par>
-                  <p:par>
-                    <p:cTn id="11" fill="hold">
-                      <p:stCondLst>
-                        <p:cond delay="indefinite"/>
-                      </p:stCondLst>
-                      <p:childTnLst>
-                        <p:par>
-                          <p:cTn id="12" fill="hold">
-                            <p:stCondLst>
-                              <p:cond delay="0"/>
-                            </p:stCondLst>
-                            <p:childTnLst>
-                              <p:par>
-                                <p:cTn id="13" presetID="1" presetClass="entr" presetSubtype="0" fill="hold" nodeType="clickEffect">
-                                  <p:stCondLst>
-                                    <p:cond delay="0"/>
-                                  </p:stCondLst>
-                                  <p:childTnLst>
-                                    <p:set>
-                                      <p:cBhvr>
-                                        <p:cTn id="14" dur="1" fill="hold">
-                                          <p:stCondLst>
-                                            <p:cond delay="0"/>
-                                          </p:stCondLst>
-                                        </p:cTn>
-                                        <p:tgtEl>
-                                          <p:spTgt spid="3">
-                                            <p:txEl>
-                                              <p:pRg st="2" end="2"/>
-                                            </p:txEl>
-                                          </p:spTgt>
-                                        </p:tgtEl>
-                                        <p:attrNameLst>
-                                          <p:attrName>style.visibility</p:attrName>
-                                        </p:attrNameLst>
-                                      </p:cBhvr>
-                                      <p:to>
-                                        <p:strVal val="visible"/>
-                                      </p:to>
-                                    </p:set>
-                                  </p:childTnLst>
-                                </p:cTn>
-                              </p:par>
-                              <p:par>
-                                <p:cTn id="15" presetID="1" presetClass="entr" presetSubtype="0" fill="hold" nodeType="withEffect">
-                                  <p:stCondLst>
-                                    <p:cond delay="0"/>
-                                  </p:stCondLst>
-                                  <p:childTnLst>
-                                    <p:set>
-                                      <p:cBhvr>
-                                        <p:cTn id="16" dur="1" fill="hold">
-                                          <p:stCondLst>
-                                            <p:cond delay="0"/>
-                                          </p:stCondLst>
-                                        </p:cTn>
-                                        <p:tgtEl>
-                                          <p:spTgt spid="6"/>
-                                        </p:tgtEl>
-                                        <p:attrNameLst>
-                                          <p:attrName>style.visibility</p:attrName>
-                                        </p:attrNameLst>
-                                      </p:cBhvr>
-                                      <p:to>
-                                        <p:strVal val="visible"/>
-                                      </p:to>
-                                    </p:set>
-                                  </p:childTnLst>
-                                </p:cTn>
-                              </p:par>
-                            </p:childTnLst>
-                          </p:cTn>
-                        </p:par>
-                      </p:childTnLst>
-                    </p:cTn>
-                  </p:par>
-                </p:childTnLst>
-              </p:cTn>
-              <p:prevCondLst>
-                <p:cond evt="onPrev" delay="0">
-                  <p:tgtEl>
-                    <p:sldTgt/>
-                  </p:tgtEl>
-                </p:cond>
-              </p:prevCondLst>
-              <p:nextCondLst>
-                <p:cond evt="onNext" delay="0">
-                  <p:tgtEl>
-                    <p:sldTgt/>
-                  </p:tgtEl>
-                </p:cond>
-              </p:nextCondLst>
-            </p:seq>
-          </p:childTnLst>
-        </p:cTn>
-      </p:par>
-    </p:tnLst>
-  </p:timing>
-</p:sld>
-</file>
-
-<file path=ppt/slides/slide8.xml><?xml version="1.0" encoding="utf-8"?>
 <p:sld xmlns:a="http://schemas.openxmlformats.org/drawingml/2006/main" xmlns:r="http://schemas.openxmlformats.org/officeDocument/2006/relationships" xmlns:p="http://schemas.openxmlformats.org/presentationml/2006/main">
   <p:cSld>
     <p:spTree>
@@ -23917,11 +17863,19 @@
             </a:r>
             <a:r>
               <a:rPr lang="en-CA" sz="3600" i="1" dirty="0" smtClean="0"/>
-              <a:t>Python 3.3 </a:t>
+              <a:t>Python </a:t>
+            </a:r>
+            <a:r>
+              <a:rPr lang="en-CA" sz="3600" i="1" dirty="0" smtClean="0"/>
+              <a:t>3.4 </a:t>
             </a:r>
             <a:r>
               <a:rPr lang="en-CA" dirty="0" smtClean="0"/>
-              <a:t>in your Python project </a:t>
+              <a:t>in </a:t>
+            </a:r>
+            <a:r>
+              <a:rPr lang="en-CA" dirty="0" smtClean="0"/>
+              <a:t>your Python project </a:t>
             </a:r>
           </a:p>
           <a:p>
@@ -23935,7 +17889,7 @@
             </a:r>
             <a:r>
               <a:rPr lang="en-CA" sz="3600" b="1" i="1" dirty="0" err="1" smtClean="0"/>
-              <a:t>pyodbc</a:t>
+              <a:t>pypyodbc</a:t>
             </a:r>
             <a:r>
               <a:rPr lang="en-CA" sz="3600" dirty="0" smtClean="0"/>
@@ -23943,16 +17897,9 @@
             </a:r>
             <a:r>
               <a:rPr lang="en-CA" dirty="0" smtClean="0"/>
-              <a:t>in your virtual environment (use </a:t>
-            </a:r>
-            <a:r>
-              <a:rPr lang="en-CA" dirty="0" err="1" smtClean="0"/>
-              <a:t>easy_install</a:t>
-            </a:r>
-            <a:r>
-              <a:rPr lang="en-CA" dirty="0" smtClean="0"/>
-              <a:t> instead of pip)</a:t>
-            </a:r>
+              <a:t>in your virtual environment </a:t>
+            </a:r>
+            <a:endParaRPr lang="en-CA" dirty="0" smtClean="0"/>
           </a:p>
           <a:p>
             <a:pPr marL="514350" indent="-514350">
@@ -23961,19 +17908,27 @@
             </a:pPr>
             <a:r>
               <a:rPr lang="en-CA" dirty="0" smtClean="0"/>
-              <a:t>Import the </a:t>
+              <a:t>Import </a:t>
+            </a:r>
+            <a:r>
+              <a:rPr lang="en-CA" dirty="0" smtClean="0"/>
+              <a:t>the </a:t>
             </a:r>
             <a:r>
               <a:rPr lang="en-CA" sz="3600" b="1" i="1" dirty="0" err="1" smtClean="0"/>
-              <a:t>pyodbc</a:t>
-            </a:r>
-            <a:r>
-              <a:rPr lang="en-CA" sz="3600" b="1" dirty="0" smtClean="0"/>
+              <a:t>pypyodbc</a:t>
+            </a:r>
+            <a:r>
+              <a:rPr lang="en-CA" sz="3600" b="1" i="1" dirty="0" smtClean="0"/>
               <a:t> </a:t>
             </a:r>
             <a:r>
               <a:rPr lang="en-CA" dirty="0" smtClean="0"/>
-              <a:t>library in your code</a:t>
+              <a:t>library </a:t>
+            </a:r>
+            <a:r>
+              <a:rPr lang="en-CA" dirty="0" smtClean="0"/>
+              <a:t>in your code</a:t>
             </a:r>
           </a:p>
           <a:p>
@@ -24013,11 +17968,15 @@
             </a:r>
             <a:r>
               <a:rPr lang="en-CA" dirty="0" err="1" smtClean="0"/>
-              <a:t>pyodbc</a:t>
+              <a:t>pypyodbc</a:t>
             </a:r>
             <a:r>
               <a:rPr lang="en-CA" dirty="0" smtClean="0"/>
-              <a:t> library</a:t>
+              <a:t> </a:t>
+            </a:r>
+            <a:r>
+              <a:rPr lang="en-CA" dirty="0" smtClean="0"/>
+              <a:t>library</a:t>
             </a:r>
             <a:endParaRPr lang="en-US" dirty="0"/>
           </a:p>
@@ -24025,7 +17984,7 @@
       </p:sp>
       <p:pic>
         <p:nvPicPr>
-          <p:cNvPr id="8" name="Picture 7"/>
+          <p:cNvPr id="4" name="Picture 3"/>
           <p:cNvPicPr>
             <a:picLocks noChangeAspect="1"/>
           </p:cNvPicPr>
@@ -24039,8 +17998,8 @@
         </p:blipFill>
         <p:spPr>
           <a:xfrm>
-            <a:off x="7468046" y="1371601"/>
-            <a:ext cx="2778611" cy="2626656"/>
+            <a:off x="6596772" y="2449369"/>
+            <a:ext cx="4761905" cy="2333333"/>
           </a:xfrm>
           <a:prstGeom prst="rect">
             <a:avLst/>
@@ -24049,7 +18008,7 @@
       </p:pic>
       <p:pic>
         <p:nvPicPr>
-          <p:cNvPr id="9" name="Picture 8"/>
+          <p:cNvPr id="5" name="Picture 4"/>
           <p:cNvPicPr>
             <a:picLocks noChangeAspect="1"/>
           </p:cNvPicPr>
@@ -24063,8 +18022,8 @@
         </p:blipFill>
         <p:spPr>
           <a:xfrm>
-            <a:off x="6476398" y="2164220"/>
-            <a:ext cx="4761905" cy="2352381"/>
+            <a:off x="6596772" y="1245702"/>
+            <a:ext cx="3501404" cy="1787430"/>
           </a:xfrm>
           <a:prstGeom prst="rect">
             <a:avLst/>
@@ -24073,7 +18032,7 @@
       </p:pic>
       <p:pic>
         <p:nvPicPr>
-          <p:cNvPr id="10" name="Picture 9"/>
+          <p:cNvPr id="6" name="Picture 5"/>
           <p:cNvPicPr>
             <a:picLocks noChangeAspect="1"/>
           </p:cNvPicPr>
@@ -24087,8 +18046,8 @@
         </p:blipFill>
         <p:spPr>
           <a:xfrm>
-            <a:off x="6596772" y="4516601"/>
-            <a:ext cx="4341960" cy="1642152"/>
+            <a:off x="6596772" y="4868952"/>
+            <a:ext cx="4908090" cy="1308824"/>
           </a:xfrm>
           <a:prstGeom prst="rect">
             <a:avLst/>
@@ -24170,7 +18129,7 @@
                                           </p:stCondLst>
                                         </p:cTn>
                                         <p:tgtEl>
-                                          <p:spTgt spid="8"/>
+                                          <p:spTgt spid="5"/>
                                         </p:tgtEl>
                                         <p:attrNameLst>
                                           <p:attrName>style.visibility</p:attrName>
@@ -24246,7 +18205,7 @@
                                           </p:stCondLst>
                                         </p:cTn>
                                         <p:tgtEl>
-                                          <p:spTgt spid="8"/>
+                                          <p:spTgt spid="5"/>
                                         </p:tgtEl>
                                         <p:attrNameLst>
                                           <p:attrName>style.visibility</p:attrName>
@@ -24273,7 +18232,7 @@
                                           </p:stCondLst>
                                         </p:cTn>
                                         <p:tgtEl>
-                                          <p:spTgt spid="9"/>
+                                          <p:spTgt spid="4"/>
                                         </p:tgtEl>
                                         <p:attrNameLst>
                                           <p:attrName>style.visibility</p:attrName>
@@ -24349,7 +18308,7 @@
                                           </p:stCondLst>
                                         </p:cTn>
                                         <p:tgtEl>
-                                          <p:spTgt spid="9"/>
+                                          <p:spTgt spid="4"/>
                                         </p:tgtEl>
                                         <p:attrNameLst>
                                           <p:attrName>style.visibility</p:attrName>
@@ -24376,7 +18335,7 @@
                                           </p:stCondLst>
                                         </p:cTn>
                                         <p:tgtEl>
-                                          <p:spTgt spid="10"/>
+                                          <p:spTgt spid="6"/>
                                         </p:tgtEl>
                                         <p:attrNameLst>
                                           <p:attrName>style.visibility</p:attrName>
@@ -24420,7 +18379,7 @@
 </p:sld>
 </file>
 
-<file path=ppt/slides/slide9.xml><?xml version="1.0" encoding="utf-8"?>
+<file path=ppt/slides/slide8.xml><?xml version="1.0" encoding="utf-8"?>
 <p:sld xmlns:a="http://schemas.openxmlformats.org/drawingml/2006/main" xmlns:r="http://schemas.openxmlformats.org/officeDocument/2006/relationships" xmlns:p="http://schemas.openxmlformats.org/presentationml/2006/main">
   <p:cSld>
     <p:spTree>
@@ -24740,6 +18699,304 @@
         </p:cTn>
       </p:par>
     </p:tnLst>
+  </p:timing>
+</p:sld>
+</file>
+
+<file path=ppt/slides/slide9.xml><?xml version="1.0" encoding="utf-8"?>
+<p:sld xmlns:a="http://schemas.openxmlformats.org/drawingml/2006/main" xmlns:r="http://schemas.openxmlformats.org/officeDocument/2006/relationships" xmlns:p="http://schemas.openxmlformats.org/presentationml/2006/main">
+  <p:cSld>
+    <p:spTree>
+      <p:nvGrpSpPr>
+        <p:cNvPr id="1" name=""/>
+        <p:cNvGrpSpPr/>
+        <p:nvPr/>
+      </p:nvGrpSpPr>
+      <p:grpSpPr>
+        <a:xfrm>
+          <a:off x="0" y="0"/>
+          <a:ext cx="0" cy="0"/>
+          <a:chOff x="0" y="0"/>
+          <a:chExt cx="0" cy="0"/>
+        </a:xfrm>
+      </p:grpSpPr>
+      <p:sp>
+        <p:nvSpPr>
+          <p:cNvPr id="2" name="Title 1"/>
+          <p:cNvSpPr>
+            <a:spLocks noGrp="1"/>
+          </p:cNvSpPr>
+          <p:nvPr>
+            <p:ph type="title"/>
+          </p:nvPr>
+        </p:nvSpPr>
+        <p:spPr/>
+        <p:txBody>
+          <a:bodyPr>
+            <a:normAutofit fontScale="90000"/>
+          </a:bodyPr>
+          <a:lstStyle/>
+          <a:p>
+            <a:r>
+              <a:rPr lang="en-CA" dirty="0" smtClean="0"/>
+              <a:t>When you install SQL Server you need to ensure it will allow a user name and password for logon</a:t>
+            </a:r>
+            <a:endParaRPr lang="en-US" dirty="0"/>
+          </a:p>
+        </p:txBody>
+      </p:sp>
+      <p:sp>
+        <p:nvSpPr>
+          <p:cNvPr id="3" name="Content Placeholder 2"/>
+          <p:cNvSpPr>
+            <a:spLocks noGrp="1"/>
+          </p:cNvSpPr>
+          <p:nvPr>
+            <p:ph sz="quarter" idx="10"/>
+          </p:nvPr>
+        </p:nvSpPr>
+        <p:spPr/>
+        <p:txBody>
+          <a:bodyPr/>
+          <a:lstStyle/>
+          <a:p>
+            <a:r>
+              <a:rPr lang="en-CA" dirty="0" smtClean="0"/>
+              <a:t>SQL Server operates in two modes</a:t>
+            </a:r>
+            <a:endParaRPr lang="en-US" dirty="0" smtClean="0"/>
+          </a:p>
+          <a:p>
+            <a:pPr lvl="1"/>
+            <a:r>
+              <a:rPr lang="en-CA" dirty="0" smtClean="0"/>
+              <a:t>Windows Authentication (uses your Windows account to log in)</a:t>
+            </a:r>
+          </a:p>
+          <a:p>
+            <a:pPr lvl="1"/>
+            <a:r>
+              <a:rPr lang="en-CA" dirty="0" smtClean="0"/>
+              <a:t>Mixed/SQL Authentication (provide a username and password to log in)</a:t>
+            </a:r>
+          </a:p>
+          <a:p>
+            <a:r>
+              <a:rPr lang="en-CA" dirty="0" smtClean="0"/>
+              <a:t>For a Python website, you want to use Mixed/SQL Authentication. Find out how to ensure the correct mode and set up a system administrator login account </a:t>
+            </a:r>
+            <a:r>
+              <a:rPr lang="en-CA" dirty="0" smtClean="0">
+                <a:hlinkClick r:id="rId2"/>
+              </a:rPr>
+              <a:t>here</a:t>
+            </a:r>
+            <a:endParaRPr lang="en-CA" dirty="0"/>
+          </a:p>
+        </p:txBody>
+      </p:sp>
+    </p:spTree>
+    <p:extLst>
+      <p:ext uri="{BB962C8B-B14F-4D97-AF65-F5344CB8AC3E}">
+        <p14:creationId xmlns:p14="http://schemas.microsoft.com/office/powerpoint/2010/main" val="3235370996"/>
+      </p:ext>
+    </p:extLst>
+  </p:cSld>
+  <p:clrMapOvr>
+    <a:masterClrMapping/>
+  </p:clrMapOvr>
+  <p:timing>
+    <p:tnLst>
+      <p:par>
+        <p:cTn id="1" dur="indefinite" restart="never" nodeType="tmRoot">
+          <p:childTnLst>
+            <p:seq concurrent="1" nextAc="seek">
+              <p:cTn id="2" dur="indefinite" nodeType="mainSeq">
+                <p:childTnLst>
+                  <p:par>
+                    <p:cTn id="3" fill="hold">
+                      <p:stCondLst>
+                        <p:cond delay="indefinite"/>
+                      </p:stCondLst>
+                      <p:childTnLst>
+                        <p:par>
+                          <p:cTn id="4" fill="hold">
+                            <p:stCondLst>
+                              <p:cond delay="0"/>
+                            </p:stCondLst>
+                            <p:childTnLst>
+                              <p:par>
+                                <p:cTn id="5" presetID="1" presetClass="entr" presetSubtype="0" fill="hold" grpId="0" nodeType="clickEffect">
+                                  <p:stCondLst>
+                                    <p:cond delay="0"/>
+                                  </p:stCondLst>
+                                  <p:childTnLst>
+                                    <p:set>
+                                      <p:cBhvr>
+                                        <p:cTn id="6" dur="1" fill="hold">
+                                          <p:stCondLst>
+                                            <p:cond delay="0"/>
+                                          </p:stCondLst>
+                                        </p:cTn>
+                                        <p:tgtEl>
+                                          <p:spTgt spid="3">
+                                            <p:txEl>
+                                              <p:pRg st="0" end="0"/>
+                                            </p:txEl>
+                                          </p:spTgt>
+                                        </p:tgtEl>
+                                        <p:attrNameLst>
+                                          <p:attrName>style.visibility</p:attrName>
+                                        </p:attrNameLst>
+                                      </p:cBhvr>
+                                      <p:to>
+                                        <p:strVal val="visible"/>
+                                      </p:to>
+                                    </p:set>
+                                  </p:childTnLst>
+                                </p:cTn>
+                              </p:par>
+                              <p:par>
+                                <p:cTn id="7" presetID="1" presetClass="entr" presetSubtype="0" fill="hold" grpId="0" nodeType="withEffect">
+                                  <p:stCondLst>
+                                    <p:cond delay="0"/>
+                                  </p:stCondLst>
+                                  <p:childTnLst>
+                                    <p:set>
+                                      <p:cBhvr>
+                                        <p:cTn id="8" dur="1" fill="hold">
+                                          <p:stCondLst>
+                                            <p:cond delay="0"/>
+                                          </p:stCondLst>
+                                        </p:cTn>
+                                        <p:tgtEl>
+                                          <p:spTgt spid="3">
+                                            <p:txEl>
+                                              <p:pRg st="1" end="1"/>
+                                            </p:txEl>
+                                          </p:spTgt>
+                                        </p:tgtEl>
+                                        <p:attrNameLst>
+                                          <p:attrName>style.visibility</p:attrName>
+                                        </p:attrNameLst>
+                                      </p:cBhvr>
+                                      <p:to>
+                                        <p:strVal val="visible"/>
+                                      </p:to>
+                                    </p:set>
+                                  </p:childTnLst>
+                                </p:cTn>
+                              </p:par>
+                              <p:par>
+                                <p:cTn id="9" presetID="1" presetClass="entr" presetSubtype="0" fill="hold" grpId="0" nodeType="withEffect">
+                                  <p:stCondLst>
+                                    <p:cond delay="0"/>
+                                  </p:stCondLst>
+                                  <p:childTnLst>
+                                    <p:set>
+                                      <p:cBhvr>
+                                        <p:cTn id="10" dur="1" fill="hold">
+                                          <p:stCondLst>
+                                            <p:cond delay="0"/>
+                                          </p:stCondLst>
+                                        </p:cTn>
+                                        <p:tgtEl>
+                                          <p:spTgt spid="3">
+                                            <p:txEl>
+                                              <p:pRg st="2" end="2"/>
+                                            </p:txEl>
+                                          </p:spTgt>
+                                        </p:tgtEl>
+                                        <p:attrNameLst>
+                                          <p:attrName>style.visibility</p:attrName>
+                                        </p:attrNameLst>
+                                      </p:cBhvr>
+                                      <p:to>
+                                        <p:strVal val="visible"/>
+                                      </p:to>
+                                    </p:set>
+                                  </p:childTnLst>
+                                </p:cTn>
+                              </p:par>
+                            </p:childTnLst>
+                          </p:cTn>
+                        </p:par>
+                      </p:childTnLst>
+                    </p:cTn>
+                  </p:par>
+                  <p:par>
+                    <p:cTn id="11" fill="hold">
+                      <p:stCondLst>
+                        <p:cond delay="indefinite"/>
+                      </p:stCondLst>
+                      <p:childTnLst>
+                        <p:par>
+                          <p:cTn id="12" fill="hold">
+                            <p:stCondLst>
+                              <p:cond delay="0"/>
+                            </p:stCondLst>
+                            <p:childTnLst>
+                              <p:par>
+                                <p:cTn id="13" presetID="1" presetClass="entr" presetSubtype="0" fill="hold" grpId="0" nodeType="clickEffect">
+                                  <p:stCondLst>
+                                    <p:cond delay="0"/>
+                                  </p:stCondLst>
+                                  <p:childTnLst>
+                                    <p:set>
+                                      <p:cBhvr>
+                                        <p:cTn id="14" dur="1" fill="hold">
+                                          <p:stCondLst>
+                                            <p:cond delay="0"/>
+                                          </p:stCondLst>
+                                        </p:cTn>
+                                        <p:tgtEl>
+                                          <p:spTgt spid="3">
+                                            <p:txEl>
+                                              <p:pRg st="3" end="3"/>
+                                            </p:txEl>
+                                          </p:spTgt>
+                                        </p:tgtEl>
+                                        <p:attrNameLst>
+                                          <p:attrName>style.visibility</p:attrName>
+                                        </p:attrNameLst>
+                                      </p:cBhvr>
+                                      <p:to>
+                                        <p:strVal val="visible"/>
+                                      </p:to>
+                                    </p:set>
+                                  </p:childTnLst>
+                                </p:cTn>
+                              </p:par>
+                            </p:childTnLst>
+                          </p:cTn>
+                        </p:par>
+                      </p:childTnLst>
+                    </p:cTn>
+                  </p:par>
+                </p:childTnLst>
+              </p:cTn>
+              <p:prevCondLst>
+                <p:cond evt="onPrev" delay="0">
+                  <p:tgtEl>
+                    <p:sldTgt/>
+                  </p:tgtEl>
+                </p:cond>
+              </p:prevCondLst>
+              <p:nextCondLst>
+                <p:cond evt="onNext" delay="0">
+                  <p:tgtEl>
+                    <p:sldTgt/>
+                  </p:tgtEl>
+                </p:cond>
+              </p:nextCondLst>
+            </p:seq>
+          </p:childTnLst>
+        </p:cTn>
+      </p:par>
+    </p:tnLst>
+    <p:bldLst>
+      <p:bldP spid="3" grpId="0" uiExpand="1" build="p"/>
+    </p:bldLst>
   </p:timing>
 </p:sld>
 </file>
@@ -25552,19 +19809,6 @@
 </file>
 
 <file path=customXml/item1.xml><?xml version="1.0" encoding="utf-8"?>
-<p:properties xmlns:p="http://schemas.microsoft.com/office/2006/metadata/properties" xmlns:xsi="http://www.w3.org/2001/XMLSchema-instance" xmlns:pc="http://schemas.microsoft.com/office/infopath/2007/PartnerControls">
-  <documentManagement>
-    <TaxCatchAll xmlns="230e9df3-be65-4c73-a93b-d1236ebd677e"/>
-    <PublishingExpirationDate xmlns="http://schemas.microsoft.com/sharepoint/v3" xsi:nil="true"/>
-    <PublishingStartDate xmlns="http://schemas.microsoft.com/sharepoint/v3" xsi:nil="true"/>
-    <TaxKeywordTaxHTField xmlns="230e9df3-be65-4c73-a93b-d1236ebd677e">
-      <Terms xmlns="http://schemas.microsoft.com/office/infopath/2007/PartnerControls"/>
-    </TaxKeywordTaxHTField>
-  </documentManagement>
-</p:properties>
-</file>
-
-<file path=customXml/item2.xml><?xml version="1.0" encoding="utf-8"?>
 <ct:contentTypeSchema xmlns:ct="http://schemas.microsoft.com/office/2006/metadata/contentType" xmlns:ma="http://schemas.microsoft.com/office/2006/metadata/properties/metaAttributes" ct:_="" ma:_="" ma:contentTypeName="Document" ma:contentTypeID="0x010100496889825850D44592AC5D2F43187AE4" ma:contentTypeVersion="5" ma:contentTypeDescription="Create a new document." ma:contentTypeScope="" ma:versionID="fde90edb5a63ba841bca516fd2abaf95">
   <xsd:schema xmlns:xsd="http://www.w3.org/2001/XMLSchema" xmlns:xs="http://www.w3.org/2001/XMLSchema" xmlns:p="http://schemas.microsoft.com/office/2006/metadata/properties" xmlns:ns1="http://schemas.microsoft.com/sharepoint/v3" xmlns:ns2="230e9df3-be65-4c73-a93b-d1236ebd677e" xmlns:ns3="27aa9422-7f1f-4c84-9cdf-302b1a67e513" targetNamespace="http://schemas.microsoft.com/office/2006/metadata/properties" ma:root="true" ma:fieldsID="5e7808ae941cc340dbe51a3031959734" ns1:_="" ns2:_="" ns3:_="">
     <xsd:import namespace="http://schemas.microsoft.com/sharepoint/v3"/>
@@ -25746,6 +19990,19 @@
 </ct:contentTypeSchema>
 </file>
 
+<file path=customXml/item2.xml><?xml version="1.0" encoding="utf-8"?>
+<p:properties xmlns:p="http://schemas.microsoft.com/office/2006/metadata/properties" xmlns:xsi="http://www.w3.org/2001/XMLSchema-instance" xmlns:pc="http://schemas.microsoft.com/office/infopath/2007/PartnerControls">
+  <documentManagement>
+    <TaxCatchAll xmlns="230e9df3-be65-4c73-a93b-d1236ebd677e"/>
+    <PublishingExpirationDate xmlns="http://schemas.microsoft.com/sharepoint/v3" xsi:nil="true"/>
+    <PublishingStartDate xmlns="http://schemas.microsoft.com/sharepoint/v3" xsi:nil="true"/>
+    <TaxKeywordTaxHTField xmlns="230e9df3-be65-4c73-a93b-d1236ebd677e">
+      <Terms xmlns="http://schemas.microsoft.com/office/infopath/2007/PartnerControls"/>
+    </TaxKeywordTaxHTField>
+  </documentManagement>
+</p:properties>
+</file>
+
 <file path=customXml/item3.xml><?xml version="1.0" encoding="utf-8"?>
 <?mso-contentType ?>
 <FormTemplates xmlns="http://schemas.microsoft.com/sharepoint/v3/contenttype/forms">
@@ -25756,24 +20013,6 @@
 </file>
 
 <file path=customXml/itemProps1.xml><?xml version="1.0" encoding="utf-8"?>
-<ds:datastoreItem xmlns:ds="http://schemas.openxmlformats.org/officeDocument/2006/customXml" ds:itemID="{7025FDD9-4C58-4084-9F89-0E6ADD6FFF55}">
-  <ds:schemaRefs>
-    <ds:schemaRef ds:uri="http://schemas.microsoft.com/office/infopath/2007/PartnerControls"/>
-    <ds:schemaRef ds:uri="27aa9422-7f1f-4c84-9cdf-302b1a67e513"/>
-    <ds:schemaRef ds:uri="http://schemas.microsoft.com/sharepoint/v3"/>
-    <ds:schemaRef ds:uri="http://purl.org/dc/terms/"/>
-    <ds:schemaRef ds:uri="http://schemas.microsoft.com/office/2006/documentManagement/types"/>
-    <ds:schemaRef ds:uri="230e9df3-be65-4c73-a93b-d1236ebd677e"/>
-    <ds:schemaRef ds:uri="http://schemas.microsoft.com/office/2006/metadata/properties"/>
-    <ds:schemaRef ds:uri="http://purl.org/dc/elements/1.1/"/>
-    <ds:schemaRef ds:uri="http://schemas.openxmlformats.org/package/2006/metadata/core-properties"/>
-    <ds:schemaRef ds:uri="http://www.w3.org/XML/1998/namespace"/>
-    <ds:schemaRef ds:uri="http://purl.org/dc/dcmitype/"/>
-  </ds:schemaRefs>
-</ds:datastoreItem>
-</file>
-
-<file path=customXml/itemProps2.xml><?xml version="1.0" encoding="utf-8"?>
 <ds:datastoreItem xmlns:ds="http://schemas.openxmlformats.org/officeDocument/2006/customXml" ds:itemID="{3253B29C-1CCD-4FE8-A1C4-023A0910DF96}">
   <ds:schemaRefs>
     <ds:schemaRef ds:uri="http://schemas.microsoft.com/office/2006/metadata/contentType"/>
@@ -25793,6 +20032,24 @@
 </ds:datastoreItem>
 </file>
 
+<file path=customXml/itemProps2.xml><?xml version="1.0" encoding="utf-8"?>
+<ds:datastoreItem xmlns:ds="http://schemas.openxmlformats.org/officeDocument/2006/customXml" ds:itemID="{7025FDD9-4C58-4084-9F89-0E6ADD6FFF55}">
+  <ds:schemaRefs>
+    <ds:schemaRef ds:uri="http://schemas.microsoft.com/office/infopath/2007/PartnerControls"/>
+    <ds:schemaRef ds:uri="27aa9422-7f1f-4c84-9cdf-302b1a67e513"/>
+    <ds:schemaRef ds:uri="http://schemas.microsoft.com/sharepoint/v3"/>
+    <ds:schemaRef ds:uri="http://purl.org/dc/terms/"/>
+    <ds:schemaRef ds:uri="http://schemas.microsoft.com/office/2006/documentManagement/types"/>
+    <ds:schemaRef ds:uri="230e9df3-be65-4c73-a93b-d1236ebd677e"/>
+    <ds:schemaRef ds:uri="http://schemas.microsoft.com/office/2006/metadata/properties"/>
+    <ds:schemaRef ds:uri="http://purl.org/dc/elements/1.1/"/>
+    <ds:schemaRef ds:uri="http://schemas.openxmlformats.org/package/2006/metadata/core-properties"/>
+    <ds:schemaRef ds:uri="http://www.w3.org/XML/1998/namespace"/>
+    <ds:schemaRef ds:uri="http://purl.org/dc/dcmitype/"/>
+  </ds:schemaRefs>
+</ds:datastoreItem>
+</file>
+
 <file path=customXml/itemProps3.xml><?xml version="1.0" encoding="utf-8"?>
 <ds:datastoreItem xmlns:ds="http://schemas.openxmlformats.org/officeDocument/2006/customXml" ds:itemID="{B0CA13EC-1D3C-4D6F-8D1C-E8A452CFC79A}">
   <ds:schemaRefs>

--- a/Slides/Module 4 - Python to databases.pptx
+++ b/Slides/Module 4 - Python to databases.pptx
@@ -236,7 +236,7 @@
           <a:p>
             <a:fld id="{312E7B4A-039C-48A2-9B2C-AF16AA3873D8}" type="datetimeFigureOut">
               <a:rPr lang="en-US" smtClean="0"/>
-              <a:t>3/1/2015</a:t>
+              <a:t>3/2/2015</a:t>
             </a:fld>
             <a:endParaRPr lang="en-US"/>
           </a:p>
@@ -401,7 +401,7 @@
           <a:p>
             <a:fld id="{DA005A0C-54D9-45AA-87D4-C551D08DFCE1}" type="datetimeFigureOut">
               <a:rPr lang="en-US" smtClean="0"/>
-              <a:t>3/1/2015</a:t>
+              <a:t>3/2/2015</a:t>
             </a:fld>
             <a:endParaRPr lang="en-US"/>
           </a:p>
@@ -7262,8 +7262,8 @@
         </p:nvSpPr>
         <p:spPr bwMode="auto">
           <a:xfrm>
-            <a:off x="379514" y="1576088"/>
-            <a:ext cx="11046614" cy="2246769"/>
+            <a:off x="379514" y="1422200"/>
+            <a:ext cx="11187678" cy="2554545"/>
           </a:xfrm>
           <a:prstGeom prst="rect">
             <a:avLst/>
@@ -7306,169 +7306,6 @@
           </a:bodyPr>
           <a:lstStyle/>
           <a:p>
-            <a:pPr marL="0" marR="0" lvl="0" indent="0" algn="l" defTabSz="914400" rtl="0" eaLnBrk="0" fontAlgn="base" latinLnBrk="0" hangingPunct="0">
-              <a:lnSpc>
-                <a:spcPct val="100000"/>
-              </a:lnSpc>
-              <a:spcBef>
-                <a:spcPct val="0"/>
-              </a:spcBef>
-              <a:spcAft>
-                <a:spcPct val="0"/>
-              </a:spcAft>
-              <a:buClrTx/>
-              <a:buSzTx/>
-              <a:buFontTx/>
-              <a:buNone/>
-              <a:tabLst/>
-            </a:pPr>
-            <a:r>
-              <a:rPr kumimoji="0" lang="en-US" altLang="en-US" sz="2000" b="0" i="0" u="none" strike="noStrike" cap="none" normalizeH="0" baseline="0" dirty="0" err="1" smtClean="0">
-                <a:ln>
-                  <a:noFill/>
-                </a:ln>
-                <a:solidFill>
-                  <a:srgbClr val="000000"/>
-                </a:solidFill>
-                <a:effectLst/>
-                <a:latin typeface="Consolas" panose="020B0609020204030204" pitchFamily="49" charset="0"/>
-                <a:cs typeface="Consolas" panose="020B0609020204030204" pitchFamily="49" charset="0"/>
-              </a:rPr>
-              <a:t>myCursor</a:t>
-            </a:r>
-            <a:r>
-              <a:rPr kumimoji="0" lang="en-US" altLang="en-US" sz="2000" b="0" i="0" u="none" strike="noStrike" cap="none" normalizeH="0" baseline="0" dirty="0" smtClean="0">
-                <a:ln>
-                  <a:noFill/>
-                </a:ln>
-                <a:solidFill>
-                  <a:srgbClr val="000000"/>
-                </a:solidFill>
-                <a:effectLst/>
-                <a:latin typeface="Consolas" panose="020B0609020204030204" pitchFamily="49" charset="0"/>
-                <a:cs typeface="Consolas" panose="020B0609020204030204" pitchFamily="49" charset="0"/>
-              </a:rPr>
-              <a:t> = </a:t>
-            </a:r>
-            <a:r>
-              <a:rPr kumimoji="0" lang="en-US" altLang="en-US" sz="2000" b="0" i="0" u="none" strike="noStrike" cap="none" normalizeH="0" baseline="0" dirty="0" err="1" smtClean="0">
-                <a:ln>
-                  <a:noFill/>
-                </a:ln>
-                <a:solidFill>
-                  <a:srgbClr val="000000"/>
-                </a:solidFill>
-                <a:effectLst/>
-                <a:latin typeface="Consolas" panose="020B0609020204030204" pitchFamily="49" charset="0"/>
-                <a:cs typeface="Consolas" panose="020B0609020204030204" pitchFamily="49" charset="0"/>
-              </a:rPr>
-              <a:t>myConnection.cursor</a:t>
-            </a:r>
-            <a:r>
-              <a:rPr kumimoji="0" lang="en-US" altLang="en-US" sz="2000" b="0" i="0" u="none" strike="noStrike" cap="none" normalizeH="0" baseline="0" dirty="0" smtClean="0">
-                <a:ln>
-                  <a:noFill/>
-                </a:ln>
-                <a:solidFill>
-                  <a:srgbClr val="000000"/>
-                </a:solidFill>
-                <a:effectLst/>
-                <a:latin typeface="Consolas" panose="020B0609020204030204" pitchFamily="49" charset="0"/>
-                <a:cs typeface="Consolas" panose="020B0609020204030204" pitchFamily="49" charset="0"/>
-              </a:rPr>
-              <a:t>()</a:t>
-            </a:r>
-          </a:p>
-          <a:p>
-            <a:pPr marL="0" marR="0" lvl="0" indent="0" algn="l" defTabSz="914400" rtl="0" eaLnBrk="0" fontAlgn="base" latinLnBrk="0" hangingPunct="0">
-              <a:lnSpc>
-                <a:spcPct val="100000"/>
-              </a:lnSpc>
-              <a:spcBef>
-                <a:spcPct val="0"/>
-              </a:spcBef>
-              <a:spcAft>
-                <a:spcPct val="0"/>
-              </a:spcAft>
-              <a:buClrTx/>
-              <a:buSzTx/>
-              <a:buFontTx/>
-              <a:buNone/>
-              <a:tabLst/>
-            </a:pPr>
-            <a:endParaRPr kumimoji="0" lang="en-US" altLang="en-US" sz="2000" b="0" i="0" u="none" strike="noStrike" cap="none" normalizeH="0" baseline="0" dirty="0" smtClean="0">
-              <a:ln>
-                <a:noFill/>
-              </a:ln>
-              <a:solidFill>
-                <a:srgbClr val="000000"/>
-              </a:solidFill>
-              <a:effectLst/>
-              <a:latin typeface="Consolas" panose="020B0609020204030204" pitchFamily="49" charset="0"/>
-              <a:cs typeface="Consolas" panose="020B0609020204030204" pitchFamily="49" charset="0"/>
-            </a:endParaRPr>
-          </a:p>
-          <a:p>
-            <a:pPr marL="0" marR="0" lvl="0" indent="0" algn="l" defTabSz="914400" rtl="0" eaLnBrk="0" fontAlgn="base" latinLnBrk="0" hangingPunct="0">
-              <a:lnSpc>
-                <a:spcPct val="100000"/>
-              </a:lnSpc>
-              <a:spcBef>
-                <a:spcPct val="0"/>
-              </a:spcBef>
-              <a:spcAft>
-                <a:spcPct val="0"/>
-              </a:spcAft>
-              <a:buClrTx/>
-              <a:buSzTx/>
-              <a:buFontTx/>
-              <a:buNone/>
-              <a:tabLst/>
-            </a:pPr>
-            <a:r>
-              <a:rPr kumimoji="0" lang="en-US" altLang="en-US" sz="2000" b="0" i="0" u="none" strike="noStrike" cap="none" normalizeH="0" baseline="0" dirty="0" err="1" smtClean="0">
-                <a:ln>
-                  <a:noFill/>
-                </a:ln>
-                <a:solidFill>
-                  <a:srgbClr val="000000"/>
-                </a:solidFill>
-                <a:effectLst/>
-                <a:latin typeface="Consolas" panose="020B0609020204030204" pitchFamily="49" charset="0"/>
-                <a:cs typeface="Consolas" panose="020B0609020204030204" pitchFamily="49" charset="0"/>
-              </a:rPr>
-              <a:t>mySQLCommand</a:t>
-            </a:r>
-            <a:r>
-              <a:rPr kumimoji="0" lang="en-US" altLang="en-US" sz="2000" b="0" i="0" u="none" strike="noStrike" cap="none" normalizeH="0" baseline="0" dirty="0" smtClean="0">
-                <a:ln>
-                  <a:noFill/>
-                </a:ln>
-                <a:solidFill>
-                  <a:srgbClr val="000000"/>
-                </a:solidFill>
-                <a:effectLst/>
-                <a:latin typeface="Consolas" panose="020B0609020204030204" pitchFamily="49" charset="0"/>
-                <a:cs typeface="Consolas" panose="020B0609020204030204" pitchFamily="49" charset="0"/>
-              </a:rPr>
-              <a:t> = (</a:t>
-            </a:r>
-            <a:r>
-              <a:rPr kumimoji="0" lang="en-US" altLang="en-US" sz="2000" b="0" i="0" u="none" strike="noStrike" cap="none" normalizeH="0" baseline="0" dirty="0" smtClean="0">
-                <a:ln>
-                  <a:noFill/>
-                </a:ln>
-                <a:solidFill>
-                  <a:srgbClr val="A31515"/>
-                </a:solidFill>
-                <a:effectLst/>
-                <a:latin typeface="Consolas" panose="020B0609020204030204" pitchFamily="49" charset="0"/>
-                <a:cs typeface="Consolas" panose="020B0609020204030204" pitchFamily="49" charset="0"/>
-              </a:rPr>
-              <a:t>"INSERT INTO Questions "</a:t>
-            </a:r>
-          </a:p>
-          <a:p>
             <a:pPr marL="0" lvl="0" indent="0" defTabSz="914400" eaLnBrk="0" fontAlgn="base" hangingPunct="0">
               <a:spcBef>
                 <a:spcPct val="0"/>
@@ -7479,18 +7316,14 @@
               <a:buNone/>
             </a:pPr>
             <a:r>
-              <a:rPr kumimoji="0" lang="en-US" altLang="en-US" sz="2000" b="0" i="0" u="none" strike="noStrike" cap="none" normalizeH="0" baseline="0" dirty="0" smtClean="0">
-                <a:ln>
-                  <a:noFill/>
-                </a:ln>
-                <a:solidFill>
-                  <a:srgbClr val="000000"/>
-                </a:solidFill>
-                <a:effectLst/>
-                <a:latin typeface="Consolas" panose="020B0609020204030204" pitchFamily="49" charset="0"/>
-                <a:cs typeface="Consolas" panose="020B0609020204030204" pitchFamily="49" charset="0"/>
-              </a:rPr>
-              <a:t>    </a:t>
+              <a:rPr lang="en-US" altLang="en-US" sz="2000" dirty="0" err="1" smtClean="0">
+                <a:solidFill>
+                  <a:srgbClr val="000000"/>
+                </a:solidFill>
+                <a:latin typeface="Consolas" panose="020B0609020204030204" pitchFamily="49" charset="0"/>
+                <a:cs typeface="Consolas" panose="020B0609020204030204" pitchFamily="49" charset="0"/>
+              </a:rPr>
+              <a:t>myCursor</a:t>
             </a:r>
             <a:r>
               <a:rPr lang="en-US" altLang="en-US" sz="2000" dirty="0">
@@ -7500,278 +7333,414 @@
                 <a:latin typeface="Consolas" panose="020B0609020204030204" pitchFamily="49" charset="0"/>
                 <a:cs typeface="Consolas" panose="020B0609020204030204" pitchFamily="49" charset="0"/>
               </a:rPr>
-              <a:t> </a:t>
-            </a:r>
-            <a:r>
-              <a:rPr kumimoji="0" lang="en-US" altLang="en-US" sz="2000" b="0" i="0" u="none" strike="noStrike" cap="none" normalizeH="0" baseline="0" dirty="0" smtClean="0">
-                <a:ln>
-                  <a:noFill/>
-                </a:ln>
-                <a:solidFill>
-                  <a:srgbClr val="000000"/>
-                </a:solidFill>
-                <a:effectLst/>
-                <a:latin typeface="Consolas" panose="020B0609020204030204" pitchFamily="49" charset="0"/>
-                <a:cs typeface="Consolas" panose="020B0609020204030204" pitchFamily="49" charset="0"/>
-              </a:rPr>
-              <a:t>        </a:t>
-            </a:r>
-            <a:r>
-              <a:rPr kumimoji="0" lang="en-US" altLang="en-US" sz="2000" b="0" i="0" u="none" strike="noStrike" cap="none" normalizeH="0" baseline="0" dirty="0" smtClean="0">
-                <a:ln>
-                  <a:noFill/>
-                </a:ln>
-                <a:solidFill>
-                  <a:srgbClr val="A31515"/>
-                </a:solidFill>
-                <a:effectLst/>
-                <a:latin typeface="Consolas" panose="020B0609020204030204" pitchFamily="49" charset="0"/>
-                <a:cs typeface="Consolas" panose="020B0609020204030204" pitchFamily="49" charset="0"/>
-              </a:rPr>
-              <a:t>"(</a:t>
-            </a:r>
-            <a:r>
-              <a:rPr kumimoji="0" lang="en-US" altLang="en-US" sz="2000" b="0" i="0" u="none" strike="noStrike" cap="none" normalizeH="0" baseline="0" dirty="0" err="1" smtClean="0">
-                <a:ln>
-                  <a:noFill/>
-                </a:ln>
-                <a:solidFill>
-                  <a:srgbClr val="A31515"/>
-                </a:solidFill>
-                <a:effectLst/>
-                <a:latin typeface="Consolas" panose="020B0609020204030204" pitchFamily="49" charset="0"/>
-                <a:cs typeface="Consolas" panose="020B0609020204030204" pitchFamily="49" charset="0"/>
-              </a:rPr>
-              <a:t>QuestionId</a:t>
-            </a:r>
-            <a:r>
-              <a:rPr kumimoji="0" lang="en-US" altLang="en-US" sz="2000" b="0" i="0" u="none" strike="noStrike" cap="none" normalizeH="0" baseline="0" dirty="0" smtClean="0">
-                <a:ln>
-                  <a:noFill/>
-                </a:ln>
-                <a:solidFill>
-                  <a:srgbClr val="A31515"/>
-                </a:solidFill>
-                <a:effectLst/>
-                <a:latin typeface="Consolas" panose="020B0609020204030204" pitchFamily="49" charset="0"/>
-                <a:cs typeface="Consolas" panose="020B0609020204030204" pitchFamily="49" charset="0"/>
-              </a:rPr>
-              <a:t>, Description, </a:t>
-            </a:r>
-            <a:r>
-              <a:rPr kumimoji="0" lang="en-US" altLang="en-US" sz="2000" b="0" i="0" u="none" strike="noStrike" cap="none" normalizeH="0" baseline="0" dirty="0" err="1" smtClean="0">
-                <a:ln>
-                  <a:noFill/>
-                </a:ln>
-                <a:solidFill>
-                  <a:srgbClr val="A31515"/>
-                </a:solidFill>
-                <a:effectLst/>
-                <a:latin typeface="Consolas" panose="020B0609020204030204" pitchFamily="49" charset="0"/>
-                <a:cs typeface="Consolas" panose="020B0609020204030204" pitchFamily="49" charset="0"/>
-              </a:rPr>
-              <a:t>CorrectAnswer</a:t>
-            </a:r>
-            <a:r>
-              <a:rPr kumimoji="0" lang="en-US" altLang="en-US" sz="2000" b="0" i="0" u="none" strike="noStrike" cap="none" normalizeH="0" baseline="0" dirty="0" smtClean="0">
-                <a:ln>
-                  <a:noFill/>
-                </a:ln>
-                <a:solidFill>
-                  <a:srgbClr val="A31515"/>
-                </a:solidFill>
-                <a:effectLst/>
-                <a:latin typeface="Consolas" panose="020B0609020204030204" pitchFamily="49" charset="0"/>
-                <a:cs typeface="Consolas" panose="020B0609020204030204" pitchFamily="49" charset="0"/>
-              </a:rPr>
-              <a:t>, </a:t>
-            </a:r>
-            <a:r>
-              <a:rPr kumimoji="0" lang="en-US" altLang="en-US" sz="2000" b="0" i="0" u="none" strike="noStrike" cap="none" normalizeH="0" baseline="0" dirty="0" err="1" smtClean="0">
-                <a:ln>
-                  <a:noFill/>
-                </a:ln>
-                <a:solidFill>
-                  <a:srgbClr val="A31515"/>
-                </a:solidFill>
-                <a:effectLst/>
-                <a:latin typeface="Consolas" panose="020B0609020204030204" pitchFamily="49" charset="0"/>
-                <a:cs typeface="Consolas" panose="020B0609020204030204" pitchFamily="49" charset="0"/>
-              </a:rPr>
-              <a:t>CategoryId</a:t>
-            </a:r>
-            <a:r>
-              <a:rPr kumimoji="0" lang="en-US" altLang="en-US" sz="2000" b="0" i="0" u="none" strike="noStrike" cap="none" normalizeH="0" baseline="0" dirty="0" smtClean="0">
-                <a:ln>
-                  <a:noFill/>
-                </a:ln>
-                <a:solidFill>
-                  <a:srgbClr val="A31515"/>
-                </a:solidFill>
-                <a:effectLst/>
-                <a:latin typeface="Consolas" panose="020B0609020204030204" pitchFamily="49" charset="0"/>
-                <a:cs typeface="Consolas" panose="020B0609020204030204" pitchFamily="49" charset="0"/>
-              </a:rPr>
-              <a:t>) "</a:t>
-            </a:r>
-          </a:p>
-          <a:p>
-            <a:pPr marL="0" marR="0" lvl="0" indent="0" algn="l" defTabSz="914400" rtl="0" eaLnBrk="0" fontAlgn="base" latinLnBrk="0" hangingPunct="0">
-              <a:lnSpc>
-                <a:spcPct val="100000"/>
-              </a:lnSpc>
+              <a:t> = </a:t>
+            </a:r>
+            <a:r>
+              <a:rPr lang="en-US" altLang="en-US" sz="2000" dirty="0" err="1">
+                <a:solidFill>
+                  <a:srgbClr val="000000"/>
+                </a:solidFill>
+                <a:latin typeface="Consolas" panose="020B0609020204030204" pitchFamily="49" charset="0"/>
+                <a:cs typeface="Consolas" panose="020B0609020204030204" pitchFamily="49" charset="0"/>
+              </a:rPr>
+              <a:t>myConnection.cursor</a:t>
+            </a:r>
+            <a:r>
+              <a:rPr lang="en-US" altLang="en-US" sz="2000" dirty="0" smtClean="0">
+                <a:solidFill>
+                  <a:srgbClr val="000000"/>
+                </a:solidFill>
+                <a:latin typeface="Consolas" panose="020B0609020204030204" pitchFamily="49" charset="0"/>
+                <a:cs typeface="Consolas" panose="020B0609020204030204" pitchFamily="49" charset="0"/>
+              </a:rPr>
+              <a:t>()</a:t>
+            </a:r>
+          </a:p>
+          <a:p>
+            <a:pPr marL="0" lvl="0" indent="0" defTabSz="914400" eaLnBrk="0" fontAlgn="base" hangingPunct="0">
               <a:spcBef>
                 <a:spcPct val="0"/>
               </a:spcBef>
               <a:spcAft>
                 <a:spcPct val="0"/>
               </a:spcAft>
-              <a:buClrTx/>
-              <a:buSzTx/>
-              <a:buFontTx/>
               <a:buNone/>
-              <a:tabLst/>
             </a:pPr>
-            <a:r>
-              <a:rPr kumimoji="0" lang="en-US" altLang="en-US" sz="2000" b="0" i="0" u="none" strike="noStrike" cap="none" normalizeH="0" baseline="0" dirty="0" smtClean="0">
-                <a:ln>
-                  <a:noFill/>
-                </a:ln>
-                <a:solidFill>
-                  <a:srgbClr val="000000"/>
-                </a:solidFill>
-                <a:effectLst/>
-                <a:latin typeface="Consolas" panose="020B0609020204030204" pitchFamily="49" charset="0"/>
-                <a:cs typeface="Consolas" panose="020B0609020204030204" pitchFamily="49" charset="0"/>
-              </a:rPr>
-              <a:t>             </a:t>
-            </a:r>
-            <a:r>
-              <a:rPr kumimoji="0" lang="en-US" altLang="en-US" sz="2000" b="0" i="0" u="none" strike="noStrike" cap="none" normalizeH="0" baseline="0" dirty="0" smtClean="0">
-                <a:ln>
-                  <a:noFill/>
-                </a:ln>
-                <a:solidFill>
-                  <a:srgbClr val="A31515"/>
-                </a:solidFill>
-                <a:effectLst/>
-                <a:latin typeface="Consolas" panose="020B0609020204030204" pitchFamily="49" charset="0"/>
-                <a:cs typeface="Consolas" panose="020B0609020204030204" pitchFamily="49" charset="0"/>
-              </a:rPr>
-              <a:t>"VALUES (2, 'How long is one period of hockey','20 minutes',1)"</a:t>
-            </a:r>
-            <a:r>
-              <a:rPr kumimoji="0" lang="en-US" altLang="en-US" sz="2000" b="0" i="0" u="none" strike="noStrike" cap="none" normalizeH="0" baseline="0" dirty="0" smtClean="0">
-                <a:ln>
-                  <a:noFill/>
-                </a:ln>
-                <a:solidFill>
-                  <a:srgbClr val="000000"/>
-                </a:solidFill>
-                <a:effectLst/>
-                <a:latin typeface="Consolas" panose="020B0609020204030204" pitchFamily="49" charset="0"/>
-                <a:cs typeface="Consolas" panose="020B0609020204030204" pitchFamily="49" charset="0"/>
-              </a:rPr>
-              <a:t>)</a:t>
-            </a:r>
-          </a:p>
-          <a:p>
-            <a:pPr marL="0" marR="0" lvl="0" indent="0" algn="l" defTabSz="914400" rtl="0" eaLnBrk="0" fontAlgn="base" latinLnBrk="0" hangingPunct="0">
-              <a:lnSpc>
-                <a:spcPct val="100000"/>
-              </a:lnSpc>
+            <a:endParaRPr lang="en-US" altLang="en-US" sz="2000" dirty="0">
+              <a:solidFill>
+                <a:srgbClr val="000000"/>
+              </a:solidFill>
+              <a:latin typeface="Consolas" panose="020B0609020204030204" pitchFamily="49" charset="0"/>
+              <a:cs typeface="Consolas" panose="020B0609020204030204" pitchFamily="49" charset="0"/>
+            </a:endParaRPr>
+          </a:p>
+          <a:p>
+            <a:pPr marL="0" lvl="0" indent="0" defTabSz="914400" eaLnBrk="0" fontAlgn="base" hangingPunct="0">
               <a:spcBef>
                 <a:spcPct val="0"/>
               </a:spcBef>
               <a:spcAft>
                 <a:spcPct val="0"/>
               </a:spcAft>
-              <a:buClrTx/>
-              <a:buSzTx/>
-              <a:buFontTx/>
               <a:buNone/>
-              <a:tabLst/>
             </a:pPr>
-            <a:endParaRPr kumimoji="0" lang="en-US" altLang="en-US" sz="2000" b="0" i="0" u="none" strike="noStrike" cap="none" normalizeH="0" baseline="0" dirty="0" smtClean="0">
-              <a:ln>
-                <a:noFill/>
-              </a:ln>
-              <a:solidFill>
-                <a:srgbClr val="000000"/>
-              </a:solidFill>
-              <a:effectLst/>
-              <a:latin typeface="Consolas" panose="020B0609020204030204" pitchFamily="49" charset="0"/>
-              <a:cs typeface="Consolas" panose="020B0609020204030204" pitchFamily="49" charset="0"/>
-            </a:endParaRPr>
-          </a:p>
-          <a:p>
-            <a:pPr marL="0" marR="0" lvl="0" indent="0" algn="l" defTabSz="914400" rtl="0" eaLnBrk="0" fontAlgn="base" latinLnBrk="0" hangingPunct="0">
-              <a:lnSpc>
-                <a:spcPct val="100000"/>
-              </a:lnSpc>
+            <a:r>
+              <a:rPr lang="en-US" altLang="en-US" sz="2000" dirty="0" err="1" smtClean="0">
+                <a:solidFill>
+                  <a:srgbClr val="000000"/>
+                </a:solidFill>
+                <a:latin typeface="Consolas" panose="020B0609020204030204" pitchFamily="49" charset="0"/>
+                <a:cs typeface="Consolas" panose="020B0609020204030204" pitchFamily="49" charset="0"/>
+              </a:rPr>
+              <a:t>SQLInsertCommand</a:t>
+            </a:r>
+            <a:r>
+              <a:rPr lang="en-US" altLang="en-US" sz="2000" dirty="0">
+                <a:solidFill>
+                  <a:srgbClr val="000000"/>
+                </a:solidFill>
+                <a:latin typeface="Consolas" panose="020B0609020204030204" pitchFamily="49" charset="0"/>
+                <a:cs typeface="Consolas" panose="020B0609020204030204" pitchFamily="49" charset="0"/>
+              </a:rPr>
+              <a:t> = (</a:t>
+            </a:r>
+            <a:r>
+              <a:rPr lang="en-US" altLang="en-US" sz="2000" dirty="0">
+                <a:solidFill>
+                  <a:srgbClr val="A31515"/>
+                </a:solidFill>
+                <a:latin typeface="Consolas" panose="020B0609020204030204" pitchFamily="49" charset="0"/>
+                <a:cs typeface="Consolas" panose="020B0609020204030204" pitchFamily="49" charset="0"/>
+              </a:rPr>
+              <a:t>"INSERT INTO Questions "</a:t>
+            </a:r>
+          </a:p>
+          <a:p>
+            <a:pPr marL="0" lvl="0" indent="0" defTabSz="914400" eaLnBrk="0" fontAlgn="base" hangingPunct="0">
               <a:spcBef>
                 <a:spcPct val="0"/>
               </a:spcBef>
               <a:spcAft>
                 <a:spcPct val="0"/>
               </a:spcAft>
-              <a:buClrTx/>
-              <a:buSzTx/>
-              <a:buFontTx/>
               <a:buNone/>
-              <a:tabLst/>
             </a:pPr>
             <a:r>
-              <a:rPr kumimoji="0" lang="en-US" altLang="en-US" sz="2000" b="0" i="0" u="none" strike="noStrike" cap="none" normalizeH="0" baseline="0" dirty="0" err="1" smtClean="0">
-                <a:ln>
-                  <a:noFill/>
-                </a:ln>
-                <a:solidFill>
-                  <a:srgbClr val="000000"/>
-                </a:solidFill>
-                <a:effectLst/>
+              <a:rPr lang="en-US" altLang="en-US" sz="2000" dirty="0">
+                <a:solidFill>
+                  <a:srgbClr val="000000"/>
+                </a:solidFill>
+                <a:latin typeface="Consolas" panose="020B0609020204030204" pitchFamily="49" charset="0"/>
+                <a:cs typeface="Consolas" panose="020B0609020204030204" pitchFamily="49" charset="0"/>
+              </a:rPr>
+              <a:t>                    </a:t>
+            </a:r>
+            <a:r>
+              <a:rPr lang="en-US" altLang="en-US" sz="2000" dirty="0">
+                <a:solidFill>
+                  <a:srgbClr val="A31515"/>
+                </a:solidFill>
+                <a:latin typeface="Consolas" panose="020B0609020204030204" pitchFamily="49" charset="0"/>
+                <a:cs typeface="Consolas" panose="020B0609020204030204" pitchFamily="49" charset="0"/>
+              </a:rPr>
+              <a:t>"(</a:t>
+            </a:r>
+            <a:r>
+              <a:rPr lang="en-US" altLang="en-US" sz="2000" dirty="0" err="1">
+                <a:solidFill>
+                  <a:srgbClr val="A31515"/>
+                </a:solidFill>
+                <a:latin typeface="Consolas" panose="020B0609020204030204" pitchFamily="49" charset="0"/>
+                <a:cs typeface="Consolas" panose="020B0609020204030204" pitchFamily="49" charset="0"/>
+              </a:rPr>
+              <a:t>QuestionName</a:t>
+            </a:r>
+            <a:r>
+              <a:rPr lang="en-US" altLang="en-US" sz="2000" dirty="0">
+                <a:solidFill>
+                  <a:srgbClr val="A31515"/>
+                </a:solidFill>
+                <a:latin typeface="Consolas" panose="020B0609020204030204" pitchFamily="49" charset="0"/>
+                <a:cs typeface="Consolas" panose="020B0609020204030204" pitchFamily="49" charset="0"/>
+              </a:rPr>
+              <a:t>, Description, </a:t>
+            </a:r>
+            <a:r>
+              <a:rPr lang="en-US" altLang="en-US" sz="2000" dirty="0" err="1">
+                <a:solidFill>
+                  <a:srgbClr val="A31515"/>
+                </a:solidFill>
+                <a:latin typeface="Consolas" panose="020B0609020204030204" pitchFamily="49" charset="0"/>
+                <a:cs typeface="Consolas" panose="020B0609020204030204" pitchFamily="49" charset="0"/>
+              </a:rPr>
+              <a:t>CorrectAnswer</a:t>
+            </a:r>
+            <a:r>
+              <a:rPr lang="en-US" altLang="en-US" sz="2000" dirty="0">
+                <a:solidFill>
+                  <a:srgbClr val="A31515"/>
+                </a:solidFill>
+                <a:latin typeface="Consolas" panose="020B0609020204030204" pitchFamily="49" charset="0"/>
+                <a:cs typeface="Consolas" panose="020B0609020204030204" pitchFamily="49" charset="0"/>
+              </a:rPr>
+              <a:t>, </a:t>
+            </a:r>
+            <a:r>
+              <a:rPr lang="en-US" altLang="en-US" sz="2000" dirty="0" err="1">
+                <a:solidFill>
+                  <a:srgbClr val="A31515"/>
+                </a:solidFill>
+                <a:latin typeface="Consolas" panose="020B0609020204030204" pitchFamily="49" charset="0"/>
+                <a:cs typeface="Consolas" panose="020B0609020204030204" pitchFamily="49" charset="0"/>
+              </a:rPr>
+              <a:t>CategoryId</a:t>
+            </a:r>
+            <a:r>
+              <a:rPr lang="en-US" altLang="en-US" sz="2000" dirty="0">
+                <a:solidFill>
+                  <a:srgbClr val="A31515"/>
+                </a:solidFill>
+                <a:latin typeface="Consolas" panose="020B0609020204030204" pitchFamily="49" charset="0"/>
+                <a:cs typeface="Consolas" panose="020B0609020204030204" pitchFamily="49" charset="0"/>
+              </a:rPr>
+              <a:t>) "</a:t>
+            </a:r>
+          </a:p>
+          <a:p>
+            <a:pPr marL="0" lvl="0" indent="0" defTabSz="914400" eaLnBrk="0" fontAlgn="base" hangingPunct="0">
+              <a:spcBef>
+                <a:spcPct val="0"/>
+              </a:spcBef>
+              <a:spcAft>
+                <a:spcPct val="0"/>
+              </a:spcAft>
+              <a:buNone/>
+            </a:pPr>
+            <a:r>
+              <a:rPr lang="en-US" altLang="en-US" sz="2000" dirty="0">
+                <a:solidFill>
+                  <a:srgbClr val="000000"/>
+                </a:solidFill>
+                <a:latin typeface="Consolas" panose="020B0609020204030204" pitchFamily="49" charset="0"/>
+                <a:cs typeface="Consolas" panose="020B0609020204030204" pitchFamily="49" charset="0"/>
+              </a:rPr>
+              <a:t>                    </a:t>
+            </a:r>
+            <a:r>
+              <a:rPr lang="en-US" altLang="en-US" sz="2000" dirty="0" smtClean="0">
+                <a:solidFill>
+                  <a:srgbClr val="A31515"/>
+                </a:solidFill>
+                <a:latin typeface="Consolas" panose="020B0609020204030204" pitchFamily="49" charset="0"/>
+                <a:cs typeface="Consolas" panose="020B0609020204030204" pitchFamily="49" charset="0"/>
+              </a:rPr>
+              <a:t>"</a:t>
+            </a:r>
+            <a:r>
+              <a:rPr lang="en-US" altLang="en-US" sz="2000" dirty="0">
+                <a:solidFill>
+                  <a:srgbClr val="A31515"/>
+                </a:solidFill>
+                <a:latin typeface="Consolas" panose="020B0609020204030204" pitchFamily="49" charset="0"/>
+                <a:cs typeface="Consolas" panose="020B0609020204030204" pitchFamily="49" charset="0"/>
+              </a:rPr>
+              <a:t>VALUES (?,?,?,?)"</a:t>
+            </a:r>
+            <a:r>
+              <a:rPr lang="en-US" altLang="en-US" sz="2000" dirty="0">
+                <a:solidFill>
+                  <a:srgbClr val="000000"/>
+                </a:solidFill>
+                <a:latin typeface="Consolas" panose="020B0609020204030204" pitchFamily="49" charset="0"/>
+                <a:cs typeface="Consolas" panose="020B0609020204030204" pitchFamily="49" charset="0"/>
+              </a:rPr>
+              <a:t>)</a:t>
+            </a:r>
+          </a:p>
+          <a:p>
+            <a:pPr marL="0" lvl="0" indent="0" defTabSz="914400" eaLnBrk="0" fontAlgn="base" hangingPunct="0">
+              <a:spcBef>
+                <a:spcPct val="0"/>
+              </a:spcBef>
+              <a:spcAft>
+                <a:spcPct val="0"/>
+              </a:spcAft>
+              <a:buNone/>
+            </a:pPr>
+            <a:r>
+              <a:rPr lang="en-US" altLang="en-US" sz="2000" dirty="0" smtClean="0">
+                <a:solidFill>
+                  <a:srgbClr val="000000"/>
+                </a:solidFill>
+                <a:latin typeface="Consolas" panose="020B0609020204030204" pitchFamily="49" charset="0"/>
+                <a:cs typeface="Consolas" panose="020B0609020204030204" pitchFamily="49" charset="0"/>
+              </a:rPr>
+              <a:t>Values</a:t>
+            </a:r>
+            <a:r>
+              <a:rPr lang="en-US" altLang="en-US" sz="2000" dirty="0">
+                <a:solidFill>
+                  <a:srgbClr val="000000"/>
+                </a:solidFill>
+                <a:latin typeface="Consolas" panose="020B0609020204030204" pitchFamily="49" charset="0"/>
+                <a:cs typeface="Consolas" panose="020B0609020204030204" pitchFamily="49" charset="0"/>
+              </a:rPr>
+              <a:t> = [</a:t>
+            </a:r>
+            <a:r>
+              <a:rPr lang="en-US" altLang="en-US" sz="2000" dirty="0">
+                <a:solidFill>
+                  <a:srgbClr val="A31515"/>
+                </a:solidFill>
+                <a:latin typeface="Consolas" panose="020B0609020204030204" pitchFamily="49" charset="0"/>
+                <a:cs typeface="Consolas" panose="020B0609020204030204" pitchFamily="49" charset="0"/>
+              </a:rPr>
+              <a:t>'</a:t>
+            </a:r>
+            <a:r>
+              <a:rPr lang="en-US" altLang="en-US" sz="2000" dirty="0" err="1">
+                <a:solidFill>
+                  <a:srgbClr val="A31515"/>
+                </a:solidFill>
+                <a:latin typeface="Consolas" panose="020B0609020204030204" pitchFamily="49" charset="0"/>
+                <a:cs typeface="Consolas" panose="020B0609020204030204" pitchFamily="49" charset="0"/>
+              </a:rPr>
+              <a:t>HockeyTrivia</a:t>
+            </a:r>
+            <a:r>
+              <a:rPr lang="en-US" altLang="en-US" sz="2000" dirty="0">
+                <a:solidFill>
+                  <a:srgbClr val="A31515"/>
+                </a:solidFill>
+                <a:latin typeface="Consolas" panose="020B0609020204030204" pitchFamily="49" charset="0"/>
+                <a:cs typeface="Consolas" panose="020B0609020204030204" pitchFamily="49" charset="0"/>
+              </a:rPr>
+              <a:t>'</a:t>
+            </a:r>
+            <a:r>
+              <a:rPr lang="en-US" altLang="en-US" sz="2000" dirty="0">
+                <a:solidFill>
+                  <a:srgbClr val="000000"/>
+                </a:solidFill>
+                <a:latin typeface="Consolas" panose="020B0609020204030204" pitchFamily="49" charset="0"/>
+                <a:cs typeface="Consolas" panose="020B0609020204030204" pitchFamily="49" charset="0"/>
+              </a:rPr>
+              <a:t>,</a:t>
+            </a:r>
+            <a:r>
+              <a:rPr lang="en-US" altLang="en-US" sz="2000" dirty="0">
+                <a:solidFill>
+                  <a:srgbClr val="A31515"/>
+                </a:solidFill>
+                <a:latin typeface="Consolas" panose="020B0609020204030204" pitchFamily="49" charset="0"/>
+                <a:cs typeface="Consolas" panose="020B0609020204030204" pitchFamily="49" charset="0"/>
+              </a:rPr>
+              <a:t>'How long is a hockey period?'</a:t>
+            </a:r>
+            <a:r>
+              <a:rPr lang="en-US" altLang="en-US" sz="2000" dirty="0">
+                <a:solidFill>
+                  <a:srgbClr val="000000"/>
+                </a:solidFill>
+                <a:latin typeface="Consolas" panose="020B0609020204030204" pitchFamily="49" charset="0"/>
+                <a:cs typeface="Consolas" panose="020B0609020204030204" pitchFamily="49" charset="0"/>
+              </a:rPr>
+              <a:t>,</a:t>
+            </a:r>
+            <a:r>
+              <a:rPr lang="en-US" altLang="en-US" sz="2000" dirty="0">
+                <a:solidFill>
+                  <a:srgbClr val="A31515"/>
+                </a:solidFill>
+                <a:latin typeface="Consolas" panose="020B0609020204030204" pitchFamily="49" charset="0"/>
+                <a:cs typeface="Consolas" panose="020B0609020204030204" pitchFamily="49" charset="0"/>
+              </a:rPr>
+              <a:t>'20 minutes'</a:t>
+            </a:r>
+            <a:r>
+              <a:rPr lang="en-US" altLang="en-US" sz="2000" dirty="0">
+                <a:solidFill>
+                  <a:srgbClr val="000000"/>
+                </a:solidFill>
+                <a:latin typeface="Consolas" panose="020B0609020204030204" pitchFamily="49" charset="0"/>
+                <a:cs typeface="Consolas" panose="020B0609020204030204" pitchFamily="49" charset="0"/>
+              </a:rPr>
+              <a:t>,1</a:t>
+            </a:r>
+            <a:r>
+              <a:rPr lang="en-US" altLang="en-US" sz="2000" dirty="0" smtClean="0">
+                <a:solidFill>
+                  <a:srgbClr val="000000"/>
+                </a:solidFill>
+                <a:latin typeface="Consolas" panose="020B0609020204030204" pitchFamily="49" charset="0"/>
+                <a:cs typeface="Consolas" panose="020B0609020204030204" pitchFamily="49" charset="0"/>
+              </a:rPr>
+              <a:t>]</a:t>
+            </a:r>
+          </a:p>
+          <a:p>
+            <a:pPr marL="0" lvl="0" indent="0" defTabSz="914400" eaLnBrk="0" fontAlgn="base" hangingPunct="0">
+              <a:spcBef>
+                <a:spcPct val="0"/>
+              </a:spcBef>
+              <a:spcAft>
+                <a:spcPct val="0"/>
+              </a:spcAft>
+              <a:buNone/>
+            </a:pPr>
+            <a:endParaRPr lang="en-US" altLang="en-US" sz="2000" dirty="0">
+              <a:solidFill>
+                <a:srgbClr val="000000"/>
+              </a:solidFill>
+              <a:latin typeface="Consolas" panose="020B0609020204030204" pitchFamily="49" charset="0"/>
+              <a:cs typeface="Consolas" panose="020B0609020204030204" pitchFamily="49" charset="0"/>
+            </a:endParaRPr>
+          </a:p>
+          <a:p>
+            <a:pPr marL="0" lvl="0" indent="0" defTabSz="914400" eaLnBrk="0" fontAlgn="base" hangingPunct="0">
+              <a:spcBef>
+                <a:spcPct val="0"/>
+              </a:spcBef>
+              <a:spcAft>
+                <a:spcPct val="0"/>
+              </a:spcAft>
+              <a:buNone/>
+            </a:pPr>
+            <a:r>
+              <a:rPr lang="en-US" altLang="en-US" sz="2000" dirty="0" err="1" smtClean="0">
+                <a:solidFill>
+                  <a:srgbClr val="000000"/>
+                </a:solidFill>
                 <a:latin typeface="Consolas" panose="020B0609020204030204" pitchFamily="49" charset="0"/>
                 <a:cs typeface="Consolas" panose="020B0609020204030204" pitchFamily="49" charset="0"/>
               </a:rPr>
               <a:t>myCursor.execute</a:t>
             </a:r>
             <a:r>
-              <a:rPr kumimoji="0" lang="en-US" altLang="en-US" sz="2000" b="0" i="0" u="none" strike="noStrike" cap="none" normalizeH="0" baseline="0" dirty="0" smtClean="0">
-                <a:ln>
-                  <a:noFill/>
-                </a:ln>
-                <a:solidFill>
-                  <a:srgbClr val="000000"/>
-                </a:solidFill>
-                <a:effectLst/>
+              <a:rPr lang="en-US" altLang="en-US" sz="2000" dirty="0" smtClean="0">
+                <a:solidFill>
+                  <a:srgbClr val="000000"/>
+                </a:solidFill>
                 <a:latin typeface="Consolas" panose="020B0609020204030204" pitchFamily="49" charset="0"/>
                 <a:cs typeface="Consolas" panose="020B0609020204030204" pitchFamily="49" charset="0"/>
               </a:rPr>
               <a:t>(</a:t>
             </a:r>
             <a:r>
-              <a:rPr kumimoji="0" lang="en-US" altLang="en-US" sz="2000" b="0" i="0" u="none" strike="noStrike" cap="none" normalizeH="0" baseline="0" dirty="0" err="1" smtClean="0">
-                <a:ln>
-                  <a:noFill/>
-                </a:ln>
-                <a:solidFill>
-                  <a:srgbClr val="000000"/>
-                </a:solidFill>
-                <a:effectLst/>
-                <a:latin typeface="Consolas" panose="020B0609020204030204" pitchFamily="49" charset="0"/>
-                <a:cs typeface="Consolas" panose="020B0609020204030204" pitchFamily="49" charset="0"/>
-              </a:rPr>
-              <a:t>mySQLCommand</a:t>
-            </a:r>
-            <a:r>
-              <a:rPr kumimoji="0" lang="en-US" altLang="en-US" sz="2000" b="0" i="0" u="none" strike="noStrike" cap="none" normalizeH="0" baseline="0" dirty="0" smtClean="0">
-                <a:ln>
-                  <a:noFill/>
-                </a:ln>
-                <a:solidFill>
-                  <a:srgbClr val="000000"/>
-                </a:solidFill>
-                <a:effectLst/>
+              <a:rPr lang="en-US" altLang="en-US" sz="2000" dirty="0" err="1" smtClean="0">
+                <a:solidFill>
+                  <a:srgbClr val="000000"/>
+                </a:solidFill>
+                <a:latin typeface="Consolas" panose="020B0609020204030204" pitchFamily="49" charset="0"/>
+                <a:cs typeface="Consolas" panose="020B0609020204030204" pitchFamily="49" charset="0"/>
+              </a:rPr>
+              <a:t>SQLInsertCommand,Values</a:t>
+            </a:r>
+            <a:r>
+              <a:rPr lang="en-US" altLang="en-US" sz="2000" dirty="0">
+                <a:solidFill>
+                  <a:srgbClr val="000000"/>
+                </a:solidFill>
                 <a:latin typeface="Consolas" panose="020B0609020204030204" pitchFamily="49" charset="0"/>
                 <a:cs typeface="Consolas" panose="020B0609020204030204" pitchFamily="49" charset="0"/>
               </a:rPr>
@@ -7891,7 +7860,7 @@
               <a:buNone/>
             </a:pPr>
             <a:r>
-              <a:rPr lang="en-US" altLang="en-US" dirty="0" err="1">
+              <a:rPr lang="en-US" altLang="en-US" dirty="0" err="1" smtClean="0">
                 <a:solidFill>
                   <a:srgbClr val="000000"/>
                 </a:solidFill>
@@ -8117,8 +8086,8 @@
         </p:nvSpPr>
         <p:spPr bwMode="auto">
           <a:xfrm>
-            <a:off x="0" y="1332903"/>
-            <a:ext cx="12468478" cy="5078313"/>
+            <a:off x="278780" y="1245702"/>
+            <a:ext cx="11075468" cy="5586145"/>
           </a:xfrm>
           <a:prstGeom prst="rect">
             <a:avLst/>
@@ -8161,6 +8130,1265 @@
           </a:bodyPr>
           <a:lstStyle/>
           <a:p>
+            <a:pPr marL="0" lvl="0" indent="0" defTabSz="914400" eaLnBrk="0" fontAlgn="base" hangingPunct="0">
+              <a:spcBef>
+                <a:spcPct val="0"/>
+              </a:spcBef>
+              <a:spcAft>
+                <a:spcPct val="0"/>
+              </a:spcAft>
+              <a:buNone/>
+            </a:pPr>
+            <a:r>
+              <a:rPr lang="en-US" altLang="en-US" sz="1800" dirty="0">
+                <a:solidFill>
+                  <a:srgbClr val="0000FF"/>
+                </a:solidFill>
+                <a:latin typeface="Consolas" panose="020B0609020204030204" pitchFamily="49" charset="0"/>
+                <a:cs typeface="Consolas" panose="020B0609020204030204" pitchFamily="49" charset="0"/>
+              </a:rPr>
+              <a:t>import</a:t>
+            </a:r>
+            <a:r>
+              <a:rPr lang="en-US" altLang="en-US" sz="1800" dirty="0">
+                <a:solidFill>
+                  <a:srgbClr val="000000"/>
+                </a:solidFill>
+                <a:latin typeface="Consolas" panose="020B0609020204030204" pitchFamily="49" charset="0"/>
+                <a:cs typeface="Consolas" panose="020B0609020204030204" pitchFamily="49" charset="0"/>
+              </a:rPr>
+              <a:t> </a:t>
+            </a:r>
+            <a:r>
+              <a:rPr lang="en-US" altLang="en-US" sz="1800" dirty="0" err="1">
+                <a:solidFill>
+                  <a:srgbClr val="000000"/>
+                </a:solidFill>
+                <a:latin typeface="Consolas" panose="020B0609020204030204" pitchFamily="49" charset="0"/>
+                <a:cs typeface="Consolas" panose="020B0609020204030204" pitchFamily="49" charset="0"/>
+              </a:rPr>
+              <a:t>pypyodbc</a:t>
+            </a:r>
+            <a:r>
+              <a:rPr lang="en-US" altLang="en-US" sz="1800" dirty="0">
+                <a:solidFill>
+                  <a:srgbClr val="000000"/>
+                </a:solidFill>
+                <a:latin typeface="Consolas" panose="020B0609020204030204" pitchFamily="49" charset="0"/>
+                <a:cs typeface="Consolas" panose="020B0609020204030204" pitchFamily="49" charset="0"/>
+              </a:rPr>
+              <a:t> </a:t>
+            </a:r>
+            <a:endParaRPr lang="en-US" altLang="en-US" sz="1800" dirty="0" smtClean="0">
+              <a:solidFill>
+                <a:srgbClr val="000000"/>
+              </a:solidFill>
+              <a:latin typeface="Consolas" panose="020B0609020204030204" pitchFamily="49" charset="0"/>
+              <a:cs typeface="Consolas" panose="020B0609020204030204" pitchFamily="49" charset="0"/>
+            </a:endParaRPr>
+          </a:p>
+          <a:p>
+            <a:pPr marL="0" lvl="0" indent="0" defTabSz="914400" eaLnBrk="0" fontAlgn="base" hangingPunct="0">
+              <a:spcBef>
+                <a:spcPct val="0"/>
+              </a:spcBef>
+              <a:spcAft>
+                <a:spcPct val="0"/>
+              </a:spcAft>
+              <a:buNone/>
+            </a:pPr>
+            <a:r>
+              <a:rPr lang="en-US" altLang="en-US" sz="1800" dirty="0" smtClean="0">
+                <a:solidFill>
+                  <a:srgbClr val="0000FF"/>
+                </a:solidFill>
+                <a:latin typeface="Consolas" panose="020B0609020204030204" pitchFamily="49" charset="0"/>
+                <a:cs typeface="Consolas" panose="020B0609020204030204" pitchFamily="49" charset="0"/>
+              </a:rPr>
+              <a:t>try</a:t>
+            </a:r>
+            <a:r>
+              <a:rPr lang="en-US" altLang="en-US" sz="1800" dirty="0" smtClean="0">
+                <a:solidFill>
+                  <a:srgbClr val="000000"/>
+                </a:solidFill>
+                <a:latin typeface="Consolas" panose="020B0609020204030204" pitchFamily="49" charset="0"/>
+                <a:cs typeface="Consolas" panose="020B0609020204030204" pitchFamily="49" charset="0"/>
+              </a:rPr>
+              <a:t>:</a:t>
+            </a:r>
+          </a:p>
+          <a:p>
+            <a:pPr marL="0" lvl="0" indent="0" defTabSz="914400" eaLnBrk="0" fontAlgn="base" hangingPunct="0">
+              <a:spcBef>
+                <a:spcPct val="0"/>
+              </a:spcBef>
+              <a:spcAft>
+                <a:spcPct val="0"/>
+              </a:spcAft>
+              <a:buNone/>
+            </a:pPr>
+            <a:r>
+              <a:rPr lang="en-US" altLang="en-US" sz="1800" dirty="0" smtClean="0">
+                <a:solidFill>
+                  <a:srgbClr val="000000"/>
+                </a:solidFill>
+                <a:latin typeface="Consolas" panose="020B0609020204030204" pitchFamily="49" charset="0"/>
+                <a:cs typeface="Consolas" panose="020B0609020204030204" pitchFamily="49" charset="0"/>
+              </a:rPr>
+              <a:t> </a:t>
+            </a:r>
+            <a:r>
+              <a:rPr lang="en-US" altLang="en-US" sz="1800" dirty="0">
+                <a:solidFill>
+                  <a:srgbClr val="000000"/>
+                </a:solidFill>
+                <a:latin typeface="Consolas" panose="020B0609020204030204" pitchFamily="49" charset="0"/>
+                <a:cs typeface="Consolas" panose="020B0609020204030204" pitchFamily="49" charset="0"/>
+              </a:rPr>
+              <a:t>    </a:t>
+            </a:r>
+            <a:r>
+              <a:rPr lang="en-US" altLang="en-US" sz="1800" dirty="0" err="1">
+                <a:solidFill>
+                  <a:srgbClr val="000000"/>
+                </a:solidFill>
+                <a:latin typeface="Consolas" panose="020B0609020204030204" pitchFamily="49" charset="0"/>
+                <a:cs typeface="Consolas" panose="020B0609020204030204" pitchFamily="49" charset="0"/>
+              </a:rPr>
+              <a:t>myConnection</a:t>
+            </a:r>
+            <a:r>
+              <a:rPr lang="en-US" altLang="en-US" sz="1800" dirty="0">
+                <a:solidFill>
+                  <a:srgbClr val="000000"/>
+                </a:solidFill>
+                <a:latin typeface="Consolas" panose="020B0609020204030204" pitchFamily="49" charset="0"/>
+                <a:cs typeface="Consolas" panose="020B0609020204030204" pitchFamily="49" charset="0"/>
+              </a:rPr>
+              <a:t> = </a:t>
+            </a:r>
+            <a:r>
+              <a:rPr lang="en-US" altLang="en-US" sz="1800" dirty="0" err="1">
+                <a:solidFill>
+                  <a:srgbClr val="000000"/>
+                </a:solidFill>
+                <a:latin typeface="Consolas" panose="020B0609020204030204" pitchFamily="49" charset="0"/>
+                <a:cs typeface="Consolas" panose="020B0609020204030204" pitchFamily="49" charset="0"/>
+              </a:rPr>
+              <a:t>pypyodbc.connect</a:t>
+            </a:r>
+            <a:r>
+              <a:rPr lang="en-US" altLang="en-US" sz="1800" dirty="0">
+                <a:solidFill>
+                  <a:srgbClr val="000000"/>
+                </a:solidFill>
+                <a:latin typeface="Consolas" panose="020B0609020204030204" pitchFamily="49" charset="0"/>
+                <a:cs typeface="Consolas" panose="020B0609020204030204" pitchFamily="49" charset="0"/>
+              </a:rPr>
+              <a:t>(</a:t>
+            </a:r>
+            <a:r>
+              <a:rPr lang="en-US" altLang="en-US" sz="1800" dirty="0">
+                <a:solidFill>
+                  <a:srgbClr val="A31515"/>
+                </a:solidFill>
+                <a:latin typeface="Consolas" panose="020B0609020204030204" pitchFamily="49" charset="0"/>
+                <a:cs typeface="Consolas" panose="020B0609020204030204" pitchFamily="49" charset="0"/>
+              </a:rPr>
+              <a:t>'Driver={SQL Server</a:t>
+            </a:r>
+            <a:r>
+              <a:rPr lang="en-US" altLang="en-US" sz="1800" dirty="0" smtClean="0">
+                <a:solidFill>
+                  <a:srgbClr val="A31515"/>
+                </a:solidFill>
+                <a:latin typeface="Consolas" panose="020B0609020204030204" pitchFamily="49" charset="0"/>
+                <a:cs typeface="Consolas" panose="020B0609020204030204" pitchFamily="49" charset="0"/>
+              </a:rPr>
+              <a:t>};'</a:t>
+            </a:r>
+          </a:p>
+          <a:p>
+            <a:pPr marL="0" lvl="0" indent="0" defTabSz="914400" eaLnBrk="0" fontAlgn="base" hangingPunct="0">
+              <a:spcBef>
+                <a:spcPct val="0"/>
+              </a:spcBef>
+              <a:spcAft>
+                <a:spcPct val="0"/>
+              </a:spcAft>
+              <a:buNone/>
+            </a:pPr>
+            <a:r>
+              <a:rPr lang="en-US" altLang="en-US" sz="1800" dirty="0" smtClean="0">
+                <a:solidFill>
+                  <a:srgbClr val="000000"/>
+                </a:solidFill>
+                <a:latin typeface="Consolas" panose="020B0609020204030204" pitchFamily="49" charset="0"/>
+                <a:cs typeface="Consolas" panose="020B0609020204030204" pitchFamily="49" charset="0"/>
+              </a:rPr>
+              <a:t> </a:t>
+            </a:r>
+            <a:r>
+              <a:rPr lang="en-US" altLang="en-US" sz="1800" dirty="0">
+                <a:solidFill>
+                  <a:srgbClr val="000000"/>
+                </a:solidFill>
+                <a:latin typeface="Consolas" panose="020B0609020204030204" pitchFamily="49" charset="0"/>
+                <a:cs typeface="Consolas" panose="020B0609020204030204" pitchFamily="49" charset="0"/>
+              </a:rPr>
+              <a:t>                                </a:t>
+            </a:r>
+            <a:r>
+              <a:rPr lang="en-US" altLang="en-US" sz="1800" dirty="0">
+                <a:solidFill>
+                  <a:srgbClr val="A31515"/>
+                </a:solidFill>
+                <a:latin typeface="Consolas" panose="020B0609020204030204" pitchFamily="49" charset="0"/>
+                <a:cs typeface="Consolas" panose="020B0609020204030204" pitchFamily="49" charset="0"/>
+              </a:rPr>
+              <a:t>'Server=localhost</a:t>
+            </a:r>
+            <a:r>
+              <a:rPr lang="en-US" altLang="en-US" sz="1800" dirty="0" smtClean="0">
+                <a:solidFill>
+                  <a:srgbClr val="A31515"/>
+                </a:solidFill>
+                <a:latin typeface="Consolas" panose="020B0609020204030204" pitchFamily="49" charset="0"/>
+                <a:cs typeface="Consolas" panose="020B0609020204030204" pitchFamily="49" charset="0"/>
+              </a:rPr>
+              <a:t>;'</a:t>
+            </a:r>
+          </a:p>
+          <a:p>
+            <a:pPr marL="0" lvl="0" indent="0" defTabSz="914400" eaLnBrk="0" fontAlgn="base" hangingPunct="0">
+              <a:spcBef>
+                <a:spcPct val="0"/>
+              </a:spcBef>
+              <a:spcAft>
+                <a:spcPct val="0"/>
+              </a:spcAft>
+              <a:buNone/>
+            </a:pPr>
+            <a:r>
+              <a:rPr lang="en-US" altLang="en-US" sz="1800" dirty="0" smtClean="0">
+                <a:solidFill>
+                  <a:srgbClr val="000000"/>
+                </a:solidFill>
+                <a:latin typeface="Consolas" panose="020B0609020204030204" pitchFamily="49" charset="0"/>
+                <a:cs typeface="Consolas" panose="020B0609020204030204" pitchFamily="49" charset="0"/>
+              </a:rPr>
+              <a:t> </a:t>
+            </a:r>
+            <a:r>
+              <a:rPr lang="en-US" altLang="en-US" sz="1800" dirty="0">
+                <a:solidFill>
+                  <a:srgbClr val="000000"/>
+                </a:solidFill>
+                <a:latin typeface="Consolas" panose="020B0609020204030204" pitchFamily="49" charset="0"/>
+                <a:cs typeface="Consolas" panose="020B0609020204030204" pitchFamily="49" charset="0"/>
+              </a:rPr>
+              <a:t>                                </a:t>
+            </a:r>
+            <a:r>
+              <a:rPr lang="en-US" altLang="en-US" sz="1800" dirty="0">
+                <a:solidFill>
+                  <a:srgbClr val="A31515"/>
+                </a:solidFill>
+                <a:latin typeface="Consolas" panose="020B0609020204030204" pitchFamily="49" charset="0"/>
+                <a:cs typeface="Consolas" panose="020B0609020204030204" pitchFamily="49" charset="0"/>
+              </a:rPr>
+              <a:t>'Database=</a:t>
+            </a:r>
+            <a:r>
+              <a:rPr lang="en-US" altLang="en-US" sz="1800" dirty="0" err="1">
+                <a:solidFill>
+                  <a:srgbClr val="A31515"/>
+                </a:solidFill>
+                <a:latin typeface="Consolas" panose="020B0609020204030204" pitchFamily="49" charset="0"/>
+                <a:cs typeface="Consolas" panose="020B0609020204030204" pitchFamily="49" charset="0"/>
+              </a:rPr>
+              <a:t>testdb</a:t>
+            </a:r>
+            <a:r>
+              <a:rPr lang="en-US" altLang="en-US" sz="1800" dirty="0" smtClean="0">
+                <a:solidFill>
+                  <a:srgbClr val="A31515"/>
+                </a:solidFill>
+                <a:latin typeface="Consolas" panose="020B0609020204030204" pitchFamily="49" charset="0"/>
+                <a:cs typeface="Consolas" panose="020B0609020204030204" pitchFamily="49" charset="0"/>
+              </a:rPr>
+              <a:t>;'</a:t>
+            </a:r>
+          </a:p>
+          <a:p>
+            <a:pPr marL="0" lvl="0" indent="0" defTabSz="914400" eaLnBrk="0" fontAlgn="base" hangingPunct="0">
+              <a:spcBef>
+                <a:spcPct val="0"/>
+              </a:spcBef>
+              <a:spcAft>
+                <a:spcPct val="0"/>
+              </a:spcAft>
+              <a:buNone/>
+            </a:pPr>
+            <a:r>
+              <a:rPr lang="en-US" altLang="en-US" sz="1800" dirty="0" smtClean="0">
+                <a:solidFill>
+                  <a:srgbClr val="000000"/>
+                </a:solidFill>
+                <a:latin typeface="Consolas" panose="020B0609020204030204" pitchFamily="49" charset="0"/>
+                <a:cs typeface="Consolas" panose="020B0609020204030204" pitchFamily="49" charset="0"/>
+              </a:rPr>
+              <a:t> </a:t>
+            </a:r>
+            <a:r>
+              <a:rPr lang="en-US" altLang="en-US" sz="1800" dirty="0">
+                <a:solidFill>
+                  <a:srgbClr val="000000"/>
+                </a:solidFill>
+                <a:latin typeface="Consolas" panose="020B0609020204030204" pitchFamily="49" charset="0"/>
+                <a:cs typeface="Consolas" panose="020B0609020204030204" pitchFamily="49" charset="0"/>
+              </a:rPr>
+              <a:t>                                </a:t>
+            </a:r>
+            <a:r>
+              <a:rPr lang="en-US" altLang="en-US" sz="1800" dirty="0">
+                <a:solidFill>
+                  <a:srgbClr val="A31515"/>
+                </a:solidFill>
+                <a:latin typeface="Consolas" panose="020B0609020204030204" pitchFamily="49" charset="0"/>
+                <a:cs typeface="Consolas" panose="020B0609020204030204" pitchFamily="49" charset="0"/>
+              </a:rPr>
+              <a:t>'</a:t>
+            </a:r>
+            <a:r>
+              <a:rPr lang="en-US" altLang="en-US" sz="1800" dirty="0" err="1">
+                <a:solidFill>
+                  <a:srgbClr val="A31515"/>
+                </a:solidFill>
+                <a:latin typeface="Consolas" panose="020B0609020204030204" pitchFamily="49" charset="0"/>
+                <a:cs typeface="Consolas" panose="020B0609020204030204" pitchFamily="49" charset="0"/>
+              </a:rPr>
+              <a:t>uid</a:t>
+            </a:r>
+            <a:r>
+              <a:rPr lang="en-US" altLang="en-US" sz="1800" dirty="0">
+                <a:solidFill>
+                  <a:srgbClr val="A31515"/>
+                </a:solidFill>
+                <a:latin typeface="Consolas" panose="020B0609020204030204" pitchFamily="49" charset="0"/>
+                <a:cs typeface="Consolas" panose="020B0609020204030204" pitchFamily="49" charset="0"/>
+              </a:rPr>
+              <a:t>=</a:t>
+            </a:r>
+            <a:r>
+              <a:rPr lang="en-US" altLang="en-US" sz="1800" dirty="0" err="1">
+                <a:solidFill>
+                  <a:srgbClr val="A31515"/>
+                </a:solidFill>
+                <a:latin typeface="Consolas" panose="020B0609020204030204" pitchFamily="49" charset="0"/>
+                <a:cs typeface="Consolas" panose="020B0609020204030204" pitchFamily="49" charset="0"/>
+              </a:rPr>
+              <a:t>sa;pwd</a:t>
+            </a:r>
+            <a:r>
+              <a:rPr lang="en-US" altLang="en-US" sz="1800" dirty="0">
+                <a:solidFill>
+                  <a:srgbClr val="A31515"/>
+                </a:solidFill>
+                <a:latin typeface="Consolas" panose="020B0609020204030204" pitchFamily="49" charset="0"/>
+                <a:cs typeface="Consolas" panose="020B0609020204030204" pitchFamily="49" charset="0"/>
+              </a:rPr>
+              <a:t>=P@ssw0rd</a:t>
+            </a:r>
+            <a:r>
+              <a:rPr lang="en-US" altLang="en-US" sz="1800" dirty="0" smtClean="0">
+                <a:solidFill>
+                  <a:srgbClr val="A31515"/>
+                </a:solidFill>
+                <a:latin typeface="Consolas" panose="020B0609020204030204" pitchFamily="49" charset="0"/>
+                <a:cs typeface="Consolas" panose="020B0609020204030204" pitchFamily="49" charset="0"/>
+              </a:rPr>
+              <a:t>'</a:t>
+            </a:r>
+            <a:r>
+              <a:rPr lang="en-US" altLang="en-US" sz="1800" dirty="0" smtClean="0">
+                <a:solidFill>
+                  <a:srgbClr val="000000"/>
+                </a:solidFill>
+                <a:latin typeface="Consolas" panose="020B0609020204030204" pitchFamily="49" charset="0"/>
+                <a:cs typeface="Consolas" panose="020B0609020204030204" pitchFamily="49" charset="0"/>
+              </a:rPr>
+              <a:t>)</a:t>
+            </a:r>
+          </a:p>
+          <a:p>
+            <a:pPr marL="0" lvl="0" indent="0" defTabSz="914400" eaLnBrk="0" fontAlgn="base" hangingPunct="0">
+              <a:spcBef>
+                <a:spcPct val="0"/>
+              </a:spcBef>
+              <a:spcAft>
+                <a:spcPct val="0"/>
+              </a:spcAft>
+              <a:buNone/>
+            </a:pPr>
+            <a:r>
+              <a:rPr lang="en-US" altLang="en-US" sz="1800" dirty="0" smtClean="0">
+                <a:solidFill>
+                  <a:srgbClr val="000000"/>
+                </a:solidFill>
+                <a:latin typeface="Consolas" panose="020B0609020204030204" pitchFamily="49" charset="0"/>
+                <a:cs typeface="Consolas" panose="020B0609020204030204" pitchFamily="49" charset="0"/>
+              </a:rPr>
+              <a:t> </a:t>
+            </a:r>
+            <a:r>
+              <a:rPr lang="en-US" altLang="en-US" sz="1800" dirty="0">
+                <a:solidFill>
+                  <a:srgbClr val="000000"/>
+                </a:solidFill>
+                <a:latin typeface="Consolas" panose="020B0609020204030204" pitchFamily="49" charset="0"/>
+                <a:cs typeface="Consolas" panose="020B0609020204030204" pitchFamily="49" charset="0"/>
+              </a:rPr>
+              <a:t>    </a:t>
+            </a:r>
+            <a:r>
+              <a:rPr lang="en-US" altLang="en-US" sz="1800" dirty="0">
+                <a:solidFill>
+                  <a:srgbClr val="0000FF"/>
+                </a:solidFill>
+                <a:latin typeface="Consolas" panose="020B0609020204030204" pitchFamily="49" charset="0"/>
+                <a:cs typeface="Consolas" panose="020B0609020204030204" pitchFamily="49" charset="0"/>
+              </a:rPr>
+              <a:t>try</a:t>
+            </a:r>
+            <a:r>
+              <a:rPr lang="en-US" altLang="en-US" sz="1800" dirty="0" smtClean="0">
+                <a:solidFill>
+                  <a:srgbClr val="000000"/>
+                </a:solidFill>
+                <a:latin typeface="Consolas" panose="020B0609020204030204" pitchFamily="49" charset="0"/>
+                <a:cs typeface="Consolas" panose="020B0609020204030204" pitchFamily="49" charset="0"/>
+              </a:rPr>
+              <a:t>:</a:t>
+            </a:r>
+          </a:p>
+          <a:p>
+            <a:pPr marL="0" lvl="0" indent="0" defTabSz="914400" eaLnBrk="0" fontAlgn="base" hangingPunct="0">
+              <a:spcBef>
+                <a:spcPct val="0"/>
+              </a:spcBef>
+              <a:spcAft>
+                <a:spcPct val="0"/>
+              </a:spcAft>
+              <a:buNone/>
+            </a:pPr>
+            <a:r>
+              <a:rPr lang="en-US" altLang="en-US" sz="1800" dirty="0" smtClean="0">
+                <a:solidFill>
+                  <a:srgbClr val="000000"/>
+                </a:solidFill>
+                <a:latin typeface="Consolas" panose="020B0609020204030204" pitchFamily="49" charset="0"/>
+                <a:cs typeface="Consolas" panose="020B0609020204030204" pitchFamily="49" charset="0"/>
+              </a:rPr>
+              <a:t> </a:t>
+            </a:r>
+            <a:r>
+              <a:rPr lang="en-US" altLang="en-US" sz="1800" dirty="0">
+                <a:solidFill>
+                  <a:srgbClr val="000000"/>
+                </a:solidFill>
+                <a:latin typeface="Consolas" panose="020B0609020204030204" pitchFamily="49" charset="0"/>
+                <a:cs typeface="Consolas" panose="020B0609020204030204" pitchFamily="49" charset="0"/>
+              </a:rPr>
+              <a:t>        </a:t>
+            </a:r>
+            <a:r>
+              <a:rPr lang="en-US" altLang="en-US" sz="1800" dirty="0" err="1">
+                <a:solidFill>
+                  <a:srgbClr val="000000"/>
+                </a:solidFill>
+                <a:latin typeface="Consolas" panose="020B0609020204030204" pitchFamily="49" charset="0"/>
+                <a:cs typeface="Consolas" panose="020B0609020204030204" pitchFamily="49" charset="0"/>
+              </a:rPr>
+              <a:t>myCursor</a:t>
+            </a:r>
+            <a:r>
+              <a:rPr lang="en-US" altLang="en-US" sz="1800" dirty="0">
+                <a:solidFill>
+                  <a:srgbClr val="000000"/>
+                </a:solidFill>
+                <a:latin typeface="Consolas" panose="020B0609020204030204" pitchFamily="49" charset="0"/>
+                <a:cs typeface="Consolas" panose="020B0609020204030204" pitchFamily="49" charset="0"/>
+              </a:rPr>
+              <a:t> = </a:t>
+            </a:r>
+            <a:r>
+              <a:rPr lang="en-US" altLang="en-US" sz="1800" dirty="0" err="1">
+                <a:solidFill>
+                  <a:srgbClr val="000000"/>
+                </a:solidFill>
+                <a:latin typeface="Consolas" panose="020B0609020204030204" pitchFamily="49" charset="0"/>
+                <a:cs typeface="Consolas" panose="020B0609020204030204" pitchFamily="49" charset="0"/>
+              </a:rPr>
+              <a:t>myConnection.cursor</a:t>
+            </a:r>
+            <a:r>
+              <a:rPr lang="en-US" altLang="en-US" sz="1800" dirty="0" smtClean="0">
+                <a:solidFill>
+                  <a:srgbClr val="000000"/>
+                </a:solidFill>
+                <a:latin typeface="Consolas" panose="020B0609020204030204" pitchFamily="49" charset="0"/>
+                <a:cs typeface="Consolas" panose="020B0609020204030204" pitchFamily="49" charset="0"/>
+              </a:rPr>
+              <a:t>()</a:t>
+            </a:r>
+          </a:p>
+          <a:p>
+            <a:pPr marL="0" lvl="0" indent="0" defTabSz="914400" eaLnBrk="0" fontAlgn="base" hangingPunct="0">
+              <a:spcBef>
+                <a:spcPct val="0"/>
+              </a:spcBef>
+              <a:spcAft>
+                <a:spcPct val="0"/>
+              </a:spcAft>
+              <a:buNone/>
+            </a:pPr>
+            <a:r>
+              <a:rPr lang="en-US" altLang="en-US" sz="1800" dirty="0" smtClean="0">
+                <a:solidFill>
+                  <a:srgbClr val="000000"/>
+                </a:solidFill>
+                <a:latin typeface="Consolas" panose="020B0609020204030204" pitchFamily="49" charset="0"/>
+                <a:cs typeface="Consolas" panose="020B0609020204030204" pitchFamily="49" charset="0"/>
+              </a:rPr>
+              <a:t> </a:t>
+            </a:r>
+            <a:r>
+              <a:rPr lang="en-US" altLang="en-US" sz="1800" dirty="0">
+                <a:solidFill>
+                  <a:srgbClr val="000000"/>
+                </a:solidFill>
+                <a:latin typeface="Consolas" panose="020B0609020204030204" pitchFamily="49" charset="0"/>
+                <a:cs typeface="Consolas" panose="020B0609020204030204" pitchFamily="49" charset="0"/>
+              </a:rPr>
+              <a:t>        </a:t>
+            </a:r>
+            <a:r>
+              <a:rPr lang="en-US" altLang="en-US" sz="1800" dirty="0" err="1">
+                <a:solidFill>
+                  <a:srgbClr val="000000"/>
+                </a:solidFill>
+                <a:latin typeface="Consolas" panose="020B0609020204030204" pitchFamily="49" charset="0"/>
+                <a:cs typeface="Consolas" panose="020B0609020204030204" pitchFamily="49" charset="0"/>
+              </a:rPr>
+              <a:t>SQLInsertCommand</a:t>
+            </a:r>
+            <a:r>
+              <a:rPr lang="en-US" altLang="en-US" sz="1800" dirty="0">
+                <a:solidFill>
+                  <a:srgbClr val="000000"/>
+                </a:solidFill>
+                <a:latin typeface="Consolas" panose="020B0609020204030204" pitchFamily="49" charset="0"/>
+                <a:cs typeface="Consolas" panose="020B0609020204030204" pitchFamily="49" charset="0"/>
+              </a:rPr>
+              <a:t> = (</a:t>
+            </a:r>
+            <a:r>
+              <a:rPr lang="en-US" altLang="en-US" sz="1800" dirty="0">
+                <a:solidFill>
+                  <a:srgbClr val="A31515"/>
+                </a:solidFill>
+                <a:latin typeface="Consolas" panose="020B0609020204030204" pitchFamily="49" charset="0"/>
+                <a:cs typeface="Consolas" panose="020B0609020204030204" pitchFamily="49" charset="0"/>
+              </a:rPr>
+              <a:t>"INSERT INTO Questions </a:t>
+            </a:r>
+            <a:r>
+              <a:rPr lang="en-US" altLang="en-US" sz="1800" dirty="0" smtClean="0">
+                <a:solidFill>
+                  <a:srgbClr val="A31515"/>
+                </a:solidFill>
+                <a:latin typeface="Consolas" panose="020B0609020204030204" pitchFamily="49" charset="0"/>
+                <a:cs typeface="Consolas" panose="020B0609020204030204" pitchFamily="49" charset="0"/>
+              </a:rPr>
+              <a:t>"</a:t>
+            </a:r>
+          </a:p>
+          <a:p>
+            <a:pPr marL="0" lvl="0" indent="0" defTabSz="914400" eaLnBrk="0" fontAlgn="base" hangingPunct="0">
+              <a:spcBef>
+                <a:spcPct val="0"/>
+              </a:spcBef>
+              <a:spcAft>
+                <a:spcPct val="0"/>
+              </a:spcAft>
+              <a:buNone/>
+            </a:pPr>
+            <a:r>
+              <a:rPr lang="en-US" altLang="en-US" sz="1800" dirty="0" smtClean="0">
+                <a:solidFill>
+                  <a:srgbClr val="000000"/>
+                </a:solidFill>
+                <a:latin typeface="Consolas" panose="020B0609020204030204" pitchFamily="49" charset="0"/>
+                <a:cs typeface="Consolas" panose="020B0609020204030204" pitchFamily="49" charset="0"/>
+              </a:rPr>
+              <a:t> </a:t>
+            </a:r>
+            <a:r>
+              <a:rPr lang="en-US" altLang="en-US" sz="1800" dirty="0">
+                <a:solidFill>
+                  <a:srgbClr val="000000"/>
+                </a:solidFill>
+                <a:latin typeface="Consolas" panose="020B0609020204030204" pitchFamily="49" charset="0"/>
+                <a:cs typeface="Consolas" panose="020B0609020204030204" pitchFamily="49" charset="0"/>
+              </a:rPr>
+              <a:t>                            </a:t>
+            </a:r>
+            <a:r>
+              <a:rPr lang="en-US" altLang="en-US" sz="1800" dirty="0">
+                <a:solidFill>
+                  <a:srgbClr val="A31515"/>
+                </a:solidFill>
+                <a:latin typeface="Consolas" panose="020B0609020204030204" pitchFamily="49" charset="0"/>
+                <a:cs typeface="Consolas" panose="020B0609020204030204" pitchFamily="49" charset="0"/>
+              </a:rPr>
+              <a:t>"(</a:t>
+            </a:r>
+            <a:r>
+              <a:rPr lang="en-US" altLang="en-US" sz="1800" dirty="0" err="1">
+                <a:solidFill>
+                  <a:srgbClr val="A31515"/>
+                </a:solidFill>
+                <a:latin typeface="Consolas" panose="020B0609020204030204" pitchFamily="49" charset="0"/>
+                <a:cs typeface="Consolas" panose="020B0609020204030204" pitchFamily="49" charset="0"/>
+              </a:rPr>
+              <a:t>QuestionName</a:t>
+            </a:r>
+            <a:r>
+              <a:rPr lang="en-US" altLang="en-US" sz="1800" dirty="0">
+                <a:solidFill>
+                  <a:srgbClr val="A31515"/>
+                </a:solidFill>
+                <a:latin typeface="Consolas" panose="020B0609020204030204" pitchFamily="49" charset="0"/>
+                <a:cs typeface="Consolas" panose="020B0609020204030204" pitchFamily="49" charset="0"/>
+              </a:rPr>
+              <a:t>, Description, </a:t>
+            </a:r>
+            <a:r>
+              <a:rPr lang="en-US" altLang="en-US" sz="1800" dirty="0" err="1">
+                <a:solidFill>
+                  <a:srgbClr val="A31515"/>
+                </a:solidFill>
+                <a:latin typeface="Consolas" panose="020B0609020204030204" pitchFamily="49" charset="0"/>
+                <a:cs typeface="Consolas" panose="020B0609020204030204" pitchFamily="49" charset="0"/>
+              </a:rPr>
+              <a:t>CorrectAnswer</a:t>
+            </a:r>
+            <a:r>
+              <a:rPr lang="en-US" altLang="en-US" sz="1800" dirty="0">
+                <a:solidFill>
+                  <a:srgbClr val="A31515"/>
+                </a:solidFill>
+                <a:latin typeface="Consolas" panose="020B0609020204030204" pitchFamily="49" charset="0"/>
+                <a:cs typeface="Consolas" panose="020B0609020204030204" pitchFamily="49" charset="0"/>
+              </a:rPr>
+              <a:t>, </a:t>
+            </a:r>
+            <a:r>
+              <a:rPr lang="en-US" altLang="en-US" sz="1800" dirty="0" err="1">
+                <a:solidFill>
+                  <a:srgbClr val="A31515"/>
+                </a:solidFill>
+                <a:latin typeface="Consolas" panose="020B0609020204030204" pitchFamily="49" charset="0"/>
+                <a:cs typeface="Consolas" panose="020B0609020204030204" pitchFamily="49" charset="0"/>
+              </a:rPr>
+              <a:t>CategoryId</a:t>
+            </a:r>
+            <a:r>
+              <a:rPr lang="en-US" altLang="en-US" sz="1800" dirty="0">
+                <a:solidFill>
+                  <a:srgbClr val="A31515"/>
+                </a:solidFill>
+                <a:latin typeface="Consolas" panose="020B0609020204030204" pitchFamily="49" charset="0"/>
+                <a:cs typeface="Consolas" panose="020B0609020204030204" pitchFamily="49" charset="0"/>
+              </a:rPr>
+              <a:t>) </a:t>
+            </a:r>
+            <a:r>
+              <a:rPr lang="en-US" altLang="en-US" sz="1800" dirty="0" smtClean="0">
+                <a:solidFill>
+                  <a:srgbClr val="A31515"/>
+                </a:solidFill>
+                <a:latin typeface="Consolas" panose="020B0609020204030204" pitchFamily="49" charset="0"/>
+                <a:cs typeface="Consolas" panose="020B0609020204030204" pitchFamily="49" charset="0"/>
+              </a:rPr>
+              <a:t>"</a:t>
+            </a:r>
+          </a:p>
+          <a:p>
+            <a:pPr marL="0" lvl="0" indent="0" defTabSz="914400" eaLnBrk="0" fontAlgn="base" hangingPunct="0">
+              <a:spcBef>
+                <a:spcPct val="0"/>
+              </a:spcBef>
+              <a:spcAft>
+                <a:spcPct val="0"/>
+              </a:spcAft>
+              <a:buNone/>
+            </a:pPr>
+            <a:r>
+              <a:rPr lang="en-US" altLang="en-US" sz="1800" dirty="0" smtClean="0">
+                <a:solidFill>
+                  <a:srgbClr val="000000"/>
+                </a:solidFill>
+                <a:latin typeface="Consolas" panose="020B0609020204030204" pitchFamily="49" charset="0"/>
+                <a:cs typeface="Consolas" panose="020B0609020204030204" pitchFamily="49" charset="0"/>
+              </a:rPr>
+              <a:t> </a:t>
+            </a:r>
+            <a:r>
+              <a:rPr lang="en-US" altLang="en-US" sz="1800" dirty="0">
+                <a:solidFill>
+                  <a:srgbClr val="000000"/>
+                </a:solidFill>
+                <a:latin typeface="Consolas" panose="020B0609020204030204" pitchFamily="49" charset="0"/>
+                <a:cs typeface="Consolas" panose="020B0609020204030204" pitchFamily="49" charset="0"/>
+              </a:rPr>
+              <a:t>                            </a:t>
+            </a:r>
+            <a:r>
+              <a:rPr lang="en-US" altLang="en-US" sz="1800" dirty="0">
+                <a:solidFill>
+                  <a:srgbClr val="A31515"/>
+                </a:solidFill>
+                <a:latin typeface="Consolas" panose="020B0609020204030204" pitchFamily="49" charset="0"/>
+                <a:cs typeface="Consolas" panose="020B0609020204030204" pitchFamily="49" charset="0"/>
+              </a:rPr>
+              <a:t>"VALUES </a:t>
+            </a:r>
+            <a:r>
+              <a:rPr lang="en-US" altLang="en-US" sz="1800" dirty="0" smtClean="0">
+                <a:solidFill>
+                  <a:srgbClr val="A31515"/>
+                </a:solidFill>
+                <a:latin typeface="Consolas" panose="020B0609020204030204" pitchFamily="49" charset="0"/>
+                <a:cs typeface="Consolas" panose="020B0609020204030204" pitchFamily="49" charset="0"/>
+              </a:rPr>
+              <a:t>(?,?,?,?)"</a:t>
+            </a:r>
+            <a:r>
+              <a:rPr lang="en-US" altLang="en-US" sz="1800" dirty="0" smtClean="0">
+                <a:solidFill>
+                  <a:srgbClr val="000000"/>
+                </a:solidFill>
+                <a:latin typeface="Consolas" panose="020B0609020204030204" pitchFamily="49" charset="0"/>
+                <a:cs typeface="Consolas" panose="020B0609020204030204" pitchFamily="49" charset="0"/>
+              </a:rPr>
+              <a:t>)</a:t>
+            </a:r>
+          </a:p>
+          <a:p>
+            <a:pPr marL="0" lvl="0" indent="0" defTabSz="914400" eaLnBrk="0" fontAlgn="base" hangingPunct="0">
+              <a:spcBef>
+                <a:spcPct val="0"/>
+              </a:spcBef>
+              <a:spcAft>
+                <a:spcPct val="0"/>
+              </a:spcAft>
+              <a:buNone/>
+            </a:pPr>
+            <a:r>
+              <a:rPr lang="en-US" altLang="en-US" sz="1800" dirty="0" smtClean="0">
+                <a:solidFill>
+                  <a:srgbClr val="000000"/>
+                </a:solidFill>
+                <a:latin typeface="Consolas" panose="020B0609020204030204" pitchFamily="49" charset="0"/>
+                <a:cs typeface="Consolas" panose="020B0609020204030204" pitchFamily="49" charset="0"/>
+              </a:rPr>
+              <a:t> </a:t>
+            </a:r>
+            <a:r>
+              <a:rPr lang="en-US" altLang="en-US" sz="1800" dirty="0">
+                <a:solidFill>
+                  <a:srgbClr val="000000"/>
+                </a:solidFill>
+                <a:latin typeface="Consolas" panose="020B0609020204030204" pitchFamily="49" charset="0"/>
+                <a:cs typeface="Consolas" panose="020B0609020204030204" pitchFamily="49" charset="0"/>
+              </a:rPr>
+              <a:t>        Values = [</a:t>
+            </a:r>
+            <a:r>
+              <a:rPr lang="en-US" altLang="en-US" sz="1800" dirty="0">
+                <a:solidFill>
+                  <a:srgbClr val="A31515"/>
+                </a:solidFill>
+                <a:latin typeface="Consolas" panose="020B0609020204030204" pitchFamily="49" charset="0"/>
+                <a:cs typeface="Consolas" panose="020B0609020204030204" pitchFamily="49" charset="0"/>
+              </a:rPr>
+              <a:t>'</a:t>
+            </a:r>
+            <a:r>
+              <a:rPr lang="en-US" altLang="en-US" sz="1800" dirty="0" err="1">
+                <a:solidFill>
+                  <a:srgbClr val="A31515"/>
+                </a:solidFill>
+                <a:latin typeface="Consolas" panose="020B0609020204030204" pitchFamily="49" charset="0"/>
+                <a:cs typeface="Consolas" panose="020B0609020204030204" pitchFamily="49" charset="0"/>
+              </a:rPr>
+              <a:t>HockeyTrivia</a:t>
+            </a:r>
+            <a:r>
+              <a:rPr lang="en-US" altLang="en-US" sz="1800" dirty="0">
+                <a:solidFill>
+                  <a:srgbClr val="A31515"/>
+                </a:solidFill>
+                <a:latin typeface="Consolas" panose="020B0609020204030204" pitchFamily="49" charset="0"/>
+                <a:cs typeface="Consolas" panose="020B0609020204030204" pitchFamily="49" charset="0"/>
+              </a:rPr>
+              <a:t>'</a:t>
+            </a:r>
+            <a:r>
+              <a:rPr lang="en-US" altLang="en-US" sz="1800" dirty="0">
+                <a:solidFill>
+                  <a:srgbClr val="000000"/>
+                </a:solidFill>
+                <a:latin typeface="Consolas" panose="020B0609020204030204" pitchFamily="49" charset="0"/>
+                <a:cs typeface="Consolas" panose="020B0609020204030204" pitchFamily="49" charset="0"/>
+              </a:rPr>
+              <a:t>,</a:t>
+            </a:r>
+            <a:r>
+              <a:rPr lang="en-US" altLang="en-US" sz="1800" dirty="0">
+                <a:solidFill>
+                  <a:srgbClr val="A31515"/>
+                </a:solidFill>
+                <a:latin typeface="Consolas" panose="020B0609020204030204" pitchFamily="49" charset="0"/>
+                <a:cs typeface="Consolas" panose="020B0609020204030204" pitchFamily="49" charset="0"/>
+              </a:rPr>
+              <a:t>'How long is a hockey period?'</a:t>
+            </a:r>
+            <a:r>
+              <a:rPr lang="en-US" altLang="en-US" sz="1800" dirty="0">
+                <a:solidFill>
+                  <a:srgbClr val="000000"/>
+                </a:solidFill>
+                <a:latin typeface="Consolas" panose="020B0609020204030204" pitchFamily="49" charset="0"/>
+                <a:cs typeface="Consolas" panose="020B0609020204030204" pitchFamily="49" charset="0"/>
+              </a:rPr>
+              <a:t>,</a:t>
+            </a:r>
+            <a:r>
+              <a:rPr lang="en-US" altLang="en-US" sz="1800" dirty="0">
+                <a:solidFill>
+                  <a:srgbClr val="A31515"/>
+                </a:solidFill>
+                <a:latin typeface="Consolas" panose="020B0609020204030204" pitchFamily="49" charset="0"/>
+                <a:cs typeface="Consolas" panose="020B0609020204030204" pitchFamily="49" charset="0"/>
+              </a:rPr>
+              <a:t>'20 minutes'</a:t>
+            </a:r>
+            <a:r>
+              <a:rPr lang="en-US" altLang="en-US" sz="1800" dirty="0">
+                <a:solidFill>
+                  <a:srgbClr val="000000"/>
+                </a:solidFill>
+                <a:latin typeface="Consolas" panose="020B0609020204030204" pitchFamily="49" charset="0"/>
+                <a:cs typeface="Consolas" panose="020B0609020204030204" pitchFamily="49" charset="0"/>
+              </a:rPr>
+              <a:t>,1</a:t>
+            </a:r>
+            <a:r>
+              <a:rPr lang="en-US" altLang="en-US" sz="1800" dirty="0" smtClean="0">
+                <a:solidFill>
+                  <a:srgbClr val="000000"/>
+                </a:solidFill>
+                <a:latin typeface="Consolas" panose="020B0609020204030204" pitchFamily="49" charset="0"/>
+                <a:cs typeface="Consolas" panose="020B0609020204030204" pitchFamily="49" charset="0"/>
+              </a:rPr>
+              <a:t>]</a:t>
+            </a:r>
+          </a:p>
+          <a:p>
+            <a:pPr marL="0" lvl="0" indent="0" defTabSz="914400" eaLnBrk="0" fontAlgn="base" hangingPunct="0">
+              <a:spcBef>
+                <a:spcPct val="0"/>
+              </a:spcBef>
+              <a:spcAft>
+                <a:spcPct val="0"/>
+              </a:spcAft>
+              <a:buNone/>
+            </a:pPr>
+            <a:r>
+              <a:rPr lang="en-US" altLang="en-US" sz="1800" dirty="0" smtClean="0">
+                <a:solidFill>
+                  <a:srgbClr val="000000"/>
+                </a:solidFill>
+                <a:latin typeface="Consolas" panose="020B0609020204030204" pitchFamily="49" charset="0"/>
+                <a:cs typeface="Consolas" panose="020B0609020204030204" pitchFamily="49" charset="0"/>
+              </a:rPr>
+              <a:t> </a:t>
+            </a:r>
+            <a:r>
+              <a:rPr lang="en-US" altLang="en-US" sz="1800" dirty="0">
+                <a:solidFill>
+                  <a:srgbClr val="000000"/>
+                </a:solidFill>
+                <a:latin typeface="Consolas" panose="020B0609020204030204" pitchFamily="49" charset="0"/>
+                <a:cs typeface="Consolas" panose="020B0609020204030204" pitchFamily="49" charset="0"/>
+              </a:rPr>
+              <a:t>        </a:t>
+            </a:r>
+            <a:r>
+              <a:rPr lang="en-US" altLang="en-US" sz="1800" dirty="0" err="1">
+                <a:solidFill>
+                  <a:srgbClr val="000000"/>
+                </a:solidFill>
+                <a:latin typeface="Consolas" panose="020B0609020204030204" pitchFamily="49" charset="0"/>
+                <a:cs typeface="Consolas" panose="020B0609020204030204" pitchFamily="49" charset="0"/>
+              </a:rPr>
+              <a:t>myCursor.execute</a:t>
+            </a:r>
+            <a:r>
+              <a:rPr lang="en-US" altLang="en-US" sz="1800" dirty="0">
+                <a:solidFill>
+                  <a:srgbClr val="000000"/>
+                </a:solidFill>
+                <a:latin typeface="Consolas" panose="020B0609020204030204" pitchFamily="49" charset="0"/>
+                <a:cs typeface="Consolas" panose="020B0609020204030204" pitchFamily="49" charset="0"/>
+              </a:rPr>
+              <a:t>(</a:t>
+            </a:r>
+            <a:r>
+              <a:rPr lang="en-US" altLang="en-US" sz="1800" dirty="0" err="1">
+                <a:solidFill>
+                  <a:srgbClr val="000000"/>
+                </a:solidFill>
+                <a:latin typeface="Consolas" panose="020B0609020204030204" pitchFamily="49" charset="0"/>
+                <a:cs typeface="Consolas" panose="020B0609020204030204" pitchFamily="49" charset="0"/>
+              </a:rPr>
+              <a:t>SQLInsertCommand,Values</a:t>
+            </a:r>
+            <a:r>
+              <a:rPr lang="en-US" altLang="en-US" sz="1800" dirty="0" smtClean="0">
+                <a:solidFill>
+                  <a:srgbClr val="000000"/>
+                </a:solidFill>
+                <a:latin typeface="Consolas" panose="020B0609020204030204" pitchFamily="49" charset="0"/>
+                <a:cs typeface="Consolas" panose="020B0609020204030204" pitchFamily="49" charset="0"/>
+              </a:rPr>
+              <a:t>)</a:t>
+            </a:r>
+          </a:p>
+          <a:p>
+            <a:pPr marL="0" lvl="0" indent="0" defTabSz="914400" eaLnBrk="0" fontAlgn="base" hangingPunct="0">
+              <a:spcBef>
+                <a:spcPct val="0"/>
+              </a:spcBef>
+              <a:spcAft>
+                <a:spcPct val="0"/>
+              </a:spcAft>
+              <a:buNone/>
+            </a:pPr>
+            <a:r>
+              <a:rPr lang="en-US" altLang="en-US" sz="1800" dirty="0" smtClean="0">
+                <a:solidFill>
+                  <a:srgbClr val="000000"/>
+                </a:solidFill>
+                <a:latin typeface="Consolas" panose="020B0609020204030204" pitchFamily="49" charset="0"/>
+                <a:cs typeface="Consolas" panose="020B0609020204030204" pitchFamily="49" charset="0"/>
+              </a:rPr>
+              <a:t> </a:t>
+            </a:r>
+            <a:r>
+              <a:rPr lang="en-US" altLang="en-US" sz="1800" dirty="0">
+                <a:solidFill>
+                  <a:srgbClr val="000000"/>
+                </a:solidFill>
+                <a:latin typeface="Consolas" panose="020B0609020204030204" pitchFamily="49" charset="0"/>
+                <a:cs typeface="Consolas" panose="020B0609020204030204" pitchFamily="49" charset="0"/>
+              </a:rPr>
+              <a:t>        </a:t>
+            </a:r>
+            <a:r>
+              <a:rPr lang="en-US" altLang="en-US" sz="1800" dirty="0" err="1">
+                <a:solidFill>
+                  <a:srgbClr val="000000"/>
+                </a:solidFill>
+                <a:latin typeface="Consolas" panose="020B0609020204030204" pitchFamily="49" charset="0"/>
+                <a:cs typeface="Consolas" panose="020B0609020204030204" pitchFamily="49" charset="0"/>
+              </a:rPr>
+              <a:t>myConnection.commit</a:t>
+            </a:r>
+            <a:r>
+              <a:rPr lang="en-US" altLang="en-US" sz="1800" dirty="0" smtClean="0">
+                <a:solidFill>
+                  <a:srgbClr val="000000"/>
+                </a:solidFill>
+                <a:latin typeface="Consolas" panose="020B0609020204030204" pitchFamily="49" charset="0"/>
+                <a:cs typeface="Consolas" panose="020B0609020204030204" pitchFamily="49" charset="0"/>
+              </a:rPr>
+              <a:t>()</a:t>
+            </a:r>
+          </a:p>
+          <a:p>
+            <a:pPr marL="0" lvl="0" indent="0" defTabSz="914400" eaLnBrk="0" fontAlgn="base" hangingPunct="0">
+              <a:spcBef>
+                <a:spcPct val="0"/>
+              </a:spcBef>
+              <a:spcAft>
+                <a:spcPct val="0"/>
+              </a:spcAft>
+              <a:buNone/>
+            </a:pPr>
+            <a:r>
+              <a:rPr lang="en-US" altLang="en-US" sz="1800" dirty="0" smtClean="0">
+                <a:solidFill>
+                  <a:srgbClr val="000000"/>
+                </a:solidFill>
+                <a:latin typeface="Consolas" panose="020B0609020204030204" pitchFamily="49" charset="0"/>
+                <a:cs typeface="Consolas" panose="020B0609020204030204" pitchFamily="49" charset="0"/>
+              </a:rPr>
+              <a:t> </a:t>
+            </a:r>
+            <a:r>
+              <a:rPr lang="en-US" altLang="en-US" sz="1800" dirty="0">
+                <a:solidFill>
+                  <a:srgbClr val="000000"/>
+                </a:solidFill>
+                <a:latin typeface="Consolas" panose="020B0609020204030204" pitchFamily="49" charset="0"/>
+                <a:cs typeface="Consolas" panose="020B0609020204030204" pitchFamily="49" charset="0"/>
+              </a:rPr>
+              <a:t>    </a:t>
+            </a:r>
+            <a:r>
+              <a:rPr lang="en-US" altLang="en-US" sz="1800" dirty="0">
+                <a:solidFill>
+                  <a:srgbClr val="0000FF"/>
+                </a:solidFill>
+                <a:latin typeface="Consolas" panose="020B0609020204030204" pitchFamily="49" charset="0"/>
+                <a:cs typeface="Consolas" panose="020B0609020204030204" pitchFamily="49" charset="0"/>
+              </a:rPr>
+              <a:t>except</a:t>
+            </a:r>
+            <a:r>
+              <a:rPr lang="en-US" altLang="en-US" sz="1800" dirty="0" smtClean="0">
+                <a:solidFill>
+                  <a:srgbClr val="000000"/>
+                </a:solidFill>
+                <a:latin typeface="Consolas" panose="020B0609020204030204" pitchFamily="49" charset="0"/>
+                <a:cs typeface="Consolas" panose="020B0609020204030204" pitchFamily="49" charset="0"/>
+              </a:rPr>
+              <a:t>:</a:t>
+            </a:r>
+          </a:p>
+          <a:p>
+            <a:pPr marL="0" lvl="0" indent="0" defTabSz="914400" eaLnBrk="0" fontAlgn="base" hangingPunct="0">
+              <a:spcBef>
+                <a:spcPct val="0"/>
+              </a:spcBef>
+              <a:spcAft>
+                <a:spcPct val="0"/>
+              </a:spcAft>
+              <a:buNone/>
+            </a:pPr>
+            <a:r>
+              <a:rPr lang="en-US" altLang="en-US" sz="1800" dirty="0" smtClean="0">
+                <a:solidFill>
+                  <a:srgbClr val="000000"/>
+                </a:solidFill>
+                <a:latin typeface="Consolas" panose="020B0609020204030204" pitchFamily="49" charset="0"/>
+                <a:cs typeface="Consolas" panose="020B0609020204030204" pitchFamily="49" charset="0"/>
+              </a:rPr>
+              <a:t> </a:t>
+            </a:r>
+            <a:r>
+              <a:rPr lang="en-US" altLang="en-US" sz="1800" dirty="0">
+                <a:solidFill>
+                  <a:srgbClr val="000000"/>
+                </a:solidFill>
+                <a:latin typeface="Consolas" panose="020B0609020204030204" pitchFamily="49" charset="0"/>
+                <a:cs typeface="Consolas" panose="020B0609020204030204" pitchFamily="49" charset="0"/>
+              </a:rPr>
+              <a:t>        print(</a:t>
+            </a:r>
+            <a:r>
+              <a:rPr lang="en-US" altLang="en-US" sz="1800" dirty="0">
+                <a:solidFill>
+                  <a:srgbClr val="A31515"/>
+                </a:solidFill>
+                <a:latin typeface="Consolas" panose="020B0609020204030204" pitchFamily="49" charset="0"/>
+                <a:cs typeface="Consolas" panose="020B0609020204030204" pitchFamily="49" charset="0"/>
+              </a:rPr>
+              <a:t>"could not insert</a:t>
+            </a:r>
+            <a:r>
+              <a:rPr lang="en-US" altLang="en-US" sz="1800" dirty="0" smtClean="0">
+                <a:solidFill>
+                  <a:srgbClr val="A31515"/>
+                </a:solidFill>
+                <a:latin typeface="Consolas" panose="020B0609020204030204" pitchFamily="49" charset="0"/>
+                <a:cs typeface="Consolas" panose="020B0609020204030204" pitchFamily="49" charset="0"/>
+              </a:rPr>
+              <a:t>"</a:t>
+            </a:r>
+            <a:r>
+              <a:rPr lang="en-US" altLang="en-US" sz="1800" dirty="0" smtClean="0">
+                <a:solidFill>
+                  <a:srgbClr val="000000"/>
+                </a:solidFill>
+                <a:latin typeface="Consolas" panose="020B0609020204030204" pitchFamily="49" charset="0"/>
+                <a:cs typeface="Consolas" panose="020B0609020204030204" pitchFamily="49" charset="0"/>
+              </a:rPr>
+              <a:t>)</a:t>
+            </a:r>
+          </a:p>
+          <a:p>
+            <a:pPr marL="0" lvl="0" indent="0" defTabSz="914400" eaLnBrk="0" fontAlgn="base" hangingPunct="0">
+              <a:spcBef>
+                <a:spcPct val="0"/>
+              </a:spcBef>
+              <a:spcAft>
+                <a:spcPct val="0"/>
+              </a:spcAft>
+              <a:buNone/>
+            </a:pPr>
+            <a:r>
+              <a:rPr lang="en-US" altLang="en-US" sz="1800" dirty="0" smtClean="0">
+                <a:solidFill>
+                  <a:srgbClr val="000000"/>
+                </a:solidFill>
+                <a:latin typeface="Consolas" panose="020B0609020204030204" pitchFamily="49" charset="0"/>
+                <a:cs typeface="Consolas" panose="020B0609020204030204" pitchFamily="49" charset="0"/>
+              </a:rPr>
+              <a:t> </a:t>
+            </a:r>
+            <a:r>
+              <a:rPr lang="en-US" altLang="en-US" sz="1800" dirty="0">
+                <a:solidFill>
+                  <a:srgbClr val="000000"/>
+                </a:solidFill>
+                <a:latin typeface="Consolas" panose="020B0609020204030204" pitchFamily="49" charset="0"/>
+                <a:cs typeface="Consolas" panose="020B0609020204030204" pitchFamily="49" charset="0"/>
+              </a:rPr>
+              <a:t>    </a:t>
+            </a:r>
+            <a:r>
+              <a:rPr lang="en-US" altLang="en-US" sz="1800" dirty="0" err="1">
+                <a:solidFill>
+                  <a:srgbClr val="000000"/>
+                </a:solidFill>
+                <a:latin typeface="Consolas" panose="020B0609020204030204" pitchFamily="49" charset="0"/>
+                <a:cs typeface="Consolas" panose="020B0609020204030204" pitchFamily="49" charset="0"/>
+              </a:rPr>
+              <a:t>myConnection.close</a:t>
+            </a:r>
+            <a:r>
+              <a:rPr lang="en-US" altLang="en-US" sz="1800" dirty="0" smtClean="0">
+                <a:solidFill>
+                  <a:srgbClr val="000000"/>
+                </a:solidFill>
+                <a:latin typeface="Consolas" panose="020B0609020204030204" pitchFamily="49" charset="0"/>
+                <a:cs typeface="Consolas" panose="020B0609020204030204" pitchFamily="49" charset="0"/>
+              </a:rPr>
+              <a:t>()</a:t>
+            </a:r>
+          </a:p>
+          <a:p>
+            <a:pPr marL="0" lvl="0" indent="0" defTabSz="914400" eaLnBrk="0" fontAlgn="base" hangingPunct="0">
+              <a:spcBef>
+                <a:spcPct val="0"/>
+              </a:spcBef>
+              <a:spcAft>
+                <a:spcPct val="0"/>
+              </a:spcAft>
+              <a:buNone/>
+            </a:pPr>
+            <a:r>
+              <a:rPr lang="en-US" altLang="en-US" sz="1800" dirty="0" smtClean="0">
+                <a:solidFill>
+                  <a:srgbClr val="000000"/>
+                </a:solidFill>
+                <a:latin typeface="Consolas" panose="020B0609020204030204" pitchFamily="49" charset="0"/>
+                <a:cs typeface="Consolas" panose="020B0609020204030204" pitchFamily="49" charset="0"/>
+              </a:rPr>
+              <a:t> </a:t>
+            </a:r>
+            <a:r>
+              <a:rPr lang="en-US" altLang="en-US" sz="1800" dirty="0">
+                <a:solidFill>
+                  <a:srgbClr val="0000FF"/>
+                </a:solidFill>
+                <a:latin typeface="Consolas" panose="020B0609020204030204" pitchFamily="49" charset="0"/>
+                <a:cs typeface="Consolas" panose="020B0609020204030204" pitchFamily="49" charset="0"/>
+              </a:rPr>
+              <a:t>except</a:t>
+            </a:r>
+            <a:r>
+              <a:rPr lang="en-US" altLang="en-US" sz="1800" dirty="0" smtClean="0">
+                <a:solidFill>
+                  <a:srgbClr val="000000"/>
+                </a:solidFill>
+                <a:latin typeface="Consolas" panose="020B0609020204030204" pitchFamily="49" charset="0"/>
+                <a:cs typeface="Consolas" panose="020B0609020204030204" pitchFamily="49" charset="0"/>
+              </a:rPr>
+              <a:t>:</a:t>
+            </a:r>
+          </a:p>
+          <a:p>
+            <a:pPr marL="0" lvl="0" indent="0" defTabSz="914400" eaLnBrk="0" fontAlgn="base" hangingPunct="0">
+              <a:spcBef>
+                <a:spcPct val="0"/>
+              </a:spcBef>
+              <a:spcAft>
+                <a:spcPct val="0"/>
+              </a:spcAft>
+              <a:buNone/>
+            </a:pPr>
+            <a:r>
+              <a:rPr lang="en-US" altLang="en-US" sz="1800" dirty="0" smtClean="0">
+                <a:solidFill>
+                  <a:srgbClr val="000000"/>
+                </a:solidFill>
+                <a:latin typeface="Consolas" panose="020B0609020204030204" pitchFamily="49" charset="0"/>
+                <a:cs typeface="Consolas" panose="020B0609020204030204" pitchFamily="49" charset="0"/>
+              </a:rPr>
+              <a:t> </a:t>
+            </a:r>
+            <a:r>
+              <a:rPr lang="en-US" altLang="en-US" sz="1800" dirty="0">
+                <a:solidFill>
+                  <a:srgbClr val="000000"/>
+                </a:solidFill>
+                <a:latin typeface="Consolas" panose="020B0609020204030204" pitchFamily="49" charset="0"/>
+                <a:cs typeface="Consolas" panose="020B0609020204030204" pitchFamily="49" charset="0"/>
+              </a:rPr>
+              <a:t>    print(</a:t>
+            </a:r>
+            <a:r>
+              <a:rPr lang="en-US" altLang="en-US" sz="1800" dirty="0">
+                <a:solidFill>
+                  <a:srgbClr val="A31515"/>
+                </a:solidFill>
+                <a:latin typeface="Consolas" panose="020B0609020204030204" pitchFamily="49" charset="0"/>
+                <a:cs typeface="Consolas" panose="020B0609020204030204" pitchFamily="49" charset="0"/>
+              </a:rPr>
+              <a:t>"Could not connect"</a:t>
+            </a:r>
+            <a:r>
+              <a:rPr lang="en-US" altLang="en-US" sz="1800" dirty="0">
+                <a:solidFill>
+                  <a:srgbClr val="000000"/>
+                </a:solidFill>
+                <a:latin typeface="Consolas" panose="020B0609020204030204" pitchFamily="49" charset="0"/>
+                <a:cs typeface="Consolas" panose="020B0609020204030204" pitchFamily="49" charset="0"/>
+              </a:rPr>
+              <a:t>)</a:t>
+            </a:r>
+            <a:endParaRPr lang="en-US" altLang="en-US" sz="2000" dirty="0">
+              <a:latin typeface="Arial" panose="020B0604020202020204" pitchFamily="34" charset="0"/>
+            </a:endParaRPr>
+          </a:p>
+          <a:p>
             <a:pPr marL="0" marR="0" lvl="0" indent="0" algn="l" defTabSz="914400" rtl="0" eaLnBrk="0" fontAlgn="base" latinLnBrk="0" hangingPunct="0">
               <a:lnSpc>
                 <a:spcPct val="100000"/>
@@ -8178,1248 +9406,6 @@
               <a:tabLst/>
             </a:pPr>
             <a:r>
-              <a:rPr kumimoji="0" lang="en-US" altLang="en-US" sz="1800" b="0" i="0" u="none" strike="noStrike" cap="none" normalizeH="0" baseline="0" dirty="0" smtClean="0">
-                <a:ln>
-                  <a:noFill/>
-                </a:ln>
-                <a:solidFill>
-                  <a:srgbClr val="0000FF"/>
-                </a:solidFill>
-                <a:effectLst/>
-                <a:latin typeface="Consolas" panose="020B0609020204030204" pitchFamily="49" charset="0"/>
-                <a:cs typeface="Consolas" panose="020B0609020204030204" pitchFamily="49" charset="0"/>
-              </a:rPr>
-              <a:t>import</a:t>
-            </a:r>
-            <a:r>
-              <a:rPr kumimoji="0" lang="en-US" altLang="en-US" sz="1800" b="0" i="0" u="none" strike="noStrike" cap="none" normalizeH="0" baseline="0" dirty="0" smtClean="0">
-                <a:ln>
-                  <a:noFill/>
-                </a:ln>
-                <a:solidFill>
-                  <a:srgbClr val="000000"/>
-                </a:solidFill>
-                <a:effectLst/>
-                <a:latin typeface="Consolas" panose="020B0609020204030204" pitchFamily="49" charset="0"/>
-                <a:cs typeface="Consolas" panose="020B0609020204030204" pitchFamily="49" charset="0"/>
-              </a:rPr>
-              <a:t> </a:t>
-            </a:r>
-            <a:r>
-              <a:rPr kumimoji="0" lang="en-US" altLang="en-US" sz="1800" b="0" i="0" u="none" strike="noStrike" cap="none" normalizeH="0" baseline="0" dirty="0" err="1" smtClean="0">
-                <a:ln>
-                  <a:noFill/>
-                </a:ln>
-                <a:solidFill>
-                  <a:srgbClr val="6F008A"/>
-                </a:solidFill>
-                <a:effectLst/>
-                <a:latin typeface="Consolas" panose="020B0609020204030204" pitchFamily="49" charset="0"/>
-                <a:cs typeface="Consolas" panose="020B0609020204030204" pitchFamily="49" charset="0"/>
-              </a:rPr>
-              <a:t>pypyodbc</a:t>
-            </a:r>
-            <a:r>
-              <a:rPr kumimoji="0" lang="en-US" altLang="en-US" sz="1800" b="0" i="0" u="none" strike="noStrike" cap="none" normalizeH="0" baseline="0" dirty="0" smtClean="0">
-                <a:ln>
-                  <a:noFill/>
-                </a:ln>
-                <a:solidFill>
-                  <a:srgbClr val="000000"/>
-                </a:solidFill>
-                <a:effectLst/>
-                <a:latin typeface="Consolas" panose="020B0609020204030204" pitchFamily="49" charset="0"/>
-                <a:cs typeface="Consolas" panose="020B0609020204030204" pitchFamily="49" charset="0"/>
-              </a:rPr>
-              <a:t> </a:t>
-            </a:r>
-            <a:endParaRPr kumimoji="0" lang="en-US" altLang="en-US" sz="1800" b="0" i="0" u="none" strike="noStrike" cap="none" normalizeH="0" baseline="0" dirty="0" smtClean="0">
-              <a:ln>
-                <a:noFill/>
-              </a:ln>
-              <a:solidFill>
-                <a:srgbClr val="000000"/>
-              </a:solidFill>
-              <a:effectLst/>
-              <a:latin typeface="Consolas" panose="020B0609020204030204" pitchFamily="49" charset="0"/>
-              <a:cs typeface="Consolas" panose="020B0609020204030204" pitchFamily="49" charset="0"/>
-            </a:endParaRPr>
-          </a:p>
-          <a:p>
-            <a:pPr marL="0" marR="0" lvl="0" indent="0" algn="l" defTabSz="914400" rtl="0" eaLnBrk="0" fontAlgn="base" latinLnBrk="0" hangingPunct="0">
-              <a:lnSpc>
-                <a:spcPct val="100000"/>
-              </a:lnSpc>
-              <a:spcBef>
-                <a:spcPct val="0"/>
-              </a:spcBef>
-              <a:spcAft>
-                <a:spcPct val="0"/>
-              </a:spcAft>
-              <a:buClrTx/>
-              <a:buSzTx/>
-              <a:buFontTx/>
-              <a:buNone/>
-              <a:tabLst/>
-            </a:pPr>
-            <a:r>
-              <a:rPr kumimoji="0" lang="en-US" altLang="en-US" sz="1800" b="0" i="0" u="none" strike="noStrike" cap="none" normalizeH="0" baseline="0" dirty="0" smtClean="0">
-                <a:ln>
-                  <a:noFill/>
-                </a:ln>
-                <a:solidFill>
-                  <a:srgbClr val="0000FF"/>
-                </a:solidFill>
-                <a:effectLst/>
-                <a:latin typeface="Consolas" panose="020B0609020204030204" pitchFamily="49" charset="0"/>
-                <a:cs typeface="Consolas" panose="020B0609020204030204" pitchFamily="49" charset="0"/>
-              </a:rPr>
-              <a:t>try</a:t>
-            </a:r>
-            <a:r>
-              <a:rPr kumimoji="0" lang="en-US" altLang="en-US" sz="1800" b="0" i="0" u="none" strike="noStrike" cap="none" normalizeH="0" baseline="0" dirty="0" smtClean="0">
-                <a:ln>
-                  <a:noFill/>
-                </a:ln>
-                <a:solidFill>
-                  <a:srgbClr val="000000"/>
-                </a:solidFill>
-                <a:effectLst/>
-                <a:latin typeface="Consolas" panose="020B0609020204030204" pitchFamily="49" charset="0"/>
-                <a:cs typeface="Consolas" panose="020B0609020204030204" pitchFamily="49" charset="0"/>
-              </a:rPr>
-              <a:t> :</a:t>
-            </a:r>
-          </a:p>
-          <a:p>
-            <a:pPr marL="0" lvl="0" indent="0" eaLnBrk="0" fontAlgn="base" hangingPunct="0">
-              <a:spcBef>
-                <a:spcPct val="0"/>
-              </a:spcBef>
-              <a:spcAft>
-                <a:spcPct val="0"/>
-              </a:spcAft>
-              <a:buNone/>
-            </a:pPr>
-            <a:r>
-              <a:rPr kumimoji="0" lang="en-US" altLang="en-US" sz="1800" b="0" i="0" u="none" strike="noStrike" cap="none" normalizeH="0" baseline="0" dirty="0" smtClean="0">
-                <a:ln>
-                  <a:noFill/>
-                </a:ln>
-                <a:solidFill>
-                  <a:srgbClr val="000000"/>
-                </a:solidFill>
-                <a:effectLst/>
-                <a:latin typeface="Consolas" panose="020B0609020204030204" pitchFamily="49" charset="0"/>
-                <a:cs typeface="Consolas" panose="020B0609020204030204" pitchFamily="49" charset="0"/>
-              </a:rPr>
-              <a:t>     </a:t>
-            </a:r>
-            <a:r>
-              <a:rPr lang="en-US" altLang="en-US" sz="1800" dirty="0" err="1" smtClean="0">
-                <a:solidFill>
-                  <a:srgbClr val="000000"/>
-                </a:solidFill>
-                <a:latin typeface="Consolas" panose="020B0609020204030204" pitchFamily="49" charset="0"/>
-                <a:cs typeface="Consolas" panose="020B0609020204030204" pitchFamily="49" charset="0"/>
-              </a:rPr>
-              <a:t>myConnection</a:t>
-            </a:r>
-            <a:r>
-              <a:rPr lang="en-US" altLang="en-US" sz="1800" dirty="0">
-                <a:solidFill>
-                  <a:srgbClr val="000000"/>
-                </a:solidFill>
-                <a:latin typeface="Consolas" panose="020B0609020204030204" pitchFamily="49" charset="0"/>
-                <a:cs typeface="Consolas" panose="020B0609020204030204" pitchFamily="49" charset="0"/>
-              </a:rPr>
-              <a:t> = </a:t>
-            </a:r>
-            <a:r>
-              <a:rPr lang="en-US" altLang="en-US" sz="1800" dirty="0" err="1" smtClean="0">
-                <a:solidFill>
-                  <a:srgbClr val="000000"/>
-                </a:solidFill>
-                <a:latin typeface="Consolas" panose="020B0609020204030204" pitchFamily="49" charset="0"/>
-                <a:cs typeface="Consolas" panose="020B0609020204030204" pitchFamily="49" charset="0"/>
-              </a:rPr>
-              <a:t>pypyodbc.connect</a:t>
-            </a:r>
-            <a:r>
-              <a:rPr lang="en-US" altLang="en-US" sz="1800" dirty="0">
-                <a:solidFill>
-                  <a:srgbClr val="000000"/>
-                </a:solidFill>
-                <a:latin typeface="Consolas" panose="020B0609020204030204" pitchFamily="49" charset="0"/>
-                <a:cs typeface="Consolas" panose="020B0609020204030204" pitchFamily="49" charset="0"/>
-              </a:rPr>
-              <a:t>(</a:t>
-            </a:r>
-            <a:r>
-              <a:rPr lang="en-US" altLang="en-US" sz="1800" dirty="0">
-                <a:solidFill>
-                  <a:srgbClr val="A31515"/>
-                </a:solidFill>
-                <a:latin typeface="Consolas" panose="020B0609020204030204" pitchFamily="49" charset="0"/>
-                <a:cs typeface="Consolas" panose="020B0609020204030204" pitchFamily="49" charset="0"/>
-              </a:rPr>
-              <a:t>'DRIVER={SQL Server};'</a:t>
-            </a:r>
-          </a:p>
-          <a:p>
-            <a:pPr marL="0" lvl="0" indent="0" eaLnBrk="0" fontAlgn="base" hangingPunct="0">
-              <a:spcBef>
-                <a:spcPct val="0"/>
-              </a:spcBef>
-              <a:spcAft>
-                <a:spcPct val="0"/>
-              </a:spcAft>
-              <a:buNone/>
-            </a:pPr>
-            <a:r>
-              <a:rPr lang="en-US" altLang="en-US" sz="1800" dirty="0">
-                <a:solidFill>
-                  <a:srgbClr val="000000"/>
-                </a:solidFill>
-                <a:latin typeface="Consolas" panose="020B0609020204030204" pitchFamily="49" charset="0"/>
-                <a:cs typeface="Consolas" panose="020B0609020204030204" pitchFamily="49" charset="0"/>
-              </a:rPr>
-              <a:t>                                   </a:t>
-            </a:r>
-            <a:r>
-              <a:rPr lang="en-US" altLang="en-US" sz="1800" dirty="0" smtClean="0">
-                <a:solidFill>
-                  <a:srgbClr val="A31515"/>
-                </a:solidFill>
-                <a:latin typeface="Consolas" panose="020B0609020204030204" pitchFamily="49" charset="0"/>
-                <a:cs typeface="Consolas" panose="020B0609020204030204" pitchFamily="49" charset="0"/>
-              </a:rPr>
-              <a:t>'SERVER=localhost</a:t>
-            </a:r>
-            <a:r>
-              <a:rPr lang="en-US" altLang="en-US" sz="1800" dirty="0">
-                <a:solidFill>
-                  <a:srgbClr val="A31515"/>
-                </a:solidFill>
-                <a:latin typeface="Consolas" panose="020B0609020204030204" pitchFamily="49" charset="0"/>
-                <a:cs typeface="Consolas" panose="020B0609020204030204" pitchFamily="49" charset="0"/>
-              </a:rPr>
-              <a:t>;'</a:t>
-            </a:r>
-          </a:p>
-          <a:p>
-            <a:pPr marL="0" lvl="0" indent="0" eaLnBrk="0" fontAlgn="base" hangingPunct="0">
-              <a:spcBef>
-                <a:spcPct val="0"/>
-              </a:spcBef>
-              <a:spcAft>
-                <a:spcPct val="0"/>
-              </a:spcAft>
-              <a:buNone/>
-            </a:pPr>
-            <a:r>
-              <a:rPr lang="en-US" altLang="en-US" sz="1800" dirty="0">
-                <a:solidFill>
-                  <a:srgbClr val="000000"/>
-                </a:solidFill>
-                <a:latin typeface="Consolas" panose="020B0609020204030204" pitchFamily="49" charset="0"/>
-                <a:cs typeface="Consolas" panose="020B0609020204030204" pitchFamily="49" charset="0"/>
-              </a:rPr>
-              <a:t>                                   </a:t>
-            </a:r>
-            <a:r>
-              <a:rPr lang="en-US" altLang="en-US" sz="1800" dirty="0" smtClean="0">
-                <a:solidFill>
-                  <a:srgbClr val="A31515"/>
-                </a:solidFill>
-                <a:latin typeface="Consolas" panose="020B0609020204030204" pitchFamily="49" charset="0"/>
-                <a:cs typeface="Consolas" panose="020B0609020204030204" pitchFamily="49" charset="0"/>
-              </a:rPr>
-              <a:t>'DATABASE=</a:t>
-            </a:r>
-            <a:r>
-              <a:rPr lang="en-US" altLang="en-US" sz="1800" dirty="0" err="1" smtClean="0">
-                <a:solidFill>
-                  <a:srgbClr val="A31515"/>
-                </a:solidFill>
-                <a:latin typeface="Consolas" panose="020B0609020204030204" pitchFamily="49" charset="0"/>
-                <a:cs typeface="Consolas" panose="020B0609020204030204" pitchFamily="49" charset="0"/>
-              </a:rPr>
-              <a:t>QuizDb</a:t>
-            </a:r>
-            <a:r>
-              <a:rPr lang="en-US" altLang="en-US" sz="1800" dirty="0">
-                <a:solidFill>
-                  <a:srgbClr val="A31515"/>
-                </a:solidFill>
-                <a:latin typeface="Consolas" panose="020B0609020204030204" pitchFamily="49" charset="0"/>
-                <a:cs typeface="Consolas" panose="020B0609020204030204" pitchFamily="49" charset="0"/>
-              </a:rPr>
-              <a:t>;'</a:t>
-            </a:r>
-          </a:p>
-          <a:p>
-            <a:pPr marL="0" lvl="0" indent="0" eaLnBrk="0" fontAlgn="base" hangingPunct="0">
-              <a:spcBef>
-                <a:spcPct val="0"/>
-              </a:spcBef>
-              <a:spcAft>
-                <a:spcPct val="0"/>
-              </a:spcAft>
-              <a:buNone/>
-            </a:pPr>
-            <a:r>
-              <a:rPr lang="en-US" altLang="en-US" sz="1800" dirty="0">
-                <a:solidFill>
-                  <a:srgbClr val="000000"/>
-                </a:solidFill>
-                <a:latin typeface="Consolas" panose="020B0609020204030204" pitchFamily="49" charset="0"/>
-                <a:cs typeface="Consolas" panose="020B0609020204030204" pitchFamily="49" charset="0"/>
-              </a:rPr>
-              <a:t>                                   </a:t>
-            </a:r>
-            <a:r>
-              <a:rPr lang="en-US" altLang="en-US" sz="1800" dirty="0" smtClean="0">
-                <a:solidFill>
-                  <a:srgbClr val="A31515"/>
-                </a:solidFill>
-                <a:latin typeface="Consolas" panose="020B0609020204030204" pitchFamily="49" charset="0"/>
-                <a:cs typeface="Consolas" panose="020B0609020204030204" pitchFamily="49" charset="0"/>
-              </a:rPr>
-              <a:t>'UID=</a:t>
-            </a:r>
-            <a:r>
-              <a:rPr lang="en-US" altLang="en-US" sz="1800" dirty="0" err="1" smtClean="0">
-                <a:solidFill>
-                  <a:srgbClr val="A31515"/>
-                </a:solidFill>
-                <a:latin typeface="Consolas" panose="020B0609020204030204" pitchFamily="49" charset="0"/>
-                <a:cs typeface="Consolas" panose="020B0609020204030204" pitchFamily="49" charset="0"/>
-              </a:rPr>
-              <a:t>sa;PWD</a:t>
-            </a:r>
-            <a:r>
-              <a:rPr lang="en-US" altLang="en-US" sz="1800" dirty="0" smtClean="0">
-                <a:solidFill>
-                  <a:srgbClr val="A31515"/>
-                </a:solidFill>
-                <a:latin typeface="Consolas" panose="020B0609020204030204" pitchFamily="49" charset="0"/>
-                <a:cs typeface="Consolas" panose="020B0609020204030204" pitchFamily="49" charset="0"/>
-              </a:rPr>
-              <a:t>=P@ssw0rd</a:t>
-            </a:r>
-            <a:r>
-              <a:rPr lang="en-US" altLang="en-US" sz="1800" dirty="0">
-                <a:solidFill>
-                  <a:srgbClr val="A31515"/>
-                </a:solidFill>
-                <a:latin typeface="Consolas" panose="020B0609020204030204" pitchFamily="49" charset="0"/>
-                <a:cs typeface="Consolas" panose="020B0609020204030204" pitchFamily="49" charset="0"/>
-              </a:rPr>
-              <a:t>'</a:t>
-            </a:r>
-            <a:r>
-              <a:rPr lang="en-US" altLang="en-US" sz="1800" dirty="0">
-                <a:solidFill>
-                  <a:srgbClr val="000000"/>
-                </a:solidFill>
-                <a:latin typeface="Consolas" panose="020B0609020204030204" pitchFamily="49" charset="0"/>
-                <a:cs typeface="Consolas" panose="020B0609020204030204" pitchFamily="49" charset="0"/>
-              </a:rPr>
-              <a:t>)</a:t>
-            </a:r>
-            <a:endParaRPr lang="en-US" altLang="en-US" sz="2000" dirty="0">
-              <a:latin typeface="Arial" panose="020B0604020202020204" pitchFamily="34" charset="0"/>
-            </a:endParaRPr>
-          </a:p>
-          <a:p>
-            <a:pPr marL="0" marR="0" lvl="0" indent="0" algn="l" defTabSz="914400" rtl="0" eaLnBrk="0" fontAlgn="base" latinLnBrk="0" hangingPunct="0">
-              <a:lnSpc>
-                <a:spcPct val="100000"/>
-              </a:lnSpc>
-              <a:spcBef>
-                <a:spcPct val="0"/>
-              </a:spcBef>
-              <a:spcAft>
-                <a:spcPct val="0"/>
-              </a:spcAft>
-              <a:buClrTx/>
-              <a:buSzTx/>
-              <a:buFontTx/>
-              <a:buNone/>
-              <a:tabLst/>
-            </a:pPr>
-            <a:r>
-              <a:rPr kumimoji="0" lang="en-US" altLang="en-US" sz="1800" b="0" i="0" u="none" strike="noStrike" cap="none" normalizeH="0" baseline="0" dirty="0" smtClean="0">
-                <a:ln>
-                  <a:noFill/>
-                </a:ln>
-                <a:solidFill>
-                  <a:srgbClr val="000000"/>
-                </a:solidFill>
-                <a:effectLst/>
-                <a:latin typeface="Consolas" panose="020B0609020204030204" pitchFamily="49" charset="0"/>
-                <a:cs typeface="Consolas" panose="020B0609020204030204" pitchFamily="49" charset="0"/>
-              </a:rPr>
-              <a:t>     </a:t>
-            </a:r>
-            <a:r>
-              <a:rPr kumimoji="0" lang="en-US" altLang="en-US" sz="1800" b="0" i="0" u="none" strike="noStrike" cap="none" normalizeH="0" baseline="0" dirty="0" smtClean="0">
-                <a:ln>
-                  <a:noFill/>
-                </a:ln>
-                <a:solidFill>
-                  <a:srgbClr val="0000FF"/>
-                </a:solidFill>
-                <a:effectLst/>
-                <a:latin typeface="Consolas" panose="020B0609020204030204" pitchFamily="49" charset="0"/>
-                <a:cs typeface="Consolas" panose="020B0609020204030204" pitchFamily="49" charset="0"/>
-              </a:rPr>
-              <a:t>try</a:t>
-            </a:r>
-            <a:r>
-              <a:rPr kumimoji="0" lang="en-US" altLang="en-US" sz="1800" b="0" i="0" u="none" strike="noStrike" cap="none" normalizeH="0" baseline="0" dirty="0" smtClean="0">
-                <a:ln>
-                  <a:noFill/>
-                </a:ln>
-                <a:solidFill>
-                  <a:srgbClr val="000000"/>
-                </a:solidFill>
-                <a:effectLst/>
-                <a:latin typeface="Consolas" panose="020B0609020204030204" pitchFamily="49" charset="0"/>
-                <a:cs typeface="Consolas" panose="020B0609020204030204" pitchFamily="49" charset="0"/>
-              </a:rPr>
-              <a:t> :</a:t>
-            </a:r>
-          </a:p>
-          <a:p>
-            <a:pPr marL="0" marR="0" lvl="0" indent="0" algn="l" defTabSz="914400" rtl="0" eaLnBrk="0" fontAlgn="base" latinLnBrk="0" hangingPunct="0">
-              <a:lnSpc>
-                <a:spcPct val="100000"/>
-              </a:lnSpc>
-              <a:spcBef>
-                <a:spcPct val="0"/>
-              </a:spcBef>
-              <a:spcAft>
-                <a:spcPct val="0"/>
-              </a:spcAft>
-              <a:buClrTx/>
-              <a:buSzTx/>
-              <a:buFontTx/>
-              <a:buNone/>
-              <a:tabLst/>
-            </a:pPr>
-            <a:r>
-              <a:rPr kumimoji="0" lang="en-US" altLang="en-US" sz="1800" b="0" i="0" u="none" strike="noStrike" cap="none" normalizeH="0" baseline="0" dirty="0" smtClean="0">
-                <a:ln>
-                  <a:noFill/>
-                </a:ln>
-                <a:solidFill>
-                  <a:srgbClr val="000000"/>
-                </a:solidFill>
-                <a:effectLst/>
-                <a:latin typeface="Consolas" panose="020B0609020204030204" pitchFamily="49" charset="0"/>
-                <a:cs typeface="Consolas" panose="020B0609020204030204" pitchFamily="49" charset="0"/>
-              </a:rPr>
-              <a:t>         </a:t>
-            </a:r>
-            <a:r>
-              <a:rPr kumimoji="0" lang="en-US" altLang="en-US" sz="1800" b="0" i="0" u="none" strike="noStrike" cap="none" normalizeH="0" baseline="0" dirty="0" err="1" smtClean="0">
-                <a:ln>
-                  <a:noFill/>
-                </a:ln>
-                <a:solidFill>
-                  <a:srgbClr val="000000"/>
-                </a:solidFill>
-                <a:effectLst/>
-                <a:latin typeface="Consolas" panose="020B0609020204030204" pitchFamily="49" charset="0"/>
-                <a:cs typeface="Consolas" panose="020B0609020204030204" pitchFamily="49" charset="0"/>
-              </a:rPr>
-              <a:t>myCursor</a:t>
-            </a:r>
-            <a:r>
-              <a:rPr kumimoji="0" lang="en-US" altLang="en-US" sz="1800" b="0" i="0" u="none" strike="noStrike" cap="none" normalizeH="0" baseline="0" dirty="0" smtClean="0">
-                <a:ln>
-                  <a:noFill/>
-                </a:ln>
-                <a:solidFill>
-                  <a:srgbClr val="000000"/>
-                </a:solidFill>
-                <a:effectLst/>
-                <a:latin typeface="Consolas" panose="020B0609020204030204" pitchFamily="49" charset="0"/>
-                <a:cs typeface="Consolas" panose="020B0609020204030204" pitchFamily="49" charset="0"/>
-              </a:rPr>
-              <a:t> = </a:t>
-            </a:r>
-            <a:r>
-              <a:rPr kumimoji="0" lang="en-US" altLang="en-US" sz="1800" b="0" i="0" u="none" strike="noStrike" cap="none" normalizeH="0" baseline="0" dirty="0" err="1" smtClean="0">
-                <a:ln>
-                  <a:noFill/>
-                </a:ln>
-                <a:solidFill>
-                  <a:srgbClr val="000000"/>
-                </a:solidFill>
-                <a:effectLst/>
-                <a:latin typeface="Consolas" panose="020B0609020204030204" pitchFamily="49" charset="0"/>
-                <a:cs typeface="Consolas" panose="020B0609020204030204" pitchFamily="49" charset="0"/>
-              </a:rPr>
-              <a:t>myConnection.cursor</a:t>
-            </a:r>
-            <a:r>
-              <a:rPr kumimoji="0" lang="en-US" altLang="en-US" sz="1800" b="0" i="0" u="none" strike="noStrike" cap="none" normalizeH="0" baseline="0" dirty="0" smtClean="0">
-                <a:ln>
-                  <a:noFill/>
-                </a:ln>
-                <a:solidFill>
-                  <a:srgbClr val="000000"/>
-                </a:solidFill>
-                <a:effectLst/>
-                <a:latin typeface="Consolas" panose="020B0609020204030204" pitchFamily="49" charset="0"/>
-                <a:cs typeface="Consolas" panose="020B0609020204030204" pitchFamily="49" charset="0"/>
-              </a:rPr>
-              <a:t>()</a:t>
-            </a:r>
-          </a:p>
-          <a:p>
-            <a:pPr marL="0" marR="0" lvl="0" indent="0" algn="l" defTabSz="914400" rtl="0" eaLnBrk="0" fontAlgn="base" latinLnBrk="0" hangingPunct="0">
-              <a:lnSpc>
-                <a:spcPct val="100000"/>
-              </a:lnSpc>
-              <a:spcBef>
-                <a:spcPct val="0"/>
-              </a:spcBef>
-              <a:spcAft>
-                <a:spcPct val="0"/>
-              </a:spcAft>
-              <a:buClrTx/>
-              <a:buSzTx/>
-              <a:buFontTx/>
-              <a:buNone/>
-              <a:tabLst/>
-            </a:pPr>
-            <a:r>
-              <a:rPr kumimoji="0" lang="en-US" altLang="en-US" sz="1800" b="0" i="0" u="none" strike="noStrike" cap="none" normalizeH="0" baseline="0" dirty="0" smtClean="0">
-                <a:ln>
-                  <a:noFill/>
-                </a:ln>
-                <a:solidFill>
-                  <a:srgbClr val="000000"/>
-                </a:solidFill>
-                <a:effectLst/>
-                <a:latin typeface="Consolas" panose="020B0609020204030204" pitchFamily="49" charset="0"/>
-                <a:cs typeface="Consolas" panose="020B0609020204030204" pitchFamily="49" charset="0"/>
-              </a:rPr>
-              <a:t>         </a:t>
-            </a:r>
-            <a:r>
-              <a:rPr kumimoji="0" lang="en-US" altLang="en-US" sz="1800" b="0" i="0" u="none" strike="noStrike" cap="none" normalizeH="0" baseline="0" dirty="0" err="1" smtClean="0">
-                <a:ln>
-                  <a:noFill/>
-                </a:ln>
-                <a:solidFill>
-                  <a:srgbClr val="000000"/>
-                </a:solidFill>
-                <a:effectLst/>
-                <a:latin typeface="Consolas" panose="020B0609020204030204" pitchFamily="49" charset="0"/>
-                <a:cs typeface="Consolas" panose="020B0609020204030204" pitchFamily="49" charset="0"/>
-              </a:rPr>
-              <a:t>mySQLCommand</a:t>
-            </a:r>
-            <a:r>
-              <a:rPr kumimoji="0" lang="en-US" altLang="en-US" sz="1800" b="0" i="0" u="none" strike="noStrike" cap="none" normalizeH="0" baseline="0" dirty="0" smtClean="0">
-                <a:ln>
-                  <a:noFill/>
-                </a:ln>
-                <a:solidFill>
-                  <a:srgbClr val="000000"/>
-                </a:solidFill>
-                <a:effectLst/>
-                <a:latin typeface="Consolas" panose="020B0609020204030204" pitchFamily="49" charset="0"/>
-                <a:cs typeface="Consolas" panose="020B0609020204030204" pitchFamily="49" charset="0"/>
-              </a:rPr>
-              <a:t> = (</a:t>
-            </a:r>
-            <a:r>
-              <a:rPr kumimoji="0" lang="en-US" altLang="en-US" sz="1800" b="0" i="0" u="none" strike="noStrike" cap="none" normalizeH="0" baseline="0" dirty="0" smtClean="0">
-                <a:ln>
-                  <a:noFill/>
-                </a:ln>
-                <a:solidFill>
-                  <a:srgbClr val="A31515"/>
-                </a:solidFill>
-                <a:effectLst/>
-                <a:latin typeface="Consolas" panose="020B0609020204030204" pitchFamily="49" charset="0"/>
-                <a:cs typeface="Consolas" panose="020B0609020204030204" pitchFamily="49" charset="0"/>
-              </a:rPr>
-              <a:t>"INSERT INTO Questions "</a:t>
-            </a:r>
-          </a:p>
-          <a:p>
-            <a:pPr marL="0" marR="0" lvl="0" indent="0" algn="l" defTabSz="914400" rtl="0" eaLnBrk="0" fontAlgn="base" latinLnBrk="0" hangingPunct="0">
-              <a:lnSpc>
-                <a:spcPct val="100000"/>
-              </a:lnSpc>
-              <a:spcBef>
-                <a:spcPct val="0"/>
-              </a:spcBef>
-              <a:spcAft>
-                <a:spcPct val="0"/>
-              </a:spcAft>
-              <a:buClrTx/>
-              <a:buSzTx/>
-              <a:buFontTx/>
-              <a:buNone/>
-              <a:tabLst/>
-            </a:pPr>
-            <a:r>
-              <a:rPr kumimoji="0" lang="en-US" altLang="en-US" sz="1800" b="0" i="0" u="none" strike="noStrike" cap="none" normalizeH="0" baseline="0" dirty="0" smtClean="0">
-                <a:ln>
-                  <a:noFill/>
-                </a:ln>
-                <a:solidFill>
-                  <a:srgbClr val="000000"/>
-                </a:solidFill>
-                <a:effectLst/>
-                <a:latin typeface="Consolas" panose="020B0609020204030204" pitchFamily="49" charset="0"/>
-                <a:cs typeface="Consolas" panose="020B0609020204030204" pitchFamily="49" charset="0"/>
-              </a:rPr>
-              <a:t>                      </a:t>
-            </a:r>
-            <a:r>
-              <a:rPr kumimoji="0" lang="en-US" altLang="en-US" sz="1800" b="0" i="0" u="none" strike="noStrike" cap="none" normalizeH="0" baseline="0" dirty="0" smtClean="0">
-                <a:ln>
-                  <a:noFill/>
-                </a:ln>
-                <a:solidFill>
-                  <a:srgbClr val="A31515"/>
-                </a:solidFill>
-                <a:effectLst/>
-                <a:latin typeface="Consolas" panose="020B0609020204030204" pitchFamily="49" charset="0"/>
-                <a:cs typeface="Consolas" panose="020B0609020204030204" pitchFamily="49" charset="0"/>
-              </a:rPr>
-              <a:t>"(</a:t>
-            </a:r>
-            <a:r>
-              <a:rPr kumimoji="0" lang="en-US" altLang="en-US" sz="1800" b="0" i="0" u="none" strike="noStrike" cap="none" normalizeH="0" baseline="0" dirty="0" err="1" smtClean="0">
-                <a:ln>
-                  <a:noFill/>
-                </a:ln>
-                <a:solidFill>
-                  <a:srgbClr val="A31515"/>
-                </a:solidFill>
-                <a:effectLst/>
-                <a:latin typeface="Consolas" panose="020B0609020204030204" pitchFamily="49" charset="0"/>
-                <a:cs typeface="Consolas" panose="020B0609020204030204" pitchFamily="49" charset="0"/>
-              </a:rPr>
-              <a:t>QuestionName</a:t>
-            </a:r>
-            <a:r>
-              <a:rPr kumimoji="0" lang="en-US" altLang="en-US" sz="1800" b="0" i="0" u="none" strike="noStrike" cap="none" normalizeH="0" baseline="0" dirty="0" smtClean="0">
-                <a:ln>
-                  <a:noFill/>
-                </a:ln>
-                <a:solidFill>
-                  <a:srgbClr val="A31515"/>
-                </a:solidFill>
-                <a:effectLst/>
-                <a:latin typeface="Consolas" panose="020B0609020204030204" pitchFamily="49" charset="0"/>
-                <a:cs typeface="Consolas" panose="020B0609020204030204" pitchFamily="49" charset="0"/>
-              </a:rPr>
-              <a:t>, Description, </a:t>
-            </a:r>
-            <a:r>
-              <a:rPr kumimoji="0" lang="en-US" altLang="en-US" sz="1800" b="0" i="0" u="none" strike="noStrike" cap="none" normalizeH="0" baseline="0" dirty="0" err="1" smtClean="0">
-                <a:ln>
-                  <a:noFill/>
-                </a:ln>
-                <a:solidFill>
-                  <a:srgbClr val="A31515"/>
-                </a:solidFill>
-                <a:effectLst/>
-                <a:latin typeface="Consolas" panose="020B0609020204030204" pitchFamily="49" charset="0"/>
-                <a:cs typeface="Consolas" panose="020B0609020204030204" pitchFamily="49" charset="0"/>
-              </a:rPr>
-              <a:t>CorrectAnswer</a:t>
-            </a:r>
-            <a:r>
-              <a:rPr kumimoji="0" lang="en-US" altLang="en-US" sz="1800" b="0" i="0" u="none" strike="noStrike" cap="none" normalizeH="0" baseline="0" dirty="0" smtClean="0">
-                <a:ln>
-                  <a:noFill/>
-                </a:ln>
-                <a:solidFill>
-                  <a:srgbClr val="A31515"/>
-                </a:solidFill>
-                <a:effectLst/>
-                <a:latin typeface="Consolas" panose="020B0609020204030204" pitchFamily="49" charset="0"/>
-                <a:cs typeface="Consolas" panose="020B0609020204030204" pitchFamily="49" charset="0"/>
-              </a:rPr>
-              <a:t>, </a:t>
-            </a:r>
-            <a:r>
-              <a:rPr kumimoji="0" lang="en-US" altLang="en-US" sz="1800" b="0" i="0" u="none" strike="noStrike" cap="none" normalizeH="0" baseline="0" dirty="0" err="1" smtClean="0">
-                <a:ln>
-                  <a:noFill/>
-                </a:ln>
-                <a:solidFill>
-                  <a:srgbClr val="A31515"/>
-                </a:solidFill>
-                <a:effectLst/>
-                <a:latin typeface="Consolas" panose="020B0609020204030204" pitchFamily="49" charset="0"/>
-                <a:cs typeface="Consolas" panose="020B0609020204030204" pitchFamily="49" charset="0"/>
-              </a:rPr>
-              <a:t>CategoryId</a:t>
-            </a:r>
-            <a:r>
-              <a:rPr kumimoji="0" lang="en-US" altLang="en-US" sz="1800" b="0" i="0" u="none" strike="noStrike" cap="none" normalizeH="0" baseline="0" dirty="0" smtClean="0">
-                <a:ln>
-                  <a:noFill/>
-                </a:ln>
-                <a:solidFill>
-                  <a:srgbClr val="A31515"/>
-                </a:solidFill>
-                <a:effectLst/>
-                <a:latin typeface="Consolas" panose="020B0609020204030204" pitchFamily="49" charset="0"/>
-                <a:cs typeface="Consolas" panose="020B0609020204030204" pitchFamily="49" charset="0"/>
-              </a:rPr>
-              <a:t>) "</a:t>
-            </a:r>
-          </a:p>
-          <a:p>
-            <a:pPr marL="0" marR="0" lvl="0" indent="0" algn="l" defTabSz="914400" rtl="0" eaLnBrk="0" fontAlgn="base" latinLnBrk="0" hangingPunct="0">
-              <a:lnSpc>
-                <a:spcPct val="100000"/>
-              </a:lnSpc>
-              <a:spcBef>
-                <a:spcPct val="0"/>
-              </a:spcBef>
-              <a:spcAft>
-                <a:spcPct val="0"/>
-              </a:spcAft>
-              <a:buClrTx/>
-              <a:buSzTx/>
-              <a:buFontTx/>
-              <a:buNone/>
-              <a:tabLst/>
-            </a:pPr>
-            <a:r>
-              <a:rPr kumimoji="0" lang="en-US" altLang="en-US" sz="1800" b="0" i="0" u="none" strike="noStrike" cap="none" normalizeH="0" baseline="0" dirty="0" smtClean="0">
-                <a:ln>
-                  <a:noFill/>
-                </a:ln>
-                <a:solidFill>
-                  <a:srgbClr val="000000"/>
-                </a:solidFill>
-                <a:effectLst/>
-                <a:latin typeface="Consolas" panose="020B0609020204030204" pitchFamily="49" charset="0"/>
-                <a:cs typeface="Consolas" panose="020B0609020204030204" pitchFamily="49" charset="0"/>
-              </a:rPr>
-              <a:t>                      </a:t>
-            </a:r>
-            <a:r>
-              <a:rPr kumimoji="0" lang="en-US" altLang="en-US" sz="1800" b="0" i="0" u="none" strike="noStrike" cap="none" normalizeH="0" baseline="0" dirty="0" smtClean="0">
-                <a:ln>
-                  <a:noFill/>
-                </a:ln>
-                <a:solidFill>
-                  <a:srgbClr val="A31515"/>
-                </a:solidFill>
-                <a:effectLst/>
-                <a:latin typeface="Consolas" panose="020B0609020204030204" pitchFamily="49" charset="0"/>
-                <a:cs typeface="Consolas" panose="020B0609020204030204" pitchFamily="49" charset="0"/>
-              </a:rPr>
-              <a:t>"VALUES ('</a:t>
-            </a:r>
-            <a:r>
-              <a:rPr kumimoji="0" lang="en-US" altLang="en-US" sz="1800" b="0" i="0" u="none" strike="noStrike" cap="none" normalizeH="0" baseline="0" dirty="0" err="1" smtClean="0">
-                <a:ln>
-                  <a:noFill/>
-                </a:ln>
-                <a:solidFill>
-                  <a:srgbClr val="A31515"/>
-                </a:solidFill>
-                <a:effectLst/>
-                <a:latin typeface="Consolas" panose="020B0609020204030204" pitchFamily="49" charset="0"/>
-                <a:cs typeface="Consolas" panose="020B0609020204030204" pitchFamily="49" charset="0"/>
-              </a:rPr>
-              <a:t>HockeyFact</a:t>
-            </a:r>
-            <a:r>
-              <a:rPr kumimoji="0" lang="en-US" altLang="en-US" sz="1800" b="0" i="0" u="none" strike="noStrike" cap="none" normalizeH="0" baseline="0" dirty="0" smtClean="0">
-                <a:ln>
-                  <a:noFill/>
-                </a:ln>
-                <a:solidFill>
-                  <a:srgbClr val="A31515"/>
-                </a:solidFill>
-                <a:effectLst/>
-                <a:latin typeface="Consolas" panose="020B0609020204030204" pitchFamily="49" charset="0"/>
-                <a:cs typeface="Consolas" panose="020B0609020204030204" pitchFamily="49" charset="0"/>
-              </a:rPr>
-              <a:t>', 'How long is one period of hockey','20 minutes',1)"</a:t>
-            </a:r>
-            <a:r>
-              <a:rPr kumimoji="0" lang="en-US" altLang="en-US" sz="1800" b="0" i="0" u="none" strike="noStrike" cap="none" normalizeH="0" baseline="0" dirty="0" smtClean="0">
-                <a:ln>
-                  <a:noFill/>
-                </a:ln>
-                <a:solidFill>
-                  <a:srgbClr val="000000"/>
-                </a:solidFill>
-                <a:effectLst/>
-                <a:latin typeface="Consolas" panose="020B0609020204030204" pitchFamily="49" charset="0"/>
-                <a:cs typeface="Consolas" panose="020B0609020204030204" pitchFamily="49" charset="0"/>
-              </a:rPr>
-              <a:t>)</a:t>
-            </a:r>
-          </a:p>
-          <a:p>
-            <a:pPr marL="0" marR="0" lvl="0" indent="0" algn="l" defTabSz="914400" rtl="0" eaLnBrk="0" fontAlgn="base" latinLnBrk="0" hangingPunct="0">
-              <a:lnSpc>
-                <a:spcPct val="100000"/>
-              </a:lnSpc>
-              <a:spcBef>
-                <a:spcPct val="0"/>
-              </a:spcBef>
-              <a:spcAft>
-                <a:spcPct val="0"/>
-              </a:spcAft>
-              <a:buClrTx/>
-              <a:buSzTx/>
-              <a:buFontTx/>
-              <a:buNone/>
-              <a:tabLst/>
-            </a:pPr>
-            <a:r>
-              <a:rPr kumimoji="0" lang="en-US" altLang="en-US" sz="1800" b="0" i="0" u="none" strike="noStrike" cap="none" normalizeH="0" baseline="0" dirty="0" smtClean="0">
-                <a:ln>
-                  <a:noFill/>
-                </a:ln>
-                <a:solidFill>
-                  <a:srgbClr val="000000"/>
-                </a:solidFill>
-                <a:effectLst/>
-                <a:latin typeface="Consolas" panose="020B0609020204030204" pitchFamily="49" charset="0"/>
-                <a:cs typeface="Consolas" panose="020B0609020204030204" pitchFamily="49" charset="0"/>
-              </a:rPr>
-              <a:t>         </a:t>
-            </a:r>
-            <a:r>
-              <a:rPr kumimoji="0" lang="en-US" altLang="en-US" sz="1800" b="0" i="0" u="none" strike="noStrike" cap="none" normalizeH="0" baseline="0" dirty="0" err="1" smtClean="0">
-                <a:ln>
-                  <a:noFill/>
-                </a:ln>
-                <a:solidFill>
-                  <a:srgbClr val="000000"/>
-                </a:solidFill>
-                <a:effectLst/>
-                <a:latin typeface="Consolas" panose="020B0609020204030204" pitchFamily="49" charset="0"/>
-                <a:cs typeface="Consolas" panose="020B0609020204030204" pitchFamily="49" charset="0"/>
-              </a:rPr>
-              <a:t>myCursor.execute</a:t>
-            </a:r>
-            <a:r>
-              <a:rPr kumimoji="0" lang="en-US" altLang="en-US" sz="1800" b="0" i="0" u="none" strike="noStrike" cap="none" normalizeH="0" baseline="0" dirty="0" smtClean="0">
-                <a:ln>
-                  <a:noFill/>
-                </a:ln>
-                <a:solidFill>
-                  <a:srgbClr val="000000"/>
-                </a:solidFill>
-                <a:effectLst/>
-                <a:latin typeface="Consolas" panose="020B0609020204030204" pitchFamily="49" charset="0"/>
-                <a:cs typeface="Consolas" panose="020B0609020204030204" pitchFamily="49" charset="0"/>
-              </a:rPr>
-              <a:t>(</a:t>
-            </a:r>
-            <a:r>
-              <a:rPr kumimoji="0" lang="en-US" altLang="en-US" sz="1800" b="0" i="0" u="none" strike="noStrike" cap="none" normalizeH="0" baseline="0" dirty="0" err="1" smtClean="0">
-                <a:ln>
-                  <a:noFill/>
-                </a:ln>
-                <a:solidFill>
-                  <a:srgbClr val="000000"/>
-                </a:solidFill>
-                <a:effectLst/>
-                <a:latin typeface="Consolas" panose="020B0609020204030204" pitchFamily="49" charset="0"/>
-                <a:cs typeface="Consolas" panose="020B0609020204030204" pitchFamily="49" charset="0"/>
-              </a:rPr>
-              <a:t>mySQLCommand</a:t>
-            </a:r>
-            <a:r>
-              <a:rPr kumimoji="0" lang="en-US" altLang="en-US" sz="1800" b="0" i="0" u="none" strike="noStrike" cap="none" normalizeH="0" baseline="0" dirty="0" smtClean="0">
-                <a:ln>
-                  <a:noFill/>
-                </a:ln>
-                <a:solidFill>
-                  <a:srgbClr val="000000"/>
-                </a:solidFill>
-                <a:effectLst/>
-                <a:latin typeface="Consolas" panose="020B0609020204030204" pitchFamily="49" charset="0"/>
-                <a:cs typeface="Consolas" panose="020B0609020204030204" pitchFamily="49" charset="0"/>
-              </a:rPr>
-              <a:t>)</a:t>
-            </a:r>
-          </a:p>
-          <a:p>
-            <a:pPr marL="0" marR="0" lvl="0" indent="0" algn="l" defTabSz="914400" rtl="0" eaLnBrk="0" fontAlgn="base" latinLnBrk="0" hangingPunct="0">
-              <a:lnSpc>
-                <a:spcPct val="100000"/>
-              </a:lnSpc>
-              <a:spcBef>
-                <a:spcPct val="0"/>
-              </a:spcBef>
-              <a:spcAft>
-                <a:spcPct val="0"/>
-              </a:spcAft>
-              <a:buClrTx/>
-              <a:buSzTx/>
-              <a:buFontTx/>
-              <a:buNone/>
-              <a:tabLst/>
-            </a:pPr>
-            <a:r>
-              <a:rPr kumimoji="0" lang="en-US" altLang="en-US" sz="1800" b="0" i="0" u="none" strike="noStrike" cap="none" normalizeH="0" baseline="0" dirty="0" smtClean="0">
-                <a:ln>
-                  <a:noFill/>
-                </a:ln>
-                <a:solidFill>
-                  <a:srgbClr val="000000"/>
-                </a:solidFill>
-                <a:effectLst/>
-                <a:latin typeface="Consolas" panose="020B0609020204030204" pitchFamily="49" charset="0"/>
-                <a:cs typeface="Consolas" panose="020B0609020204030204" pitchFamily="49" charset="0"/>
-              </a:rPr>
-              <a:t>         </a:t>
-            </a:r>
-            <a:r>
-              <a:rPr kumimoji="0" lang="en-US" altLang="en-US" sz="1800" b="0" i="0" u="none" strike="noStrike" cap="none" normalizeH="0" baseline="0" dirty="0" err="1" smtClean="0">
-                <a:ln>
-                  <a:noFill/>
-                </a:ln>
-                <a:solidFill>
-                  <a:srgbClr val="000000"/>
-                </a:solidFill>
-                <a:effectLst/>
-                <a:latin typeface="Consolas" panose="020B0609020204030204" pitchFamily="49" charset="0"/>
-                <a:cs typeface="Consolas" panose="020B0609020204030204" pitchFamily="49" charset="0"/>
-              </a:rPr>
-              <a:t>myConnection.commit</a:t>
-            </a:r>
-            <a:r>
-              <a:rPr kumimoji="0" lang="en-US" altLang="en-US" sz="1800" b="0" i="0" u="none" strike="noStrike" cap="none" normalizeH="0" baseline="0" dirty="0" smtClean="0">
-                <a:ln>
-                  <a:noFill/>
-                </a:ln>
-                <a:solidFill>
-                  <a:srgbClr val="000000"/>
-                </a:solidFill>
-                <a:effectLst/>
-                <a:latin typeface="Consolas" panose="020B0609020204030204" pitchFamily="49" charset="0"/>
-                <a:cs typeface="Consolas" panose="020B0609020204030204" pitchFamily="49" charset="0"/>
-              </a:rPr>
-              <a:t>()</a:t>
-            </a:r>
-          </a:p>
-          <a:p>
-            <a:pPr marL="0" marR="0" lvl="0" indent="0" algn="l" defTabSz="914400" rtl="0" eaLnBrk="0" fontAlgn="base" latinLnBrk="0" hangingPunct="0">
-              <a:lnSpc>
-                <a:spcPct val="100000"/>
-              </a:lnSpc>
-              <a:spcBef>
-                <a:spcPct val="0"/>
-              </a:spcBef>
-              <a:spcAft>
-                <a:spcPct val="0"/>
-              </a:spcAft>
-              <a:buClrTx/>
-              <a:buSzTx/>
-              <a:buFontTx/>
-              <a:buNone/>
-              <a:tabLst/>
-            </a:pPr>
-            <a:r>
-              <a:rPr kumimoji="0" lang="en-US" altLang="en-US" sz="1800" b="0" i="0" u="none" strike="noStrike" cap="none" normalizeH="0" baseline="0" dirty="0" smtClean="0">
-                <a:ln>
-                  <a:noFill/>
-                </a:ln>
-                <a:solidFill>
-                  <a:srgbClr val="000000"/>
-                </a:solidFill>
-                <a:effectLst/>
-                <a:latin typeface="Consolas" panose="020B0609020204030204" pitchFamily="49" charset="0"/>
-                <a:cs typeface="Consolas" panose="020B0609020204030204" pitchFamily="49" charset="0"/>
-              </a:rPr>
-              <a:t>     </a:t>
-            </a:r>
-            <a:r>
-              <a:rPr kumimoji="0" lang="en-US" altLang="en-US" sz="1800" b="0" i="0" u="none" strike="noStrike" cap="none" normalizeH="0" baseline="0" dirty="0" smtClean="0">
-                <a:ln>
-                  <a:noFill/>
-                </a:ln>
-                <a:solidFill>
-                  <a:srgbClr val="0000FF"/>
-                </a:solidFill>
-                <a:effectLst/>
-                <a:latin typeface="Consolas" panose="020B0609020204030204" pitchFamily="49" charset="0"/>
-                <a:cs typeface="Consolas" panose="020B0609020204030204" pitchFamily="49" charset="0"/>
-              </a:rPr>
-              <a:t>except</a:t>
-            </a:r>
-            <a:r>
-              <a:rPr kumimoji="0" lang="en-US" altLang="en-US" sz="1800" b="0" i="0" u="none" strike="noStrike" cap="none" normalizeH="0" baseline="0" dirty="0" smtClean="0">
-                <a:ln>
-                  <a:noFill/>
-                </a:ln>
-                <a:solidFill>
-                  <a:srgbClr val="000000"/>
-                </a:solidFill>
-                <a:effectLst/>
-                <a:latin typeface="Consolas" panose="020B0609020204030204" pitchFamily="49" charset="0"/>
-                <a:cs typeface="Consolas" panose="020B0609020204030204" pitchFamily="49" charset="0"/>
-              </a:rPr>
-              <a:t>:</a:t>
-            </a:r>
-          </a:p>
-          <a:p>
-            <a:pPr marL="0" marR="0" lvl="0" indent="0" algn="l" defTabSz="914400" rtl="0" eaLnBrk="0" fontAlgn="base" latinLnBrk="0" hangingPunct="0">
-              <a:lnSpc>
-                <a:spcPct val="100000"/>
-              </a:lnSpc>
-              <a:spcBef>
-                <a:spcPct val="0"/>
-              </a:spcBef>
-              <a:spcAft>
-                <a:spcPct val="0"/>
-              </a:spcAft>
-              <a:buClrTx/>
-              <a:buSzTx/>
-              <a:buFontTx/>
-              <a:buNone/>
-              <a:tabLst/>
-            </a:pPr>
-            <a:r>
-              <a:rPr kumimoji="0" lang="en-US" altLang="en-US" sz="1800" b="0" i="0" u="none" strike="noStrike" cap="none" normalizeH="0" baseline="0" dirty="0" smtClean="0">
-                <a:ln>
-                  <a:noFill/>
-                </a:ln>
-                <a:solidFill>
-                  <a:srgbClr val="000000"/>
-                </a:solidFill>
-                <a:effectLst/>
-                <a:latin typeface="Consolas" panose="020B0609020204030204" pitchFamily="49" charset="0"/>
-                <a:cs typeface="Consolas" panose="020B0609020204030204" pitchFamily="49" charset="0"/>
-              </a:rPr>
-              <a:t>         print (</a:t>
-            </a:r>
-            <a:r>
-              <a:rPr kumimoji="0" lang="en-US" altLang="en-US" sz="1800" b="0" i="0" u="none" strike="noStrike" cap="none" normalizeH="0" baseline="0" dirty="0" smtClean="0">
-                <a:ln>
-                  <a:noFill/>
-                </a:ln>
-                <a:solidFill>
-                  <a:srgbClr val="A31515"/>
-                </a:solidFill>
-                <a:effectLst/>
-                <a:latin typeface="Consolas" panose="020B0609020204030204" pitchFamily="49" charset="0"/>
-                <a:cs typeface="Consolas" panose="020B0609020204030204" pitchFamily="49" charset="0"/>
-              </a:rPr>
-              <a:t>'Could not insert record'</a:t>
-            </a:r>
-            <a:r>
-              <a:rPr kumimoji="0" lang="en-US" altLang="en-US" sz="1800" b="0" i="0" u="none" strike="noStrike" cap="none" normalizeH="0" baseline="0" dirty="0" smtClean="0">
-                <a:ln>
-                  <a:noFill/>
-                </a:ln>
-                <a:solidFill>
-                  <a:srgbClr val="000000"/>
-                </a:solidFill>
-                <a:effectLst/>
-                <a:latin typeface="Consolas" panose="020B0609020204030204" pitchFamily="49" charset="0"/>
-                <a:cs typeface="Consolas" panose="020B0609020204030204" pitchFamily="49" charset="0"/>
-              </a:rPr>
-              <a:t>)</a:t>
-            </a:r>
-          </a:p>
-          <a:p>
-            <a:pPr marL="0" marR="0" lvl="0" indent="0" algn="l" defTabSz="914400" rtl="0" eaLnBrk="0" fontAlgn="base" latinLnBrk="0" hangingPunct="0">
-              <a:lnSpc>
-                <a:spcPct val="100000"/>
-              </a:lnSpc>
-              <a:spcBef>
-                <a:spcPct val="0"/>
-              </a:spcBef>
-              <a:spcAft>
-                <a:spcPct val="0"/>
-              </a:spcAft>
-              <a:buClrTx/>
-              <a:buSzTx/>
-              <a:buFontTx/>
-              <a:buNone/>
-              <a:tabLst/>
-            </a:pPr>
-            <a:r>
-              <a:rPr kumimoji="0" lang="en-US" altLang="en-US" sz="1800" b="0" i="0" u="none" strike="noStrike" cap="none" normalizeH="0" baseline="0" dirty="0" smtClean="0">
-                <a:ln>
-                  <a:noFill/>
-                </a:ln>
-                <a:solidFill>
-                  <a:srgbClr val="000000"/>
-                </a:solidFill>
-                <a:effectLst/>
-                <a:latin typeface="Consolas" panose="020B0609020204030204" pitchFamily="49" charset="0"/>
-                <a:cs typeface="Consolas" panose="020B0609020204030204" pitchFamily="49" charset="0"/>
-              </a:rPr>
-              <a:t>     </a:t>
-            </a:r>
-            <a:r>
-              <a:rPr kumimoji="0" lang="en-US" altLang="en-US" sz="1800" b="0" i="0" u="none" strike="noStrike" cap="none" normalizeH="0" baseline="0" dirty="0" err="1" smtClean="0">
-                <a:ln>
-                  <a:noFill/>
-                </a:ln>
-                <a:solidFill>
-                  <a:srgbClr val="000000"/>
-                </a:solidFill>
-                <a:effectLst/>
-                <a:latin typeface="Consolas" panose="020B0609020204030204" pitchFamily="49" charset="0"/>
-                <a:cs typeface="Consolas" panose="020B0609020204030204" pitchFamily="49" charset="0"/>
-              </a:rPr>
-              <a:t>myConnection.close</a:t>
-            </a:r>
-            <a:r>
-              <a:rPr kumimoji="0" lang="en-US" altLang="en-US" sz="1800" b="0" i="0" u="none" strike="noStrike" cap="none" normalizeH="0" baseline="0" dirty="0" smtClean="0">
-                <a:ln>
-                  <a:noFill/>
-                </a:ln>
-                <a:solidFill>
-                  <a:srgbClr val="000000"/>
-                </a:solidFill>
-                <a:effectLst/>
-                <a:latin typeface="Consolas" panose="020B0609020204030204" pitchFamily="49" charset="0"/>
-                <a:cs typeface="Consolas" panose="020B0609020204030204" pitchFamily="49" charset="0"/>
-              </a:rPr>
-              <a:t>()</a:t>
-            </a:r>
-          </a:p>
-          <a:p>
-            <a:pPr marL="0" marR="0" lvl="0" indent="0" algn="l" defTabSz="914400" rtl="0" eaLnBrk="0" fontAlgn="base" latinLnBrk="0" hangingPunct="0">
-              <a:lnSpc>
-                <a:spcPct val="100000"/>
-              </a:lnSpc>
-              <a:spcBef>
-                <a:spcPct val="0"/>
-              </a:spcBef>
-              <a:spcAft>
-                <a:spcPct val="0"/>
-              </a:spcAft>
-              <a:buClrTx/>
-              <a:buSzTx/>
-              <a:buFontTx/>
-              <a:buNone/>
-              <a:tabLst/>
-            </a:pPr>
-            <a:r>
-              <a:rPr kumimoji="0" lang="en-US" altLang="en-US" sz="1800" b="0" i="0" u="none" strike="noStrike" cap="none" normalizeH="0" baseline="0" dirty="0" smtClean="0">
-                <a:ln>
-                  <a:noFill/>
-                </a:ln>
-                <a:solidFill>
-                  <a:srgbClr val="000000"/>
-                </a:solidFill>
-                <a:effectLst/>
-                <a:latin typeface="Consolas" panose="020B0609020204030204" pitchFamily="49" charset="0"/>
-                <a:cs typeface="Consolas" panose="020B0609020204030204" pitchFamily="49" charset="0"/>
-              </a:rPr>
-              <a:t> </a:t>
-            </a:r>
-            <a:r>
-              <a:rPr kumimoji="0" lang="en-US" altLang="en-US" sz="1800" b="0" i="0" u="none" strike="noStrike" cap="none" normalizeH="0" baseline="0" dirty="0" smtClean="0">
-                <a:ln>
-                  <a:noFill/>
-                </a:ln>
-                <a:solidFill>
-                  <a:srgbClr val="0000FF"/>
-                </a:solidFill>
-                <a:effectLst/>
-                <a:latin typeface="Consolas" panose="020B0609020204030204" pitchFamily="49" charset="0"/>
-                <a:cs typeface="Consolas" panose="020B0609020204030204" pitchFamily="49" charset="0"/>
-              </a:rPr>
-              <a:t>except</a:t>
-            </a:r>
-            <a:r>
-              <a:rPr kumimoji="0" lang="en-US" altLang="en-US" sz="1800" b="0" i="0" u="none" strike="noStrike" cap="none" normalizeH="0" baseline="0" dirty="0" smtClean="0">
-                <a:ln>
-                  <a:noFill/>
-                </a:ln>
-                <a:solidFill>
-                  <a:srgbClr val="000000"/>
-                </a:solidFill>
-                <a:effectLst/>
-                <a:latin typeface="Consolas" panose="020B0609020204030204" pitchFamily="49" charset="0"/>
-                <a:cs typeface="Consolas" panose="020B0609020204030204" pitchFamily="49" charset="0"/>
-              </a:rPr>
-              <a:t> :</a:t>
-            </a:r>
-          </a:p>
-          <a:p>
-            <a:pPr marL="0" marR="0" lvl="0" indent="0" algn="l" defTabSz="914400" rtl="0" eaLnBrk="0" fontAlgn="base" latinLnBrk="0" hangingPunct="0">
-              <a:lnSpc>
-                <a:spcPct val="100000"/>
-              </a:lnSpc>
-              <a:spcBef>
-                <a:spcPct val="0"/>
-              </a:spcBef>
-              <a:spcAft>
-                <a:spcPct val="0"/>
-              </a:spcAft>
-              <a:buClrTx/>
-              <a:buSzTx/>
-              <a:buFontTx/>
-              <a:buNone/>
-              <a:tabLst/>
-            </a:pPr>
-            <a:r>
-              <a:rPr kumimoji="0" lang="en-US" altLang="en-US" sz="1800" b="0" i="0" u="none" strike="noStrike" cap="none" normalizeH="0" baseline="0" dirty="0" smtClean="0">
-                <a:ln>
-                  <a:noFill/>
-                </a:ln>
-                <a:solidFill>
-                  <a:srgbClr val="000000"/>
-                </a:solidFill>
-                <a:effectLst/>
-                <a:latin typeface="Consolas" panose="020B0609020204030204" pitchFamily="49" charset="0"/>
-                <a:cs typeface="Consolas" panose="020B0609020204030204" pitchFamily="49" charset="0"/>
-              </a:rPr>
-              <a:t>     print (</a:t>
-            </a:r>
-            <a:r>
-              <a:rPr kumimoji="0" lang="en-US" altLang="en-US" sz="1800" b="0" i="0" u="none" strike="noStrike" cap="none" normalizeH="0" baseline="0" dirty="0" smtClean="0">
-                <a:ln>
-                  <a:noFill/>
-                </a:ln>
-                <a:solidFill>
-                  <a:srgbClr val="A31515"/>
-                </a:solidFill>
-                <a:effectLst/>
-                <a:latin typeface="Consolas" panose="020B0609020204030204" pitchFamily="49" charset="0"/>
-                <a:cs typeface="Consolas" panose="020B0609020204030204" pitchFamily="49" charset="0"/>
-              </a:rPr>
-              <a:t>'Could not connect'</a:t>
-            </a:r>
-            <a:r>
-              <a:rPr kumimoji="0" lang="en-US" altLang="en-US" sz="1800" b="0" i="0" u="none" strike="noStrike" cap="none" normalizeH="0" baseline="0" dirty="0" smtClean="0">
-                <a:ln>
-                  <a:noFill/>
-                </a:ln>
-                <a:solidFill>
-                  <a:srgbClr val="000000"/>
-                </a:solidFill>
-                <a:effectLst/>
-                <a:latin typeface="Consolas" panose="020B0609020204030204" pitchFamily="49" charset="0"/>
-                <a:cs typeface="Consolas" panose="020B0609020204030204" pitchFamily="49" charset="0"/>
-              </a:rPr>
-              <a:t>)  </a:t>
-            </a:r>
-            <a:r>
               <a:rPr kumimoji="0" lang="en-US" altLang="en-US" sz="1500" b="0" i="0" u="none" strike="noStrike" cap="none" normalizeH="0" baseline="0" dirty="0" smtClean="0">
                 <a:ln>
                   <a:noFill/>
@@ -9431,7 +9417,7 @@
                 <a:latin typeface="Consolas" panose="020B0609020204030204" pitchFamily="49" charset="0"/>
                 <a:cs typeface="Consolas" panose="020B0609020204030204" pitchFamily="49" charset="0"/>
               </a:rPr>
-              <a:t>         </a:t>
+              <a:t>       </a:t>
             </a:r>
             <a:endParaRPr kumimoji="0" lang="en-US" altLang="en-US" sz="1800" b="0" i="0" u="none" strike="noStrike" cap="none" normalizeH="0" baseline="0" dirty="0" smtClean="0">
               <a:ln>
@@ -11268,8 +11254,8 @@
         </p:nvSpPr>
         <p:spPr bwMode="auto">
           <a:xfrm>
-            <a:off x="451131" y="1834271"/>
-            <a:ext cx="10634643" cy="2246769"/>
+            <a:off x="451131" y="1187944"/>
+            <a:ext cx="11226150" cy="3539430"/>
           </a:xfrm>
           <a:prstGeom prst="rect">
             <a:avLst/>
@@ -11312,73 +11298,50 @@
           </a:bodyPr>
           <a:lstStyle/>
           <a:p>
-            <a:pPr marL="0" marR="0" lvl="0" indent="0" algn="l" defTabSz="914400" rtl="0" eaLnBrk="0" fontAlgn="base" latinLnBrk="0" hangingPunct="0">
-              <a:lnSpc>
-                <a:spcPct val="100000"/>
-              </a:lnSpc>
+            <a:pPr marL="0" lvl="0" indent="0" defTabSz="914400" eaLnBrk="0" fontAlgn="base" hangingPunct="0">
               <a:spcBef>
                 <a:spcPct val="0"/>
               </a:spcBef>
               <a:spcAft>
                 <a:spcPct val="0"/>
               </a:spcAft>
-              <a:buClrTx/>
-              <a:buSzTx/>
-              <a:buFontTx/>
               <a:buNone/>
-              <a:tabLst/>
             </a:pPr>
             <a:r>
-              <a:rPr kumimoji="0" lang="en-US" altLang="en-US" sz="2800" b="0" i="0" u="none" strike="noStrike" cap="none" normalizeH="0" baseline="0" dirty="0" err="1" smtClean="0">
-                <a:ln>
-                  <a:noFill/>
-                </a:ln>
-                <a:solidFill>
-                  <a:srgbClr val="000000"/>
-                </a:solidFill>
-                <a:effectLst/>
+              <a:rPr lang="en-US" altLang="en-US" sz="2800" dirty="0" err="1">
+                <a:solidFill>
+                  <a:srgbClr val="000000"/>
+                </a:solidFill>
                 <a:latin typeface="Consolas" panose="020B0609020204030204" pitchFamily="49" charset="0"/>
                 <a:cs typeface="Consolas" panose="020B0609020204030204" pitchFamily="49" charset="0"/>
               </a:rPr>
               <a:t>myCursor</a:t>
             </a:r>
             <a:r>
-              <a:rPr kumimoji="0" lang="en-US" altLang="en-US" sz="2800" b="0" i="0" u="none" strike="noStrike" cap="none" normalizeH="0" baseline="0" dirty="0" smtClean="0">
-                <a:ln>
-                  <a:noFill/>
-                </a:ln>
-                <a:solidFill>
-                  <a:srgbClr val="000000"/>
-                </a:solidFill>
-                <a:effectLst/>
+              <a:rPr lang="en-US" altLang="en-US" sz="2800" dirty="0">
+                <a:solidFill>
+                  <a:srgbClr val="000000"/>
+                </a:solidFill>
                 <a:latin typeface="Consolas" panose="020B0609020204030204" pitchFamily="49" charset="0"/>
                 <a:cs typeface="Consolas" panose="020B0609020204030204" pitchFamily="49" charset="0"/>
               </a:rPr>
               <a:t> = </a:t>
             </a:r>
             <a:r>
-              <a:rPr kumimoji="0" lang="en-US" altLang="en-US" sz="2800" b="0" i="0" u="none" strike="noStrike" cap="none" normalizeH="0" baseline="0" dirty="0" err="1" smtClean="0">
-                <a:ln>
-                  <a:noFill/>
-                </a:ln>
-                <a:solidFill>
-                  <a:srgbClr val="000000"/>
-                </a:solidFill>
-                <a:effectLst/>
+              <a:rPr lang="en-US" altLang="en-US" sz="2800" dirty="0" err="1">
+                <a:solidFill>
+                  <a:srgbClr val="000000"/>
+                </a:solidFill>
                 <a:latin typeface="Consolas" panose="020B0609020204030204" pitchFamily="49" charset="0"/>
                 <a:cs typeface="Consolas" panose="020B0609020204030204" pitchFamily="49" charset="0"/>
               </a:rPr>
               <a:t>myConnection.cursor</a:t>
             </a:r>
             <a:r>
-              <a:rPr kumimoji="0" lang="en-US" altLang="en-US" sz="2800" b="0" i="0" u="none" strike="noStrike" cap="none" normalizeH="0" baseline="0" dirty="0" smtClean="0">
-                <a:ln>
-                  <a:noFill/>
-                </a:ln>
-                <a:solidFill>
-                  <a:srgbClr val="000000"/>
-                </a:solidFill>
-                <a:effectLst/>
+              <a:rPr lang="en-US" altLang="en-US" sz="2800" dirty="0" smtClean="0">
+                <a:solidFill>
+                  <a:srgbClr val="000000"/>
+                </a:solidFill>
                 <a:latin typeface="Consolas" panose="020B0609020204030204" pitchFamily="49" charset="0"/>
                 <a:cs typeface="Consolas" panose="020B0609020204030204" pitchFamily="49" charset="0"/>
               </a:rPr>
@@ -11386,328 +11349,388 @@
             </a:r>
           </a:p>
           <a:p>
-            <a:pPr marL="0" marR="0" lvl="0" indent="0" algn="l" defTabSz="914400" rtl="0" eaLnBrk="0" fontAlgn="base" latinLnBrk="0" hangingPunct="0">
-              <a:lnSpc>
-                <a:spcPct val="100000"/>
-              </a:lnSpc>
+            <a:pPr marL="0" lvl="0" indent="0" defTabSz="914400" eaLnBrk="0" fontAlgn="base" hangingPunct="0">
               <a:spcBef>
                 <a:spcPct val="0"/>
               </a:spcBef>
               <a:spcAft>
                 <a:spcPct val="0"/>
               </a:spcAft>
-              <a:buClrTx/>
-              <a:buSzTx/>
-              <a:buFontTx/>
               <a:buNone/>
-              <a:tabLst/>
             </a:pPr>
-            <a:r>
-              <a:rPr kumimoji="0" lang="en-US" altLang="en-US" sz="2800" b="0" i="0" u="none" strike="noStrike" cap="none" normalizeH="0" baseline="0" dirty="0" err="1" smtClean="0">
-                <a:ln>
-                  <a:noFill/>
-                </a:ln>
-                <a:solidFill>
-                  <a:srgbClr val="000000"/>
-                </a:solidFill>
-                <a:effectLst/>
-                <a:latin typeface="Consolas" panose="020B0609020204030204" pitchFamily="49" charset="0"/>
-                <a:cs typeface="Consolas" panose="020B0609020204030204" pitchFamily="49" charset="0"/>
-              </a:rPr>
-              <a:t>mySQLCommand</a:t>
-            </a:r>
-            <a:r>
-              <a:rPr kumimoji="0" lang="en-US" altLang="en-US" sz="2800" b="0" i="0" u="none" strike="noStrike" cap="none" normalizeH="0" baseline="0" dirty="0" smtClean="0">
-                <a:ln>
-                  <a:noFill/>
-                </a:ln>
-                <a:solidFill>
-                  <a:srgbClr val="000000"/>
-                </a:solidFill>
-                <a:effectLst/>
-                <a:latin typeface="Consolas" panose="020B0609020204030204" pitchFamily="49" charset="0"/>
-                <a:cs typeface="Consolas" panose="020B0609020204030204" pitchFamily="49" charset="0"/>
-              </a:rPr>
-              <a:t> = (</a:t>
-            </a:r>
-            <a:r>
-              <a:rPr kumimoji="0" lang="en-US" altLang="en-US" sz="2800" b="0" i="0" u="none" strike="noStrike" cap="none" normalizeH="0" baseline="0" dirty="0" smtClean="0">
-                <a:ln>
-                  <a:noFill/>
-                </a:ln>
-                <a:solidFill>
-                  <a:srgbClr val="A31515"/>
-                </a:solidFill>
-                <a:effectLst/>
-                <a:latin typeface="Consolas" panose="020B0609020204030204" pitchFamily="49" charset="0"/>
-                <a:cs typeface="Consolas" panose="020B0609020204030204" pitchFamily="49" charset="0"/>
-              </a:rPr>
-              <a:t>"SELECT </a:t>
-            </a:r>
-            <a:r>
-              <a:rPr kumimoji="0" lang="en-US" altLang="en-US" sz="2800" b="0" i="0" u="none" strike="noStrike" cap="none" normalizeH="0" baseline="0" dirty="0" err="1" smtClean="0">
-                <a:ln>
-                  <a:noFill/>
-                </a:ln>
-                <a:solidFill>
-                  <a:srgbClr val="A31515"/>
-                </a:solidFill>
-                <a:effectLst/>
-                <a:latin typeface="Consolas" panose="020B0609020204030204" pitchFamily="49" charset="0"/>
-                <a:cs typeface="Consolas" panose="020B0609020204030204" pitchFamily="49" charset="0"/>
-              </a:rPr>
-              <a:t>description,correctAnswer</a:t>
-            </a:r>
-            <a:r>
-              <a:rPr kumimoji="0" lang="en-US" altLang="en-US" sz="2800" b="0" i="0" u="none" strike="noStrike" cap="none" normalizeH="0" baseline="0" dirty="0" smtClean="0">
-                <a:ln>
-                  <a:noFill/>
-                </a:ln>
-                <a:solidFill>
-                  <a:srgbClr val="A31515"/>
-                </a:solidFill>
-                <a:effectLst/>
-                <a:latin typeface="Consolas" panose="020B0609020204030204" pitchFamily="49" charset="0"/>
-                <a:cs typeface="Consolas" panose="020B0609020204030204" pitchFamily="49" charset="0"/>
-              </a:rPr>
-              <a:t> "</a:t>
-            </a:r>
-          </a:p>
-          <a:p>
-            <a:pPr marL="0" marR="0" lvl="0" indent="0" algn="l" defTabSz="914400" rtl="0" eaLnBrk="0" fontAlgn="base" latinLnBrk="0" hangingPunct="0">
-              <a:lnSpc>
-                <a:spcPct val="100000"/>
-              </a:lnSpc>
+            <a:endParaRPr lang="en-US" altLang="en-US" sz="2800" dirty="0" smtClean="0">
+              <a:solidFill>
+                <a:srgbClr val="000000"/>
+              </a:solidFill>
+              <a:latin typeface="Consolas" panose="020B0609020204030204" pitchFamily="49" charset="0"/>
+              <a:cs typeface="Consolas" panose="020B0609020204030204" pitchFamily="49" charset="0"/>
+            </a:endParaRPr>
+          </a:p>
+          <a:p>
+            <a:pPr marL="0" lvl="0" indent="0" defTabSz="914400" eaLnBrk="0" fontAlgn="base" hangingPunct="0">
               <a:spcBef>
                 <a:spcPct val="0"/>
               </a:spcBef>
               <a:spcAft>
                 <a:spcPct val="0"/>
               </a:spcAft>
-              <a:buClrTx/>
-              <a:buSzTx/>
-              <a:buFontTx/>
               <a:buNone/>
-              <a:tabLst/>
             </a:pPr>
             <a:r>
-              <a:rPr kumimoji="0" lang="en-US" altLang="en-US" sz="2800" b="0" i="0" u="none" strike="noStrike" cap="none" normalizeH="0" baseline="0" dirty="0" smtClean="0">
-                <a:ln>
-                  <a:noFill/>
-                </a:ln>
-                <a:solidFill>
-                  <a:srgbClr val="000000"/>
-                </a:solidFill>
-                <a:effectLst/>
-                <a:latin typeface="Consolas" panose="020B0609020204030204" pitchFamily="49" charset="0"/>
-                <a:cs typeface="Consolas" panose="020B0609020204030204" pitchFamily="49" charset="0"/>
-              </a:rPr>
-              <a:t>                </a:t>
-            </a:r>
-            <a:r>
-              <a:rPr kumimoji="0" lang="en-US" altLang="en-US" sz="2800" b="0" i="0" u="none" strike="noStrike" cap="none" normalizeH="0" baseline="0" dirty="0" smtClean="0">
-                <a:ln>
-                  <a:noFill/>
-                </a:ln>
+              <a:rPr lang="en-US" altLang="en-US" sz="2800" dirty="0" err="1" smtClean="0">
+                <a:solidFill>
+                  <a:srgbClr val="000000"/>
+                </a:solidFill>
+                <a:latin typeface="Consolas" panose="020B0609020204030204" pitchFamily="49" charset="0"/>
+                <a:cs typeface="Consolas" panose="020B0609020204030204" pitchFamily="49" charset="0"/>
+              </a:rPr>
+              <a:t>SQLSelectCommand</a:t>
+            </a:r>
+            <a:r>
+              <a:rPr lang="en-US" altLang="en-US" sz="2800" dirty="0">
+                <a:solidFill>
+                  <a:srgbClr val="000000"/>
+                </a:solidFill>
+                <a:latin typeface="Consolas" panose="020B0609020204030204" pitchFamily="49" charset="0"/>
+                <a:cs typeface="Consolas" panose="020B0609020204030204" pitchFamily="49" charset="0"/>
+              </a:rPr>
+              <a:t> = (</a:t>
+            </a:r>
+            <a:r>
+              <a:rPr lang="en-US" altLang="en-US" sz="2800" dirty="0">
                 <a:solidFill>
                   <a:srgbClr val="A31515"/>
                 </a:solidFill>
-                <a:effectLst/>
-                <a:latin typeface="Consolas" panose="020B0609020204030204" pitchFamily="49" charset="0"/>
-                <a:cs typeface="Consolas" panose="020B0609020204030204" pitchFamily="49" charset="0"/>
-              </a:rPr>
-              <a:t>"FROM questions "</a:t>
-            </a:r>
-          </a:p>
-          <a:p>
-            <a:pPr marL="0" marR="0" lvl="0" indent="0" algn="l" defTabSz="914400" rtl="0" eaLnBrk="0" fontAlgn="base" latinLnBrk="0" hangingPunct="0">
-              <a:lnSpc>
-                <a:spcPct val="100000"/>
-              </a:lnSpc>
+                <a:latin typeface="Consolas" panose="020B0609020204030204" pitchFamily="49" charset="0"/>
+                <a:cs typeface="Consolas" panose="020B0609020204030204" pitchFamily="49" charset="0"/>
+              </a:rPr>
+              <a:t>"SELECT description, </a:t>
+            </a:r>
+            <a:r>
+              <a:rPr lang="en-US" altLang="en-US" sz="2800" dirty="0" err="1">
+                <a:solidFill>
+                  <a:srgbClr val="A31515"/>
+                </a:solidFill>
+                <a:latin typeface="Consolas" panose="020B0609020204030204" pitchFamily="49" charset="0"/>
+                <a:cs typeface="Consolas" panose="020B0609020204030204" pitchFamily="49" charset="0"/>
+              </a:rPr>
+              <a:t>correctAnswer</a:t>
+            </a:r>
+            <a:r>
+              <a:rPr lang="en-US" altLang="en-US" sz="2800" dirty="0">
+                <a:solidFill>
+                  <a:srgbClr val="A31515"/>
+                </a:solidFill>
+                <a:latin typeface="Consolas" panose="020B0609020204030204" pitchFamily="49" charset="0"/>
+                <a:cs typeface="Consolas" panose="020B0609020204030204" pitchFamily="49" charset="0"/>
+              </a:rPr>
+              <a:t> </a:t>
+            </a:r>
+            <a:r>
+              <a:rPr lang="en-US" altLang="en-US" sz="2800" dirty="0" smtClean="0">
+                <a:solidFill>
+                  <a:srgbClr val="A31515"/>
+                </a:solidFill>
+                <a:latin typeface="Consolas" panose="020B0609020204030204" pitchFamily="49" charset="0"/>
+                <a:cs typeface="Consolas" panose="020B0609020204030204" pitchFamily="49" charset="0"/>
+              </a:rPr>
+              <a:t>"</a:t>
+            </a:r>
+          </a:p>
+          <a:p>
+            <a:pPr marL="0" lvl="0" indent="0" defTabSz="914400" eaLnBrk="0" fontAlgn="base" hangingPunct="0">
               <a:spcBef>
                 <a:spcPct val="0"/>
               </a:spcBef>
               <a:spcAft>
                 <a:spcPct val="0"/>
               </a:spcAft>
-              <a:buClrTx/>
-              <a:buSzTx/>
-              <a:buFontTx/>
               <a:buNone/>
-              <a:tabLst/>
             </a:pPr>
             <a:r>
-              <a:rPr kumimoji="0" lang="en-US" altLang="en-US" sz="2800" b="0" i="0" u="none" strike="noStrike" cap="none" normalizeH="0" baseline="0" dirty="0" smtClean="0">
-                <a:ln>
-                  <a:noFill/>
-                </a:ln>
-                <a:solidFill>
-                  <a:srgbClr val="000000"/>
-                </a:solidFill>
-                <a:effectLst/>
-                <a:latin typeface="Consolas" panose="020B0609020204030204" pitchFamily="49" charset="0"/>
-                <a:cs typeface="Consolas" panose="020B0609020204030204" pitchFamily="49" charset="0"/>
-              </a:rPr>
-              <a:t>                </a:t>
-            </a:r>
-            <a:r>
-              <a:rPr kumimoji="0" lang="en-US" altLang="en-US" sz="2800" b="0" i="0" u="none" strike="noStrike" cap="none" normalizeH="0" baseline="0" dirty="0" smtClean="0">
-                <a:ln>
-                  <a:noFill/>
-                </a:ln>
+              <a:rPr lang="en-US" altLang="en-US" sz="2800" dirty="0" smtClean="0">
+                <a:solidFill>
+                  <a:srgbClr val="000000"/>
+                </a:solidFill>
+                <a:latin typeface="Consolas" panose="020B0609020204030204" pitchFamily="49" charset="0"/>
+                <a:cs typeface="Consolas" panose="020B0609020204030204" pitchFamily="49" charset="0"/>
+              </a:rPr>
+              <a:t> </a:t>
+            </a:r>
+            <a:r>
+              <a:rPr lang="en-US" altLang="en-US" sz="2800" dirty="0">
+                <a:solidFill>
+                  <a:srgbClr val="000000"/>
+                </a:solidFill>
+                <a:latin typeface="Consolas" panose="020B0609020204030204" pitchFamily="49" charset="0"/>
+                <a:cs typeface="Consolas" panose="020B0609020204030204" pitchFamily="49" charset="0"/>
+              </a:rPr>
+              <a:t>                   </a:t>
+            </a:r>
+            <a:r>
+              <a:rPr lang="en-US" altLang="en-US" sz="2800" dirty="0" smtClean="0">
                 <a:solidFill>
                   <a:srgbClr val="A31515"/>
                 </a:solidFill>
-                <a:effectLst/>
-                <a:latin typeface="Consolas" panose="020B0609020204030204" pitchFamily="49" charset="0"/>
-                <a:cs typeface="Consolas" panose="020B0609020204030204" pitchFamily="49" charset="0"/>
-              </a:rPr>
-              <a:t>"WHERE </a:t>
-            </a:r>
-            <a:r>
-              <a:rPr kumimoji="0" lang="en-US" altLang="en-US" sz="2800" b="0" i="0" u="none" strike="noStrike" cap="none" normalizeH="0" baseline="0" dirty="0" err="1" smtClean="0">
-                <a:ln>
-                  <a:noFill/>
-                </a:ln>
+                <a:latin typeface="Consolas" panose="020B0609020204030204" pitchFamily="49" charset="0"/>
+                <a:cs typeface="Consolas" panose="020B0609020204030204" pitchFamily="49" charset="0"/>
+              </a:rPr>
+              <a:t>"</a:t>
+            </a:r>
+            <a:r>
+              <a:rPr lang="en-US" altLang="en-US" sz="2800" dirty="0">
                 <a:solidFill>
                   <a:srgbClr val="A31515"/>
                 </a:solidFill>
-                <a:effectLst/>
-                <a:latin typeface="Consolas" panose="020B0609020204030204" pitchFamily="49" charset="0"/>
-                <a:cs typeface="Consolas" panose="020B0609020204030204" pitchFamily="49" charset="0"/>
-              </a:rPr>
-              <a:t>QuestionName</a:t>
-            </a:r>
-            <a:r>
-              <a:rPr kumimoji="0" lang="en-US" altLang="en-US" sz="2800" b="0" i="0" u="none" strike="noStrike" cap="none" normalizeH="0" baseline="0" dirty="0" smtClean="0">
-                <a:ln>
-                  <a:noFill/>
-                </a:ln>
+                <a:latin typeface="Consolas" panose="020B0609020204030204" pitchFamily="49" charset="0"/>
+                <a:cs typeface="Consolas" panose="020B0609020204030204" pitchFamily="49" charset="0"/>
+              </a:rPr>
+              <a:t>FROM questions </a:t>
+            </a:r>
+            <a:r>
+              <a:rPr lang="en-US" altLang="en-US" sz="2800" dirty="0" smtClean="0">
                 <a:solidFill>
                   <a:srgbClr val="A31515"/>
                 </a:solidFill>
-                <a:effectLst/>
-                <a:latin typeface="Consolas" panose="020B0609020204030204" pitchFamily="49" charset="0"/>
-                <a:cs typeface="Consolas" panose="020B0609020204030204" pitchFamily="49" charset="0"/>
-              </a:rPr>
-              <a:t> = '</a:t>
-            </a:r>
-            <a:r>
-              <a:rPr kumimoji="0" lang="en-US" altLang="en-US" sz="2800" b="0" i="0" u="none" strike="noStrike" cap="none" normalizeH="0" baseline="0" dirty="0" err="1" smtClean="0">
-                <a:ln>
-                  <a:noFill/>
-                </a:ln>
-                <a:solidFill>
-                  <a:srgbClr val="A31515"/>
-                </a:solidFill>
-                <a:effectLst/>
-                <a:latin typeface="Consolas" panose="020B0609020204030204" pitchFamily="49" charset="0"/>
-                <a:cs typeface="Consolas" panose="020B0609020204030204" pitchFamily="49" charset="0"/>
-              </a:rPr>
-              <a:t>HockeyFact</a:t>
-            </a:r>
-            <a:r>
-              <a:rPr kumimoji="0" lang="en-US" altLang="en-US" sz="2800" b="0" i="0" u="none" strike="noStrike" cap="none" normalizeH="0" baseline="0" dirty="0" smtClean="0">
-                <a:ln>
-                  <a:noFill/>
-                </a:ln>
-                <a:solidFill>
-                  <a:srgbClr val="A31515"/>
-                </a:solidFill>
-                <a:effectLst/>
-                <a:latin typeface="Consolas" panose="020B0609020204030204" pitchFamily="49" charset="0"/>
-                <a:cs typeface="Consolas" panose="020B0609020204030204" pitchFamily="49" charset="0"/>
-              </a:rPr>
-              <a:t>'"</a:t>
-            </a:r>
-            <a:r>
-              <a:rPr kumimoji="0" lang="en-US" altLang="en-US" sz="2800" b="0" i="0" u="none" strike="noStrike" cap="none" normalizeH="0" baseline="0" dirty="0" smtClean="0">
-                <a:ln>
-                  <a:noFill/>
-                </a:ln>
-                <a:solidFill>
-                  <a:srgbClr val="000000"/>
-                </a:solidFill>
-                <a:effectLst/>
-                <a:latin typeface="Consolas" panose="020B0609020204030204" pitchFamily="49" charset="0"/>
-                <a:cs typeface="Consolas" panose="020B0609020204030204" pitchFamily="49" charset="0"/>
-              </a:rPr>
-              <a:t>)</a:t>
-            </a:r>
-          </a:p>
-          <a:p>
-            <a:pPr marL="0" marR="0" lvl="0" indent="0" algn="l" defTabSz="914400" rtl="0" eaLnBrk="0" fontAlgn="base" latinLnBrk="0" hangingPunct="0">
-              <a:lnSpc>
-                <a:spcPct val="100000"/>
-              </a:lnSpc>
+                <a:latin typeface="Consolas" panose="020B0609020204030204" pitchFamily="49" charset="0"/>
+                <a:cs typeface="Consolas" panose="020B0609020204030204" pitchFamily="49" charset="0"/>
+              </a:rPr>
+              <a:t>"</a:t>
+            </a:r>
+          </a:p>
+          <a:p>
+            <a:pPr marL="0" lvl="0" indent="0" defTabSz="914400" eaLnBrk="0" fontAlgn="base" hangingPunct="0">
               <a:spcBef>
                 <a:spcPct val="0"/>
               </a:spcBef>
               <a:spcAft>
                 <a:spcPct val="0"/>
               </a:spcAft>
-              <a:buClrTx/>
-              <a:buSzTx/>
-              <a:buFontTx/>
               <a:buNone/>
-              <a:tabLst/>
             </a:pPr>
             <a:r>
-              <a:rPr kumimoji="0" lang="en-US" altLang="en-US" sz="2800" b="0" i="0" u="none" strike="noStrike" cap="none" normalizeH="0" baseline="0" dirty="0" err="1" smtClean="0">
-                <a:ln>
-                  <a:noFill/>
-                </a:ln>
-                <a:solidFill>
-                  <a:srgbClr val="000000"/>
-                </a:solidFill>
-                <a:effectLst/>
+              <a:rPr lang="en-US" altLang="en-US" sz="2800" dirty="0" smtClean="0">
+                <a:solidFill>
+                  <a:srgbClr val="000000"/>
+                </a:solidFill>
+                <a:latin typeface="Consolas" panose="020B0609020204030204" pitchFamily="49" charset="0"/>
+                <a:cs typeface="Consolas" panose="020B0609020204030204" pitchFamily="49" charset="0"/>
+              </a:rPr>
+              <a:t> </a:t>
+            </a:r>
+            <a:r>
+              <a:rPr lang="en-US" altLang="en-US" sz="2800" dirty="0">
+                <a:solidFill>
+                  <a:srgbClr val="000000"/>
+                </a:solidFill>
+                <a:latin typeface="Consolas" panose="020B0609020204030204" pitchFamily="49" charset="0"/>
+                <a:cs typeface="Consolas" panose="020B0609020204030204" pitchFamily="49" charset="0"/>
+              </a:rPr>
+              <a:t>                   </a:t>
+            </a:r>
+            <a:r>
+              <a:rPr lang="en-US" altLang="en-US" sz="2800" dirty="0" smtClean="0">
+                <a:solidFill>
+                  <a:srgbClr val="A31515"/>
+                </a:solidFill>
+                <a:latin typeface="Consolas" panose="020B0609020204030204" pitchFamily="49" charset="0"/>
+                <a:cs typeface="Consolas" panose="020B0609020204030204" pitchFamily="49" charset="0"/>
+              </a:rPr>
+              <a:t>"</a:t>
+            </a:r>
+            <a:r>
+              <a:rPr lang="en-US" altLang="en-US" sz="2800" dirty="0">
+                <a:solidFill>
+                  <a:srgbClr val="A31515"/>
+                </a:solidFill>
+                <a:latin typeface="Consolas" panose="020B0609020204030204" pitchFamily="49" charset="0"/>
+                <a:cs typeface="Consolas" panose="020B0609020204030204" pitchFamily="49" charset="0"/>
+              </a:rPr>
+              <a:t>WHERE </a:t>
+            </a:r>
+            <a:r>
+              <a:rPr lang="en-US" altLang="en-US" sz="2800" dirty="0" err="1">
+                <a:solidFill>
+                  <a:srgbClr val="A31515"/>
+                </a:solidFill>
+                <a:latin typeface="Consolas" panose="020B0609020204030204" pitchFamily="49" charset="0"/>
+                <a:cs typeface="Consolas" panose="020B0609020204030204" pitchFamily="49" charset="0"/>
+              </a:rPr>
+              <a:t>questionName</a:t>
+            </a:r>
+            <a:r>
+              <a:rPr lang="en-US" altLang="en-US" sz="2800" dirty="0">
+                <a:solidFill>
+                  <a:srgbClr val="A31515"/>
+                </a:solidFill>
+                <a:latin typeface="Consolas" panose="020B0609020204030204" pitchFamily="49" charset="0"/>
+                <a:cs typeface="Consolas" panose="020B0609020204030204" pitchFamily="49" charset="0"/>
+              </a:rPr>
+              <a:t> = </a:t>
+            </a:r>
+            <a:r>
+              <a:rPr lang="en-US" altLang="en-US" sz="2800" dirty="0" smtClean="0">
+                <a:solidFill>
+                  <a:srgbClr val="A31515"/>
+                </a:solidFill>
+                <a:latin typeface="Consolas" panose="020B0609020204030204" pitchFamily="49" charset="0"/>
+                <a:cs typeface="Consolas" panose="020B0609020204030204" pitchFamily="49" charset="0"/>
+              </a:rPr>
+              <a:t>?"</a:t>
+            </a:r>
+            <a:r>
+              <a:rPr lang="en-US" altLang="en-US" sz="2800" dirty="0" smtClean="0">
+                <a:solidFill>
+                  <a:srgbClr val="000000"/>
+                </a:solidFill>
+                <a:latin typeface="Consolas" panose="020B0609020204030204" pitchFamily="49" charset="0"/>
+                <a:cs typeface="Consolas" panose="020B0609020204030204" pitchFamily="49" charset="0"/>
+              </a:rPr>
+              <a:t>)</a:t>
+            </a:r>
+          </a:p>
+          <a:p>
+            <a:pPr marL="0" lvl="0" indent="0" defTabSz="914400" eaLnBrk="0" fontAlgn="base" hangingPunct="0">
+              <a:spcBef>
+                <a:spcPct val="0"/>
+              </a:spcBef>
+              <a:spcAft>
+                <a:spcPct val="0"/>
+              </a:spcAft>
+              <a:buNone/>
+            </a:pPr>
+            <a:r>
+              <a:rPr lang="en-US" altLang="en-US" sz="2800" dirty="0" smtClean="0">
+                <a:solidFill>
+                  <a:srgbClr val="000000"/>
+                </a:solidFill>
+                <a:latin typeface="Consolas" panose="020B0609020204030204" pitchFamily="49" charset="0"/>
+                <a:cs typeface="Consolas" panose="020B0609020204030204" pitchFamily="49" charset="0"/>
+              </a:rPr>
+              <a:t>Values</a:t>
+            </a:r>
+            <a:r>
+              <a:rPr lang="en-US" altLang="en-US" sz="2800" dirty="0">
+                <a:solidFill>
+                  <a:srgbClr val="000000"/>
+                </a:solidFill>
+                <a:latin typeface="Consolas" panose="020B0609020204030204" pitchFamily="49" charset="0"/>
+                <a:cs typeface="Consolas" panose="020B0609020204030204" pitchFamily="49" charset="0"/>
+              </a:rPr>
+              <a:t> = [</a:t>
+            </a:r>
+            <a:r>
+              <a:rPr lang="en-US" altLang="en-US" sz="2800" dirty="0">
+                <a:solidFill>
+                  <a:srgbClr val="A31515"/>
+                </a:solidFill>
+                <a:latin typeface="Consolas" panose="020B0609020204030204" pitchFamily="49" charset="0"/>
+                <a:cs typeface="Consolas" panose="020B0609020204030204" pitchFamily="49" charset="0"/>
+              </a:rPr>
+              <a:t>'</a:t>
+            </a:r>
+            <a:r>
+              <a:rPr lang="en-US" altLang="en-US" sz="2800" dirty="0" err="1">
+                <a:solidFill>
+                  <a:srgbClr val="A31515"/>
+                </a:solidFill>
+                <a:latin typeface="Consolas" panose="020B0609020204030204" pitchFamily="49" charset="0"/>
+                <a:cs typeface="Consolas" panose="020B0609020204030204" pitchFamily="49" charset="0"/>
+              </a:rPr>
+              <a:t>HockeyTrivia</a:t>
+            </a:r>
+            <a:r>
+              <a:rPr lang="en-US" altLang="en-US" sz="2800" dirty="0" smtClean="0">
+                <a:solidFill>
+                  <a:srgbClr val="A31515"/>
+                </a:solidFill>
+                <a:latin typeface="Consolas" panose="020B0609020204030204" pitchFamily="49" charset="0"/>
+                <a:cs typeface="Consolas" panose="020B0609020204030204" pitchFamily="49" charset="0"/>
+              </a:rPr>
+              <a:t>'</a:t>
+            </a:r>
+            <a:r>
+              <a:rPr lang="en-US" altLang="en-US" sz="2800" dirty="0" smtClean="0">
+                <a:solidFill>
+                  <a:srgbClr val="000000"/>
+                </a:solidFill>
+                <a:latin typeface="Consolas" panose="020B0609020204030204" pitchFamily="49" charset="0"/>
+                <a:cs typeface="Consolas" panose="020B0609020204030204" pitchFamily="49" charset="0"/>
+              </a:rPr>
+              <a:t>]</a:t>
+            </a:r>
+          </a:p>
+          <a:p>
+            <a:pPr marL="0" lvl="0" indent="0" defTabSz="914400" eaLnBrk="0" fontAlgn="base" hangingPunct="0">
+              <a:spcBef>
+                <a:spcPct val="0"/>
+              </a:spcBef>
+              <a:spcAft>
+                <a:spcPct val="0"/>
+              </a:spcAft>
+              <a:buNone/>
+            </a:pPr>
+            <a:endParaRPr lang="en-US" altLang="en-US" sz="2800" dirty="0" smtClean="0">
+              <a:solidFill>
+                <a:srgbClr val="000000"/>
+              </a:solidFill>
+              <a:latin typeface="Consolas" panose="020B0609020204030204" pitchFamily="49" charset="0"/>
+              <a:cs typeface="Consolas" panose="020B0609020204030204" pitchFamily="49" charset="0"/>
+            </a:endParaRPr>
+          </a:p>
+          <a:p>
+            <a:pPr marL="0" lvl="0" indent="0" defTabSz="914400" eaLnBrk="0" fontAlgn="base" hangingPunct="0">
+              <a:spcBef>
+                <a:spcPct val="0"/>
+              </a:spcBef>
+              <a:spcAft>
+                <a:spcPct val="0"/>
+              </a:spcAft>
+              <a:buNone/>
+            </a:pPr>
+            <a:r>
+              <a:rPr lang="en-US" altLang="en-US" sz="2800" dirty="0" err="1" smtClean="0">
+                <a:solidFill>
+                  <a:srgbClr val="000000"/>
+                </a:solidFill>
                 <a:latin typeface="Consolas" panose="020B0609020204030204" pitchFamily="49" charset="0"/>
                 <a:cs typeface="Consolas" panose="020B0609020204030204" pitchFamily="49" charset="0"/>
               </a:rPr>
               <a:t>myCursor.execute</a:t>
             </a:r>
             <a:r>
-              <a:rPr kumimoji="0" lang="en-US" altLang="en-US" sz="2800" b="0" i="0" u="none" strike="noStrike" cap="none" normalizeH="0" baseline="0" dirty="0" smtClean="0">
-                <a:ln>
-                  <a:noFill/>
-                </a:ln>
-                <a:solidFill>
-                  <a:srgbClr val="000000"/>
-                </a:solidFill>
-                <a:effectLst/>
+              <a:rPr lang="en-US" altLang="en-US" sz="2800" dirty="0" smtClean="0">
+                <a:solidFill>
+                  <a:srgbClr val="000000"/>
+                </a:solidFill>
                 <a:latin typeface="Consolas" panose="020B0609020204030204" pitchFamily="49" charset="0"/>
                 <a:cs typeface="Consolas" panose="020B0609020204030204" pitchFamily="49" charset="0"/>
               </a:rPr>
               <a:t>(</a:t>
             </a:r>
             <a:r>
-              <a:rPr kumimoji="0" lang="en-US" altLang="en-US" sz="2800" b="0" i="0" u="none" strike="noStrike" cap="none" normalizeH="0" baseline="0" dirty="0" err="1" smtClean="0">
-                <a:ln>
-                  <a:noFill/>
-                </a:ln>
-                <a:solidFill>
-                  <a:srgbClr val="000000"/>
-                </a:solidFill>
-                <a:effectLst/>
-                <a:latin typeface="Consolas" panose="020B0609020204030204" pitchFamily="49" charset="0"/>
-                <a:cs typeface="Consolas" panose="020B0609020204030204" pitchFamily="49" charset="0"/>
-              </a:rPr>
-              <a:t>mySQLCommand</a:t>
-            </a:r>
-            <a:r>
-              <a:rPr kumimoji="0" lang="en-US" altLang="en-US" sz="2800" b="0" i="0" u="none" strike="noStrike" cap="none" normalizeH="0" baseline="0" dirty="0" smtClean="0">
-                <a:ln>
-                  <a:noFill/>
-                </a:ln>
-                <a:solidFill>
-                  <a:srgbClr val="000000"/>
-                </a:solidFill>
-                <a:effectLst/>
+              <a:rPr lang="en-US" altLang="en-US" sz="2800" dirty="0" err="1" smtClean="0">
+                <a:solidFill>
+                  <a:srgbClr val="000000"/>
+                </a:solidFill>
+                <a:latin typeface="Consolas" panose="020B0609020204030204" pitchFamily="49" charset="0"/>
+                <a:cs typeface="Consolas" panose="020B0609020204030204" pitchFamily="49" charset="0"/>
+              </a:rPr>
+              <a:t>SQLSelectCommand,Values</a:t>
+            </a:r>
+            <a:r>
+              <a:rPr lang="en-US" altLang="en-US" sz="2800" dirty="0">
+                <a:solidFill>
+                  <a:srgbClr val="000000"/>
+                </a:solidFill>
                 <a:latin typeface="Consolas" panose="020B0609020204030204" pitchFamily="49" charset="0"/>
                 <a:cs typeface="Consolas" panose="020B0609020204030204" pitchFamily="49" charset="0"/>
               </a:rPr>
               <a:t>)</a:t>
             </a:r>
+            <a:endParaRPr lang="en-US" altLang="en-US" sz="2800" dirty="0">
+              <a:latin typeface="Arial" panose="020B0604020202020204" pitchFamily="34" charset="0"/>
+            </a:endParaRPr>
           </a:p>
         </p:txBody>
       </p:sp>
@@ -13221,8 +13244,8 @@
         </p:nvSpPr>
         <p:spPr bwMode="auto">
           <a:xfrm>
-            <a:off x="3173455" y="1423517"/>
-            <a:ext cx="4839786" cy="2246769"/>
+            <a:off x="3173455" y="1423519"/>
+            <a:ext cx="5968301" cy="2246769"/>
           </a:xfrm>
           <a:prstGeom prst="rect">
             <a:avLst/>
@@ -13265,73 +13288,50 @@
           </a:bodyPr>
           <a:lstStyle/>
           <a:p>
-            <a:pPr marL="0" marR="0" lvl="0" indent="0" algn="l" defTabSz="914400" rtl="0" eaLnBrk="0" fontAlgn="base" latinLnBrk="0" hangingPunct="0">
-              <a:lnSpc>
-                <a:spcPct val="100000"/>
-              </a:lnSpc>
+            <a:pPr marL="0" lvl="0" indent="0" defTabSz="914400" eaLnBrk="0" fontAlgn="base" hangingPunct="0">
               <a:spcBef>
                 <a:spcPct val="0"/>
               </a:spcBef>
               <a:spcAft>
                 <a:spcPct val="0"/>
               </a:spcAft>
-              <a:buClrTx/>
-              <a:buSzTx/>
-              <a:buFontTx/>
               <a:buNone/>
-              <a:tabLst/>
             </a:pPr>
             <a:r>
-              <a:rPr kumimoji="0" lang="en-US" altLang="en-US" sz="2000" b="0" i="0" u="none" strike="noStrike" cap="none" normalizeH="0" baseline="0" dirty="0" err="1" smtClean="0">
-                <a:ln>
-                  <a:noFill/>
-                </a:ln>
-                <a:solidFill>
-                  <a:srgbClr val="000000"/>
-                </a:solidFill>
-                <a:effectLst/>
+              <a:rPr lang="en-US" altLang="en-US" sz="2000" b="0" dirty="0" err="1">
+                <a:solidFill>
+                  <a:srgbClr val="000000"/>
+                </a:solidFill>
                 <a:latin typeface="Consolas" panose="020B0609020204030204" pitchFamily="49" charset="0"/>
                 <a:cs typeface="Consolas" panose="020B0609020204030204" pitchFamily="49" charset="0"/>
               </a:rPr>
               <a:t>myCursor.execute</a:t>
             </a:r>
             <a:r>
-              <a:rPr kumimoji="0" lang="en-US" altLang="en-US" sz="2000" b="0" i="0" u="none" strike="noStrike" cap="none" normalizeH="0" baseline="0" dirty="0" smtClean="0">
-                <a:ln>
-                  <a:noFill/>
-                </a:ln>
-                <a:solidFill>
-                  <a:srgbClr val="000000"/>
-                </a:solidFill>
-                <a:effectLst/>
+              <a:rPr lang="en-US" altLang="en-US" sz="2000" b="0" dirty="0">
+                <a:solidFill>
+                  <a:srgbClr val="000000"/>
+                </a:solidFill>
                 <a:latin typeface="Consolas" panose="020B0609020204030204" pitchFamily="49" charset="0"/>
                 <a:cs typeface="Consolas" panose="020B0609020204030204" pitchFamily="49" charset="0"/>
               </a:rPr>
               <a:t>(</a:t>
             </a:r>
             <a:r>
-              <a:rPr kumimoji="0" lang="en-US" altLang="en-US" sz="2000" b="0" i="0" u="none" strike="noStrike" cap="none" normalizeH="0" baseline="0" dirty="0" err="1" smtClean="0">
-                <a:ln>
-                  <a:noFill/>
-                </a:ln>
-                <a:solidFill>
-                  <a:srgbClr val="000000"/>
-                </a:solidFill>
-                <a:effectLst/>
-                <a:latin typeface="Consolas" panose="020B0609020204030204" pitchFamily="49" charset="0"/>
-                <a:cs typeface="Consolas" panose="020B0609020204030204" pitchFamily="49" charset="0"/>
-              </a:rPr>
-              <a:t>mySQLCommand</a:t>
-            </a:r>
-            <a:r>
-              <a:rPr kumimoji="0" lang="en-US" altLang="en-US" sz="2000" b="0" i="0" u="none" strike="noStrike" cap="none" normalizeH="0" baseline="0" dirty="0" smtClean="0">
-                <a:ln>
-                  <a:noFill/>
-                </a:ln>
-                <a:solidFill>
-                  <a:srgbClr val="000000"/>
-                </a:solidFill>
-                <a:effectLst/>
+              <a:rPr lang="en-US" altLang="en-US" sz="2000" b="0" dirty="0" err="1">
+                <a:solidFill>
+                  <a:srgbClr val="000000"/>
+                </a:solidFill>
+                <a:latin typeface="Consolas" panose="020B0609020204030204" pitchFamily="49" charset="0"/>
+                <a:cs typeface="Consolas" panose="020B0609020204030204" pitchFamily="49" charset="0"/>
+              </a:rPr>
+              <a:t>SQLSelectCommand,Values</a:t>
+            </a:r>
+            <a:r>
+              <a:rPr lang="en-US" altLang="en-US" sz="2000" b="0" dirty="0" smtClean="0">
+                <a:solidFill>
+                  <a:srgbClr val="000000"/>
+                </a:solidFill>
                 <a:latin typeface="Consolas" panose="020B0609020204030204" pitchFamily="49" charset="0"/>
                 <a:cs typeface="Consolas" panose="020B0609020204030204" pitchFamily="49" charset="0"/>
               </a:rPr>
@@ -13339,88 +13339,68 @@
             </a:r>
           </a:p>
           <a:p>
-            <a:pPr marL="0" marR="0" lvl="0" indent="0" algn="l" defTabSz="914400" rtl="0" eaLnBrk="0" fontAlgn="base" latinLnBrk="0" hangingPunct="0">
-              <a:lnSpc>
-                <a:spcPct val="100000"/>
-              </a:lnSpc>
+            <a:pPr marL="0" lvl="0" indent="0" defTabSz="914400" eaLnBrk="0" fontAlgn="base" hangingPunct="0">
               <a:spcBef>
                 <a:spcPct val="0"/>
               </a:spcBef>
               <a:spcAft>
                 <a:spcPct val="0"/>
               </a:spcAft>
-              <a:buClrTx/>
-              <a:buSzTx/>
-              <a:buFontTx/>
               <a:buNone/>
-              <a:tabLst/>
             </a:pPr>
-            <a:endParaRPr kumimoji="0" lang="en-US" altLang="en-US" sz="2000" b="0" i="0" u="none" strike="noStrike" cap="none" normalizeH="0" baseline="0" dirty="0" smtClean="0">
-              <a:ln>
-                <a:noFill/>
-              </a:ln>
+            <a:endParaRPr lang="en-US" altLang="en-US" sz="2000" b="0" dirty="0" smtClean="0">
               <a:solidFill>
                 <a:srgbClr val="000000"/>
               </a:solidFill>
-              <a:effectLst/>
               <a:latin typeface="Consolas" panose="020B0609020204030204" pitchFamily="49" charset="0"/>
               <a:cs typeface="Consolas" panose="020B0609020204030204" pitchFamily="49" charset="0"/>
             </a:endParaRPr>
           </a:p>
           <a:p>
-            <a:pPr marL="0" marR="0" lvl="0" indent="0" algn="l" defTabSz="914400" rtl="0" eaLnBrk="0" fontAlgn="base" latinLnBrk="0" hangingPunct="0">
-              <a:lnSpc>
-                <a:spcPct val="100000"/>
-              </a:lnSpc>
+            <a:pPr marL="0" lvl="0" indent="0" defTabSz="914400" eaLnBrk="0" fontAlgn="base" hangingPunct="0">
               <a:spcBef>
                 <a:spcPct val="0"/>
               </a:spcBef>
               <a:spcAft>
                 <a:spcPct val="0"/>
               </a:spcAft>
-              <a:buClrTx/>
-              <a:buSzTx/>
-              <a:buFontTx/>
               <a:buNone/>
-              <a:tabLst/>
             </a:pPr>
             <a:r>
-              <a:rPr kumimoji="0" lang="en-US" altLang="en-US" sz="2000" b="0" i="0" u="none" strike="noStrike" cap="none" normalizeH="0" baseline="0" dirty="0" smtClean="0">
-                <a:ln>
-                  <a:noFill/>
-                </a:ln>
-                <a:solidFill>
-                  <a:srgbClr val="000000"/>
-                </a:solidFill>
-                <a:effectLst/>
-                <a:latin typeface="Consolas" panose="020B0609020204030204" pitchFamily="49" charset="0"/>
-                <a:cs typeface="Consolas" panose="020B0609020204030204" pitchFamily="49" charset="0"/>
-              </a:rPr>
-              <a:t>results = </a:t>
-            </a:r>
-            <a:r>
-              <a:rPr kumimoji="0" lang="en-US" altLang="en-US" sz="2000" b="0" i="0" u="none" strike="noStrike" cap="none" normalizeH="0" baseline="0" dirty="0" err="1" smtClean="0">
-                <a:ln>
-                  <a:noFill/>
-                </a:ln>
-                <a:solidFill>
-                  <a:srgbClr val="000000"/>
-                </a:solidFill>
-                <a:effectLst/>
+              <a:rPr lang="en-US" altLang="en-US" sz="2000" b="0" dirty="0" smtClean="0">
+                <a:solidFill>
+                  <a:srgbClr val="000000"/>
+                </a:solidFill>
+                <a:latin typeface="Consolas" panose="020B0609020204030204" pitchFamily="49" charset="0"/>
+                <a:cs typeface="Consolas" panose="020B0609020204030204" pitchFamily="49" charset="0"/>
+              </a:rPr>
+              <a:t>results</a:t>
+            </a:r>
+            <a:r>
+              <a:rPr lang="en-US" altLang="en-US" sz="2000" b="0" dirty="0">
+                <a:solidFill>
+                  <a:srgbClr val="000000"/>
+                </a:solidFill>
+                <a:latin typeface="Consolas" panose="020B0609020204030204" pitchFamily="49" charset="0"/>
+                <a:cs typeface="Consolas" panose="020B0609020204030204" pitchFamily="49" charset="0"/>
+              </a:rPr>
+              <a:t> = </a:t>
+            </a:r>
+            <a:r>
+              <a:rPr lang="en-US" altLang="en-US" sz="2000" b="0" dirty="0" err="1">
+                <a:solidFill>
+                  <a:srgbClr val="000000"/>
+                </a:solidFill>
                 <a:latin typeface="Consolas" panose="020B0609020204030204" pitchFamily="49" charset="0"/>
                 <a:cs typeface="Consolas" panose="020B0609020204030204" pitchFamily="49" charset="0"/>
               </a:rPr>
               <a:t>myCursor.fetchone</a:t>
             </a:r>
             <a:r>
-              <a:rPr kumimoji="0" lang="en-US" altLang="en-US" sz="2000" b="0" i="0" u="none" strike="noStrike" cap="none" normalizeH="0" baseline="0" dirty="0" smtClean="0">
-                <a:ln>
-                  <a:noFill/>
-                </a:ln>
-                <a:solidFill>
-                  <a:srgbClr val="000000"/>
-                </a:solidFill>
-                <a:effectLst/>
+              <a:rPr lang="en-US" altLang="en-US" sz="2000" b="0" dirty="0" smtClean="0">
+                <a:solidFill>
+                  <a:srgbClr val="000000"/>
+                </a:solidFill>
                 <a:latin typeface="Consolas" panose="020B0609020204030204" pitchFamily="49" charset="0"/>
                 <a:cs typeface="Consolas" panose="020B0609020204030204" pitchFamily="49" charset="0"/>
               </a:rPr>
@@ -13428,190 +13408,153 @@
             </a:r>
           </a:p>
           <a:p>
-            <a:pPr marL="0" marR="0" lvl="0" indent="0" algn="l" defTabSz="914400" rtl="0" eaLnBrk="0" fontAlgn="base" latinLnBrk="0" hangingPunct="0">
-              <a:lnSpc>
-                <a:spcPct val="100000"/>
-              </a:lnSpc>
+            <a:pPr marL="0" lvl="0" indent="0" defTabSz="914400" eaLnBrk="0" fontAlgn="base" hangingPunct="0">
               <a:spcBef>
                 <a:spcPct val="0"/>
               </a:spcBef>
               <a:spcAft>
                 <a:spcPct val="0"/>
               </a:spcAft>
-              <a:buClrTx/>
-              <a:buSzTx/>
-              <a:buFontTx/>
               <a:buNone/>
-              <a:tabLst/>
             </a:pPr>
-            <a:endParaRPr kumimoji="0" lang="en-US" altLang="en-US" sz="2000" b="0" i="0" u="none" strike="noStrike" cap="none" normalizeH="0" baseline="0" dirty="0" smtClean="0">
-              <a:ln>
-                <a:noFill/>
-              </a:ln>
+            <a:endParaRPr lang="en-US" altLang="en-US" sz="2000" b="0" dirty="0" smtClean="0">
               <a:solidFill>
                 <a:srgbClr val="000000"/>
               </a:solidFill>
-              <a:effectLst/>
               <a:latin typeface="Consolas" panose="020B0609020204030204" pitchFamily="49" charset="0"/>
               <a:cs typeface="Consolas" panose="020B0609020204030204" pitchFamily="49" charset="0"/>
             </a:endParaRPr>
           </a:p>
           <a:p>
-            <a:pPr marL="0" marR="0" lvl="0" indent="0" algn="l" defTabSz="914400" rtl="0" eaLnBrk="0" fontAlgn="base" latinLnBrk="0" hangingPunct="0">
-              <a:lnSpc>
-                <a:spcPct val="100000"/>
-              </a:lnSpc>
+            <a:pPr marL="0" lvl="0" indent="0" defTabSz="914400" eaLnBrk="0" fontAlgn="base" hangingPunct="0">
               <a:spcBef>
                 <a:spcPct val="0"/>
               </a:spcBef>
               <a:spcAft>
                 <a:spcPct val="0"/>
               </a:spcAft>
-              <a:buClrTx/>
-              <a:buSzTx/>
-              <a:buFontTx/>
               <a:buNone/>
-              <a:tabLst/>
             </a:pPr>
             <a:r>
-              <a:rPr kumimoji="0" lang="en-US" altLang="en-US" sz="2000" b="0" i="0" u="none" strike="noStrike" cap="none" normalizeH="0" baseline="0" dirty="0" smtClean="0">
-                <a:ln>
-                  <a:noFill/>
-                </a:ln>
-                <a:solidFill>
-                  <a:srgbClr val="000000"/>
-                </a:solidFill>
-                <a:effectLst/>
-                <a:latin typeface="Consolas" panose="020B0609020204030204" pitchFamily="49" charset="0"/>
-                <a:cs typeface="Consolas" panose="020B0609020204030204" pitchFamily="49" charset="0"/>
-              </a:rPr>
-              <a:t>print (</a:t>
-            </a:r>
-            <a:r>
-              <a:rPr kumimoji="0" lang="en-US" altLang="en-US" sz="2000" b="0" i="0" u="none" strike="noStrike" cap="none" normalizeH="0" baseline="0" dirty="0" smtClean="0">
-                <a:ln>
-                  <a:noFill/>
-                </a:ln>
+              <a:rPr lang="en-US" altLang="en-US" sz="2000" b="0" dirty="0" smtClean="0">
+                <a:solidFill>
+                  <a:srgbClr val="000000"/>
+                </a:solidFill>
+                <a:latin typeface="Consolas" panose="020B0609020204030204" pitchFamily="49" charset="0"/>
+                <a:cs typeface="Consolas" panose="020B0609020204030204" pitchFamily="49" charset="0"/>
+              </a:rPr>
+              <a:t>print</a:t>
+            </a:r>
+            <a:r>
+              <a:rPr lang="en-US" altLang="en-US" sz="2000" b="0" dirty="0">
+                <a:solidFill>
+                  <a:srgbClr val="000000"/>
+                </a:solidFill>
+                <a:latin typeface="Consolas" panose="020B0609020204030204" pitchFamily="49" charset="0"/>
+                <a:cs typeface="Consolas" panose="020B0609020204030204" pitchFamily="49" charset="0"/>
+              </a:rPr>
+              <a:t> (</a:t>
+            </a:r>
+            <a:r>
+              <a:rPr lang="en-US" altLang="en-US" sz="2000" b="0" dirty="0">
                 <a:solidFill>
                   <a:srgbClr val="A31515"/>
                 </a:solidFill>
-                <a:effectLst/>
                 <a:latin typeface="Consolas" panose="020B0609020204030204" pitchFamily="49" charset="0"/>
                 <a:cs typeface="Consolas" panose="020B0609020204030204" pitchFamily="49" charset="0"/>
               </a:rPr>
               <a:t>"Question: "</a:t>
             </a:r>
             <a:r>
-              <a:rPr kumimoji="0" lang="en-US" altLang="en-US" sz="2000" b="0" i="0" u="none" strike="noStrike" cap="none" normalizeH="0" baseline="0" dirty="0" smtClean="0">
-                <a:ln>
-                  <a:noFill/>
-                </a:ln>
-                <a:solidFill>
-                  <a:srgbClr val="000000"/>
-                </a:solidFill>
-                <a:effectLst/>
-                <a:latin typeface="Consolas" panose="020B0609020204030204" pitchFamily="49" charset="0"/>
-                <a:cs typeface="Consolas" panose="020B0609020204030204" pitchFamily="49" charset="0"/>
-              </a:rPr>
-              <a:t> + results[0])</a:t>
-            </a:r>
-          </a:p>
-          <a:p>
-            <a:pPr marL="0" marR="0" lvl="0" indent="0" algn="l" defTabSz="914400" rtl="0" eaLnBrk="0" fontAlgn="base" latinLnBrk="0" hangingPunct="0">
-              <a:lnSpc>
-                <a:spcPct val="100000"/>
-              </a:lnSpc>
+              <a:rPr lang="en-US" altLang="en-US" sz="2000" b="0" dirty="0">
+                <a:solidFill>
+                  <a:srgbClr val="000000"/>
+                </a:solidFill>
+                <a:latin typeface="Consolas" panose="020B0609020204030204" pitchFamily="49" charset="0"/>
+                <a:cs typeface="Consolas" panose="020B0609020204030204" pitchFamily="49" charset="0"/>
+              </a:rPr>
+              <a:t> + results[0</a:t>
+            </a:r>
+            <a:r>
+              <a:rPr lang="en-US" altLang="en-US" sz="2000" b="0" dirty="0" smtClean="0">
+                <a:solidFill>
+                  <a:srgbClr val="000000"/>
+                </a:solidFill>
+                <a:latin typeface="Consolas" panose="020B0609020204030204" pitchFamily="49" charset="0"/>
+                <a:cs typeface="Consolas" panose="020B0609020204030204" pitchFamily="49" charset="0"/>
+              </a:rPr>
+              <a:t>])</a:t>
+            </a:r>
+          </a:p>
+          <a:p>
+            <a:pPr marL="0" lvl="0" indent="0" defTabSz="914400" eaLnBrk="0" fontAlgn="base" hangingPunct="0">
               <a:spcBef>
                 <a:spcPct val="0"/>
               </a:spcBef>
               <a:spcAft>
                 <a:spcPct val="0"/>
               </a:spcAft>
-              <a:buClrTx/>
-              <a:buSzTx/>
-              <a:buFontTx/>
               <a:buNone/>
-              <a:tabLst/>
             </a:pPr>
-            <a:endParaRPr kumimoji="0" lang="en-US" altLang="en-US" sz="2000" b="0" i="0" u="none" strike="noStrike" cap="none" normalizeH="0" baseline="0" dirty="0" smtClean="0">
-              <a:ln>
-                <a:noFill/>
-              </a:ln>
+            <a:endParaRPr lang="en-US" altLang="en-US" sz="2000" b="0" dirty="0" smtClean="0">
               <a:solidFill>
                 <a:srgbClr val="000000"/>
               </a:solidFill>
-              <a:effectLst/>
               <a:latin typeface="Consolas" panose="020B0609020204030204" pitchFamily="49" charset="0"/>
               <a:cs typeface="Consolas" panose="020B0609020204030204" pitchFamily="49" charset="0"/>
             </a:endParaRPr>
           </a:p>
           <a:p>
-            <a:pPr marL="0" marR="0" lvl="0" indent="0" algn="l" defTabSz="914400" rtl="0" eaLnBrk="0" fontAlgn="base" latinLnBrk="0" hangingPunct="0">
-              <a:lnSpc>
-                <a:spcPct val="100000"/>
-              </a:lnSpc>
+            <a:pPr marL="0" lvl="0" indent="0" defTabSz="914400" eaLnBrk="0" fontAlgn="base" hangingPunct="0">
               <a:spcBef>
                 <a:spcPct val="0"/>
               </a:spcBef>
               <a:spcAft>
                 <a:spcPct val="0"/>
               </a:spcAft>
-              <a:buClrTx/>
-              <a:buSzTx/>
-              <a:buFontTx/>
               <a:buNone/>
-              <a:tabLst/>
             </a:pPr>
             <a:r>
-              <a:rPr kumimoji="0" lang="en-US" altLang="en-US" sz="2000" b="0" i="0" u="none" strike="noStrike" cap="none" normalizeH="0" baseline="0" dirty="0" smtClean="0">
-                <a:ln>
-                  <a:noFill/>
-                </a:ln>
-                <a:solidFill>
-                  <a:srgbClr val="000000"/>
-                </a:solidFill>
-                <a:effectLst/>
-                <a:latin typeface="Consolas" panose="020B0609020204030204" pitchFamily="49" charset="0"/>
-                <a:cs typeface="Consolas" panose="020B0609020204030204" pitchFamily="49" charset="0"/>
-              </a:rPr>
-              <a:t>print (</a:t>
-            </a:r>
-            <a:r>
-              <a:rPr kumimoji="0" lang="en-US" altLang="en-US" sz="2000" b="0" i="0" u="none" strike="noStrike" cap="none" normalizeH="0" baseline="0" dirty="0" smtClean="0">
-                <a:ln>
-                  <a:noFill/>
-                </a:ln>
+              <a:rPr lang="en-US" altLang="en-US" sz="2000" b="0" dirty="0" smtClean="0">
+                <a:solidFill>
+                  <a:srgbClr val="000000"/>
+                </a:solidFill>
+                <a:latin typeface="Consolas" panose="020B0609020204030204" pitchFamily="49" charset="0"/>
+                <a:cs typeface="Consolas" panose="020B0609020204030204" pitchFamily="49" charset="0"/>
+              </a:rPr>
+              <a:t>print</a:t>
+            </a:r>
+            <a:r>
+              <a:rPr lang="en-US" altLang="en-US" sz="2000" b="0" dirty="0">
+                <a:solidFill>
+                  <a:srgbClr val="000000"/>
+                </a:solidFill>
+                <a:latin typeface="Consolas" panose="020B0609020204030204" pitchFamily="49" charset="0"/>
+                <a:cs typeface="Consolas" panose="020B0609020204030204" pitchFamily="49" charset="0"/>
+              </a:rPr>
+              <a:t> (</a:t>
+            </a:r>
+            <a:r>
+              <a:rPr lang="en-US" altLang="en-US" sz="2000" b="0" dirty="0">
                 <a:solidFill>
                   <a:srgbClr val="A31515"/>
                 </a:solidFill>
-                <a:effectLst/>
                 <a:latin typeface="Consolas" panose="020B0609020204030204" pitchFamily="49" charset="0"/>
                 <a:cs typeface="Consolas" panose="020B0609020204030204" pitchFamily="49" charset="0"/>
               </a:rPr>
               <a:t>"Answer: "</a:t>
             </a:r>
             <a:r>
-              <a:rPr kumimoji="0" lang="en-US" altLang="en-US" sz="2000" b="0" i="0" u="none" strike="noStrike" cap="none" normalizeH="0" baseline="0" dirty="0" smtClean="0">
-                <a:ln>
-                  <a:noFill/>
-                </a:ln>
-                <a:solidFill>
-                  <a:srgbClr val="000000"/>
-                </a:solidFill>
-                <a:effectLst/>
+              <a:rPr lang="en-US" altLang="en-US" sz="2000" b="0" dirty="0">
+                <a:solidFill>
+                  <a:srgbClr val="000000"/>
+                </a:solidFill>
                 <a:latin typeface="Consolas" panose="020B0609020204030204" pitchFamily="49" charset="0"/>
                 <a:cs typeface="Consolas" panose="020B0609020204030204" pitchFamily="49" charset="0"/>
               </a:rPr>
               <a:t> + results[1])</a:t>
             </a:r>
-            <a:endParaRPr kumimoji="0" lang="en-US" altLang="en-US" sz="2800" b="0" i="0" u="none" strike="noStrike" cap="none" normalizeH="0" baseline="0" dirty="0" smtClean="0">
-              <a:ln>
-                <a:noFill/>
-              </a:ln>
-              <a:solidFill>
-                <a:schemeClr val="tx1"/>
-              </a:solidFill>
-              <a:effectLst/>
+            <a:endParaRPr lang="en-US" altLang="en-US" sz="2400" b="0" dirty="0">
               <a:latin typeface="Arial" panose="020B0604020202020204" pitchFamily="34" charset="0"/>
             </a:endParaRPr>
           </a:p>
@@ -13955,8 +13898,8 @@
         </p:nvSpPr>
         <p:spPr bwMode="auto">
           <a:xfrm>
-            <a:off x="575068" y="1040915"/>
-            <a:ext cx="8162812" cy="5632311"/>
+            <a:off x="613690" y="892866"/>
+            <a:ext cx="8542723" cy="5632311"/>
           </a:xfrm>
           <a:prstGeom prst="rect">
             <a:avLst/>
@@ -13999,124 +13942,7 @@
           </a:bodyPr>
           <a:lstStyle/>
           <a:p>
-            <a:pPr marL="0" marR="0" lvl="0" indent="0" algn="l" defTabSz="914400" rtl="0" eaLnBrk="0" fontAlgn="base" latinLnBrk="0" hangingPunct="0">
-              <a:lnSpc>
-                <a:spcPct val="100000"/>
-              </a:lnSpc>
-              <a:spcBef>
-                <a:spcPct val="0"/>
-              </a:spcBef>
-              <a:spcAft>
-                <a:spcPct val="0"/>
-              </a:spcAft>
-              <a:buClrTx/>
-              <a:buSzTx/>
-              <a:buFontTx/>
-              <a:buNone/>
-              <a:tabLst/>
-            </a:pPr>
-            <a:r>
-              <a:rPr kumimoji="0" lang="en-US" altLang="en-US" sz="1800" b="0" i="0" u="none" strike="noStrike" cap="none" normalizeH="0" baseline="0" dirty="0" smtClean="0">
-                <a:ln>
-                  <a:noFill/>
-                </a:ln>
-                <a:solidFill>
-                  <a:srgbClr val="0000FF"/>
-                </a:solidFill>
-                <a:effectLst/>
-                <a:latin typeface="Consolas" panose="020B0609020204030204" pitchFamily="49" charset="0"/>
-                <a:cs typeface="Consolas" panose="020B0609020204030204" pitchFamily="49" charset="0"/>
-              </a:rPr>
-              <a:t>import</a:t>
-            </a:r>
-            <a:r>
-              <a:rPr kumimoji="0" lang="en-US" altLang="en-US" sz="1800" b="0" i="0" u="none" strike="noStrike" cap="none" normalizeH="0" baseline="0" dirty="0" smtClean="0">
-                <a:ln>
-                  <a:noFill/>
-                </a:ln>
-                <a:solidFill>
-                  <a:srgbClr val="000000"/>
-                </a:solidFill>
-                <a:effectLst/>
-                <a:latin typeface="Consolas" panose="020B0609020204030204" pitchFamily="49" charset="0"/>
-                <a:cs typeface="Consolas" panose="020B0609020204030204" pitchFamily="49" charset="0"/>
-              </a:rPr>
-              <a:t> </a:t>
-            </a:r>
-            <a:r>
-              <a:rPr kumimoji="0" lang="en-US" altLang="en-US" sz="1800" b="0" i="0" u="none" strike="noStrike" cap="none" normalizeH="0" baseline="0" dirty="0" err="1" smtClean="0">
-                <a:ln>
-                  <a:noFill/>
-                </a:ln>
-                <a:solidFill>
-                  <a:srgbClr val="6F008A"/>
-                </a:solidFill>
-                <a:effectLst/>
-                <a:latin typeface="Consolas" panose="020B0609020204030204" pitchFamily="49" charset="0"/>
-                <a:cs typeface="Consolas" panose="020B0609020204030204" pitchFamily="49" charset="0"/>
-              </a:rPr>
-              <a:t>pypyodbc</a:t>
-            </a:r>
-            <a:endParaRPr kumimoji="0" lang="en-US" altLang="en-US" sz="1800" b="0" i="0" u="none" strike="noStrike" cap="none" normalizeH="0" baseline="0" dirty="0" smtClean="0">
-              <a:ln>
-                <a:noFill/>
-              </a:ln>
-              <a:solidFill>
-                <a:srgbClr val="000000"/>
-              </a:solidFill>
-              <a:effectLst/>
-              <a:latin typeface="Consolas" panose="020B0609020204030204" pitchFamily="49" charset="0"/>
-              <a:cs typeface="Consolas" panose="020B0609020204030204" pitchFamily="49" charset="0"/>
-            </a:endParaRPr>
-          </a:p>
-          <a:p>
-            <a:pPr marL="0" marR="0" lvl="0" indent="0" algn="l" defTabSz="914400" rtl="0" eaLnBrk="0" fontAlgn="base" latinLnBrk="0" hangingPunct="0">
-              <a:lnSpc>
-                <a:spcPct val="100000"/>
-              </a:lnSpc>
-              <a:spcBef>
-                <a:spcPct val="0"/>
-              </a:spcBef>
-              <a:spcAft>
-                <a:spcPct val="0"/>
-              </a:spcAft>
-              <a:buClrTx/>
-              <a:buSzTx/>
-              <a:buFontTx/>
-              <a:buNone/>
-              <a:tabLst/>
-            </a:pPr>
-            <a:r>
-              <a:rPr kumimoji="0" lang="en-US" altLang="en-US" sz="1800" b="0" i="0" u="none" strike="noStrike" cap="none" normalizeH="0" baseline="0" dirty="0" smtClean="0">
-                <a:ln>
-                  <a:noFill/>
-                </a:ln>
-                <a:solidFill>
-                  <a:srgbClr val="0000FF"/>
-                </a:solidFill>
-                <a:effectLst/>
-                <a:latin typeface="Consolas" panose="020B0609020204030204" pitchFamily="49" charset="0"/>
-                <a:cs typeface="Consolas" panose="020B0609020204030204" pitchFamily="49" charset="0"/>
-              </a:rPr>
-              <a:t>try</a:t>
-            </a:r>
-            <a:r>
-              <a:rPr kumimoji="0" lang="en-US" altLang="en-US" sz="1800" b="0" i="0" u="none" strike="noStrike" cap="none" normalizeH="0" baseline="0" dirty="0" smtClean="0">
-                <a:ln>
-                  <a:noFill/>
-                </a:ln>
-                <a:solidFill>
-                  <a:srgbClr val="000000"/>
-                </a:solidFill>
-                <a:effectLst/>
-                <a:latin typeface="Consolas" panose="020B0609020204030204" pitchFamily="49" charset="0"/>
-                <a:cs typeface="Consolas" panose="020B0609020204030204" pitchFamily="49" charset="0"/>
-              </a:rPr>
-              <a:t> :</a:t>
-            </a:r>
-          </a:p>
-          <a:p>
-            <a:pPr marL="0" lvl="0" indent="0" eaLnBrk="0" fontAlgn="base" hangingPunct="0">
+            <a:pPr marL="0" lvl="0" indent="0" defTabSz="914400" eaLnBrk="0" fontAlgn="base" hangingPunct="0">
               <a:spcBef>
                 <a:spcPct val="0"/>
               </a:spcBef>
@@ -14126,100 +13952,45 @@
               <a:buNone/>
             </a:pPr>
             <a:r>
-              <a:rPr kumimoji="0" lang="en-US" altLang="en-US" sz="1800" b="0" i="0" u="none" strike="noStrike" cap="none" normalizeH="0" baseline="0" dirty="0" smtClean="0">
-                <a:ln>
-                  <a:noFill/>
-                </a:ln>
-                <a:solidFill>
-                  <a:srgbClr val="000000"/>
-                </a:solidFill>
-                <a:effectLst/>
-                <a:latin typeface="Consolas" panose="020B0609020204030204" pitchFamily="49" charset="0"/>
-                <a:cs typeface="Consolas" panose="020B0609020204030204" pitchFamily="49" charset="0"/>
-              </a:rPr>
-              <a:t> </a:t>
-            </a:r>
-            <a:r>
-              <a:rPr kumimoji="0" lang="en-US" altLang="en-US" sz="1800" i="0" u="none" strike="noStrike" cap="none" normalizeH="0" baseline="0" dirty="0" smtClean="0">
-                <a:ln>
-                  <a:noFill/>
-                </a:ln>
-                <a:solidFill>
-                  <a:srgbClr val="000000"/>
-                </a:solidFill>
-                <a:effectLst/>
-                <a:latin typeface="Consolas" panose="020B0609020204030204" pitchFamily="49" charset="0"/>
-                <a:cs typeface="Consolas" panose="020B0609020204030204" pitchFamily="49" charset="0"/>
-              </a:rPr>
-              <a:t>   </a:t>
-            </a:r>
-            <a:r>
-              <a:rPr kumimoji="0" lang="en-US" altLang="en-US" sz="1800" b="0" i="0" u="none" strike="noStrike" cap="none" normalizeH="0" baseline="0" dirty="0" smtClean="0">
-                <a:ln>
-                  <a:noFill/>
-                </a:ln>
-                <a:solidFill>
-                  <a:srgbClr val="000000"/>
-                </a:solidFill>
-                <a:effectLst/>
+              <a:rPr lang="en-US" altLang="en-US" sz="1800" b="0" dirty="0">
+                <a:solidFill>
+                  <a:srgbClr val="0000FF"/>
+                </a:solidFill>
+                <a:latin typeface="Consolas" panose="020B0609020204030204" pitchFamily="49" charset="0"/>
+                <a:cs typeface="Consolas" panose="020B0609020204030204" pitchFamily="49" charset="0"/>
+              </a:rPr>
+              <a:t>import</a:t>
+            </a:r>
+            <a:r>
+              <a:rPr lang="en-US" altLang="en-US" sz="1800" b="0" dirty="0">
+                <a:solidFill>
+                  <a:srgbClr val="000000"/>
+                </a:solidFill>
                 <a:latin typeface="Consolas" panose="020B0609020204030204" pitchFamily="49" charset="0"/>
                 <a:cs typeface="Consolas" panose="020B0609020204030204" pitchFamily="49" charset="0"/>
               </a:rPr>
               <a:t> </a:t>
             </a:r>
             <a:r>
-              <a:rPr lang="en-US" altLang="en-US" sz="1800" b="0" dirty="0" err="1">
-                <a:solidFill>
-                  <a:srgbClr val="000000"/>
-                </a:solidFill>
-                <a:latin typeface="Consolas" panose="020B0609020204030204" pitchFamily="49" charset="0"/>
-                <a:cs typeface="Consolas" panose="020B0609020204030204" pitchFamily="49" charset="0"/>
-              </a:rPr>
-              <a:t>myConnection</a:t>
-            </a:r>
-            <a:r>
-              <a:rPr lang="en-US" altLang="en-US" sz="1800" b="0" dirty="0">
-                <a:solidFill>
-                  <a:srgbClr val="000000"/>
-                </a:solidFill>
-                <a:latin typeface="Consolas" panose="020B0609020204030204" pitchFamily="49" charset="0"/>
-                <a:cs typeface="Consolas" panose="020B0609020204030204" pitchFamily="49" charset="0"/>
-              </a:rPr>
-              <a:t> = </a:t>
-            </a:r>
-            <a:r>
               <a:rPr lang="en-US" altLang="en-US" sz="1800" b="0" dirty="0" err="1" smtClean="0">
                 <a:solidFill>
-                  <a:srgbClr val="000000"/>
-                </a:solidFill>
-                <a:latin typeface="Consolas" panose="020B0609020204030204" pitchFamily="49" charset="0"/>
-                <a:cs typeface="Consolas" panose="020B0609020204030204" pitchFamily="49" charset="0"/>
-              </a:rPr>
-              <a:t>pypyodbc.connect</a:t>
-            </a:r>
-            <a:r>
-              <a:rPr lang="en-US" altLang="en-US" sz="1800" b="0" dirty="0">
-                <a:solidFill>
-                  <a:srgbClr val="000000"/>
-                </a:solidFill>
-                <a:latin typeface="Consolas" panose="020B0609020204030204" pitchFamily="49" charset="0"/>
-                <a:cs typeface="Consolas" panose="020B0609020204030204" pitchFamily="49" charset="0"/>
-              </a:rPr>
-              <a:t>(</a:t>
-            </a:r>
-            <a:r>
-              <a:rPr lang="en-US" altLang="en-US" sz="1800" b="0" dirty="0">
-                <a:solidFill>
-                  <a:srgbClr val="A31515"/>
-                </a:solidFill>
-                <a:latin typeface="Consolas" panose="020B0609020204030204" pitchFamily="49" charset="0"/>
-                <a:cs typeface="Consolas" panose="020B0609020204030204" pitchFamily="49" charset="0"/>
-              </a:rPr>
-              <a:t>'DRIVER={SQL Server};'</a:t>
-            </a:r>
-          </a:p>
-          <a:p>
-            <a:pPr marL="0" lvl="0" indent="0" eaLnBrk="0" fontAlgn="base" hangingPunct="0">
+                  <a:srgbClr val="6F008A"/>
+                </a:solidFill>
+                <a:latin typeface="Consolas" panose="020B0609020204030204" pitchFamily="49" charset="0"/>
+                <a:cs typeface="Consolas" panose="020B0609020204030204" pitchFamily="49" charset="0"/>
+              </a:rPr>
+              <a:t>pypyodbc</a:t>
+            </a:r>
+            <a:endParaRPr lang="en-US" altLang="en-US" sz="1800" b="0" dirty="0" smtClean="0">
+              <a:solidFill>
+                <a:srgbClr val="6F008A"/>
+              </a:solidFill>
+              <a:latin typeface="Consolas" panose="020B0609020204030204" pitchFamily="49" charset="0"/>
+              <a:cs typeface="Consolas" panose="020B0609020204030204" pitchFamily="49" charset="0"/>
+            </a:endParaRPr>
+          </a:p>
+          <a:p>
+            <a:pPr marL="0" lvl="0" indent="0" defTabSz="914400" eaLnBrk="0" fontAlgn="base" hangingPunct="0">
               <a:spcBef>
                 <a:spcPct val="0"/>
               </a:spcBef>
@@ -14229,28 +14000,28 @@
               <a:buNone/>
             </a:pPr>
             <a:r>
-              <a:rPr lang="en-US" altLang="en-US" sz="1800" b="0" dirty="0">
-                <a:solidFill>
-                  <a:srgbClr val="000000"/>
-                </a:solidFill>
-                <a:latin typeface="Consolas" panose="020B0609020204030204" pitchFamily="49" charset="0"/>
-                <a:cs typeface="Consolas" panose="020B0609020204030204" pitchFamily="49" charset="0"/>
-              </a:rPr>
-              <a:t>                                   </a:t>
-            </a:r>
-            <a:r>
-              <a:rPr lang="en-US" altLang="en-US" sz="1800" b="0" dirty="0">
-                <a:solidFill>
-                  <a:srgbClr val="A31515"/>
-                </a:solidFill>
-                <a:latin typeface="Consolas" panose="020B0609020204030204" pitchFamily="49" charset="0"/>
-                <a:cs typeface="Consolas" panose="020B0609020204030204" pitchFamily="49" charset="0"/>
-              </a:rPr>
-              <a:t>'SERVER=localhost;'</a:t>
-            </a:r>
-          </a:p>
-          <a:p>
-            <a:pPr marL="0" lvl="0" indent="0" eaLnBrk="0" fontAlgn="base" hangingPunct="0">
+              <a:rPr lang="en-US" altLang="en-US" sz="1800" b="0" dirty="0" smtClean="0">
+                <a:solidFill>
+                  <a:srgbClr val="0000FF"/>
+                </a:solidFill>
+                <a:latin typeface="Consolas" panose="020B0609020204030204" pitchFamily="49" charset="0"/>
+                <a:cs typeface="Consolas" panose="020B0609020204030204" pitchFamily="49" charset="0"/>
+              </a:rPr>
+              <a:t>try</a:t>
+            </a:r>
+            <a:r>
+              <a:rPr lang="en-US" altLang="en-US" sz="1800" b="0" dirty="0" smtClean="0">
+                <a:solidFill>
+                  <a:srgbClr val="000000"/>
+                </a:solidFill>
+                <a:latin typeface="Consolas" panose="020B0609020204030204" pitchFamily="49" charset="0"/>
+                <a:cs typeface="Consolas" panose="020B0609020204030204" pitchFamily="49" charset="0"/>
+              </a:rPr>
+              <a:t>:</a:t>
+            </a:r>
+          </a:p>
+          <a:p>
+            <a:pPr marL="0" lvl="0" indent="0" defTabSz="914400" eaLnBrk="0" fontAlgn="base" hangingPunct="0">
               <a:spcBef>
                 <a:spcPct val="0"/>
               </a:spcBef>
@@ -14260,6 +14031,16 @@
               <a:buNone/>
             </a:pPr>
             <a:r>
+              <a:rPr lang="en-US" altLang="en-US" sz="1800" b="0" dirty="0" smtClean="0">
+                <a:solidFill>
+                  <a:srgbClr val="000000"/>
+                </a:solidFill>
+                <a:latin typeface="Consolas" panose="020B0609020204030204" pitchFamily="49" charset="0"/>
+                <a:cs typeface="Consolas" panose="020B0609020204030204" pitchFamily="49" charset="0"/>
+              </a:rPr>
+              <a:t> </a:t>
+            </a:r>
+            <a:r>
               <a:rPr lang="en-US" altLang="en-US" sz="1800" b="0" dirty="0">
                 <a:solidFill>
                   <a:srgbClr val="000000"/>
@@ -14267,41 +14048,91 @@
                 <a:latin typeface="Consolas" panose="020B0609020204030204" pitchFamily="49" charset="0"/>
                 <a:cs typeface="Consolas" panose="020B0609020204030204" pitchFamily="49" charset="0"/>
               </a:rPr>
-              <a:t>                                   </a:t>
+              <a:t>    </a:t>
+            </a:r>
+            <a:r>
+              <a:rPr lang="en-US" altLang="en-US" sz="1800" b="0" dirty="0" err="1">
+                <a:solidFill>
+                  <a:srgbClr val="000000"/>
+                </a:solidFill>
+                <a:latin typeface="Consolas" panose="020B0609020204030204" pitchFamily="49" charset="0"/>
+                <a:cs typeface="Consolas" panose="020B0609020204030204" pitchFamily="49" charset="0"/>
+              </a:rPr>
+              <a:t>myConnection</a:t>
             </a:r>
             <a:r>
               <a:rPr lang="en-US" altLang="en-US" sz="1800" b="0" dirty="0">
                 <a:solidFill>
+                  <a:srgbClr val="000000"/>
+                </a:solidFill>
+                <a:latin typeface="Consolas" panose="020B0609020204030204" pitchFamily="49" charset="0"/>
+                <a:cs typeface="Consolas" panose="020B0609020204030204" pitchFamily="49" charset="0"/>
+              </a:rPr>
+              <a:t> = </a:t>
+            </a:r>
+            <a:r>
+              <a:rPr lang="en-US" altLang="en-US" sz="1800" b="0" dirty="0" err="1">
+                <a:solidFill>
+                  <a:srgbClr val="6F008A"/>
+                </a:solidFill>
+                <a:latin typeface="Consolas" panose="020B0609020204030204" pitchFamily="49" charset="0"/>
+                <a:cs typeface="Consolas" panose="020B0609020204030204" pitchFamily="49" charset="0"/>
+              </a:rPr>
+              <a:t>pypyodbc</a:t>
+            </a:r>
+            <a:r>
+              <a:rPr lang="en-US" altLang="en-US" sz="1800" b="0" dirty="0" err="1">
+                <a:solidFill>
+                  <a:srgbClr val="000000"/>
+                </a:solidFill>
+                <a:latin typeface="Consolas" panose="020B0609020204030204" pitchFamily="49" charset="0"/>
+                <a:cs typeface="Consolas" panose="020B0609020204030204" pitchFamily="49" charset="0"/>
+              </a:rPr>
+              <a:t>.</a:t>
+            </a:r>
+            <a:r>
+              <a:rPr lang="en-US" altLang="en-US" sz="1800" b="0" dirty="0" err="1">
+                <a:solidFill>
+                  <a:srgbClr val="2B91AF"/>
+                </a:solidFill>
+                <a:latin typeface="Consolas" panose="020B0609020204030204" pitchFamily="49" charset="0"/>
+                <a:cs typeface="Consolas" panose="020B0609020204030204" pitchFamily="49" charset="0"/>
+              </a:rPr>
+              <a:t>connect</a:t>
+            </a:r>
+            <a:r>
+              <a:rPr lang="en-US" altLang="en-US" sz="1800" b="0" dirty="0">
+                <a:solidFill>
+                  <a:srgbClr val="000000"/>
+                </a:solidFill>
+                <a:latin typeface="Consolas" panose="020B0609020204030204" pitchFamily="49" charset="0"/>
+                <a:cs typeface="Consolas" panose="020B0609020204030204" pitchFamily="49" charset="0"/>
+              </a:rPr>
+              <a:t>(</a:t>
+            </a:r>
+            <a:r>
+              <a:rPr lang="en-US" altLang="en-US" sz="1800" b="0" dirty="0">
+                <a:solidFill>
                   <a:srgbClr val="A31515"/>
                 </a:solidFill>
                 <a:latin typeface="Consolas" panose="020B0609020204030204" pitchFamily="49" charset="0"/>
                 <a:cs typeface="Consolas" panose="020B0609020204030204" pitchFamily="49" charset="0"/>
               </a:rPr>
-              <a:t>'DATABASE=</a:t>
-            </a:r>
-            <a:r>
-              <a:rPr lang="en-US" altLang="en-US" sz="1800" b="0" dirty="0" err="1">
+              <a:t>'Driver={SQL Server</a:t>
+            </a:r>
+            <a:r>
+              <a:rPr lang="en-US" altLang="en-US" sz="1800" b="0" dirty="0" smtClean="0">
                 <a:solidFill>
                   <a:srgbClr val="A31515"/>
                 </a:solidFill>
                 <a:latin typeface="Consolas" panose="020B0609020204030204" pitchFamily="49" charset="0"/>
                 <a:cs typeface="Consolas" panose="020B0609020204030204" pitchFamily="49" charset="0"/>
               </a:rPr>
-              <a:t>QuizDb</a:t>
-            </a:r>
-            <a:r>
-              <a:rPr lang="en-US" altLang="en-US" sz="1800" b="0" dirty="0">
-                <a:solidFill>
-                  <a:srgbClr val="A31515"/>
-                </a:solidFill>
-                <a:latin typeface="Consolas" panose="020B0609020204030204" pitchFamily="49" charset="0"/>
-                <a:cs typeface="Consolas" panose="020B0609020204030204" pitchFamily="49" charset="0"/>
-              </a:rPr>
-              <a:t>;'</a:t>
-            </a:r>
-          </a:p>
-          <a:p>
-            <a:pPr marL="0" lvl="0" indent="0" eaLnBrk="0" fontAlgn="base" hangingPunct="0">
+              <a:t>};'</a:t>
+            </a:r>
+          </a:p>
+          <a:p>
+            <a:pPr marL="0" lvl="0" indent="0" defTabSz="914400" eaLnBrk="0" fontAlgn="base" hangingPunct="0">
               <a:spcBef>
                 <a:spcPct val="0"/>
               </a:spcBef>
@@ -14311,6 +14142,16 @@
               <a:buNone/>
             </a:pPr>
             <a:r>
+              <a:rPr lang="en-US" altLang="en-US" sz="1800" b="0" dirty="0" smtClean="0">
+                <a:solidFill>
+                  <a:srgbClr val="000000"/>
+                </a:solidFill>
+                <a:latin typeface="Consolas" panose="020B0609020204030204" pitchFamily="49" charset="0"/>
+                <a:cs typeface="Consolas" panose="020B0609020204030204" pitchFamily="49" charset="0"/>
+              </a:rPr>
+              <a:t> </a:t>
+            </a:r>
+            <a:r>
               <a:rPr lang="en-US" altLang="en-US" sz="1800" b="0" dirty="0">
                 <a:solidFill>
                   <a:srgbClr val="000000"/>
@@ -14318,7 +14159,7 @@
                 <a:latin typeface="Consolas" panose="020B0609020204030204" pitchFamily="49" charset="0"/>
                 <a:cs typeface="Consolas" panose="020B0609020204030204" pitchFamily="49" charset="0"/>
               </a:rPr>
-              <a:t>                                   </a:t>
+              <a:t>                                </a:t>
             </a:r>
             <a:r>
               <a:rPr lang="en-US" altLang="en-US" sz="1800" b="0" dirty="0">
@@ -14328,1029 +14169,1082 @@
                 <a:latin typeface="Consolas" panose="020B0609020204030204" pitchFamily="49" charset="0"/>
                 <a:cs typeface="Consolas" panose="020B0609020204030204" pitchFamily="49" charset="0"/>
               </a:rPr>
-              <a:t>'UID=</a:t>
-            </a:r>
-            <a:r>
-              <a:rPr lang="en-US" altLang="en-US" sz="1800" b="0" dirty="0" err="1">
+              <a:t>'Server=localhost</a:t>
+            </a:r>
+            <a:r>
+              <a:rPr lang="en-US" altLang="en-US" sz="1800" b="0" dirty="0" smtClean="0">
                 <a:solidFill>
                   <a:srgbClr val="A31515"/>
                 </a:solidFill>
                 <a:latin typeface="Consolas" panose="020B0609020204030204" pitchFamily="49" charset="0"/>
                 <a:cs typeface="Consolas" panose="020B0609020204030204" pitchFamily="49" charset="0"/>
               </a:rPr>
-              <a:t>sa;PWD</a:t>
-            </a:r>
-            <a:r>
-              <a:rPr lang="en-US" altLang="en-US" sz="1800" b="0" dirty="0">
-                <a:solidFill>
-                  <a:srgbClr val="A31515"/>
-                </a:solidFill>
-                <a:latin typeface="Consolas" panose="020B0609020204030204" pitchFamily="49" charset="0"/>
-                <a:cs typeface="Consolas" panose="020B0609020204030204" pitchFamily="49" charset="0"/>
-              </a:rPr>
-              <a:t>=P@ssw0rd'</a:t>
-            </a:r>
-            <a:r>
-              <a:rPr lang="en-US" altLang="en-US" sz="1800" b="0" dirty="0">
-                <a:solidFill>
-                  <a:srgbClr val="000000"/>
-                </a:solidFill>
-                <a:latin typeface="Consolas" panose="020B0609020204030204" pitchFamily="49" charset="0"/>
-                <a:cs typeface="Consolas" panose="020B0609020204030204" pitchFamily="49" charset="0"/>
-              </a:rPr>
-              <a:t>)</a:t>
-            </a:r>
-            <a:endParaRPr lang="en-US" altLang="en-US" sz="2000" b="0" dirty="0">
-              <a:latin typeface="Arial" panose="020B0604020202020204" pitchFamily="34" charset="0"/>
-            </a:endParaRPr>
-          </a:p>
-          <a:p>
-            <a:pPr marL="0" marR="0" lvl="0" indent="0" algn="l" defTabSz="914400" rtl="0" eaLnBrk="0" fontAlgn="base" latinLnBrk="0" hangingPunct="0">
-              <a:lnSpc>
-                <a:spcPct val="100000"/>
-              </a:lnSpc>
+              <a:t>;'</a:t>
+            </a:r>
+          </a:p>
+          <a:p>
+            <a:pPr marL="0" lvl="0" indent="0" defTabSz="914400" eaLnBrk="0" fontAlgn="base" hangingPunct="0">
               <a:spcBef>
                 <a:spcPct val="0"/>
               </a:spcBef>
               <a:spcAft>
                 <a:spcPct val="0"/>
               </a:spcAft>
-              <a:buClrTx/>
-              <a:buSzTx/>
-              <a:buFontTx/>
               <a:buNone/>
-              <a:tabLst/>
             </a:pPr>
             <a:r>
-              <a:rPr kumimoji="0" lang="en-US" altLang="en-US" sz="1800" b="0" i="0" u="none" strike="noStrike" cap="none" normalizeH="0" baseline="0" dirty="0" smtClean="0">
-                <a:ln>
-                  <a:noFill/>
-                </a:ln>
-                <a:solidFill>
-                  <a:srgbClr val="000000"/>
-                </a:solidFill>
-                <a:effectLst/>
-                <a:latin typeface="Consolas" panose="020B0609020204030204" pitchFamily="49" charset="0"/>
-                <a:cs typeface="Consolas" panose="020B0609020204030204" pitchFamily="49" charset="0"/>
-              </a:rPr>
-              <a:t>     </a:t>
-            </a:r>
-            <a:r>
-              <a:rPr kumimoji="0" lang="en-US" altLang="en-US" sz="1800" b="0" i="0" u="none" strike="noStrike" cap="none" normalizeH="0" baseline="0" dirty="0" smtClean="0">
-                <a:ln>
-                  <a:noFill/>
-                </a:ln>
-                <a:solidFill>
-                  <a:srgbClr val="0000FF"/>
-                </a:solidFill>
-                <a:effectLst/>
-                <a:latin typeface="Consolas" panose="020B0609020204030204" pitchFamily="49" charset="0"/>
-                <a:cs typeface="Consolas" panose="020B0609020204030204" pitchFamily="49" charset="0"/>
-              </a:rPr>
-              <a:t>try</a:t>
-            </a:r>
-            <a:r>
-              <a:rPr kumimoji="0" lang="en-US" altLang="en-US" sz="1800" b="0" i="0" u="none" strike="noStrike" cap="none" normalizeH="0" baseline="0" dirty="0" smtClean="0">
-                <a:ln>
-                  <a:noFill/>
-                </a:ln>
-                <a:solidFill>
-                  <a:srgbClr val="000000"/>
-                </a:solidFill>
-                <a:effectLst/>
-                <a:latin typeface="Consolas" panose="020B0609020204030204" pitchFamily="49" charset="0"/>
-                <a:cs typeface="Consolas" panose="020B0609020204030204" pitchFamily="49" charset="0"/>
-              </a:rPr>
-              <a:t> :</a:t>
-            </a:r>
-          </a:p>
-          <a:p>
-            <a:pPr marL="0" marR="0" lvl="0" indent="0" algn="l" defTabSz="914400" rtl="0" eaLnBrk="0" fontAlgn="base" latinLnBrk="0" hangingPunct="0">
-              <a:lnSpc>
-                <a:spcPct val="100000"/>
-              </a:lnSpc>
+              <a:rPr lang="en-US" altLang="en-US" sz="1800" b="0" dirty="0" smtClean="0">
+                <a:solidFill>
+                  <a:srgbClr val="000000"/>
+                </a:solidFill>
+                <a:latin typeface="Consolas" panose="020B0609020204030204" pitchFamily="49" charset="0"/>
+                <a:cs typeface="Consolas" panose="020B0609020204030204" pitchFamily="49" charset="0"/>
+              </a:rPr>
+              <a:t> </a:t>
+            </a:r>
+            <a:r>
+              <a:rPr lang="en-US" altLang="en-US" sz="1800" b="0" dirty="0">
+                <a:solidFill>
+                  <a:srgbClr val="000000"/>
+                </a:solidFill>
+                <a:latin typeface="Consolas" panose="020B0609020204030204" pitchFamily="49" charset="0"/>
+                <a:cs typeface="Consolas" panose="020B0609020204030204" pitchFamily="49" charset="0"/>
+              </a:rPr>
+              <a:t>                                </a:t>
+            </a:r>
+            <a:r>
+              <a:rPr lang="en-US" altLang="en-US" sz="1800" b="0" dirty="0">
+                <a:solidFill>
+                  <a:srgbClr val="A31515"/>
+                </a:solidFill>
+                <a:latin typeface="Consolas" panose="020B0609020204030204" pitchFamily="49" charset="0"/>
+                <a:cs typeface="Consolas" panose="020B0609020204030204" pitchFamily="49" charset="0"/>
+              </a:rPr>
+              <a:t>'Database=</a:t>
+            </a:r>
+            <a:r>
+              <a:rPr lang="en-US" altLang="en-US" sz="1800" b="0" dirty="0" err="1">
+                <a:solidFill>
+                  <a:srgbClr val="A31515"/>
+                </a:solidFill>
+                <a:latin typeface="Consolas" panose="020B0609020204030204" pitchFamily="49" charset="0"/>
+                <a:cs typeface="Consolas" panose="020B0609020204030204" pitchFamily="49" charset="0"/>
+              </a:rPr>
+              <a:t>testdb</a:t>
+            </a:r>
+            <a:r>
+              <a:rPr lang="en-US" altLang="en-US" sz="1800" b="0" dirty="0" smtClean="0">
+                <a:solidFill>
+                  <a:srgbClr val="A31515"/>
+                </a:solidFill>
+                <a:latin typeface="Consolas" panose="020B0609020204030204" pitchFamily="49" charset="0"/>
+                <a:cs typeface="Consolas" panose="020B0609020204030204" pitchFamily="49" charset="0"/>
+              </a:rPr>
+              <a:t>;'</a:t>
+            </a:r>
+          </a:p>
+          <a:p>
+            <a:pPr marL="0" lvl="0" indent="0" defTabSz="914400" eaLnBrk="0" fontAlgn="base" hangingPunct="0">
               <a:spcBef>
                 <a:spcPct val="0"/>
               </a:spcBef>
               <a:spcAft>
                 <a:spcPct val="0"/>
               </a:spcAft>
-              <a:buClrTx/>
-              <a:buSzTx/>
-              <a:buFontTx/>
               <a:buNone/>
-              <a:tabLst/>
             </a:pPr>
             <a:r>
-              <a:rPr kumimoji="0" lang="en-US" altLang="en-US" sz="1800" b="0" i="0" u="none" strike="noStrike" cap="none" normalizeH="0" baseline="0" dirty="0" smtClean="0">
-                <a:ln>
-                  <a:noFill/>
-                </a:ln>
-                <a:solidFill>
-                  <a:srgbClr val="000000"/>
-                </a:solidFill>
-                <a:effectLst/>
-                <a:latin typeface="Consolas" panose="020B0609020204030204" pitchFamily="49" charset="0"/>
-                <a:cs typeface="Consolas" panose="020B0609020204030204" pitchFamily="49" charset="0"/>
-              </a:rPr>
-              <a:t>         </a:t>
-            </a:r>
-            <a:r>
-              <a:rPr kumimoji="0" lang="en-US" altLang="en-US" sz="1800" b="0" i="0" u="none" strike="noStrike" cap="none" normalizeH="0" baseline="0" dirty="0" err="1" smtClean="0">
-                <a:ln>
-                  <a:noFill/>
-                </a:ln>
-                <a:solidFill>
-                  <a:srgbClr val="000000"/>
-                </a:solidFill>
-                <a:effectLst/>
-                <a:latin typeface="Consolas" panose="020B0609020204030204" pitchFamily="49" charset="0"/>
-                <a:cs typeface="Consolas" panose="020B0609020204030204" pitchFamily="49" charset="0"/>
-              </a:rPr>
-              <a:t>myCursor</a:t>
-            </a:r>
-            <a:r>
-              <a:rPr kumimoji="0" lang="en-US" altLang="en-US" sz="1800" b="0" i="0" u="none" strike="noStrike" cap="none" normalizeH="0" baseline="0" dirty="0" smtClean="0">
-                <a:ln>
-                  <a:noFill/>
-                </a:ln>
-                <a:solidFill>
-                  <a:srgbClr val="000000"/>
-                </a:solidFill>
-                <a:effectLst/>
-                <a:latin typeface="Consolas" panose="020B0609020204030204" pitchFamily="49" charset="0"/>
-                <a:cs typeface="Consolas" panose="020B0609020204030204" pitchFamily="49" charset="0"/>
-              </a:rPr>
-              <a:t> = </a:t>
-            </a:r>
-            <a:r>
-              <a:rPr kumimoji="0" lang="en-US" altLang="en-US" sz="1800" b="0" i="0" u="none" strike="noStrike" cap="none" normalizeH="0" baseline="0" dirty="0" err="1" smtClean="0">
-                <a:ln>
-                  <a:noFill/>
-                </a:ln>
-                <a:solidFill>
-                  <a:srgbClr val="000000"/>
-                </a:solidFill>
-                <a:effectLst/>
-                <a:latin typeface="Consolas" panose="020B0609020204030204" pitchFamily="49" charset="0"/>
-                <a:cs typeface="Consolas" panose="020B0609020204030204" pitchFamily="49" charset="0"/>
-              </a:rPr>
-              <a:t>myConnection.cursor</a:t>
-            </a:r>
-            <a:r>
-              <a:rPr kumimoji="0" lang="en-US" altLang="en-US" sz="1800" b="0" i="0" u="none" strike="noStrike" cap="none" normalizeH="0" baseline="0" dirty="0" smtClean="0">
-                <a:ln>
-                  <a:noFill/>
-                </a:ln>
-                <a:solidFill>
-                  <a:srgbClr val="000000"/>
-                </a:solidFill>
-                <a:effectLst/>
-                <a:latin typeface="Consolas" panose="020B0609020204030204" pitchFamily="49" charset="0"/>
-                <a:cs typeface="Consolas" panose="020B0609020204030204" pitchFamily="49" charset="0"/>
-              </a:rPr>
-              <a:t>()</a:t>
-            </a:r>
-          </a:p>
-          <a:p>
-            <a:pPr marL="0" marR="0" lvl="0" indent="0" algn="l" defTabSz="914400" rtl="0" eaLnBrk="0" fontAlgn="base" latinLnBrk="0" hangingPunct="0">
-              <a:lnSpc>
-                <a:spcPct val="100000"/>
-              </a:lnSpc>
+              <a:rPr lang="en-US" altLang="en-US" sz="1800" b="0" dirty="0" smtClean="0">
+                <a:solidFill>
+                  <a:srgbClr val="000000"/>
+                </a:solidFill>
+                <a:latin typeface="Consolas" panose="020B0609020204030204" pitchFamily="49" charset="0"/>
+                <a:cs typeface="Consolas" panose="020B0609020204030204" pitchFamily="49" charset="0"/>
+              </a:rPr>
+              <a:t> </a:t>
+            </a:r>
+            <a:r>
+              <a:rPr lang="en-US" altLang="en-US" sz="1800" b="0" dirty="0">
+                <a:solidFill>
+                  <a:srgbClr val="000000"/>
+                </a:solidFill>
+                <a:latin typeface="Consolas" panose="020B0609020204030204" pitchFamily="49" charset="0"/>
+                <a:cs typeface="Consolas" panose="020B0609020204030204" pitchFamily="49" charset="0"/>
+              </a:rPr>
+              <a:t>                                </a:t>
+            </a:r>
+            <a:r>
+              <a:rPr lang="en-US" altLang="en-US" sz="1800" b="0" dirty="0">
+                <a:solidFill>
+                  <a:srgbClr val="A31515"/>
+                </a:solidFill>
+                <a:latin typeface="Consolas" panose="020B0609020204030204" pitchFamily="49" charset="0"/>
+                <a:cs typeface="Consolas" panose="020B0609020204030204" pitchFamily="49" charset="0"/>
+              </a:rPr>
+              <a:t>'</a:t>
+            </a:r>
+            <a:r>
+              <a:rPr lang="en-US" altLang="en-US" sz="1800" b="0" dirty="0" err="1">
+                <a:solidFill>
+                  <a:srgbClr val="A31515"/>
+                </a:solidFill>
+                <a:latin typeface="Consolas" panose="020B0609020204030204" pitchFamily="49" charset="0"/>
+                <a:cs typeface="Consolas" panose="020B0609020204030204" pitchFamily="49" charset="0"/>
+              </a:rPr>
+              <a:t>uid</a:t>
+            </a:r>
+            <a:r>
+              <a:rPr lang="en-US" altLang="en-US" sz="1800" b="0" dirty="0">
+                <a:solidFill>
+                  <a:srgbClr val="A31515"/>
+                </a:solidFill>
+                <a:latin typeface="Consolas" panose="020B0609020204030204" pitchFamily="49" charset="0"/>
+                <a:cs typeface="Consolas" panose="020B0609020204030204" pitchFamily="49" charset="0"/>
+              </a:rPr>
+              <a:t>=</a:t>
+            </a:r>
+            <a:r>
+              <a:rPr lang="en-US" altLang="en-US" sz="1800" b="0" dirty="0" err="1">
+                <a:solidFill>
+                  <a:srgbClr val="A31515"/>
+                </a:solidFill>
+                <a:latin typeface="Consolas" panose="020B0609020204030204" pitchFamily="49" charset="0"/>
+                <a:cs typeface="Consolas" panose="020B0609020204030204" pitchFamily="49" charset="0"/>
+              </a:rPr>
+              <a:t>sa;pwd</a:t>
+            </a:r>
+            <a:r>
+              <a:rPr lang="en-US" altLang="en-US" sz="1800" b="0" dirty="0">
+                <a:solidFill>
+                  <a:srgbClr val="A31515"/>
+                </a:solidFill>
+                <a:latin typeface="Consolas" panose="020B0609020204030204" pitchFamily="49" charset="0"/>
+                <a:cs typeface="Consolas" panose="020B0609020204030204" pitchFamily="49" charset="0"/>
+              </a:rPr>
+              <a:t>=P@ssw0rd</a:t>
+            </a:r>
+            <a:r>
+              <a:rPr lang="en-US" altLang="en-US" sz="1800" b="0" dirty="0" smtClean="0">
+                <a:solidFill>
+                  <a:srgbClr val="A31515"/>
+                </a:solidFill>
+                <a:latin typeface="Consolas" panose="020B0609020204030204" pitchFamily="49" charset="0"/>
+                <a:cs typeface="Consolas" panose="020B0609020204030204" pitchFamily="49" charset="0"/>
+              </a:rPr>
+              <a:t>'</a:t>
+            </a:r>
+            <a:r>
+              <a:rPr lang="en-US" altLang="en-US" sz="1800" b="0" dirty="0" smtClean="0">
+                <a:solidFill>
+                  <a:srgbClr val="000000"/>
+                </a:solidFill>
+                <a:latin typeface="Consolas" panose="020B0609020204030204" pitchFamily="49" charset="0"/>
+                <a:cs typeface="Consolas" panose="020B0609020204030204" pitchFamily="49" charset="0"/>
+              </a:rPr>
+              <a:t>)</a:t>
+            </a:r>
+          </a:p>
+          <a:p>
+            <a:pPr marL="0" lvl="0" indent="0" defTabSz="914400" eaLnBrk="0" fontAlgn="base" hangingPunct="0">
               <a:spcBef>
                 <a:spcPct val="0"/>
               </a:spcBef>
               <a:spcAft>
                 <a:spcPct val="0"/>
               </a:spcAft>
-              <a:buClrTx/>
-              <a:buSzTx/>
-              <a:buFontTx/>
               <a:buNone/>
-              <a:tabLst/>
             </a:pPr>
             <a:r>
-              <a:rPr kumimoji="0" lang="en-US" altLang="en-US" sz="1800" b="0" i="0" u="none" strike="noStrike" cap="none" normalizeH="0" baseline="0" dirty="0" smtClean="0">
-                <a:ln>
-                  <a:noFill/>
-                </a:ln>
-                <a:solidFill>
-                  <a:srgbClr val="000000"/>
-                </a:solidFill>
-                <a:effectLst/>
-                <a:latin typeface="Consolas" panose="020B0609020204030204" pitchFamily="49" charset="0"/>
-                <a:cs typeface="Consolas" panose="020B0609020204030204" pitchFamily="49" charset="0"/>
-              </a:rPr>
-              <a:t>         </a:t>
-            </a:r>
-            <a:r>
-              <a:rPr kumimoji="0" lang="en-US" altLang="en-US" sz="1800" b="0" i="0" u="none" strike="noStrike" cap="none" normalizeH="0" baseline="0" dirty="0" err="1" smtClean="0">
-                <a:ln>
-                  <a:noFill/>
-                </a:ln>
-                <a:solidFill>
-                  <a:srgbClr val="000000"/>
-                </a:solidFill>
-                <a:effectLst/>
-                <a:latin typeface="Consolas" panose="020B0609020204030204" pitchFamily="49" charset="0"/>
-                <a:cs typeface="Consolas" panose="020B0609020204030204" pitchFamily="49" charset="0"/>
-              </a:rPr>
-              <a:t>mySQLCommand</a:t>
-            </a:r>
-            <a:r>
-              <a:rPr kumimoji="0" lang="en-US" altLang="en-US" sz="1800" b="0" i="0" u="none" strike="noStrike" cap="none" normalizeH="0" baseline="0" dirty="0" smtClean="0">
-                <a:ln>
-                  <a:noFill/>
-                </a:ln>
-                <a:solidFill>
-                  <a:srgbClr val="000000"/>
-                </a:solidFill>
-                <a:effectLst/>
-                <a:latin typeface="Consolas" panose="020B0609020204030204" pitchFamily="49" charset="0"/>
-                <a:cs typeface="Consolas" panose="020B0609020204030204" pitchFamily="49" charset="0"/>
-              </a:rPr>
-              <a:t> = (</a:t>
-            </a:r>
-            <a:r>
-              <a:rPr kumimoji="0" lang="en-US" altLang="en-US" sz="1800" b="0" i="0" u="none" strike="noStrike" cap="none" normalizeH="0" baseline="0" dirty="0" smtClean="0">
-                <a:ln>
-                  <a:noFill/>
-                </a:ln>
-                <a:solidFill>
-                  <a:srgbClr val="A31515"/>
-                </a:solidFill>
-                <a:effectLst/>
-                <a:latin typeface="Consolas" panose="020B0609020204030204" pitchFamily="49" charset="0"/>
-                <a:cs typeface="Consolas" panose="020B0609020204030204" pitchFamily="49" charset="0"/>
-              </a:rPr>
-              <a:t>"SELECT Description, </a:t>
-            </a:r>
-            <a:r>
-              <a:rPr kumimoji="0" lang="en-US" altLang="en-US" sz="1800" b="0" i="0" u="none" strike="noStrike" cap="none" normalizeH="0" baseline="0" dirty="0" err="1" smtClean="0">
-                <a:ln>
-                  <a:noFill/>
-                </a:ln>
-                <a:solidFill>
-                  <a:srgbClr val="A31515"/>
-                </a:solidFill>
-                <a:effectLst/>
-                <a:latin typeface="Consolas" panose="020B0609020204030204" pitchFamily="49" charset="0"/>
-                <a:cs typeface="Consolas" panose="020B0609020204030204" pitchFamily="49" charset="0"/>
-              </a:rPr>
-              <a:t>CorrectAnswer</a:t>
-            </a:r>
-            <a:r>
-              <a:rPr kumimoji="0" lang="en-US" altLang="en-US" sz="1800" b="0" i="0" u="none" strike="noStrike" cap="none" normalizeH="0" baseline="0" dirty="0" smtClean="0">
-                <a:ln>
-                  <a:noFill/>
-                </a:ln>
-                <a:solidFill>
-                  <a:srgbClr val="A31515"/>
-                </a:solidFill>
-                <a:effectLst/>
-                <a:latin typeface="Consolas" panose="020B0609020204030204" pitchFamily="49" charset="0"/>
-                <a:cs typeface="Consolas" panose="020B0609020204030204" pitchFamily="49" charset="0"/>
-              </a:rPr>
-              <a:t> "</a:t>
-            </a:r>
-          </a:p>
-          <a:p>
-            <a:pPr marL="0" marR="0" lvl="0" indent="0" algn="l" defTabSz="914400" rtl="0" eaLnBrk="0" fontAlgn="base" latinLnBrk="0" hangingPunct="0">
-              <a:lnSpc>
-                <a:spcPct val="100000"/>
-              </a:lnSpc>
+              <a:rPr lang="en-US" altLang="en-US" sz="1800" b="0" dirty="0" smtClean="0">
+                <a:solidFill>
+                  <a:srgbClr val="000000"/>
+                </a:solidFill>
+                <a:latin typeface="Consolas" panose="020B0609020204030204" pitchFamily="49" charset="0"/>
+                <a:cs typeface="Consolas" panose="020B0609020204030204" pitchFamily="49" charset="0"/>
+              </a:rPr>
+              <a:t> </a:t>
+            </a:r>
+            <a:r>
+              <a:rPr lang="en-US" altLang="en-US" sz="1800" b="0" dirty="0">
+                <a:solidFill>
+                  <a:srgbClr val="000000"/>
+                </a:solidFill>
+                <a:latin typeface="Consolas" panose="020B0609020204030204" pitchFamily="49" charset="0"/>
+                <a:cs typeface="Consolas" panose="020B0609020204030204" pitchFamily="49" charset="0"/>
+              </a:rPr>
+              <a:t>    </a:t>
+            </a:r>
+            <a:r>
+              <a:rPr lang="en-US" altLang="en-US" sz="1800" b="0" dirty="0">
+                <a:solidFill>
+                  <a:srgbClr val="0000FF"/>
+                </a:solidFill>
+                <a:latin typeface="Consolas" panose="020B0609020204030204" pitchFamily="49" charset="0"/>
+                <a:cs typeface="Consolas" panose="020B0609020204030204" pitchFamily="49" charset="0"/>
+              </a:rPr>
+              <a:t>try</a:t>
+            </a:r>
+            <a:r>
+              <a:rPr lang="en-US" altLang="en-US" sz="1800" b="0" dirty="0" smtClean="0">
+                <a:solidFill>
+                  <a:srgbClr val="000000"/>
+                </a:solidFill>
+                <a:latin typeface="Consolas" panose="020B0609020204030204" pitchFamily="49" charset="0"/>
+                <a:cs typeface="Consolas" panose="020B0609020204030204" pitchFamily="49" charset="0"/>
+              </a:rPr>
+              <a:t>:</a:t>
+            </a:r>
+          </a:p>
+          <a:p>
+            <a:pPr marL="0" lvl="0" indent="0" defTabSz="914400" eaLnBrk="0" fontAlgn="base" hangingPunct="0">
               <a:spcBef>
                 <a:spcPct val="0"/>
               </a:spcBef>
               <a:spcAft>
                 <a:spcPct val="0"/>
               </a:spcAft>
-              <a:buClrTx/>
-              <a:buSzTx/>
-              <a:buFontTx/>
               <a:buNone/>
-              <a:tabLst/>
             </a:pPr>
             <a:r>
-              <a:rPr kumimoji="0" lang="en-US" altLang="en-US" sz="1800" b="0" i="0" u="none" strike="noStrike" cap="none" normalizeH="0" baseline="0" dirty="0" smtClean="0">
-                <a:ln>
-                  <a:noFill/>
-                </a:ln>
-                <a:solidFill>
-                  <a:srgbClr val="000000"/>
-                </a:solidFill>
-                <a:effectLst/>
-                <a:latin typeface="Consolas" panose="020B0609020204030204" pitchFamily="49" charset="0"/>
-                <a:cs typeface="Consolas" panose="020B0609020204030204" pitchFamily="49" charset="0"/>
-              </a:rPr>
-              <a:t>                      </a:t>
-            </a:r>
-            <a:r>
-              <a:rPr kumimoji="0" lang="en-US" altLang="en-US" sz="1800" b="0" i="0" u="none" strike="noStrike" cap="none" normalizeH="0" baseline="0" dirty="0" smtClean="0">
-                <a:ln>
-                  <a:noFill/>
-                </a:ln>
-                <a:solidFill>
-                  <a:srgbClr val="A31515"/>
-                </a:solidFill>
-                <a:effectLst/>
-                <a:latin typeface="Consolas" panose="020B0609020204030204" pitchFamily="49" charset="0"/>
-                <a:cs typeface="Consolas" panose="020B0609020204030204" pitchFamily="49" charset="0"/>
-              </a:rPr>
-              <a:t>"FROM Questions "</a:t>
-            </a:r>
-          </a:p>
-          <a:p>
-            <a:pPr marL="0" marR="0" lvl="0" indent="0" algn="l" defTabSz="914400" rtl="0" eaLnBrk="0" fontAlgn="base" latinLnBrk="0" hangingPunct="0">
-              <a:lnSpc>
-                <a:spcPct val="100000"/>
-              </a:lnSpc>
+              <a:rPr lang="en-US" altLang="en-US" sz="1800" b="0" dirty="0" smtClean="0">
+                <a:solidFill>
+                  <a:srgbClr val="000000"/>
+                </a:solidFill>
+                <a:latin typeface="Consolas" panose="020B0609020204030204" pitchFamily="49" charset="0"/>
+                <a:cs typeface="Consolas" panose="020B0609020204030204" pitchFamily="49" charset="0"/>
+              </a:rPr>
+              <a:t> </a:t>
+            </a:r>
+            <a:r>
+              <a:rPr lang="en-US" altLang="en-US" sz="1800" b="0" dirty="0">
+                <a:solidFill>
+                  <a:srgbClr val="000000"/>
+                </a:solidFill>
+                <a:latin typeface="Consolas" panose="020B0609020204030204" pitchFamily="49" charset="0"/>
+                <a:cs typeface="Consolas" panose="020B0609020204030204" pitchFamily="49" charset="0"/>
+              </a:rPr>
+              <a:t>        </a:t>
+            </a:r>
+            <a:r>
+              <a:rPr lang="en-US" altLang="en-US" sz="1800" b="0" dirty="0" err="1">
+                <a:solidFill>
+                  <a:srgbClr val="000000"/>
+                </a:solidFill>
+                <a:latin typeface="Consolas" panose="020B0609020204030204" pitchFamily="49" charset="0"/>
+                <a:cs typeface="Consolas" panose="020B0609020204030204" pitchFamily="49" charset="0"/>
+              </a:rPr>
+              <a:t>myCursor</a:t>
+            </a:r>
+            <a:r>
+              <a:rPr lang="en-US" altLang="en-US" sz="1800" b="0" dirty="0">
+                <a:solidFill>
+                  <a:srgbClr val="000000"/>
+                </a:solidFill>
+                <a:latin typeface="Consolas" panose="020B0609020204030204" pitchFamily="49" charset="0"/>
+                <a:cs typeface="Consolas" panose="020B0609020204030204" pitchFamily="49" charset="0"/>
+              </a:rPr>
+              <a:t> = </a:t>
+            </a:r>
+            <a:r>
+              <a:rPr lang="en-US" altLang="en-US" sz="1800" b="0" dirty="0" err="1">
+                <a:solidFill>
+                  <a:srgbClr val="000000"/>
+                </a:solidFill>
+                <a:latin typeface="Consolas" panose="020B0609020204030204" pitchFamily="49" charset="0"/>
+                <a:cs typeface="Consolas" panose="020B0609020204030204" pitchFamily="49" charset="0"/>
+              </a:rPr>
+              <a:t>myConnection.cursor</a:t>
+            </a:r>
+            <a:r>
+              <a:rPr lang="en-US" altLang="en-US" sz="1800" b="0" dirty="0" smtClean="0">
+                <a:solidFill>
+                  <a:srgbClr val="000000"/>
+                </a:solidFill>
+                <a:latin typeface="Consolas" panose="020B0609020204030204" pitchFamily="49" charset="0"/>
+                <a:cs typeface="Consolas" panose="020B0609020204030204" pitchFamily="49" charset="0"/>
+              </a:rPr>
+              <a:t>()</a:t>
+            </a:r>
+          </a:p>
+          <a:p>
+            <a:pPr marL="0" lvl="0" indent="0" defTabSz="914400" eaLnBrk="0" fontAlgn="base" hangingPunct="0">
               <a:spcBef>
                 <a:spcPct val="0"/>
               </a:spcBef>
               <a:spcAft>
                 <a:spcPct val="0"/>
               </a:spcAft>
-              <a:buClrTx/>
-              <a:buSzTx/>
-              <a:buFontTx/>
               <a:buNone/>
-              <a:tabLst/>
             </a:pPr>
             <a:r>
-              <a:rPr kumimoji="0" lang="en-US" altLang="en-US" sz="1800" b="0" i="0" u="none" strike="noStrike" cap="none" normalizeH="0" baseline="0" dirty="0" smtClean="0">
-                <a:ln>
-                  <a:noFill/>
-                </a:ln>
-                <a:solidFill>
-                  <a:srgbClr val="000000"/>
-                </a:solidFill>
-                <a:effectLst/>
-                <a:latin typeface="Consolas" panose="020B0609020204030204" pitchFamily="49" charset="0"/>
-                <a:cs typeface="Consolas" panose="020B0609020204030204" pitchFamily="49" charset="0"/>
-              </a:rPr>
-              <a:t>                      </a:t>
-            </a:r>
-            <a:r>
-              <a:rPr kumimoji="0" lang="en-US" altLang="en-US" sz="1800" b="0" i="0" u="none" strike="noStrike" cap="none" normalizeH="0" baseline="0" dirty="0" smtClean="0">
-                <a:ln>
-                  <a:noFill/>
-                </a:ln>
+              <a:rPr lang="en-US" altLang="en-US" sz="1800" b="0" dirty="0" smtClean="0">
+                <a:solidFill>
+                  <a:srgbClr val="000000"/>
+                </a:solidFill>
+                <a:latin typeface="Consolas" panose="020B0609020204030204" pitchFamily="49" charset="0"/>
+                <a:cs typeface="Consolas" panose="020B0609020204030204" pitchFamily="49" charset="0"/>
+              </a:rPr>
+              <a:t> </a:t>
+            </a:r>
+            <a:r>
+              <a:rPr lang="en-US" altLang="en-US" sz="1800" b="0" dirty="0">
+                <a:solidFill>
+                  <a:srgbClr val="000000"/>
+                </a:solidFill>
+                <a:latin typeface="Consolas" panose="020B0609020204030204" pitchFamily="49" charset="0"/>
+                <a:cs typeface="Consolas" panose="020B0609020204030204" pitchFamily="49" charset="0"/>
+              </a:rPr>
+              <a:t>        </a:t>
+            </a:r>
+            <a:r>
+              <a:rPr lang="en-US" altLang="en-US" sz="1800" b="0" dirty="0" err="1">
+                <a:solidFill>
+                  <a:srgbClr val="000000"/>
+                </a:solidFill>
+                <a:latin typeface="Consolas" panose="020B0609020204030204" pitchFamily="49" charset="0"/>
+                <a:cs typeface="Consolas" panose="020B0609020204030204" pitchFamily="49" charset="0"/>
+              </a:rPr>
+              <a:t>SQLSelectCommand</a:t>
+            </a:r>
+            <a:r>
+              <a:rPr lang="en-US" altLang="en-US" sz="1800" b="0" dirty="0">
+                <a:solidFill>
+                  <a:srgbClr val="000000"/>
+                </a:solidFill>
+                <a:latin typeface="Consolas" panose="020B0609020204030204" pitchFamily="49" charset="0"/>
+                <a:cs typeface="Consolas" panose="020B0609020204030204" pitchFamily="49" charset="0"/>
+              </a:rPr>
+              <a:t> = (</a:t>
+            </a:r>
+            <a:r>
+              <a:rPr lang="en-US" altLang="en-US" sz="1800" b="0" dirty="0">
                 <a:solidFill>
                   <a:srgbClr val="A31515"/>
                 </a:solidFill>
-                <a:effectLst/>
-                <a:latin typeface="Consolas" panose="020B0609020204030204" pitchFamily="49" charset="0"/>
-                <a:cs typeface="Consolas" panose="020B0609020204030204" pitchFamily="49" charset="0"/>
-              </a:rPr>
-              <a:t>"WHERE </a:t>
-            </a:r>
-            <a:r>
-              <a:rPr kumimoji="0" lang="en-US" altLang="en-US" sz="1800" b="0" i="0" u="none" strike="noStrike" cap="none" normalizeH="0" baseline="0" dirty="0" err="1" smtClean="0">
-                <a:ln>
-                  <a:noFill/>
-                </a:ln>
+                <a:latin typeface="Consolas" panose="020B0609020204030204" pitchFamily="49" charset="0"/>
+                <a:cs typeface="Consolas" panose="020B0609020204030204" pitchFamily="49" charset="0"/>
+              </a:rPr>
+              <a:t>"SELECT description, </a:t>
+            </a:r>
+            <a:r>
+              <a:rPr lang="en-US" altLang="en-US" sz="1800" b="0" dirty="0" err="1">
                 <a:solidFill>
                   <a:srgbClr val="A31515"/>
                 </a:solidFill>
-                <a:effectLst/>
-                <a:latin typeface="Consolas" panose="020B0609020204030204" pitchFamily="49" charset="0"/>
-                <a:cs typeface="Consolas" panose="020B0609020204030204" pitchFamily="49" charset="0"/>
-              </a:rPr>
-              <a:t>QuestionName</a:t>
-            </a:r>
-            <a:r>
-              <a:rPr kumimoji="0" lang="en-US" altLang="en-US" sz="1800" b="0" i="0" u="none" strike="noStrike" cap="none" normalizeH="0" baseline="0" dirty="0" smtClean="0">
-                <a:ln>
-                  <a:noFill/>
-                </a:ln>
+                <a:latin typeface="Consolas" panose="020B0609020204030204" pitchFamily="49" charset="0"/>
+                <a:cs typeface="Consolas" panose="020B0609020204030204" pitchFamily="49" charset="0"/>
+              </a:rPr>
+              <a:t>correctAnswer</a:t>
+            </a:r>
+            <a:r>
+              <a:rPr lang="en-US" altLang="en-US" sz="1800" b="0" dirty="0">
                 <a:solidFill>
                   <a:srgbClr val="A31515"/>
                 </a:solidFill>
-                <a:effectLst/>
-                <a:latin typeface="Consolas" panose="020B0609020204030204" pitchFamily="49" charset="0"/>
-                <a:cs typeface="Consolas" panose="020B0609020204030204" pitchFamily="49" charset="0"/>
-              </a:rPr>
-              <a:t> = '</a:t>
-            </a:r>
-            <a:r>
-              <a:rPr kumimoji="0" lang="en-US" altLang="en-US" sz="1800" b="0" i="0" u="none" strike="noStrike" cap="none" normalizeH="0" baseline="0" dirty="0" err="1" smtClean="0">
-                <a:ln>
-                  <a:noFill/>
-                </a:ln>
-                <a:solidFill>
-                  <a:srgbClr val="A31515"/>
-                </a:solidFill>
-                <a:effectLst/>
-                <a:latin typeface="Consolas" panose="020B0609020204030204" pitchFamily="49" charset="0"/>
-                <a:cs typeface="Consolas" panose="020B0609020204030204" pitchFamily="49" charset="0"/>
-              </a:rPr>
-              <a:t>HockeyFact</a:t>
-            </a:r>
-            <a:r>
-              <a:rPr kumimoji="0" lang="en-US" altLang="en-US" sz="1800" b="0" i="0" u="none" strike="noStrike" cap="none" normalizeH="0" baseline="0" dirty="0" smtClean="0">
-                <a:ln>
-                  <a:noFill/>
-                </a:ln>
-                <a:solidFill>
-                  <a:srgbClr val="A31515"/>
-                </a:solidFill>
-                <a:effectLst/>
-                <a:latin typeface="Consolas" panose="020B0609020204030204" pitchFamily="49" charset="0"/>
-                <a:cs typeface="Consolas" panose="020B0609020204030204" pitchFamily="49" charset="0"/>
-              </a:rPr>
-              <a:t>'"</a:t>
-            </a:r>
-            <a:r>
-              <a:rPr kumimoji="0" lang="en-US" altLang="en-US" sz="1800" b="0" i="0" u="none" strike="noStrike" cap="none" normalizeH="0" baseline="0" dirty="0" smtClean="0">
-                <a:ln>
-                  <a:noFill/>
-                </a:ln>
-                <a:solidFill>
-                  <a:srgbClr val="000000"/>
-                </a:solidFill>
-                <a:effectLst/>
-                <a:latin typeface="Consolas" panose="020B0609020204030204" pitchFamily="49" charset="0"/>
-                <a:cs typeface="Consolas" panose="020B0609020204030204" pitchFamily="49" charset="0"/>
-              </a:rPr>
-              <a:t>)</a:t>
-            </a:r>
-          </a:p>
-          <a:p>
-            <a:pPr marL="0" marR="0" lvl="0" indent="0" algn="l" defTabSz="914400" rtl="0" eaLnBrk="0" fontAlgn="base" latinLnBrk="0" hangingPunct="0">
-              <a:lnSpc>
-                <a:spcPct val="100000"/>
-              </a:lnSpc>
+                <a:latin typeface="Consolas" panose="020B0609020204030204" pitchFamily="49" charset="0"/>
+                <a:cs typeface="Consolas" panose="020B0609020204030204" pitchFamily="49" charset="0"/>
+              </a:rPr>
+              <a:t> "</a:t>
+            </a:r>
+            <a:r>
+              <a:rPr lang="en-US" altLang="en-US" sz="1800" b="0" dirty="0">
+                <a:solidFill>
+                  <a:srgbClr val="000000"/>
+                </a:solidFill>
+                <a:latin typeface="Consolas" panose="020B0609020204030204" pitchFamily="49" charset="0"/>
+                <a:cs typeface="Consolas" panose="020B0609020204030204" pitchFamily="49" charset="0"/>
+              </a:rPr>
+              <a:t> </a:t>
+            </a:r>
+            <a:endParaRPr lang="en-US" altLang="en-US" sz="1800" b="0" dirty="0" smtClean="0">
+              <a:solidFill>
+                <a:srgbClr val="000000"/>
+              </a:solidFill>
+              <a:latin typeface="Consolas" panose="020B0609020204030204" pitchFamily="49" charset="0"/>
+              <a:cs typeface="Consolas" panose="020B0609020204030204" pitchFamily="49" charset="0"/>
+            </a:endParaRPr>
+          </a:p>
+          <a:p>
+            <a:pPr marL="0" lvl="0" indent="0" defTabSz="914400" eaLnBrk="0" fontAlgn="base" hangingPunct="0">
               <a:spcBef>
                 <a:spcPct val="0"/>
               </a:spcBef>
               <a:spcAft>
                 <a:spcPct val="0"/>
               </a:spcAft>
-              <a:buClrTx/>
-              <a:buSzTx/>
-              <a:buFontTx/>
               <a:buNone/>
-              <a:tabLst/>
             </a:pPr>
             <a:r>
-              <a:rPr kumimoji="0" lang="en-US" altLang="en-US" sz="1800" b="0" i="0" u="none" strike="noStrike" cap="none" normalizeH="0" baseline="0" dirty="0" smtClean="0">
-                <a:ln>
-                  <a:noFill/>
-                </a:ln>
-                <a:solidFill>
-                  <a:srgbClr val="000000"/>
-                </a:solidFill>
-                <a:effectLst/>
-                <a:latin typeface="Consolas" panose="020B0609020204030204" pitchFamily="49" charset="0"/>
-                <a:cs typeface="Consolas" panose="020B0609020204030204" pitchFamily="49" charset="0"/>
-              </a:rPr>
-              <a:t>         </a:t>
-            </a:r>
-            <a:r>
-              <a:rPr kumimoji="0" lang="en-US" altLang="en-US" sz="1800" b="0" i="0" u="none" strike="noStrike" cap="none" normalizeH="0" baseline="0" dirty="0" err="1" smtClean="0">
-                <a:ln>
-                  <a:noFill/>
-                </a:ln>
-                <a:solidFill>
-                  <a:srgbClr val="000000"/>
-                </a:solidFill>
-                <a:effectLst/>
-                <a:latin typeface="Consolas" panose="020B0609020204030204" pitchFamily="49" charset="0"/>
-                <a:cs typeface="Consolas" panose="020B0609020204030204" pitchFamily="49" charset="0"/>
-              </a:rPr>
-              <a:t>myCursor.execute</a:t>
-            </a:r>
-            <a:r>
-              <a:rPr kumimoji="0" lang="en-US" altLang="en-US" sz="1800" b="0" i="0" u="none" strike="noStrike" cap="none" normalizeH="0" baseline="0" dirty="0" smtClean="0">
-                <a:ln>
-                  <a:noFill/>
-                </a:ln>
-                <a:solidFill>
-                  <a:srgbClr val="000000"/>
-                </a:solidFill>
-                <a:effectLst/>
-                <a:latin typeface="Consolas" panose="020B0609020204030204" pitchFamily="49" charset="0"/>
-                <a:cs typeface="Consolas" panose="020B0609020204030204" pitchFamily="49" charset="0"/>
-              </a:rPr>
-              <a:t>(</a:t>
-            </a:r>
-            <a:r>
-              <a:rPr kumimoji="0" lang="en-US" altLang="en-US" sz="1800" b="0" i="0" u="none" strike="noStrike" cap="none" normalizeH="0" baseline="0" dirty="0" err="1" smtClean="0">
-                <a:ln>
-                  <a:noFill/>
-                </a:ln>
-                <a:solidFill>
-                  <a:srgbClr val="000000"/>
-                </a:solidFill>
-                <a:effectLst/>
-                <a:latin typeface="Consolas" panose="020B0609020204030204" pitchFamily="49" charset="0"/>
-                <a:cs typeface="Consolas" panose="020B0609020204030204" pitchFamily="49" charset="0"/>
-              </a:rPr>
-              <a:t>mySQLCommand</a:t>
-            </a:r>
-            <a:r>
-              <a:rPr kumimoji="0" lang="en-US" altLang="en-US" sz="1800" b="0" i="0" u="none" strike="noStrike" cap="none" normalizeH="0" baseline="0" dirty="0" smtClean="0">
-                <a:ln>
-                  <a:noFill/>
-                </a:ln>
-                <a:solidFill>
-                  <a:srgbClr val="000000"/>
-                </a:solidFill>
-                <a:effectLst/>
-                <a:latin typeface="Consolas" panose="020B0609020204030204" pitchFamily="49" charset="0"/>
-                <a:cs typeface="Consolas" panose="020B0609020204030204" pitchFamily="49" charset="0"/>
-              </a:rPr>
-              <a:t>)</a:t>
-            </a:r>
-          </a:p>
-          <a:p>
-            <a:pPr marL="0" marR="0" lvl="0" indent="0" algn="l" defTabSz="914400" rtl="0" eaLnBrk="0" fontAlgn="base" latinLnBrk="0" hangingPunct="0">
-              <a:lnSpc>
-                <a:spcPct val="100000"/>
-              </a:lnSpc>
+              <a:rPr lang="en-US" altLang="en-US" sz="1800" b="0" dirty="0">
+                <a:solidFill>
+                  <a:srgbClr val="000000"/>
+                </a:solidFill>
+                <a:latin typeface="Consolas" panose="020B0609020204030204" pitchFamily="49" charset="0"/>
+                <a:cs typeface="Consolas" panose="020B0609020204030204" pitchFamily="49" charset="0"/>
+              </a:rPr>
+              <a:t>                            </a:t>
+            </a:r>
+            <a:r>
+              <a:rPr lang="en-US" altLang="en-US" sz="1800" b="0" dirty="0" smtClean="0">
+                <a:solidFill>
+                  <a:srgbClr val="000000"/>
+                </a:solidFill>
+                <a:latin typeface="Consolas" panose="020B0609020204030204" pitchFamily="49" charset="0"/>
+                <a:cs typeface="Consolas" panose="020B0609020204030204" pitchFamily="49" charset="0"/>
+              </a:rPr>
+              <a:t> </a:t>
+            </a:r>
+            <a:r>
+              <a:rPr lang="en-US" altLang="en-US" sz="1800" b="0" dirty="0" smtClean="0">
+                <a:solidFill>
+                  <a:srgbClr val="A31515"/>
+                </a:solidFill>
+                <a:latin typeface="Consolas" panose="020B0609020204030204" pitchFamily="49" charset="0"/>
+                <a:cs typeface="Consolas" panose="020B0609020204030204" pitchFamily="49" charset="0"/>
+              </a:rPr>
+              <a:t>"</a:t>
+            </a:r>
+            <a:r>
+              <a:rPr lang="en-US" altLang="en-US" sz="1800" b="0" dirty="0">
+                <a:solidFill>
+                  <a:srgbClr val="A31515"/>
+                </a:solidFill>
+                <a:latin typeface="Consolas" panose="020B0609020204030204" pitchFamily="49" charset="0"/>
+                <a:cs typeface="Consolas" panose="020B0609020204030204" pitchFamily="49" charset="0"/>
+              </a:rPr>
+              <a:t>FROM questions </a:t>
+            </a:r>
+            <a:r>
+              <a:rPr lang="en-US" altLang="en-US" sz="1800" b="0" dirty="0" smtClean="0">
+                <a:solidFill>
+                  <a:srgbClr val="A31515"/>
+                </a:solidFill>
+                <a:latin typeface="Consolas" panose="020B0609020204030204" pitchFamily="49" charset="0"/>
+                <a:cs typeface="Consolas" panose="020B0609020204030204" pitchFamily="49" charset="0"/>
+              </a:rPr>
+              <a:t>"</a:t>
+            </a:r>
+          </a:p>
+          <a:p>
+            <a:pPr marL="0" lvl="0" indent="0" defTabSz="914400" eaLnBrk="0" fontAlgn="base" hangingPunct="0">
               <a:spcBef>
                 <a:spcPct val="0"/>
               </a:spcBef>
               <a:spcAft>
                 <a:spcPct val="0"/>
               </a:spcAft>
-              <a:buClrTx/>
-              <a:buSzTx/>
-              <a:buFontTx/>
               <a:buNone/>
-              <a:tabLst/>
             </a:pPr>
             <a:r>
-              <a:rPr kumimoji="0" lang="en-US" altLang="en-US" sz="1800" b="0" i="0" u="none" strike="noStrike" cap="none" normalizeH="0" baseline="0" dirty="0" smtClean="0">
-                <a:ln>
-                  <a:noFill/>
-                </a:ln>
-                <a:solidFill>
-                  <a:srgbClr val="000000"/>
-                </a:solidFill>
-                <a:effectLst/>
-                <a:latin typeface="Consolas" panose="020B0609020204030204" pitchFamily="49" charset="0"/>
-                <a:cs typeface="Consolas" panose="020B0609020204030204" pitchFamily="49" charset="0"/>
-              </a:rPr>
-              <a:t>         results = </a:t>
-            </a:r>
-            <a:r>
-              <a:rPr kumimoji="0" lang="en-US" altLang="en-US" sz="1800" b="0" i="0" u="none" strike="noStrike" cap="none" normalizeH="0" baseline="0" dirty="0" err="1" smtClean="0">
-                <a:ln>
-                  <a:noFill/>
-                </a:ln>
-                <a:solidFill>
-                  <a:srgbClr val="000000"/>
-                </a:solidFill>
-                <a:effectLst/>
-                <a:latin typeface="Consolas" panose="020B0609020204030204" pitchFamily="49" charset="0"/>
-                <a:cs typeface="Consolas" panose="020B0609020204030204" pitchFamily="49" charset="0"/>
-              </a:rPr>
-              <a:t>myCursor.fetchone</a:t>
-            </a:r>
-            <a:r>
-              <a:rPr kumimoji="0" lang="en-US" altLang="en-US" sz="1800" b="0" i="0" u="none" strike="noStrike" cap="none" normalizeH="0" baseline="0" dirty="0" smtClean="0">
-                <a:ln>
-                  <a:noFill/>
-                </a:ln>
-                <a:solidFill>
-                  <a:srgbClr val="000000"/>
-                </a:solidFill>
-                <a:effectLst/>
-                <a:latin typeface="Consolas" panose="020B0609020204030204" pitchFamily="49" charset="0"/>
-                <a:cs typeface="Consolas" panose="020B0609020204030204" pitchFamily="49" charset="0"/>
-              </a:rPr>
-              <a:t>()</a:t>
-            </a:r>
-          </a:p>
-          <a:p>
-            <a:pPr marL="0" marR="0" lvl="0" indent="0" algn="l" defTabSz="914400" rtl="0" eaLnBrk="0" fontAlgn="base" latinLnBrk="0" hangingPunct="0">
-              <a:lnSpc>
-                <a:spcPct val="100000"/>
-              </a:lnSpc>
+              <a:rPr lang="en-US" altLang="en-US" sz="1800" b="0" dirty="0" smtClean="0">
+                <a:solidFill>
+                  <a:srgbClr val="000000"/>
+                </a:solidFill>
+                <a:latin typeface="Consolas" panose="020B0609020204030204" pitchFamily="49" charset="0"/>
+                <a:cs typeface="Consolas" panose="020B0609020204030204" pitchFamily="49" charset="0"/>
+              </a:rPr>
+              <a:t> </a:t>
+            </a:r>
+            <a:r>
+              <a:rPr lang="en-US" altLang="en-US" sz="1800" b="0" dirty="0">
+                <a:solidFill>
+                  <a:srgbClr val="000000"/>
+                </a:solidFill>
+                <a:latin typeface="Consolas" panose="020B0609020204030204" pitchFamily="49" charset="0"/>
+                <a:cs typeface="Consolas" panose="020B0609020204030204" pitchFamily="49" charset="0"/>
+              </a:rPr>
+              <a:t>                            </a:t>
+            </a:r>
+            <a:r>
+              <a:rPr lang="en-US" altLang="en-US" sz="1800" b="0" dirty="0">
+                <a:solidFill>
+                  <a:srgbClr val="A31515"/>
+                </a:solidFill>
+                <a:latin typeface="Consolas" panose="020B0609020204030204" pitchFamily="49" charset="0"/>
+                <a:cs typeface="Consolas" panose="020B0609020204030204" pitchFamily="49" charset="0"/>
+              </a:rPr>
+              <a:t>"WHERE </a:t>
+            </a:r>
+            <a:r>
+              <a:rPr lang="en-US" altLang="en-US" sz="1800" b="0" dirty="0" err="1">
+                <a:solidFill>
+                  <a:srgbClr val="A31515"/>
+                </a:solidFill>
+                <a:latin typeface="Consolas" panose="020B0609020204030204" pitchFamily="49" charset="0"/>
+                <a:cs typeface="Consolas" panose="020B0609020204030204" pitchFamily="49" charset="0"/>
+              </a:rPr>
+              <a:t>questionName</a:t>
+            </a:r>
+            <a:r>
+              <a:rPr lang="en-US" altLang="en-US" sz="1800" b="0" dirty="0">
+                <a:solidFill>
+                  <a:srgbClr val="A31515"/>
+                </a:solidFill>
+                <a:latin typeface="Consolas" panose="020B0609020204030204" pitchFamily="49" charset="0"/>
+                <a:cs typeface="Consolas" panose="020B0609020204030204" pitchFamily="49" charset="0"/>
+              </a:rPr>
+              <a:t> = </a:t>
+            </a:r>
+            <a:r>
+              <a:rPr lang="en-US" altLang="en-US" sz="1800" b="0" dirty="0" smtClean="0">
+                <a:solidFill>
+                  <a:srgbClr val="A31515"/>
+                </a:solidFill>
+                <a:latin typeface="Consolas" panose="020B0609020204030204" pitchFamily="49" charset="0"/>
+                <a:cs typeface="Consolas" panose="020B0609020204030204" pitchFamily="49" charset="0"/>
+              </a:rPr>
+              <a:t>?"</a:t>
+            </a:r>
+            <a:r>
+              <a:rPr lang="en-US" altLang="en-US" sz="1800" b="0" dirty="0" smtClean="0">
+                <a:solidFill>
+                  <a:srgbClr val="000000"/>
+                </a:solidFill>
+                <a:latin typeface="Consolas" panose="020B0609020204030204" pitchFamily="49" charset="0"/>
+                <a:cs typeface="Consolas" panose="020B0609020204030204" pitchFamily="49" charset="0"/>
+              </a:rPr>
+              <a:t>)</a:t>
+            </a:r>
+          </a:p>
+          <a:p>
+            <a:pPr marL="0" lvl="0" indent="0" defTabSz="914400" eaLnBrk="0" fontAlgn="base" hangingPunct="0">
               <a:spcBef>
                 <a:spcPct val="0"/>
               </a:spcBef>
               <a:spcAft>
                 <a:spcPct val="0"/>
               </a:spcAft>
-              <a:buClrTx/>
-              <a:buSzTx/>
-              <a:buFontTx/>
               <a:buNone/>
-              <a:tabLst/>
             </a:pPr>
             <a:r>
-              <a:rPr kumimoji="0" lang="en-US" altLang="en-US" sz="1800" b="0" i="0" u="none" strike="noStrike" cap="none" normalizeH="0" baseline="0" dirty="0" smtClean="0">
-                <a:ln>
-                  <a:noFill/>
-                </a:ln>
-                <a:solidFill>
-                  <a:srgbClr val="000000"/>
-                </a:solidFill>
-                <a:effectLst/>
-                <a:latin typeface="Consolas" panose="020B0609020204030204" pitchFamily="49" charset="0"/>
-                <a:cs typeface="Consolas" panose="020B0609020204030204" pitchFamily="49" charset="0"/>
-              </a:rPr>
-              <a:t>         print (</a:t>
-            </a:r>
-            <a:r>
-              <a:rPr kumimoji="0" lang="en-US" altLang="en-US" sz="1800" b="0" i="0" u="none" strike="noStrike" cap="none" normalizeH="0" baseline="0" dirty="0" smtClean="0">
-                <a:ln>
-                  <a:noFill/>
-                </a:ln>
+              <a:rPr lang="en-US" altLang="en-US" sz="1800" b="0" dirty="0" smtClean="0">
+                <a:solidFill>
+                  <a:srgbClr val="000000"/>
+                </a:solidFill>
+                <a:latin typeface="Consolas" panose="020B0609020204030204" pitchFamily="49" charset="0"/>
+                <a:cs typeface="Consolas" panose="020B0609020204030204" pitchFamily="49" charset="0"/>
+              </a:rPr>
+              <a:t> </a:t>
+            </a:r>
+            <a:r>
+              <a:rPr lang="en-US" altLang="en-US" sz="1800" b="0" dirty="0">
+                <a:solidFill>
+                  <a:srgbClr val="000000"/>
+                </a:solidFill>
+                <a:latin typeface="Consolas" panose="020B0609020204030204" pitchFamily="49" charset="0"/>
+                <a:cs typeface="Consolas" panose="020B0609020204030204" pitchFamily="49" charset="0"/>
+              </a:rPr>
+              <a:t>        Values = [</a:t>
+            </a:r>
+            <a:r>
+              <a:rPr lang="en-US" altLang="en-US" sz="1800" b="0" dirty="0">
                 <a:solidFill>
                   <a:srgbClr val="A31515"/>
                 </a:solidFill>
-                <a:effectLst/>
-                <a:latin typeface="Consolas" panose="020B0609020204030204" pitchFamily="49" charset="0"/>
-                <a:cs typeface="Consolas" panose="020B0609020204030204" pitchFamily="49" charset="0"/>
-              </a:rPr>
-              <a:t>"Question: "</a:t>
-            </a:r>
-            <a:r>
-              <a:rPr kumimoji="0" lang="en-US" altLang="en-US" sz="1800" b="0" i="0" u="none" strike="noStrike" cap="none" normalizeH="0" baseline="0" dirty="0" smtClean="0">
-                <a:ln>
-                  <a:noFill/>
-                </a:ln>
-                <a:solidFill>
-                  <a:srgbClr val="000000"/>
-                </a:solidFill>
-                <a:effectLst/>
-                <a:latin typeface="Consolas" panose="020B0609020204030204" pitchFamily="49" charset="0"/>
-                <a:cs typeface="Consolas" panose="020B0609020204030204" pitchFamily="49" charset="0"/>
-              </a:rPr>
-              <a:t> + results[0])</a:t>
-            </a:r>
-          </a:p>
-          <a:p>
-            <a:pPr marL="0" marR="0" lvl="0" indent="0" algn="l" defTabSz="914400" rtl="0" eaLnBrk="0" fontAlgn="base" latinLnBrk="0" hangingPunct="0">
-              <a:lnSpc>
-                <a:spcPct val="100000"/>
-              </a:lnSpc>
+                <a:latin typeface="Consolas" panose="020B0609020204030204" pitchFamily="49" charset="0"/>
+                <a:cs typeface="Consolas" panose="020B0609020204030204" pitchFamily="49" charset="0"/>
+              </a:rPr>
+              <a:t>'</a:t>
+            </a:r>
+            <a:r>
+              <a:rPr lang="en-US" altLang="en-US" sz="1800" b="0" dirty="0" err="1">
+                <a:solidFill>
+                  <a:srgbClr val="A31515"/>
+                </a:solidFill>
+                <a:latin typeface="Consolas" panose="020B0609020204030204" pitchFamily="49" charset="0"/>
+                <a:cs typeface="Consolas" panose="020B0609020204030204" pitchFamily="49" charset="0"/>
+              </a:rPr>
+              <a:t>HockeyTrivia</a:t>
+            </a:r>
+            <a:r>
+              <a:rPr lang="en-US" altLang="en-US" sz="1800" b="0" dirty="0" smtClean="0">
+                <a:solidFill>
+                  <a:srgbClr val="A31515"/>
+                </a:solidFill>
+                <a:latin typeface="Consolas" panose="020B0609020204030204" pitchFamily="49" charset="0"/>
+                <a:cs typeface="Consolas" panose="020B0609020204030204" pitchFamily="49" charset="0"/>
+              </a:rPr>
+              <a:t>'</a:t>
+            </a:r>
+            <a:r>
+              <a:rPr lang="en-US" altLang="en-US" sz="1800" b="0" dirty="0" smtClean="0">
+                <a:solidFill>
+                  <a:srgbClr val="000000"/>
+                </a:solidFill>
+                <a:latin typeface="Consolas" panose="020B0609020204030204" pitchFamily="49" charset="0"/>
+                <a:cs typeface="Consolas" panose="020B0609020204030204" pitchFamily="49" charset="0"/>
+              </a:rPr>
+              <a:t>]</a:t>
+            </a:r>
+          </a:p>
+          <a:p>
+            <a:pPr marL="0" lvl="0" indent="0" defTabSz="914400" eaLnBrk="0" fontAlgn="base" hangingPunct="0">
               <a:spcBef>
                 <a:spcPct val="0"/>
               </a:spcBef>
               <a:spcAft>
                 <a:spcPct val="0"/>
               </a:spcAft>
-              <a:buClrTx/>
-              <a:buSzTx/>
-              <a:buFontTx/>
               <a:buNone/>
-              <a:tabLst/>
             </a:pPr>
             <a:r>
-              <a:rPr kumimoji="0" lang="en-US" altLang="en-US" sz="1800" b="0" i="0" u="none" strike="noStrike" cap="none" normalizeH="0" baseline="0" dirty="0" smtClean="0">
-                <a:ln>
-                  <a:noFill/>
-                </a:ln>
-                <a:solidFill>
-                  <a:srgbClr val="000000"/>
-                </a:solidFill>
-                <a:effectLst/>
-                <a:latin typeface="Consolas" panose="020B0609020204030204" pitchFamily="49" charset="0"/>
-                <a:cs typeface="Consolas" panose="020B0609020204030204" pitchFamily="49" charset="0"/>
-              </a:rPr>
-              <a:t>         print (</a:t>
-            </a:r>
-            <a:r>
-              <a:rPr kumimoji="0" lang="en-US" altLang="en-US" sz="1800" b="0" i="0" u="none" strike="noStrike" cap="none" normalizeH="0" baseline="0" dirty="0" smtClean="0">
-                <a:ln>
-                  <a:noFill/>
-                </a:ln>
-                <a:solidFill>
-                  <a:srgbClr val="A31515"/>
-                </a:solidFill>
-                <a:effectLst/>
-                <a:latin typeface="Consolas" panose="020B0609020204030204" pitchFamily="49" charset="0"/>
-                <a:cs typeface="Consolas" panose="020B0609020204030204" pitchFamily="49" charset="0"/>
-              </a:rPr>
-              <a:t>"Answer: "</a:t>
-            </a:r>
-            <a:r>
-              <a:rPr kumimoji="0" lang="en-US" altLang="en-US" sz="1800" b="0" i="0" u="none" strike="noStrike" cap="none" normalizeH="0" baseline="0" dirty="0" smtClean="0">
-                <a:ln>
-                  <a:noFill/>
-                </a:ln>
-                <a:solidFill>
-                  <a:srgbClr val="000000"/>
-                </a:solidFill>
-                <a:effectLst/>
-                <a:latin typeface="Consolas" panose="020B0609020204030204" pitchFamily="49" charset="0"/>
-                <a:cs typeface="Consolas" panose="020B0609020204030204" pitchFamily="49" charset="0"/>
-              </a:rPr>
-              <a:t> + results[1])</a:t>
-            </a:r>
-          </a:p>
-          <a:p>
-            <a:pPr marL="0" marR="0" lvl="0" indent="0" algn="l" defTabSz="914400" rtl="0" eaLnBrk="0" fontAlgn="base" latinLnBrk="0" hangingPunct="0">
-              <a:lnSpc>
-                <a:spcPct val="100000"/>
-              </a:lnSpc>
+              <a:rPr lang="en-US" altLang="en-US" sz="1800" b="0" dirty="0" smtClean="0">
+                <a:solidFill>
+                  <a:srgbClr val="000000"/>
+                </a:solidFill>
+                <a:latin typeface="Consolas" panose="020B0609020204030204" pitchFamily="49" charset="0"/>
+                <a:cs typeface="Consolas" panose="020B0609020204030204" pitchFamily="49" charset="0"/>
+              </a:rPr>
+              <a:t> </a:t>
+            </a:r>
+            <a:r>
+              <a:rPr lang="en-US" altLang="en-US" sz="1800" b="0" dirty="0">
+                <a:solidFill>
+                  <a:srgbClr val="000000"/>
+                </a:solidFill>
+                <a:latin typeface="Consolas" panose="020B0609020204030204" pitchFamily="49" charset="0"/>
+                <a:cs typeface="Consolas" panose="020B0609020204030204" pitchFamily="49" charset="0"/>
+              </a:rPr>
+              <a:t>        </a:t>
+            </a:r>
+            <a:r>
+              <a:rPr lang="en-US" altLang="en-US" sz="1800" b="0" dirty="0" err="1">
+                <a:solidFill>
+                  <a:srgbClr val="000000"/>
+                </a:solidFill>
+                <a:latin typeface="Consolas" panose="020B0609020204030204" pitchFamily="49" charset="0"/>
+                <a:cs typeface="Consolas" panose="020B0609020204030204" pitchFamily="49" charset="0"/>
+              </a:rPr>
+              <a:t>myCursor.execute</a:t>
+            </a:r>
+            <a:r>
+              <a:rPr lang="en-US" altLang="en-US" sz="1800" b="0" dirty="0">
+                <a:solidFill>
+                  <a:srgbClr val="000000"/>
+                </a:solidFill>
+                <a:latin typeface="Consolas" panose="020B0609020204030204" pitchFamily="49" charset="0"/>
+                <a:cs typeface="Consolas" panose="020B0609020204030204" pitchFamily="49" charset="0"/>
+              </a:rPr>
+              <a:t>(</a:t>
+            </a:r>
+            <a:r>
+              <a:rPr lang="en-US" altLang="en-US" sz="1800" b="0" dirty="0" err="1">
+                <a:solidFill>
+                  <a:srgbClr val="000000"/>
+                </a:solidFill>
+                <a:latin typeface="Consolas" panose="020B0609020204030204" pitchFamily="49" charset="0"/>
+                <a:cs typeface="Consolas" panose="020B0609020204030204" pitchFamily="49" charset="0"/>
+              </a:rPr>
+              <a:t>SQLSelectCommand,Values</a:t>
+            </a:r>
+            <a:r>
+              <a:rPr lang="en-US" altLang="en-US" sz="1800" b="0" dirty="0" smtClean="0">
+                <a:solidFill>
+                  <a:srgbClr val="000000"/>
+                </a:solidFill>
+                <a:latin typeface="Consolas" panose="020B0609020204030204" pitchFamily="49" charset="0"/>
+                <a:cs typeface="Consolas" panose="020B0609020204030204" pitchFamily="49" charset="0"/>
+              </a:rPr>
+              <a:t>)</a:t>
+            </a:r>
+          </a:p>
+          <a:p>
+            <a:pPr marL="0" lvl="0" indent="0" defTabSz="914400" eaLnBrk="0" fontAlgn="base" hangingPunct="0">
               <a:spcBef>
                 <a:spcPct val="0"/>
               </a:spcBef>
               <a:spcAft>
                 <a:spcPct val="0"/>
               </a:spcAft>
-              <a:buClrTx/>
-              <a:buSzTx/>
-              <a:buFontTx/>
               <a:buNone/>
-              <a:tabLst/>
             </a:pPr>
             <a:r>
-              <a:rPr kumimoji="0" lang="en-US" altLang="en-US" sz="1800" b="0" i="0" u="none" strike="noStrike" cap="none" normalizeH="0" baseline="0" dirty="0" smtClean="0">
-                <a:ln>
-                  <a:noFill/>
-                </a:ln>
-                <a:solidFill>
-                  <a:srgbClr val="000000"/>
-                </a:solidFill>
-                <a:effectLst/>
-                <a:latin typeface="Consolas" panose="020B0609020204030204" pitchFamily="49" charset="0"/>
-                <a:cs typeface="Consolas" panose="020B0609020204030204" pitchFamily="49" charset="0"/>
-              </a:rPr>
-              <a:t>     </a:t>
-            </a:r>
-            <a:r>
-              <a:rPr kumimoji="0" lang="en-US" altLang="en-US" sz="1800" b="0" i="0" u="none" strike="noStrike" cap="none" normalizeH="0" baseline="0" dirty="0" smtClean="0">
-                <a:ln>
-                  <a:noFill/>
-                </a:ln>
-                <a:solidFill>
-                  <a:srgbClr val="0000FF"/>
-                </a:solidFill>
-                <a:effectLst/>
-                <a:latin typeface="Consolas" panose="020B0609020204030204" pitchFamily="49" charset="0"/>
-                <a:cs typeface="Consolas" panose="020B0609020204030204" pitchFamily="49" charset="0"/>
-              </a:rPr>
-              <a:t>except</a:t>
-            </a:r>
-            <a:r>
-              <a:rPr kumimoji="0" lang="en-US" altLang="en-US" sz="1800" b="0" i="0" u="none" strike="noStrike" cap="none" normalizeH="0" baseline="0" dirty="0" smtClean="0">
-                <a:ln>
-                  <a:noFill/>
-                </a:ln>
-                <a:solidFill>
-                  <a:srgbClr val="000000"/>
-                </a:solidFill>
-                <a:effectLst/>
-                <a:latin typeface="Consolas" panose="020B0609020204030204" pitchFamily="49" charset="0"/>
-                <a:cs typeface="Consolas" panose="020B0609020204030204" pitchFamily="49" charset="0"/>
-              </a:rPr>
-              <a:t> :</a:t>
-            </a:r>
-          </a:p>
-          <a:p>
-            <a:pPr marL="0" marR="0" lvl="0" indent="0" algn="l" defTabSz="914400" rtl="0" eaLnBrk="0" fontAlgn="base" latinLnBrk="0" hangingPunct="0">
-              <a:lnSpc>
-                <a:spcPct val="100000"/>
-              </a:lnSpc>
+              <a:rPr lang="en-US" altLang="en-US" sz="1800" b="0" dirty="0" smtClean="0">
+                <a:solidFill>
+                  <a:srgbClr val="000000"/>
+                </a:solidFill>
+                <a:latin typeface="Consolas" panose="020B0609020204030204" pitchFamily="49" charset="0"/>
+                <a:cs typeface="Consolas" panose="020B0609020204030204" pitchFamily="49" charset="0"/>
+              </a:rPr>
+              <a:t> </a:t>
+            </a:r>
+            <a:r>
+              <a:rPr lang="en-US" altLang="en-US" sz="1800" b="0" dirty="0">
+                <a:solidFill>
+                  <a:srgbClr val="000000"/>
+                </a:solidFill>
+                <a:latin typeface="Consolas" panose="020B0609020204030204" pitchFamily="49" charset="0"/>
+                <a:cs typeface="Consolas" panose="020B0609020204030204" pitchFamily="49" charset="0"/>
+              </a:rPr>
+              <a:t>        results = </a:t>
+            </a:r>
+            <a:r>
+              <a:rPr lang="en-US" altLang="en-US" sz="1800" b="0" dirty="0" err="1">
+                <a:solidFill>
+                  <a:srgbClr val="000000"/>
+                </a:solidFill>
+                <a:latin typeface="Consolas" panose="020B0609020204030204" pitchFamily="49" charset="0"/>
+                <a:cs typeface="Consolas" panose="020B0609020204030204" pitchFamily="49" charset="0"/>
+              </a:rPr>
+              <a:t>myCursor.fetchone</a:t>
+            </a:r>
+            <a:r>
+              <a:rPr lang="en-US" altLang="en-US" sz="1800" b="0" dirty="0" smtClean="0">
+                <a:solidFill>
+                  <a:srgbClr val="000000"/>
+                </a:solidFill>
+                <a:latin typeface="Consolas" panose="020B0609020204030204" pitchFamily="49" charset="0"/>
+                <a:cs typeface="Consolas" panose="020B0609020204030204" pitchFamily="49" charset="0"/>
+              </a:rPr>
+              <a:t>()</a:t>
+            </a:r>
+          </a:p>
+          <a:p>
+            <a:pPr marL="0" lvl="0" indent="0" defTabSz="914400" eaLnBrk="0" fontAlgn="base" hangingPunct="0">
               <a:spcBef>
                 <a:spcPct val="0"/>
               </a:spcBef>
               <a:spcAft>
                 <a:spcPct val="0"/>
               </a:spcAft>
-              <a:buClrTx/>
-              <a:buSzTx/>
-              <a:buFontTx/>
               <a:buNone/>
-              <a:tabLst/>
             </a:pPr>
             <a:r>
-              <a:rPr kumimoji="0" lang="en-US" altLang="en-US" sz="1800" b="0" i="0" u="none" strike="noStrike" cap="none" normalizeH="0" baseline="0" dirty="0" smtClean="0">
-                <a:ln>
-                  <a:noFill/>
-                </a:ln>
-                <a:solidFill>
-                  <a:srgbClr val="000000"/>
-                </a:solidFill>
-                <a:effectLst/>
-                <a:latin typeface="Consolas" panose="020B0609020204030204" pitchFamily="49" charset="0"/>
-                <a:cs typeface="Consolas" panose="020B0609020204030204" pitchFamily="49" charset="0"/>
-              </a:rPr>
-              <a:t>         print (</a:t>
-            </a:r>
-            <a:r>
-              <a:rPr kumimoji="0" lang="en-US" altLang="en-US" sz="1800" b="0" i="0" u="none" strike="noStrike" cap="none" normalizeH="0" baseline="0" dirty="0" smtClean="0">
-                <a:ln>
-                  <a:noFill/>
-                </a:ln>
+              <a:rPr lang="en-US" altLang="en-US" sz="1800" b="0" dirty="0" smtClean="0">
+                <a:solidFill>
+                  <a:srgbClr val="000000"/>
+                </a:solidFill>
+                <a:latin typeface="Consolas" panose="020B0609020204030204" pitchFamily="49" charset="0"/>
+                <a:cs typeface="Consolas" panose="020B0609020204030204" pitchFamily="49" charset="0"/>
+              </a:rPr>
+              <a:t> </a:t>
+            </a:r>
+            <a:r>
+              <a:rPr lang="en-US" altLang="en-US" sz="1800" b="0" dirty="0">
+                <a:solidFill>
+                  <a:srgbClr val="000000"/>
+                </a:solidFill>
+                <a:latin typeface="Consolas" panose="020B0609020204030204" pitchFamily="49" charset="0"/>
+                <a:cs typeface="Consolas" panose="020B0609020204030204" pitchFamily="49" charset="0"/>
+              </a:rPr>
+              <a:t>        print (</a:t>
+            </a:r>
+            <a:r>
+              <a:rPr lang="en-US" altLang="en-US" sz="1800" b="0" dirty="0">
                 <a:solidFill>
                   <a:srgbClr val="A31515"/>
                 </a:solidFill>
-                <a:effectLst/>
-                <a:latin typeface="Consolas" panose="020B0609020204030204" pitchFamily="49" charset="0"/>
-                <a:cs typeface="Consolas" panose="020B0609020204030204" pitchFamily="49" charset="0"/>
-              </a:rPr>
-              <a:t>'Could not select row'</a:t>
-            </a:r>
-            <a:r>
-              <a:rPr kumimoji="0" lang="en-US" altLang="en-US" sz="1800" b="0" i="0" u="none" strike="noStrike" cap="none" normalizeH="0" baseline="0" dirty="0" smtClean="0">
-                <a:ln>
-                  <a:noFill/>
-                </a:ln>
-                <a:solidFill>
-                  <a:srgbClr val="000000"/>
-                </a:solidFill>
-                <a:effectLst/>
-                <a:latin typeface="Consolas" panose="020B0609020204030204" pitchFamily="49" charset="0"/>
-                <a:cs typeface="Consolas" panose="020B0609020204030204" pitchFamily="49" charset="0"/>
-              </a:rPr>
-              <a:t>)</a:t>
-            </a:r>
-          </a:p>
-          <a:p>
-            <a:pPr marL="0" marR="0" lvl="0" indent="0" algn="l" defTabSz="914400" rtl="0" eaLnBrk="0" fontAlgn="base" latinLnBrk="0" hangingPunct="0">
-              <a:lnSpc>
-                <a:spcPct val="100000"/>
-              </a:lnSpc>
+                <a:latin typeface="Consolas" panose="020B0609020204030204" pitchFamily="49" charset="0"/>
+                <a:cs typeface="Consolas" panose="020B0609020204030204" pitchFamily="49" charset="0"/>
+              </a:rPr>
+              <a:t>"Question: "</a:t>
+            </a:r>
+            <a:r>
+              <a:rPr lang="en-US" altLang="en-US" sz="1800" b="0" dirty="0">
+                <a:solidFill>
+                  <a:srgbClr val="000000"/>
+                </a:solidFill>
+                <a:latin typeface="Consolas" panose="020B0609020204030204" pitchFamily="49" charset="0"/>
+                <a:cs typeface="Consolas" panose="020B0609020204030204" pitchFamily="49" charset="0"/>
+              </a:rPr>
+              <a:t> + results[0</a:t>
+            </a:r>
+            <a:r>
+              <a:rPr lang="en-US" altLang="en-US" sz="1800" b="0" dirty="0" smtClean="0">
+                <a:solidFill>
+                  <a:srgbClr val="000000"/>
+                </a:solidFill>
+                <a:latin typeface="Consolas" panose="020B0609020204030204" pitchFamily="49" charset="0"/>
+                <a:cs typeface="Consolas" panose="020B0609020204030204" pitchFamily="49" charset="0"/>
+              </a:rPr>
+              <a:t>])</a:t>
+            </a:r>
+          </a:p>
+          <a:p>
+            <a:pPr marL="0" lvl="0" indent="0" defTabSz="914400" eaLnBrk="0" fontAlgn="base" hangingPunct="0">
               <a:spcBef>
                 <a:spcPct val="0"/>
               </a:spcBef>
               <a:spcAft>
                 <a:spcPct val="0"/>
               </a:spcAft>
-              <a:buClrTx/>
-              <a:buSzTx/>
-              <a:buFontTx/>
               <a:buNone/>
-              <a:tabLst/>
             </a:pPr>
             <a:r>
-              <a:rPr kumimoji="0" lang="en-US" altLang="en-US" sz="1800" b="0" i="0" u="none" strike="noStrike" cap="none" normalizeH="0" baseline="0" dirty="0" smtClean="0">
-                <a:ln>
-                  <a:noFill/>
-                </a:ln>
-                <a:solidFill>
-                  <a:srgbClr val="000000"/>
-                </a:solidFill>
-                <a:effectLst/>
-                <a:latin typeface="Consolas" panose="020B0609020204030204" pitchFamily="49" charset="0"/>
-                <a:cs typeface="Consolas" panose="020B0609020204030204" pitchFamily="49" charset="0"/>
-              </a:rPr>
-              <a:t>     </a:t>
-            </a:r>
-            <a:r>
-              <a:rPr kumimoji="0" lang="en-US" altLang="en-US" sz="1800" b="0" i="0" u="none" strike="noStrike" cap="none" normalizeH="0" baseline="0" dirty="0" err="1" smtClean="0">
-                <a:ln>
-                  <a:noFill/>
-                </a:ln>
-                <a:solidFill>
-                  <a:srgbClr val="000000"/>
-                </a:solidFill>
-                <a:effectLst/>
-                <a:latin typeface="Consolas" panose="020B0609020204030204" pitchFamily="49" charset="0"/>
-                <a:cs typeface="Consolas" panose="020B0609020204030204" pitchFamily="49" charset="0"/>
-              </a:rPr>
-              <a:t>myConnection.close</a:t>
-            </a:r>
-            <a:r>
-              <a:rPr kumimoji="0" lang="en-US" altLang="en-US" sz="1800" b="0" i="0" u="none" strike="noStrike" cap="none" normalizeH="0" baseline="0" dirty="0" smtClean="0">
-                <a:ln>
-                  <a:noFill/>
-                </a:ln>
-                <a:solidFill>
-                  <a:srgbClr val="000000"/>
-                </a:solidFill>
-                <a:effectLst/>
-                <a:latin typeface="Consolas" panose="020B0609020204030204" pitchFamily="49" charset="0"/>
-                <a:cs typeface="Consolas" panose="020B0609020204030204" pitchFamily="49" charset="0"/>
-              </a:rPr>
-              <a:t>()</a:t>
-            </a:r>
-          </a:p>
-          <a:p>
-            <a:pPr marL="0" marR="0" lvl="0" indent="0" algn="l" defTabSz="914400" rtl="0" eaLnBrk="0" fontAlgn="base" latinLnBrk="0" hangingPunct="0">
-              <a:lnSpc>
-                <a:spcPct val="100000"/>
-              </a:lnSpc>
+              <a:rPr lang="en-US" altLang="en-US" sz="1800" b="0" dirty="0" smtClean="0">
+                <a:solidFill>
+                  <a:srgbClr val="000000"/>
+                </a:solidFill>
+                <a:latin typeface="Consolas" panose="020B0609020204030204" pitchFamily="49" charset="0"/>
+                <a:cs typeface="Consolas" panose="020B0609020204030204" pitchFamily="49" charset="0"/>
+              </a:rPr>
+              <a:t> </a:t>
+            </a:r>
+            <a:r>
+              <a:rPr lang="en-US" altLang="en-US" sz="1800" b="0" dirty="0">
+                <a:solidFill>
+                  <a:srgbClr val="000000"/>
+                </a:solidFill>
+                <a:latin typeface="Consolas" panose="020B0609020204030204" pitchFamily="49" charset="0"/>
+                <a:cs typeface="Consolas" panose="020B0609020204030204" pitchFamily="49" charset="0"/>
+              </a:rPr>
+              <a:t>        print (</a:t>
+            </a:r>
+            <a:r>
+              <a:rPr lang="en-US" altLang="en-US" sz="1800" b="0" dirty="0">
+                <a:solidFill>
+                  <a:srgbClr val="A31515"/>
+                </a:solidFill>
+                <a:latin typeface="Consolas" panose="020B0609020204030204" pitchFamily="49" charset="0"/>
+                <a:cs typeface="Consolas" panose="020B0609020204030204" pitchFamily="49" charset="0"/>
+              </a:rPr>
+              <a:t>"Answer: "</a:t>
+            </a:r>
+            <a:r>
+              <a:rPr lang="en-US" altLang="en-US" sz="1800" b="0" dirty="0">
+                <a:solidFill>
+                  <a:srgbClr val="000000"/>
+                </a:solidFill>
+                <a:latin typeface="Consolas" panose="020B0609020204030204" pitchFamily="49" charset="0"/>
+                <a:cs typeface="Consolas" panose="020B0609020204030204" pitchFamily="49" charset="0"/>
+              </a:rPr>
+              <a:t> + results[1</a:t>
+            </a:r>
+            <a:r>
+              <a:rPr lang="en-US" altLang="en-US" sz="1800" b="0" dirty="0" smtClean="0">
+                <a:solidFill>
+                  <a:srgbClr val="000000"/>
+                </a:solidFill>
+                <a:latin typeface="Consolas" panose="020B0609020204030204" pitchFamily="49" charset="0"/>
+                <a:cs typeface="Consolas" panose="020B0609020204030204" pitchFamily="49" charset="0"/>
+              </a:rPr>
+              <a:t>])</a:t>
+            </a:r>
+          </a:p>
+          <a:p>
+            <a:pPr marL="0" lvl="0" indent="0" defTabSz="914400" eaLnBrk="0" fontAlgn="base" hangingPunct="0">
               <a:spcBef>
                 <a:spcPct val="0"/>
               </a:spcBef>
               <a:spcAft>
                 <a:spcPct val="0"/>
               </a:spcAft>
-              <a:buClrTx/>
-              <a:buSzTx/>
-              <a:buFontTx/>
               <a:buNone/>
-              <a:tabLst/>
             </a:pPr>
             <a:r>
-              <a:rPr kumimoji="0" lang="en-US" altLang="en-US" sz="1800" b="0" i="0" u="none" strike="noStrike" cap="none" normalizeH="0" baseline="0" dirty="0" smtClean="0">
-                <a:ln>
-                  <a:noFill/>
-                </a:ln>
-                <a:solidFill>
-                  <a:srgbClr val="000000"/>
-                </a:solidFill>
-                <a:effectLst/>
+              <a:rPr lang="en-US" altLang="en-US" sz="1800" b="0" dirty="0" smtClean="0">
+                <a:solidFill>
+                  <a:srgbClr val="000000"/>
+                </a:solidFill>
                 <a:latin typeface="Consolas" panose="020B0609020204030204" pitchFamily="49" charset="0"/>
                 <a:cs typeface="Consolas" panose="020B0609020204030204" pitchFamily="49" charset="0"/>
               </a:rPr>
               <a:t> </a:t>
             </a:r>
             <a:r>
-              <a:rPr kumimoji="0" lang="en-US" altLang="en-US" sz="1800" b="0" i="0" u="none" strike="noStrike" cap="none" normalizeH="0" baseline="0" dirty="0" smtClean="0">
-                <a:ln>
-                  <a:noFill/>
-                </a:ln>
+              <a:rPr lang="en-US" altLang="en-US" sz="1800" b="0" dirty="0">
+                <a:solidFill>
+                  <a:srgbClr val="000000"/>
+                </a:solidFill>
+                <a:latin typeface="Consolas" panose="020B0609020204030204" pitchFamily="49" charset="0"/>
+                <a:cs typeface="Consolas" panose="020B0609020204030204" pitchFamily="49" charset="0"/>
+              </a:rPr>
+              <a:t>    </a:t>
+            </a:r>
+            <a:r>
+              <a:rPr lang="en-US" altLang="en-US" sz="1800" b="0" dirty="0">
                 <a:solidFill>
                   <a:srgbClr val="0000FF"/>
                 </a:solidFill>
-                <a:effectLst/>
                 <a:latin typeface="Consolas" panose="020B0609020204030204" pitchFamily="49" charset="0"/>
                 <a:cs typeface="Consolas" panose="020B0609020204030204" pitchFamily="49" charset="0"/>
               </a:rPr>
               <a:t>except</a:t>
             </a:r>
             <a:r>
-              <a:rPr kumimoji="0" lang="en-US" altLang="en-US" sz="1800" b="0" i="0" u="none" strike="noStrike" cap="none" normalizeH="0" baseline="0" dirty="0" smtClean="0">
-                <a:ln>
-                  <a:noFill/>
-                </a:ln>
-                <a:solidFill>
-                  <a:srgbClr val="000000"/>
-                </a:solidFill>
-                <a:effectLst/>
-                <a:latin typeface="Consolas" panose="020B0609020204030204" pitchFamily="49" charset="0"/>
-                <a:cs typeface="Consolas" panose="020B0609020204030204" pitchFamily="49" charset="0"/>
-              </a:rPr>
-              <a:t> :</a:t>
-            </a:r>
-          </a:p>
-          <a:p>
-            <a:pPr marL="0" marR="0" lvl="0" indent="0" algn="l" defTabSz="914400" rtl="0" eaLnBrk="0" fontAlgn="base" latinLnBrk="0" hangingPunct="0">
-              <a:lnSpc>
-                <a:spcPct val="100000"/>
-              </a:lnSpc>
+              <a:rPr lang="en-US" altLang="en-US" sz="1800" b="0" dirty="0" smtClean="0">
+                <a:solidFill>
+                  <a:srgbClr val="000000"/>
+                </a:solidFill>
+                <a:latin typeface="Consolas" panose="020B0609020204030204" pitchFamily="49" charset="0"/>
+                <a:cs typeface="Consolas" panose="020B0609020204030204" pitchFamily="49" charset="0"/>
+              </a:rPr>
+              <a:t>:</a:t>
+            </a:r>
+          </a:p>
+          <a:p>
+            <a:pPr marL="0" lvl="0" indent="0" defTabSz="914400" eaLnBrk="0" fontAlgn="base" hangingPunct="0">
               <a:spcBef>
                 <a:spcPct val="0"/>
               </a:spcBef>
               <a:spcAft>
                 <a:spcPct val="0"/>
               </a:spcAft>
-              <a:buClrTx/>
-              <a:buSzTx/>
-              <a:buFontTx/>
               <a:buNone/>
-              <a:tabLst/>
             </a:pPr>
             <a:r>
-              <a:rPr kumimoji="0" lang="en-US" altLang="en-US" sz="1800" b="0" i="0" u="none" strike="noStrike" cap="none" normalizeH="0" baseline="0" dirty="0" smtClean="0">
-                <a:ln>
-                  <a:noFill/>
-                </a:ln>
-                <a:solidFill>
-                  <a:srgbClr val="000000"/>
-                </a:solidFill>
-                <a:effectLst/>
-                <a:latin typeface="Consolas" panose="020B0609020204030204" pitchFamily="49" charset="0"/>
-                <a:cs typeface="Consolas" panose="020B0609020204030204" pitchFamily="49" charset="0"/>
-              </a:rPr>
-              <a:t>     print (</a:t>
-            </a:r>
-            <a:r>
-              <a:rPr kumimoji="0" lang="en-US" altLang="en-US" sz="1800" b="0" i="0" u="none" strike="noStrike" cap="none" normalizeH="0" baseline="0" dirty="0" smtClean="0">
-                <a:ln>
-                  <a:noFill/>
-                </a:ln>
+              <a:rPr lang="en-US" altLang="en-US" sz="1800" b="0" dirty="0" smtClean="0">
+                <a:solidFill>
+                  <a:srgbClr val="000000"/>
+                </a:solidFill>
+                <a:latin typeface="Consolas" panose="020B0609020204030204" pitchFamily="49" charset="0"/>
+                <a:cs typeface="Consolas" panose="020B0609020204030204" pitchFamily="49" charset="0"/>
+              </a:rPr>
+              <a:t> </a:t>
+            </a:r>
+            <a:r>
+              <a:rPr lang="en-US" altLang="en-US" sz="1800" b="0" dirty="0">
+                <a:solidFill>
+                  <a:srgbClr val="000000"/>
+                </a:solidFill>
+                <a:latin typeface="Consolas" panose="020B0609020204030204" pitchFamily="49" charset="0"/>
+                <a:cs typeface="Consolas" panose="020B0609020204030204" pitchFamily="49" charset="0"/>
+              </a:rPr>
+              <a:t>        print(</a:t>
+            </a:r>
+            <a:r>
+              <a:rPr lang="en-US" altLang="en-US" sz="1800" b="0" dirty="0">
                 <a:solidFill>
                   <a:srgbClr val="A31515"/>
                 </a:solidFill>
-                <a:effectLst/>
-                <a:latin typeface="Consolas" panose="020B0609020204030204" pitchFamily="49" charset="0"/>
-                <a:cs typeface="Consolas" panose="020B0609020204030204" pitchFamily="49" charset="0"/>
-              </a:rPr>
-              <a:t>'Could not connect'</a:t>
-            </a:r>
-            <a:r>
-              <a:rPr kumimoji="0" lang="en-US" altLang="en-US" sz="1800" b="0" i="0" u="none" strike="noStrike" cap="none" normalizeH="0" baseline="0" dirty="0" smtClean="0">
-                <a:ln>
-                  <a:noFill/>
-                </a:ln>
-                <a:solidFill>
-                  <a:srgbClr val="000000"/>
-                </a:solidFill>
-                <a:effectLst/>
+                <a:latin typeface="Consolas" panose="020B0609020204030204" pitchFamily="49" charset="0"/>
+                <a:cs typeface="Consolas" panose="020B0609020204030204" pitchFamily="49" charset="0"/>
+              </a:rPr>
+              <a:t>"could not retrieve record</a:t>
+            </a:r>
+            <a:r>
+              <a:rPr lang="en-US" altLang="en-US" sz="1800" b="0" dirty="0" smtClean="0">
+                <a:solidFill>
+                  <a:srgbClr val="A31515"/>
+                </a:solidFill>
+                <a:latin typeface="Consolas" panose="020B0609020204030204" pitchFamily="49" charset="0"/>
+                <a:cs typeface="Consolas" panose="020B0609020204030204" pitchFamily="49" charset="0"/>
+              </a:rPr>
+              <a:t>"</a:t>
+            </a:r>
+            <a:r>
+              <a:rPr lang="en-US" altLang="en-US" sz="1800" b="0" dirty="0" smtClean="0">
+                <a:solidFill>
+                  <a:srgbClr val="000000"/>
+                </a:solidFill>
                 <a:latin typeface="Consolas" panose="020B0609020204030204" pitchFamily="49" charset="0"/>
                 <a:cs typeface="Consolas" panose="020B0609020204030204" pitchFamily="49" charset="0"/>
               </a:rPr>
               <a:t>)</a:t>
             </a:r>
-            <a:endParaRPr kumimoji="0" lang="en-US" altLang="en-US" sz="2400" b="0" i="0" u="none" strike="noStrike" cap="none" normalizeH="0" baseline="0" dirty="0" smtClean="0">
-              <a:ln>
-                <a:noFill/>
-              </a:ln>
-              <a:solidFill>
-                <a:schemeClr val="tx1"/>
-              </a:solidFill>
-              <a:effectLst/>
+          </a:p>
+          <a:p>
+            <a:pPr marL="0" lvl="0" indent="0" defTabSz="914400" eaLnBrk="0" fontAlgn="base" hangingPunct="0">
+              <a:spcBef>
+                <a:spcPct val="0"/>
+              </a:spcBef>
+              <a:spcAft>
+                <a:spcPct val="0"/>
+              </a:spcAft>
+              <a:buNone/>
+            </a:pPr>
+            <a:r>
+              <a:rPr lang="en-US" altLang="en-US" sz="1800" b="0" dirty="0" smtClean="0">
+                <a:solidFill>
+                  <a:srgbClr val="000000"/>
+                </a:solidFill>
+                <a:latin typeface="Consolas" panose="020B0609020204030204" pitchFamily="49" charset="0"/>
+                <a:cs typeface="Consolas" panose="020B0609020204030204" pitchFamily="49" charset="0"/>
+              </a:rPr>
+              <a:t> </a:t>
+            </a:r>
+            <a:r>
+              <a:rPr lang="en-US" altLang="en-US" sz="1800" b="0" dirty="0">
+                <a:solidFill>
+                  <a:srgbClr val="000000"/>
+                </a:solidFill>
+                <a:latin typeface="Consolas" panose="020B0609020204030204" pitchFamily="49" charset="0"/>
+                <a:cs typeface="Consolas" panose="020B0609020204030204" pitchFamily="49" charset="0"/>
+              </a:rPr>
+              <a:t>    </a:t>
+            </a:r>
+            <a:r>
+              <a:rPr lang="en-US" altLang="en-US" sz="1800" b="0" dirty="0" err="1">
+                <a:solidFill>
+                  <a:srgbClr val="000000"/>
+                </a:solidFill>
+                <a:latin typeface="Consolas" panose="020B0609020204030204" pitchFamily="49" charset="0"/>
+                <a:cs typeface="Consolas" panose="020B0609020204030204" pitchFamily="49" charset="0"/>
+              </a:rPr>
+              <a:t>myConnection.close</a:t>
+            </a:r>
+            <a:r>
+              <a:rPr lang="en-US" altLang="en-US" sz="1800" b="0" dirty="0" smtClean="0">
+                <a:solidFill>
+                  <a:srgbClr val="000000"/>
+                </a:solidFill>
+                <a:latin typeface="Consolas" panose="020B0609020204030204" pitchFamily="49" charset="0"/>
+                <a:cs typeface="Consolas" panose="020B0609020204030204" pitchFamily="49" charset="0"/>
+              </a:rPr>
+              <a:t>()</a:t>
+            </a:r>
+          </a:p>
+          <a:p>
+            <a:pPr marL="0" lvl="0" indent="0" defTabSz="914400" eaLnBrk="0" fontAlgn="base" hangingPunct="0">
+              <a:spcBef>
+                <a:spcPct val="0"/>
+              </a:spcBef>
+              <a:spcAft>
+                <a:spcPct val="0"/>
+              </a:spcAft>
+              <a:buNone/>
+            </a:pPr>
+            <a:r>
+              <a:rPr lang="en-US" altLang="en-US" sz="1800" b="0" dirty="0" smtClean="0">
+                <a:solidFill>
+                  <a:srgbClr val="000000"/>
+                </a:solidFill>
+                <a:latin typeface="Consolas" panose="020B0609020204030204" pitchFamily="49" charset="0"/>
+                <a:cs typeface="Consolas" panose="020B0609020204030204" pitchFamily="49" charset="0"/>
+              </a:rPr>
+              <a:t> </a:t>
+            </a:r>
+            <a:r>
+              <a:rPr lang="en-US" altLang="en-US" sz="1800" b="0" dirty="0">
+                <a:solidFill>
+                  <a:srgbClr val="0000FF"/>
+                </a:solidFill>
+                <a:latin typeface="Consolas" panose="020B0609020204030204" pitchFamily="49" charset="0"/>
+                <a:cs typeface="Consolas" panose="020B0609020204030204" pitchFamily="49" charset="0"/>
+              </a:rPr>
+              <a:t>except</a:t>
+            </a:r>
+            <a:r>
+              <a:rPr lang="en-US" altLang="en-US" sz="1800" b="0" dirty="0">
+                <a:solidFill>
+                  <a:srgbClr val="000000"/>
+                </a:solidFill>
+                <a:latin typeface="Consolas" panose="020B0609020204030204" pitchFamily="49" charset="0"/>
+                <a:cs typeface="Consolas" panose="020B0609020204030204" pitchFamily="49" charset="0"/>
+              </a:rPr>
+              <a:t>:     print(</a:t>
+            </a:r>
+            <a:r>
+              <a:rPr lang="en-US" altLang="en-US" sz="1800" b="0" dirty="0">
+                <a:solidFill>
+                  <a:srgbClr val="A31515"/>
+                </a:solidFill>
+                <a:latin typeface="Consolas" panose="020B0609020204030204" pitchFamily="49" charset="0"/>
+                <a:cs typeface="Consolas" panose="020B0609020204030204" pitchFamily="49" charset="0"/>
+              </a:rPr>
+              <a:t>"Could not connect"</a:t>
+            </a:r>
+            <a:r>
+              <a:rPr lang="en-US" altLang="en-US" sz="1800" b="0" dirty="0">
+                <a:solidFill>
+                  <a:srgbClr val="000000"/>
+                </a:solidFill>
+                <a:latin typeface="Consolas" panose="020B0609020204030204" pitchFamily="49" charset="0"/>
+                <a:cs typeface="Consolas" panose="020B0609020204030204" pitchFamily="49" charset="0"/>
+              </a:rPr>
+              <a:t>)</a:t>
+            </a:r>
+            <a:endParaRPr lang="en-US" altLang="en-US" sz="2000" b="0" dirty="0">
               <a:latin typeface="Arial" panose="020B0604020202020204" pitchFamily="34" charset="0"/>
             </a:endParaRPr>
           </a:p>
@@ -15855,17 +15749,6 @@
               </a:rPr>
               <a:t>'Server=tcp:1234fgt7.database.windows.net,1433;'</a:t>
             </a:r>
-            <a:endParaRPr kumimoji="0" lang="en-US" altLang="en-US" sz="1800" b="0" i="0" u="none" strike="noStrike" cap="none" normalizeH="0" baseline="0" dirty="0" smtClean="0">
-              <a:ln>
-                <a:noFill/>
-              </a:ln>
-              <a:solidFill>
-                <a:srgbClr val="A31515"/>
-              </a:solidFill>
-              <a:effectLst/>
-              <a:latin typeface="Consolas" panose="020B0609020204030204" pitchFamily="49" charset="0"/>
-              <a:cs typeface="Consolas" panose="020B0609020204030204" pitchFamily="49" charset="0"/>
-            </a:endParaRPr>
           </a:p>
           <a:p>
             <a:pPr marL="0" marR="0" lvl="0" indent="0" algn="l" defTabSz="914400" rtl="0" eaLnBrk="0" fontAlgn="base" latinLnBrk="0" hangingPunct="0">
@@ -16005,21 +15888,7 @@
                 <a:latin typeface="Consolas" panose="020B0609020204030204" pitchFamily="49" charset="0"/>
                 <a:cs typeface="Consolas" panose="020B0609020204030204" pitchFamily="49" charset="0"/>
               </a:rPr>
-              <a:t>=susan@ox93zvw;Pwd=P@ssw0rd</a:t>
-            </a:r>
-            <a:r>
-              <a:rPr kumimoji="0" lang="en-US" altLang="en-US" sz="1800" b="0" i="0" u="none" strike="noStrike" cap="none" normalizeH="0" baseline="0" dirty="0" smtClean="0">
-                <a:ln>
-                  <a:noFill/>
-                </a:ln>
-                <a:solidFill>
-                  <a:srgbClr val="A31515"/>
-                </a:solidFill>
-                <a:effectLst/>
-                <a:latin typeface="Consolas" panose="020B0609020204030204" pitchFamily="49" charset="0"/>
-                <a:cs typeface="Consolas" panose="020B0609020204030204" pitchFamily="49" charset="0"/>
-              </a:rPr>
-              <a:t>;'</a:t>
+              <a:t>=susan@ox93zvw;Pwd=P@ssw0rd;'</a:t>
             </a:r>
           </a:p>
           <a:p>
@@ -17434,13 +17303,8 @@
           <a:p>
             <a:r>
               <a:rPr lang="en-CA" dirty="0" smtClean="0"/>
-              <a:t>ODBC is a connection type supported by most databases including SQL Server and SQL </a:t>
-            </a:r>
-            <a:r>
-              <a:rPr lang="en-CA" dirty="0" smtClean="0"/>
-              <a:t>Azure</a:t>
-            </a:r>
-            <a:endParaRPr lang="en-CA" dirty="0" smtClean="0"/>
+              <a:t>ODBC is a connection type supported by most databases including SQL Server and SQL Azure</a:t>
+            </a:r>
           </a:p>
         </p:txBody>
       </p:sp>
@@ -17863,19 +17727,11 @@
             </a:r>
             <a:r>
               <a:rPr lang="en-CA" sz="3600" i="1" dirty="0" smtClean="0"/>
-              <a:t>Python </a:t>
-            </a:r>
-            <a:r>
-              <a:rPr lang="en-CA" sz="3600" i="1" dirty="0" smtClean="0"/>
-              <a:t>3.4 </a:t>
+              <a:t>Python 3.4 </a:t>
             </a:r>
             <a:r>
               <a:rPr lang="en-CA" dirty="0" smtClean="0"/>
-              <a:t>in </a:t>
-            </a:r>
-            <a:r>
-              <a:rPr lang="en-CA" dirty="0" smtClean="0"/>
-              <a:t>your Python project </a:t>
+              <a:t>in your Python project </a:t>
             </a:r>
           </a:p>
           <a:p>
@@ -17899,7 +17755,6 @@
               <a:rPr lang="en-CA" dirty="0" smtClean="0"/>
               <a:t>in your virtual environment </a:t>
             </a:r>
-            <a:endParaRPr lang="en-CA" dirty="0" smtClean="0"/>
           </a:p>
           <a:p>
             <a:pPr marL="514350" indent="-514350">
@@ -17908,11 +17763,7 @@
             </a:pPr>
             <a:r>
               <a:rPr lang="en-CA" dirty="0" smtClean="0"/>
-              <a:t>Import </a:t>
-            </a:r>
-            <a:r>
-              <a:rPr lang="en-CA" dirty="0" smtClean="0"/>
-              <a:t>the </a:t>
+              <a:t>Import the </a:t>
             </a:r>
             <a:r>
               <a:rPr lang="en-CA" sz="3600" b="1" i="1" dirty="0" err="1" smtClean="0"/>
@@ -17924,11 +17775,7 @@
             </a:r>
             <a:r>
               <a:rPr lang="en-CA" dirty="0" smtClean="0"/>
-              <a:t>library </a:t>
-            </a:r>
-            <a:r>
-              <a:rPr lang="en-CA" dirty="0" smtClean="0"/>
-              <a:t>in your code</a:t>
+              <a:t>library in your code</a:t>
             </a:r>
           </a:p>
           <a:p>
@@ -17972,11 +17819,7 @@
             </a:r>
             <a:r>
               <a:rPr lang="en-CA" dirty="0" smtClean="0"/>
-              <a:t> </a:t>
-            </a:r>
-            <a:r>
-              <a:rPr lang="en-CA" dirty="0" smtClean="0"/>
-              <a:t>library</a:t>
+              <a:t> library</a:t>
             </a:r>
             <a:endParaRPr lang="en-US" dirty="0"/>
           </a:p>
@@ -19809,6 +19652,19 @@
 </file>
 
 <file path=customXml/item1.xml><?xml version="1.0" encoding="utf-8"?>
+<p:properties xmlns:p="http://schemas.microsoft.com/office/2006/metadata/properties" xmlns:xsi="http://www.w3.org/2001/XMLSchema-instance" xmlns:pc="http://schemas.microsoft.com/office/infopath/2007/PartnerControls">
+  <documentManagement>
+    <TaxCatchAll xmlns="230e9df3-be65-4c73-a93b-d1236ebd677e"/>
+    <PublishingExpirationDate xmlns="http://schemas.microsoft.com/sharepoint/v3" xsi:nil="true"/>
+    <PublishingStartDate xmlns="http://schemas.microsoft.com/sharepoint/v3" xsi:nil="true"/>
+    <TaxKeywordTaxHTField xmlns="230e9df3-be65-4c73-a93b-d1236ebd677e">
+      <Terms xmlns="http://schemas.microsoft.com/office/infopath/2007/PartnerControls"/>
+    </TaxKeywordTaxHTField>
+  </documentManagement>
+</p:properties>
+</file>
+
+<file path=customXml/item2.xml><?xml version="1.0" encoding="utf-8"?>
 <ct:contentTypeSchema xmlns:ct="http://schemas.microsoft.com/office/2006/metadata/contentType" xmlns:ma="http://schemas.microsoft.com/office/2006/metadata/properties/metaAttributes" ct:_="" ma:_="" ma:contentTypeName="Document" ma:contentTypeID="0x010100496889825850D44592AC5D2F43187AE4" ma:contentTypeVersion="5" ma:contentTypeDescription="Create a new document." ma:contentTypeScope="" ma:versionID="fde90edb5a63ba841bca516fd2abaf95">
   <xsd:schema xmlns:xsd="http://www.w3.org/2001/XMLSchema" xmlns:xs="http://www.w3.org/2001/XMLSchema" xmlns:p="http://schemas.microsoft.com/office/2006/metadata/properties" xmlns:ns1="http://schemas.microsoft.com/sharepoint/v3" xmlns:ns2="230e9df3-be65-4c73-a93b-d1236ebd677e" xmlns:ns3="27aa9422-7f1f-4c84-9cdf-302b1a67e513" targetNamespace="http://schemas.microsoft.com/office/2006/metadata/properties" ma:root="true" ma:fieldsID="5e7808ae941cc340dbe51a3031959734" ns1:_="" ns2:_="" ns3:_="">
     <xsd:import namespace="http://schemas.microsoft.com/sharepoint/v3"/>
@@ -19990,19 +19846,6 @@
 </ct:contentTypeSchema>
 </file>
 
-<file path=customXml/item2.xml><?xml version="1.0" encoding="utf-8"?>
-<p:properties xmlns:p="http://schemas.microsoft.com/office/2006/metadata/properties" xmlns:xsi="http://www.w3.org/2001/XMLSchema-instance" xmlns:pc="http://schemas.microsoft.com/office/infopath/2007/PartnerControls">
-  <documentManagement>
-    <TaxCatchAll xmlns="230e9df3-be65-4c73-a93b-d1236ebd677e"/>
-    <PublishingExpirationDate xmlns="http://schemas.microsoft.com/sharepoint/v3" xsi:nil="true"/>
-    <PublishingStartDate xmlns="http://schemas.microsoft.com/sharepoint/v3" xsi:nil="true"/>
-    <TaxKeywordTaxHTField xmlns="230e9df3-be65-4c73-a93b-d1236ebd677e">
-      <Terms xmlns="http://schemas.microsoft.com/office/infopath/2007/PartnerControls"/>
-    </TaxKeywordTaxHTField>
-  </documentManagement>
-</p:properties>
-</file>
-
 <file path=customXml/item3.xml><?xml version="1.0" encoding="utf-8"?>
 <?mso-contentType ?>
 <FormTemplates xmlns="http://schemas.microsoft.com/sharepoint/v3/contenttype/forms">
@@ -20013,6 +19856,24 @@
 </file>
 
 <file path=customXml/itemProps1.xml><?xml version="1.0" encoding="utf-8"?>
+<ds:datastoreItem xmlns:ds="http://schemas.openxmlformats.org/officeDocument/2006/customXml" ds:itemID="{7025FDD9-4C58-4084-9F89-0E6ADD6FFF55}">
+  <ds:schemaRefs>
+    <ds:schemaRef ds:uri="http://schemas.microsoft.com/office/infopath/2007/PartnerControls"/>
+    <ds:schemaRef ds:uri="27aa9422-7f1f-4c84-9cdf-302b1a67e513"/>
+    <ds:schemaRef ds:uri="http://schemas.microsoft.com/sharepoint/v3"/>
+    <ds:schemaRef ds:uri="http://purl.org/dc/terms/"/>
+    <ds:schemaRef ds:uri="http://schemas.microsoft.com/office/2006/documentManagement/types"/>
+    <ds:schemaRef ds:uri="230e9df3-be65-4c73-a93b-d1236ebd677e"/>
+    <ds:schemaRef ds:uri="http://schemas.microsoft.com/office/2006/metadata/properties"/>
+    <ds:schemaRef ds:uri="http://purl.org/dc/elements/1.1/"/>
+    <ds:schemaRef ds:uri="http://schemas.openxmlformats.org/package/2006/metadata/core-properties"/>
+    <ds:schemaRef ds:uri="http://www.w3.org/XML/1998/namespace"/>
+    <ds:schemaRef ds:uri="http://purl.org/dc/dcmitype/"/>
+  </ds:schemaRefs>
+</ds:datastoreItem>
+</file>
+
+<file path=customXml/itemProps2.xml><?xml version="1.0" encoding="utf-8"?>
 <ds:datastoreItem xmlns:ds="http://schemas.openxmlformats.org/officeDocument/2006/customXml" ds:itemID="{3253B29C-1CCD-4FE8-A1C4-023A0910DF96}">
   <ds:schemaRefs>
     <ds:schemaRef ds:uri="http://schemas.microsoft.com/office/2006/metadata/contentType"/>
@@ -20032,24 +19893,6 @@
 </ds:datastoreItem>
 </file>
 
-<file path=customXml/itemProps2.xml><?xml version="1.0" encoding="utf-8"?>
-<ds:datastoreItem xmlns:ds="http://schemas.openxmlformats.org/officeDocument/2006/customXml" ds:itemID="{7025FDD9-4C58-4084-9F89-0E6ADD6FFF55}">
-  <ds:schemaRefs>
-    <ds:schemaRef ds:uri="http://schemas.microsoft.com/office/infopath/2007/PartnerControls"/>
-    <ds:schemaRef ds:uri="27aa9422-7f1f-4c84-9cdf-302b1a67e513"/>
-    <ds:schemaRef ds:uri="http://schemas.microsoft.com/sharepoint/v3"/>
-    <ds:schemaRef ds:uri="http://purl.org/dc/terms/"/>
-    <ds:schemaRef ds:uri="http://schemas.microsoft.com/office/2006/documentManagement/types"/>
-    <ds:schemaRef ds:uri="230e9df3-be65-4c73-a93b-d1236ebd677e"/>
-    <ds:schemaRef ds:uri="http://schemas.microsoft.com/office/2006/metadata/properties"/>
-    <ds:schemaRef ds:uri="http://purl.org/dc/elements/1.1/"/>
-    <ds:schemaRef ds:uri="http://schemas.openxmlformats.org/package/2006/metadata/core-properties"/>
-    <ds:schemaRef ds:uri="http://www.w3.org/XML/1998/namespace"/>
-    <ds:schemaRef ds:uri="http://purl.org/dc/dcmitype/"/>
-  </ds:schemaRefs>
-</ds:datastoreItem>
-</file>
-
 <file path=customXml/itemProps3.xml><?xml version="1.0" encoding="utf-8"?>
 <ds:datastoreItem xmlns:ds="http://schemas.openxmlformats.org/officeDocument/2006/customXml" ds:itemID="{B0CA13EC-1D3C-4D6F-8D1C-E8A452CFC79A}">
   <ds:schemaRefs>
